--- a/resource/docs/ServicePlatformAradon.pptx
+++ b/resource/docs/ServicePlatformAradon.pptx
@@ -5,7 +5,7 @@
     <p:sldMasterId id="2147483648" r:id="rId1"/>
   </p:sldMasterIdLst>
   <p:notesMasterIdLst>
-    <p:notesMasterId r:id="rId9"/>
+    <p:notesMasterId r:id="rId10"/>
   </p:notesMasterIdLst>
   <p:sldIdLst>
     <p:sldId id="256" r:id="rId2"/>
@@ -15,6 +15,7 @@
     <p:sldId id="261" r:id="rId6"/>
     <p:sldId id="259" r:id="rId7"/>
     <p:sldId id="263" r:id="rId8"/>
+    <p:sldId id="264" r:id="rId9"/>
   </p:sldIdLst>
   <p:sldSz cx="9144000" cy="6858000" type="screen4x3"/>
   <p:notesSz cx="6858000" cy="9144000"/>
@@ -198,7 +199,8 @@
           <a:p>
             <a:fld id="{52833BFF-905B-4AAD-AFB5-710128F96403}" type="datetimeFigureOut">
               <a:rPr lang="ko-KR" altLang="en-US" smtClean="0"/>
-              <a:t>2012-07-19</a:t>
+              <a:pPr/>
+              <a:t>2012-08-27</a:t>
             </a:fld>
             <a:endParaRPr lang="ko-KR" altLang="en-US"/>
           </a:p>
@@ -359,6 +361,7 @@
           <a:p>
             <a:fld id="{1DC14717-F6B7-44DD-B750-228F6B2EB3C4}" type="slidenum">
               <a:rPr lang="ko-KR" altLang="en-US" smtClean="0"/>
+              <a:pPr/>
               <a:t>‹#›</a:t>
             </a:fld>
             <a:endParaRPr lang="ko-KR" altLang="en-US"/>
@@ -584,6 +587,7 @@
           <a:p>
             <a:fld id="{1DC14717-F6B7-44DD-B750-228F6B2EB3C4}" type="slidenum">
               <a:rPr lang="ko-KR" altLang="en-US" smtClean="0"/>
+              <a:pPr/>
               <a:t>2</a:t>
             </a:fld>
             <a:endParaRPr lang="ko-KR" altLang="en-US"/>
@@ -709,6 +713,7 @@
           <a:p>
             <a:fld id="{1DC14717-F6B7-44DD-B750-228F6B2EB3C4}" type="slidenum">
               <a:rPr lang="ko-KR" altLang="en-US" smtClean="0"/>
+              <a:pPr/>
               <a:t>3</a:t>
             </a:fld>
             <a:endParaRPr lang="ko-KR" altLang="en-US"/>
@@ -972,6 +977,7 @@
           <a:p>
             <a:fld id="{1DC14717-F6B7-44DD-B750-228F6B2EB3C4}" type="slidenum">
               <a:rPr lang="ko-KR" altLang="en-US" smtClean="0"/>
+              <a:pPr/>
               <a:t>4</a:t>
             </a:fld>
             <a:endParaRPr lang="ko-KR" altLang="en-US"/>
@@ -1063,6 +1069,7 @@
           <a:p>
             <a:fld id="{1DC14717-F6B7-44DD-B750-228F6B2EB3C4}" type="slidenum">
               <a:rPr lang="ko-KR" altLang="en-US" smtClean="0"/>
+              <a:pPr/>
               <a:t>5</a:t>
             </a:fld>
             <a:endParaRPr lang="ko-KR" altLang="en-US"/>
@@ -1200,6 +1207,7 @@
           <a:p>
             <a:fld id="{1DC14717-F6B7-44DD-B750-228F6B2EB3C4}" type="slidenum">
               <a:rPr lang="ko-KR" altLang="en-US" smtClean="0"/>
+              <a:pPr/>
               <a:t>6</a:t>
             </a:fld>
             <a:endParaRPr lang="ko-KR" altLang="en-US"/>
@@ -1395,7 +1403,8 @@
           <a:p>
             <a:fld id="{0772CA07-ADC5-4316-B40E-D9864AA22A19}" type="datetimeFigureOut">
               <a:rPr lang="ko-KR" altLang="en-US" smtClean="0"/>
-              <a:t>2012-07-19</a:t>
+              <a:pPr/>
+              <a:t>2012-08-27</a:t>
             </a:fld>
             <a:endParaRPr lang="ko-KR" altLang="en-US"/>
           </a:p>
@@ -1437,6 +1446,7 @@
           <a:p>
             <a:fld id="{9783BF30-1777-4C30-B3B8-07C5EDC585B8}" type="slidenum">
               <a:rPr lang="ko-KR" altLang="en-US" smtClean="0"/>
+              <a:pPr/>
               <a:t>‹#›</a:t>
             </a:fld>
             <a:endParaRPr lang="ko-KR" altLang="en-US"/>
@@ -1560,7 +1570,8 @@
           <a:p>
             <a:fld id="{0772CA07-ADC5-4316-B40E-D9864AA22A19}" type="datetimeFigureOut">
               <a:rPr lang="ko-KR" altLang="en-US" smtClean="0"/>
-              <a:t>2012-07-19</a:t>
+              <a:pPr/>
+              <a:t>2012-08-27</a:t>
             </a:fld>
             <a:endParaRPr lang="ko-KR" altLang="en-US"/>
           </a:p>
@@ -1602,6 +1613,7 @@
           <a:p>
             <a:fld id="{9783BF30-1777-4C30-B3B8-07C5EDC585B8}" type="slidenum">
               <a:rPr lang="ko-KR" altLang="en-US" smtClean="0"/>
+              <a:pPr/>
               <a:t>‹#›</a:t>
             </a:fld>
             <a:endParaRPr lang="ko-KR" altLang="en-US"/>
@@ -1735,7 +1747,8 @@
           <a:p>
             <a:fld id="{0772CA07-ADC5-4316-B40E-D9864AA22A19}" type="datetimeFigureOut">
               <a:rPr lang="ko-KR" altLang="en-US" smtClean="0"/>
-              <a:t>2012-07-19</a:t>
+              <a:pPr/>
+              <a:t>2012-08-27</a:t>
             </a:fld>
             <a:endParaRPr lang="ko-KR" altLang="en-US"/>
           </a:p>
@@ -1777,6 +1790,7 @@
           <a:p>
             <a:fld id="{9783BF30-1777-4C30-B3B8-07C5EDC585B8}" type="slidenum">
               <a:rPr lang="ko-KR" altLang="en-US" smtClean="0"/>
+              <a:pPr/>
               <a:t>‹#›</a:t>
             </a:fld>
             <a:endParaRPr lang="ko-KR" altLang="en-US"/>
@@ -1900,7 +1914,8 @@
           <a:p>
             <a:fld id="{0772CA07-ADC5-4316-B40E-D9864AA22A19}" type="datetimeFigureOut">
               <a:rPr lang="ko-KR" altLang="en-US" smtClean="0"/>
-              <a:t>2012-07-19</a:t>
+              <a:pPr/>
+              <a:t>2012-08-27</a:t>
             </a:fld>
             <a:endParaRPr lang="ko-KR" altLang="en-US"/>
           </a:p>
@@ -1942,6 +1957,7 @@
           <a:p>
             <a:fld id="{9783BF30-1777-4C30-B3B8-07C5EDC585B8}" type="slidenum">
               <a:rPr lang="ko-KR" altLang="en-US" smtClean="0"/>
+              <a:pPr/>
               <a:t>‹#›</a:t>
             </a:fld>
             <a:endParaRPr lang="ko-KR" altLang="en-US"/>
@@ -2141,7 +2157,8 @@
           <a:p>
             <a:fld id="{0772CA07-ADC5-4316-B40E-D9864AA22A19}" type="datetimeFigureOut">
               <a:rPr lang="ko-KR" altLang="en-US" smtClean="0"/>
-              <a:t>2012-07-19</a:t>
+              <a:pPr/>
+              <a:t>2012-08-27</a:t>
             </a:fld>
             <a:endParaRPr lang="ko-KR" altLang="en-US"/>
           </a:p>
@@ -2183,6 +2200,7 @@
           <a:p>
             <a:fld id="{9783BF30-1777-4C30-B3B8-07C5EDC585B8}" type="slidenum">
               <a:rPr lang="ko-KR" altLang="en-US" smtClean="0"/>
+              <a:pPr/>
               <a:t>‹#›</a:t>
             </a:fld>
             <a:endParaRPr lang="ko-KR" altLang="en-US"/>
@@ -2424,7 +2442,8 @@
           <a:p>
             <a:fld id="{0772CA07-ADC5-4316-B40E-D9864AA22A19}" type="datetimeFigureOut">
               <a:rPr lang="ko-KR" altLang="en-US" smtClean="0"/>
-              <a:t>2012-07-19</a:t>
+              <a:pPr/>
+              <a:t>2012-08-27</a:t>
             </a:fld>
             <a:endParaRPr lang="ko-KR" altLang="en-US"/>
           </a:p>
@@ -2466,6 +2485,7 @@
           <a:p>
             <a:fld id="{9783BF30-1777-4C30-B3B8-07C5EDC585B8}" type="slidenum">
               <a:rPr lang="ko-KR" altLang="en-US" smtClean="0"/>
+              <a:pPr/>
               <a:t>‹#›</a:t>
             </a:fld>
             <a:endParaRPr lang="ko-KR" altLang="en-US"/>
@@ -2841,7 +2861,8 @@
           <a:p>
             <a:fld id="{0772CA07-ADC5-4316-B40E-D9864AA22A19}" type="datetimeFigureOut">
               <a:rPr lang="ko-KR" altLang="en-US" smtClean="0"/>
-              <a:t>2012-07-19</a:t>
+              <a:pPr/>
+              <a:t>2012-08-27</a:t>
             </a:fld>
             <a:endParaRPr lang="ko-KR" altLang="en-US"/>
           </a:p>
@@ -2883,6 +2904,7 @@
           <a:p>
             <a:fld id="{9783BF30-1777-4C30-B3B8-07C5EDC585B8}" type="slidenum">
               <a:rPr lang="ko-KR" altLang="en-US" smtClean="0"/>
+              <a:pPr/>
               <a:t>‹#›</a:t>
             </a:fld>
             <a:endParaRPr lang="ko-KR" altLang="en-US"/>
@@ -2954,7 +2976,8 @@
           <a:p>
             <a:fld id="{0772CA07-ADC5-4316-B40E-D9864AA22A19}" type="datetimeFigureOut">
               <a:rPr lang="ko-KR" altLang="en-US" smtClean="0"/>
-              <a:t>2012-07-19</a:t>
+              <a:pPr/>
+              <a:t>2012-08-27</a:t>
             </a:fld>
             <a:endParaRPr lang="ko-KR" altLang="en-US"/>
           </a:p>
@@ -2996,6 +3019,7 @@
           <a:p>
             <a:fld id="{9783BF30-1777-4C30-B3B8-07C5EDC585B8}" type="slidenum">
               <a:rPr lang="ko-KR" altLang="en-US" smtClean="0"/>
+              <a:pPr/>
               <a:t>‹#›</a:t>
             </a:fld>
             <a:endParaRPr lang="ko-KR" altLang="en-US"/>
@@ -3044,7 +3068,8 @@
           <a:p>
             <a:fld id="{0772CA07-ADC5-4316-B40E-D9864AA22A19}" type="datetimeFigureOut">
               <a:rPr lang="ko-KR" altLang="en-US" smtClean="0"/>
-              <a:t>2012-07-19</a:t>
+              <a:pPr/>
+              <a:t>2012-08-27</a:t>
             </a:fld>
             <a:endParaRPr lang="ko-KR" altLang="en-US"/>
           </a:p>
@@ -3086,6 +3111,7 @@
           <a:p>
             <a:fld id="{9783BF30-1777-4C30-B3B8-07C5EDC585B8}" type="slidenum">
               <a:rPr lang="ko-KR" altLang="en-US" smtClean="0"/>
+              <a:pPr/>
               <a:t>‹#›</a:t>
             </a:fld>
             <a:endParaRPr lang="ko-KR" altLang="en-US"/>
@@ -3316,7 +3342,8 @@
           <a:p>
             <a:fld id="{0772CA07-ADC5-4316-B40E-D9864AA22A19}" type="datetimeFigureOut">
               <a:rPr lang="ko-KR" altLang="en-US" smtClean="0"/>
-              <a:t>2012-07-19</a:t>
+              <a:pPr/>
+              <a:t>2012-08-27</a:t>
             </a:fld>
             <a:endParaRPr lang="ko-KR" altLang="en-US"/>
           </a:p>
@@ -3358,6 +3385,7 @@
           <a:p>
             <a:fld id="{9783BF30-1777-4C30-B3B8-07C5EDC585B8}" type="slidenum">
               <a:rPr lang="ko-KR" altLang="en-US" smtClean="0"/>
+              <a:pPr/>
               <a:t>‹#›</a:t>
             </a:fld>
             <a:endParaRPr lang="ko-KR" altLang="en-US"/>
@@ -3564,7 +3592,8 @@
           <a:p>
             <a:fld id="{0772CA07-ADC5-4316-B40E-D9864AA22A19}" type="datetimeFigureOut">
               <a:rPr lang="ko-KR" altLang="en-US" smtClean="0"/>
-              <a:t>2012-07-19</a:t>
+              <a:pPr/>
+              <a:t>2012-08-27</a:t>
             </a:fld>
             <a:endParaRPr lang="ko-KR" altLang="en-US"/>
           </a:p>
@@ -3606,6 +3635,7 @@
           <a:p>
             <a:fld id="{9783BF30-1777-4C30-B3B8-07C5EDC585B8}" type="slidenum">
               <a:rPr lang="ko-KR" altLang="en-US" smtClean="0"/>
+              <a:pPr/>
               <a:t>‹#›</a:t>
             </a:fld>
             <a:endParaRPr lang="ko-KR" altLang="en-US"/>
@@ -3772,7 +3802,8 @@
           <a:p>
             <a:fld id="{0772CA07-ADC5-4316-B40E-D9864AA22A19}" type="datetimeFigureOut">
               <a:rPr lang="ko-KR" altLang="en-US" smtClean="0"/>
-              <a:t>2012-07-19</a:t>
+              <a:pPr/>
+              <a:t>2012-08-27</a:t>
             </a:fld>
             <a:endParaRPr lang="ko-KR" altLang="en-US"/>
           </a:p>
@@ -3850,6 +3881,7 @@
           <a:p>
             <a:fld id="{9783BF30-1777-4C30-B3B8-07C5EDC585B8}" type="slidenum">
               <a:rPr lang="ko-KR" altLang="en-US" smtClean="0"/>
+              <a:pPr/>
               <a:t>‹#›</a:t>
             </a:fld>
             <a:endParaRPr lang="ko-KR" altLang="en-US"/>
@@ -4762,7 +4794,20 @@
           <a:p>
             <a:r>
               <a:rPr lang="en-US" altLang="ko-KR" dirty="0" smtClean="0"/>
-              <a:t>Multi tenancy</a:t>
+              <a:t>Multi </a:t>
+            </a:r>
+            <a:r>
+              <a:rPr lang="en-US" altLang="ko-KR" dirty="0" smtClean="0"/>
+              <a:t>tenancy</a:t>
+            </a:r>
+          </a:p>
+          <a:p>
+            <a:endParaRPr lang="en-US" altLang="ko-KR" dirty="0" smtClean="0"/>
+          </a:p>
+          <a:p>
+            <a:r>
+              <a:rPr lang="en-US" altLang="ko-KR" dirty="0" smtClean="0"/>
+              <a:t>Software To Service</a:t>
             </a:r>
             <a:endParaRPr lang="ko-KR" altLang="en-US" dirty="0"/>
           </a:p>
@@ -6043,6 +6088,994 @@
                 <a:ea typeface="나눔고딕" pitchFamily="50" charset="-127"/>
               </a:rPr>
               <a:t>Filter</a:t>
+            </a:r>
+            <a:endParaRPr lang="ko-KR" altLang="en-US" sz="1200" dirty="0">
+              <a:solidFill>
+                <a:schemeClr val="tx1">
+                  <a:lumMod val="95000"/>
+                  <a:lumOff val="5000"/>
+                </a:schemeClr>
+              </a:solidFill>
+              <a:latin typeface="나눔고딕" pitchFamily="50" charset="-127"/>
+              <a:ea typeface="나눔고딕" pitchFamily="50" charset="-127"/>
+            </a:endParaRPr>
+          </a:p>
+        </p:txBody>
+      </p:sp>
+    </p:spTree>
+  </p:cSld>
+  <p:clrMapOvr>
+    <a:masterClrMapping/>
+  </p:clrMapOvr>
+</p:sld>
+</file>
+
+<file path=ppt/slides/slide8.xml><?xml version="1.0" encoding="utf-8"?>
+<p:sld xmlns:a="http://schemas.openxmlformats.org/drawingml/2006/main" xmlns:r="http://schemas.openxmlformats.org/officeDocument/2006/relationships" xmlns:p="http://schemas.openxmlformats.org/presentationml/2006/main">
+  <p:cSld>
+    <p:spTree>
+      <p:nvGrpSpPr>
+        <p:cNvPr id="1" name=""/>
+        <p:cNvGrpSpPr/>
+        <p:nvPr/>
+      </p:nvGrpSpPr>
+      <p:grpSpPr>
+        <a:xfrm>
+          <a:off x="0" y="0"/>
+          <a:ext cx="0" cy="0"/>
+          <a:chOff x="0" y="0"/>
+          <a:chExt cx="0" cy="0"/>
+        </a:xfrm>
+      </p:grpSpPr>
+      <p:sp>
+        <p:nvSpPr>
+          <p:cNvPr id="4" name="제목 1"/>
+          <p:cNvSpPr>
+            <a:spLocks noGrp="1"/>
+          </p:cNvSpPr>
+          <p:nvPr>
+            <p:ph type="title"/>
+          </p:nvPr>
+        </p:nvSpPr>
+        <p:spPr>
+          <a:xfrm>
+            <a:off x="457200" y="274638"/>
+            <a:ext cx="8229600" cy="1143000"/>
+          </a:xfrm>
+        </p:spPr>
+        <p:txBody>
+          <a:bodyPr>
+            <a:normAutofit/>
+          </a:bodyPr>
+          <a:lstStyle/>
+          <a:p>
+            <a:r>
+              <a:rPr lang="en-US" altLang="ko-KR" sz="3200" dirty="0" smtClean="0"/>
+              <a:t>Distributed </a:t>
+            </a:r>
+            <a:r>
+              <a:rPr lang="en-US" altLang="ko-KR" sz="3200" dirty="0" err="1" smtClean="0"/>
+              <a:t>Aradon</a:t>
+            </a:r>
+            <a:endParaRPr lang="ko-KR" altLang="en-US" sz="3200" dirty="0"/>
+          </a:p>
+        </p:txBody>
+      </p:sp>
+      <p:sp>
+        <p:nvSpPr>
+          <p:cNvPr id="6" name="세로 텍스트 개체 틀 8"/>
+          <p:cNvSpPr txBox="1">
+            <a:spLocks/>
+          </p:cNvSpPr>
+          <p:nvPr/>
+        </p:nvSpPr>
+        <p:spPr>
+          <a:xfrm>
+            <a:off x="457200" y="1600200"/>
+            <a:ext cx="8229600" cy="4525963"/>
+          </a:xfrm>
+          <a:prstGeom prst="rect">
+            <a:avLst/>
+          </a:prstGeom>
+        </p:spPr>
+        <p:txBody>
+          <a:bodyPr vert="horz" lIns="91440" tIns="45720" rIns="91440" bIns="45720" rtlCol="0">
+            <a:normAutofit/>
+          </a:bodyPr>
+          <a:lstStyle/>
+          <a:p>
+            <a:pPr marL="342900" marR="0" lvl="0" indent="-342900" algn="l" defTabSz="914400" rtl="0" eaLnBrk="1" fontAlgn="auto" latinLnBrk="1" hangingPunct="1">
+              <a:lnSpc>
+                <a:spcPct val="100000"/>
+              </a:lnSpc>
+              <a:spcBef>
+                <a:spcPct val="20000"/>
+              </a:spcBef>
+              <a:spcAft>
+                <a:spcPts val="0"/>
+              </a:spcAft>
+              <a:buClrTx/>
+              <a:buSzTx/>
+              <a:buFont typeface="Arial" pitchFamily="34" charset="0"/>
+              <a:buChar char="•"/>
+              <a:tabLst/>
+              <a:defRPr/>
+            </a:pPr>
+            <a:r>
+              <a:rPr kumimoji="0" lang="en-US" altLang="ko-KR" sz="2000" b="0" i="0" u="none" strike="noStrike" kern="1200" cap="none" spc="0" normalizeH="0" baseline="0" noProof="0" dirty="0" smtClean="0">
+                <a:ln>
+                  <a:noFill/>
+                </a:ln>
+                <a:solidFill>
+                  <a:schemeClr val="tx1"/>
+                </a:solidFill>
+                <a:effectLst/>
+                <a:uLnTx/>
+                <a:uFillTx/>
+                <a:latin typeface="+mn-lt"/>
+                <a:ea typeface="+mn-ea"/>
+                <a:cs typeface="+mn-cs"/>
+              </a:rPr>
+              <a:t>With </a:t>
+            </a:r>
+            <a:r>
+              <a:rPr kumimoji="0" lang="en-US" altLang="ko-KR" sz="2000" b="0" i="0" u="none" strike="noStrike" kern="1200" cap="none" spc="0" normalizeH="0" baseline="0" noProof="0" dirty="0" err="1" smtClean="0">
+                <a:ln>
+                  <a:noFill/>
+                </a:ln>
+                <a:solidFill>
+                  <a:schemeClr val="tx1"/>
+                </a:solidFill>
+                <a:effectLst/>
+                <a:uLnTx/>
+                <a:uFillTx/>
+                <a:latin typeface="+mn-lt"/>
+                <a:ea typeface="+mn-ea"/>
+                <a:cs typeface="+mn-cs"/>
+              </a:rPr>
+              <a:t>Craken</a:t>
+            </a:r>
+            <a:endParaRPr kumimoji="0" lang="ko-KR" altLang="en-US" sz="2000" b="0" i="0" u="none" strike="noStrike" kern="1200" cap="none" spc="0" normalizeH="0" baseline="0" noProof="0" dirty="0">
+              <a:ln>
+                <a:noFill/>
+              </a:ln>
+              <a:solidFill>
+                <a:schemeClr val="tx1"/>
+              </a:solidFill>
+              <a:effectLst/>
+              <a:uLnTx/>
+              <a:uFillTx/>
+              <a:latin typeface="+mn-lt"/>
+              <a:ea typeface="+mn-ea"/>
+              <a:cs typeface="+mn-cs"/>
+            </a:endParaRPr>
+          </a:p>
+        </p:txBody>
+      </p:sp>
+      <p:sp>
+        <p:nvSpPr>
+          <p:cNvPr id="12" name="직사각형 11"/>
+          <p:cNvSpPr/>
+          <p:nvPr/>
+        </p:nvSpPr>
+        <p:spPr>
+          <a:xfrm>
+            <a:off x="1331640" y="4653136"/>
+            <a:ext cx="1872208" cy="1440160"/>
+          </a:xfrm>
+          <a:prstGeom prst="rect">
+            <a:avLst/>
+          </a:prstGeom>
+          <a:solidFill>
+            <a:schemeClr val="accent2">
+              <a:lumMod val="40000"/>
+              <a:lumOff val="60000"/>
+              <a:alpha val="25000"/>
+            </a:schemeClr>
+          </a:solidFill>
+        </p:spPr>
+        <p:style>
+          <a:lnRef idx="2">
+            <a:schemeClr val="accent1">
+              <a:shade val="50000"/>
+            </a:schemeClr>
+          </a:lnRef>
+          <a:fillRef idx="1">
+            <a:schemeClr val="accent1"/>
+          </a:fillRef>
+          <a:effectRef idx="0">
+            <a:schemeClr val="accent1"/>
+          </a:effectRef>
+          <a:fontRef idx="minor">
+            <a:schemeClr val="lt1"/>
+          </a:fontRef>
+        </p:style>
+        <p:txBody>
+          <a:bodyPr rtlCol="0" anchor="ctr"/>
+          <a:lstStyle/>
+          <a:p>
+            <a:pPr algn="ctr"/>
+            <a:r>
+              <a:rPr lang="en-US" altLang="ko-KR" sz="2000" dirty="0" err="1" smtClean="0">
+                <a:solidFill>
+                  <a:schemeClr val="tx1">
+                    <a:lumMod val="95000"/>
+                    <a:lumOff val="5000"/>
+                  </a:schemeClr>
+                </a:solidFill>
+                <a:latin typeface="나눔고딕" pitchFamily="50" charset="-127"/>
+                <a:ea typeface="나눔고딕" pitchFamily="50" charset="-127"/>
+              </a:rPr>
+              <a:t>Aradon</a:t>
+            </a:r>
+            <a:endParaRPr lang="en-US" altLang="ko-KR" sz="2000" dirty="0" smtClean="0">
+              <a:solidFill>
+                <a:schemeClr val="tx1">
+                  <a:lumMod val="95000"/>
+                  <a:lumOff val="5000"/>
+                </a:schemeClr>
+              </a:solidFill>
+              <a:latin typeface="나눔고딕" pitchFamily="50" charset="-127"/>
+              <a:ea typeface="나눔고딕" pitchFamily="50" charset="-127"/>
+            </a:endParaRPr>
+          </a:p>
+          <a:p>
+            <a:pPr algn="ctr"/>
+            <a:endParaRPr lang="en-US" altLang="ko-KR" dirty="0" smtClean="0">
+              <a:solidFill>
+                <a:schemeClr val="tx1">
+                  <a:lumMod val="95000"/>
+                  <a:lumOff val="5000"/>
+                </a:schemeClr>
+              </a:solidFill>
+              <a:latin typeface="나눔고딕" pitchFamily="50" charset="-127"/>
+              <a:ea typeface="나눔고딕" pitchFamily="50" charset="-127"/>
+            </a:endParaRPr>
+          </a:p>
+          <a:p>
+            <a:pPr algn="ctr"/>
+            <a:endParaRPr lang="ko-KR" altLang="en-US" dirty="0">
+              <a:solidFill>
+                <a:schemeClr val="tx1">
+                  <a:lumMod val="95000"/>
+                  <a:lumOff val="5000"/>
+                </a:schemeClr>
+              </a:solidFill>
+              <a:latin typeface="나눔고딕" pitchFamily="50" charset="-127"/>
+              <a:ea typeface="나눔고딕" pitchFamily="50" charset="-127"/>
+            </a:endParaRPr>
+          </a:p>
+        </p:txBody>
+      </p:sp>
+      <p:sp>
+        <p:nvSpPr>
+          <p:cNvPr id="24" name="직사각형 23"/>
+          <p:cNvSpPr/>
+          <p:nvPr/>
+        </p:nvSpPr>
+        <p:spPr>
+          <a:xfrm>
+            <a:off x="1331640" y="5589240"/>
+            <a:ext cx="6480720" cy="504056"/>
+          </a:xfrm>
+          <a:prstGeom prst="rect">
+            <a:avLst/>
+          </a:prstGeom>
+          <a:solidFill>
+            <a:schemeClr val="accent3">
+              <a:lumMod val="40000"/>
+              <a:lumOff val="60000"/>
+              <a:alpha val="25000"/>
+            </a:schemeClr>
+          </a:solidFill>
+        </p:spPr>
+        <p:style>
+          <a:lnRef idx="2">
+            <a:schemeClr val="accent1">
+              <a:shade val="50000"/>
+            </a:schemeClr>
+          </a:lnRef>
+          <a:fillRef idx="1">
+            <a:schemeClr val="accent1"/>
+          </a:fillRef>
+          <a:effectRef idx="0">
+            <a:schemeClr val="accent1"/>
+          </a:effectRef>
+          <a:fontRef idx="minor">
+            <a:schemeClr val="lt1"/>
+          </a:fontRef>
+        </p:style>
+        <p:txBody>
+          <a:bodyPr rtlCol="0" anchor="ctr"/>
+          <a:lstStyle/>
+          <a:p>
+            <a:pPr algn="ctr"/>
+            <a:r>
+              <a:rPr lang="en-US" altLang="ko-KR" sz="1200" b="1" dirty="0" smtClean="0">
+                <a:solidFill>
+                  <a:schemeClr val="tx1">
+                    <a:lumMod val="95000"/>
+                    <a:lumOff val="5000"/>
+                  </a:schemeClr>
+                </a:solidFill>
+                <a:latin typeface="나눔고딕" pitchFamily="50" charset="-127"/>
+                <a:ea typeface="나눔고딕" pitchFamily="50" charset="-127"/>
+              </a:rPr>
+              <a:t>State Sharing (</a:t>
+            </a:r>
+            <a:r>
+              <a:rPr lang="en-US" altLang="ko-KR" sz="1200" b="1" dirty="0" err="1" smtClean="0">
+                <a:solidFill>
+                  <a:schemeClr val="tx1">
+                    <a:lumMod val="95000"/>
+                    <a:lumOff val="5000"/>
+                  </a:schemeClr>
+                </a:solidFill>
+                <a:latin typeface="나눔고딕" pitchFamily="50" charset="-127"/>
+                <a:ea typeface="나눔고딕" pitchFamily="50" charset="-127"/>
+              </a:rPr>
+              <a:t>ClusterMode</a:t>
+            </a:r>
+            <a:r>
+              <a:rPr lang="en-US" altLang="ko-KR" sz="1200" b="1" dirty="0" smtClean="0">
+                <a:solidFill>
+                  <a:schemeClr val="tx1">
+                    <a:lumMod val="95000"/>
+                    <a:lumOff val="5000"/>
+                  </a:schemeClr>
+                </a:solidFill>
+                <a:latin typeface="나눔고딕" pitchFamily="50" charset="-127"/>
+                <a:ea typeface="나눔고딕" pitchFamily="50" charset="-127"/>
+              </a:rPr>
+              <a:t> With </a:t>
+            </a:r>
+            <a:r>
+              <a:rPr lang="en-US" altLang="ko-KR" sz="1200" b="1" dirty="0" err="1" smtClean="0">
+                <a:solidFill>
+                  <a:schemeClr val="tx1">
+                    <a:lumMod val="95000"/>
+                    <a:lumOff val="5000"/>
+                  </a:schemeClr>
+                </a:solidFill>
+                <a:latin typeface="나눔고딕" pitchFamily="50" charset="-127"/>
+                <a:ea typeface="나눔고딕" pitchFamily="50" charset="-127"/>
+              </a:rPr>
+              <a:t>Craken</a:t>
+            </a:r>
+            <a:r>
+              <a:rPr lang="en-US" altLang="ko-KR" sz="1200" b="1" dirty="0" smtClean="0">
+                <a:solidFill>
+                  <a:schemeClr val="tx1">
+                    <a:lumMod val="95000"/>
+                    <a:lumOff val="5000"/>
+                  </a:schemeClr>
+                </a:solidFill>
+                <a:latin typeface="나눔고딕" pitchFamily="50" charset="-127"/>
+                <a:ea typeface="나눔고딕" pitchFamily="50" charset="-127"/>
+              </a:rPr>
+              <a:t> </a:t>
+            </a:r>
+            <a:r>
+              <a:rPr lang="en-US" altLang="ko-KR" sz="1200" b="1" dirty="0" smtClean="0">
+                <a:solidFill>
+                  <a:schemeClr val="tx1">
+                    <a:lumMod val="95000"/>
+                    <a:lumOff val="5000"/>
+                  </a:schemeClr>
+                </a:solidFill>
+                <a:latin typeface="나눔고딕" pitchFamily="50" charset="-127"/>
+                <a:ea typeface="나눔고딕" pitchFamily="50" charset="-127"/>
+              </a:rPr>
+              <a:t>– </a:t>
+            </a:r>
+            <a:r>
+              <a:rPr lang="en-US" altLang="ko-KR" sz="1200" b="1" dirty="0" err="1" smtClean="0">
+                <a:solidFill>
+                  <a:schemeClr val="tx1">
+                    <a:lumMod val="95000"/>
+                    <a:lumOff val="5000"/>
+                  </a:schemeClr>
+                </a:solidFill>
+                <a:latin typeface="나눔고딕" pitchFamily="50" charset="-127"/>
+                <a:ea typeface="나눔고딕" pitchFamily="50" charset="-127"/>
+              </a:rPr>
+              <a:t>DataGrid</a:t>
+            </a:r>
+            <a:r>
+              <a:rPr lang="en-US" altLang="ko-KR" sz="1200" b="1" dirty="0" smtClean="0">
+                <a:solidFill>
+                  <a:schemeClr val="tx1">
+                    <a:lumMod val="95000"/>
+                    <a:lumOff val="5000"/>
+                  </a:schemeClr>
+                </a:solidFill>
+                <a:latin typeface="나눔고딕" pitchFamily="50" charset="-127"/>
+                <a:ea typeface="나눔고딕" pitchFamily="50" charset="-127"/>
+              </a:rPr>
+              <a:t>)</a:t>
+            </a:r>
+            <a:endParaRPr lang="ko-KR" altLang="en-US" sz="1200" b="1" dirty="0">
+              <a:solidFill>
+                <a:schemeClr val="tx1">
+                  <a:lumMod val="95000"/>
+                  <a:lumOff val="5000"/>
+                </a:schemeClr>
+              </a:solidFill>
+              <a:latin typeface="나눔고딕" pitchFamily="50" charset="-127"/>
+              <a:ea typeface="나눔고딕" pitchFamily="50" charset="-127"/>
+            </a:endParaRPr>
+          </a:p>
+        </p:txBody>
+      </p:sp>
+      <p:sp>
+        <p:nvSpPr>
+          <p:cNvPr id="25" name="직사각형 24"/>
+          <p:cNvSpPr/>
+          <p:nvPr/>
+        </p:nvSpPr>
+        <p:spPr>
+          <a:xfrm>
+            <a:off x="3635896" y="4653136"/>
+            <a:ext cx="1872208" cy="1440160"/>
+          </a:xfrm>
+          <a:prstGeom prst="rect">
+            <a:avLst/>
+          </a:prstGeom>
+          <a:solidFill>
+            <a:schemeClr val="accent2">
+              <a:lumMod val="40000"/>
+              <a:lumOff val="60000"/>
+              <a:alpha val="25000"/>
+            </a:schemeClr>
+          </a:solidFill>
+        </p:spPr>
+        <p:style>
+          <a:lnRef idx="2">
+            <a:schemeClr val="accent1">
+              <a:shade val="50000"/>
+            </a:schemeClr>
+          </a:lnRef>
+          <a:fillRef idx="1">
+            <a:schemeClr val="accent1"/>
+          </a:fillRef>
+          <a:effectRef idx="0">
+            <a:schemeClr val="accent1"/>
+          </a:effectRef>
+          <a:fontRef idx="minor">
+            <a:schemeClr val="lt1"/>
+          </a:fontRef>
+        </p:style>
+        <p:txBody>
+          <a:bodyPr rtlCol="0" anchor="ctr"/>
+          <a:lstStyle/>
+          <a:p>
+            <a:pPr algn="ctr"/>
+            <a:r>
+              <a:rPr lang="en-US" altLang="ko-KR" sz="2000" dirty="0" err="1" smtClean="0">
+                <a:solidFill>
+                  <a:schemeClr val="tx1">
+                    <a:lumMod val="95000"/>
+                    <a:lumOff val="5000"/>
+                  </a:schemeClr>
+                </a:solidFill>
+                <a:latin typeface="나눔고딕" pitchFamily="50" charset="-127"/>
+                <a:ea typeface="나눔고딕" pitchFamily="50" charset="-127"/>
+              </a:rPr>
+              <a:t>Aradon</a:t>
+            </a:r>
+            <a:endParaRPr lang="en-US" altLang="ko-KR" sz="2000" dirty="0" smtClean="0">
+              <a:solidFill>
+                <a:schemeClr val="tx1">
+                  <a:lumMod val="95000"/>
+                  <a:lumOff val="5000"/>
+                </a:schemeClr>
+              </a:solidFill>
+              <a:latin typeface="나눔고딕" pitchFamily="50" charset="-127"/>
+              <a:ea typeface="나눔고딕" pitchFamily="50" charset="-127"/>
+            </a:endParaRPr>
+          </a:p>
+          <a:p>
+            <a:pPr algn="ctr"/>
+            <a:endParaRPr lang="en-US" altLang="ko-KR" dirty="0" smtClean="0">
+              <a:solidFill>
+                <a:schemeClr val="tx1">
+                  <a:lumMod val="95000"/>
+                  <a:lumOff val="5000"/>
+                </a:schemeClr>
+              </a:solidFill>
+              <a:latin typeface="나눔고딕" pitchFamily="50" charset="-127"/>
+              <a:ea typeface="나눔고딕" pitchFamily="50" charset="-127"/>
+            </a:endParaRPr>
+          </a:p>
+          <a:p>
+            <a:pPr algn="ctr"/>
+            <a:endParaRPr lang="ko-KR" altLang="en-US" dirty="0">
+              <a:solidFill>
+                <a:schemeClr val="tx1">
+                  <a:lumMod val="95000"/>
+                  <a:lumOff val="5000"/>
+                </a:schemeClr>
+              </a:solidFill>
+              <a:latin typeface="나눔고딕" pitchFamily="50" charset="-127"/>
+              <a:ea typeface="나눔고딕" pitchFamily="50" charset="-127"/>
+            </a:endParaRPr>
+          </a:p>
+        </p:txBody>
+      </p:sp>
+      <p:sp>
+        <p:nvSpPr>
+          <p:cNvPr id="26" name="직사각형 25"/>
+          <p:cNvSpPr/>
+          <p:nvPr/>
+        </p:nvSpPr>
+        <p:spPr>
+          <a:xfrm>
+            <a:off x="5940152" y="4653136"/>
+            <a:ext cx="1872208" cy="1440160"/>
+          </a:xfrm>
+          <a:prstGeom prst="rect">
+            <a:avLst/>
+          </a:prstGeom>
+          <a:solidFill>
+            <a:schemeClr val="accent2">
+              <a:lumMod val="40000"/>
+              <a:lumOff val="60000"/>
+              <a:alpha val="25000"/>
+            </a:schemeClr>
+          </a:solidFill>
+        </p:spPr>
+        <p:style>
+          <a:lnRef idx="2">
+            <a:schemeClr val="accent1">
+              <a:shade val="50000"/>
+            </a:schemeClr>
+          </a:lnRef>
+          <a:fillRef idx="1">
+            <a:schemeClr val="accent1"/>
+          </a:fillRef>
+          <a:effectRef idx="0">
+            <a:schemeClr val="accent1"/>
+          </a:effectRef>
+          <a:fontRef idx="minor">
+            <a:schemeClr val="lt1"/>
+          </a:fontRef>
+        </p:style>
+        <p:txBody>
+          <a:bodyPr rtlCol="0" anchor="ctr"/>
+          <a:lstStyle/>
+          <a:p>
+            <a:pPr algn="ctr"/>
+            <a:r>
+              <a:rPr lang="en-US" altLang="ko-KR" sz="2000" dirty="0" err="1" smtClean="0">
+                <a:solidFill>
+                  <a:schemeClr val="tx1">
+                    <a:lumMod val="95000"/>
+                    <a:lumOff val="5000"/>
+                  </a:schemeClr>
+                </a:solidFill>
+                <a:latin typeface="나눔고딕" pitchFamily="50" charset="-127"/>
+                <a:ea typeface="나눔고딕" pitchFamily="50" charset="-127"/>
+              </a:rPr>
+              <a:t>Aradon</a:t>
+            </a:r>
+            <a:endParaRPr lang="en-US" altLang="ko-KR" sz="2000" dirty="0" smtClean="0">
+              <a:solidFill>
+                <a:schemeClr val="tx1">
+                  <a:lumMod val="95000"/>
+                  <a:lumOff val="5000"/>
+                </a:schemeClr>
+              </a:solidFill>
+              <a:latin typeface="나눔고딕" pitchFamily="50" charset="-127"/>
+              <a:ea typeface="나눔고딕" pitchFamily="50" charset="-127"/>
+            </a:endParaRPr>
+          </a:p>
+          <a:p>
+            <a:pPr algn="ctr"/>
+            <a:endParaRPr lang="en-US" altLang="ko-KR" dirty="0" smtClean="0">
+              <a:solidFill>
+                <a:schemeClr val="tx1">
+                  <a:lumMod val="95000"/>
+                  <a:lumOff val="5000"/>
+                </a:schemeClr>
+              </a:solidFill>
+              <a:latin typeface="나눔고딕" pitchFamily="50" charset="-127"/>
+              <a:ea typeface="나눔고딕" pitchFamily="50" charset="-127"/>
+            </a:endParaRPr>
+          </a:p>
+          <a:p>
+            <a:pPr algn="ctr"/>
+            <a:endParaRPr lang="ko-KR" altLang="en-US" dirty="0">
+              <a:solidFill>
+                <a:schemeClr val="tx1">
+                  <a:lumMod val="95000"/>
+                  <a:lumOff val="5000"/>
+                </a:schemeClr>
+              </a:solidFill>
+              <a:latin typeface="나눔고딕" pitchFamily="50" charset="-127"/>
+              <a:ea typeface="나눔고딕" pitchFamily="50" charset="-127"/>
+            </a:endParaRPr>
+          </a:p>
+        </p:txBody>
+      </p:sp>
+      <p:sp>
+        <p:nvSpPr>
+          <p:cNvPr id="27" name="왼쪽/오른쪽/위쪽 화살표 26"/>
+          <p:cNvSpPr/>
+          <p:nvPr/>
+        </p:nvSpPr>
+        <p:spPr>
+          <a:xfrm>
+            <a:off x="1331640" y="3717032"/>
+            <a:ext cx="6480720" cy="360040"/>
+          </a:xfrm>
+          <a:prstGeom prst="leftRightUpArrow">
+            <a:avLst/>
+          </a:prstGeom>
+        </p:spPr>
+        <p:style>
+          <a:lnRef idx="2">
+            <a:schemeClr val="accent1">
+              <a:shade val="50000"/>
+            </a:schemeClr>
+          </a:lnRef>
+          <a:fillRef idx="1">
+            <a:schemeClr val="accent1"/>
+          </a:fillRef>
+          <a:effectRef idx="0">
+            <a:schemeClr val="accent1"/>
+          </a:effectRef>
+          <a:fontRef idx="minor">
+            <a:schemeClr val="lt1"/>
+          </a:fontRef>
+        </p:style>
+        <p:txBody>
+          <a:bodyPr rtlCol="0" anchor="ctr"/>
+          <a:lstStyle/>
+          <a:p>
+            <a:pPr algn="ctr"/>
+            <a:endParaRPr lang="ko-KR" altLang="en-US"/>
+          </a:p>
+        </p:txBody>
+      </p:sp>
+      <p:sp>
+        <p:nvSpPr>
+          <p:cNvPr id="28" name="직사각형 27"/>
+          <p:cNvSpPr/>
+          <p:nvPr/>
+        </p:nvSpPr>
+        <p:spPr>
+          <a:xfrm>
+            <a:off x="1763688" y="2132856"/>
+            <a:ext cx="1368152" cy="648072"/>
+          </a:xfrm>
+          <a:prstGeom prst="rect">
+            <a:avLst/>
+          </a:prstGeom>
+          <a:solidFill>
+            <a:schemeClr val="accent2">
+              <a:lumMod val="40000"/>
+              <a:lumOff val="60000"/>
+              <a:alpha val="25000"/>
+            </a:schemeClr>
+          </a:solidFill>
+        </p:spPr>
+        <p:style>
+          <a:lnRef idx="2">
+            <a:schemeClr val="accent1">
+              <a:shade val="50000"/>
+            </a:schemeClr>
+          </a:lnRef>
+          <a:fillRef idx="1">
+            <a:schemeClr val="accent1"/>
+          </a:fillRef>
+          <a:effectRef idx="0">
+            <a:schemeClr val="accent1"/>
+          </a:effectRef>
+          <a:fontRef idx="minor">
+            <a:schemeClr val="lt1"/>
+          </a:fontRef>
+        </p:style>
+        <p:txBody>
+          <a:bodyPr rtlCol="0" anchor="ctr"/>
+          <a:lstStyle/>
+          <a:p>
+            <a:pPr algn="ctr"/>
+            <a:r>
+              <a:rPr lang="en-US" altLang="ko-KR" sz="1200" dirty="0" err="1" smtClean="0">
+                <a:solidFill>
+                  <a:schemeClr val="tx1">
+                    <a:lumMod val="95000"/>
+                    <a:lumOff val="5000"/>
+                  </a:schemeClr>
+                </a:solidFill>
+                <a:latin typeface="나눔고딕" pitchFamily="50" charset="-127"/>
+                <a:ea typeface="나눔고딕" pitchFamily="50" charset="-127"/>
+              </a:rPr>
+              <a:t>AradonClient</a:t>
+            </a:r>
+            <a:endParaRPr lang="ko-KR" altLang="en-US" sz="1200" dirty="0">
+              <a:solidFill>
+                <a:schemeClr val="tx1">
+                  <a:lumMod val="95000"/>
+                  <a:lumOff val="5000"/>
+                </a:schemeClr>
+              </a:solidFill>
+              <a:latin typeface="나눔고딕" pitchFamily="50" charset="-127"/>
+              <a:ea typeface="나눔고딕" pitchFamily="50" charset="-127"/>
+            </a:endParaRPr>
+          </a:p>
+        </p:txBody>
+      </p:sp>
+      <p:sp>
+        <p:nvSpPr>
+          <p:cNvPr id="31" name="직사각형 30"/>
+          <p:cNvSpPr/>
+          <p:nvPr/>
+        </p:nvSpPr>
+        <p:spPr>
+          <a:xfrm>
+            <a:off x="3203848" y="2132856"/>
+            <a:ext cx="1368152" cy="648072"/>
+          </a:xfrm>
+          <a:prstGeom prst="rect">
+            <a:avLst/>
+          </a:prstGeom>
+          <a:solidFill>
+            <a:schemeClr val="accent2">
+              <a:lumMod val="40000"/>
+              <a:lumOff val="60000"/>
+              <a:alpha val="25000"/>
+            </a:schemeClr>
+          </a:solidFill>
+        </p:spPr>
+        <p:style>
+          <a:lnRef idx="2">
+            <a:schemeClr val="accent1">
+              <a:shade val="50000"/>
+            </a:schemeClr>
+          </a:lnRef>
+          <a:fillRef idx="1">
+            <a:schemeClr val="accent1"/>
+          </a:fillRef>
+          <a:effectRef idx="0">
+            <a:schemeClr val="accent1"/>
+          </a:effectRef>
+          <a:fontRef idx="minor">
+            <a:schemeClr val="lt1"/>
+          </a:fontRef>
+        </p:style>
+        <p:txBody>
+          <a:bodyPr rtlCol="0" anchor="ctr"/>
+          <a:lstStyle/>
+          <a:p>
+            <a:pPr algn="ctr"/>
+            <a:r>
+              <a:rPr lang="en-US" altLang="ko-KR" sz="1200" dirty="0" err="1" smtClean="0">
+                <a:solidFill>
+                  <a:schemeClr val="tx1">
+                    <a:lumMod val="95000"/>
+                    <a:lumOff val="5000"/>
+                  </a:schemeClr>
+                </a:solidFill>
+                <a:latin typeface="나눔고딕" pitchFamily="50" charset="-127"/>
+                <a:ea typeface="나눔고딕" pitchFamily="50" charset="-127"/>
+              </a:rPr>
+              <a:t>AradonClient</a:t>
+            </a:r>
+            <a:endParaRPr lang="ko-KR" altLang="en-US" sz="1200" dirty="0">
+              <a:solidFill>
+                <a:schemeClr val="tx1">
+                  <a:lumMod val="95000"/>
+                  <a:lumOff val="5000"/>
+                </a:schemeClr>
+              </a:solidFill>
+              <a:latin typeface="나눔고딕" pitchFamily="50" charset="-127"/>
+              <a:ea typeface="나눔고딕" pitchFamily="50" charset="-127"/>
+            </a:endParaRPr>
+          </a:p>
+        </p:txBody>
+      </p:sp>
+      <p:sp>
+        <p:nvSpPr>
+          <p:cNvPr id="32" name="TextBox 31"/>
+          <p:cNvSpPr txBox="1"/>
+          <p:nvPr/>
+        </p:nvSpPr>
+        <p:spPr>
+          <a:xfrm>
+            <a:off x="3635896" y="4077072"/>
+            <a:ext cx="2374368" cy="369332"/>
+          </a:xfrm>
+          <a:prstGeom prst="rect">
+            <a:avLst/>
+          </a:prstGeom>
+          <a:noFill/>
+        </p:spPr>
+        <p:txBody>
+          <a:bodyPr wrap="none" rtlCol="0">
+            <a:spAutoFit/>
+          </a:bodyPr>
+          <a:lstStyle/>
+          <a:p>
+            <a:r>
+              <a:rPr lang="en-US" altLang="ko-KR" dirty="0" smtClean="0"/>
+              <a:t>Horizontal Scalability</a:t>
+            </a:r>
+            <a:endParaRPr lang="ko-KR" altLang="en-US" dirty="0"/>
+          </a:p>
+        </p:txBody>
+      </p:sp>
+      <p:sp>
+        <p:nvSpPr>
+          <p:cNvPr id="33" name="직사각형 32"/>
+          <p:cNvSpPr/>
+          <p:nvPr/>
+        </p:nvSpPr>
+        <p:spPr>
+          <a:xfrm>
+            <a:off x="4644008" y="2132856"/>
+            <a:ext cx="1368152" cy="648072"/>
+          </a:xfrm>
+          <a:prstGeom prst="rect">
+            <a:avLst/>
+          </a:prstGeom>
+          <a:solidFill>
+            <a:schemeClr val="accent2">
+              <a:lumMod val="40000"/>
+              <a:lumOff val="60000"/>
+              <a:alpha val="25000"/>
+            </a:schemeClr>
+          </a:solidFill>
+        </p:spPr>
+        <p:style>
+          <a:lnRef idx="2">
+            <a:schemeClr val="accent1">
+              <a:shade val="50000"/>
+            </a:schemeClr>
+          </a:lnRef>
+          <a:fillRef idx="1">
+            <a:schemeClr val="accent1"/>
+          </a:fillRef>
+          <a:effectRef idx="0">
+            <a:schemeClr val="accent1"/>
+          </a:effectRef>
+          <a:fontRef idx="minor">
+            <a:schemeClr val="lt1"/>
+          </a:fontRef>
+        </p:style>
+        <p:txBody>
+          <a:bodyPr rtlCol="0" anchor="ctr"/>
+          <a:lstStyle/>
+          <a:p>
+            <a:pPr algn="ctr"/>
+            <a:r>
+              <a:rPr lang="en-US" altLang="ko-KR" sz="1200" dirty="0" err="1" smtClean="0">
+                <a:solidFill>
+                  <a:schemeClr val="tx1">
+                    <a:lumMod val="95000"/>
+                    <a:lumOff val="5000"/>
+                  </a:schemeClr>
+                </a:solidFill>
+                <a:latin typeface="나눔고딕" pitchFamily="50" charset="-127"/>
+                <a:ea typeface="나눔고딕" pitchFamily="50" charset="-127"/>
+              </a:rPr>
+              <a:t>AradonClient</a:t>
+            </a:r>
+            <a:endParaRPr lang="ko-KR" altLang="en-US" sz="1200" dirty="0">
+              <a:solidFill>
+                <a:schemeClr val="tx1">
+                  <a:lumMod val="95000"/>
+                  <a:lumOff val="5000"/>
+                </a:schemeClr>
+              </a:solidFill>
+              <a:latin typeface="나눔고딕" pitchFamily="50" charset="-127"/>
+              <a:ea typeface="나눔고딕" pitchFamily="50" charset="-127"/>
+            </a:endParaRPr>
+          </a:p>
+        </p:txBody>
+      </p:sp>
+      <p:sp>
+        <p:nvSpPr>
+          <p:cNvPr id="34" name="위쪽/아래쪽 화살표 33"/>
+          <p:cNvSpPr/>
+          <p:nvPr/>
+        </p:nvSpPr>
+        <p:spPr>
+          <a:xfrm>
+            <a:off x="2627784" y="2924944"/>
+            <a:ext cx="3888432" cy="720080"/>
+          </a:xfrm>
+          <a:prstGeom prst="upDownArrow">
+            <a:avLst>
+              <a:gd name="adj1" fmla="val 37566"/>
+              <a:gd name="adj2" fmla="val 26686"/>
+            </a:avLst>
+          </a:prstGeom>
+        </p:spPr>
+        <p:style>
+          <a:lnRef idx="2">
+            <a:schemeClr val="accent1">
+              <a:shade val="50000"/>
+            </a:schemeClr>
+          </a:lnRef>
+          <a:fillRef idx="1">
+            <a:schemeClr val="accent1"/>
+          </a:fillRef>
+          <a:effectRef idx="0">
+            <a:schemeClr val="accent1"/>
+          </a:effectRef>
+          <a:fontRef idx="minor">
+            <a:schemeClr val="lt1"/>
+          </a:fontRef>
+        </p:style>
+        <p:txBody>
+          <a:bodyPr rtlCol="0" anchor="ctr"/>
+          <a:lstStyle/>
+          <a:p>
+            <a:pPr algn="ctr"/>
+            <a:r>
+              <a:rPr lang="en-US" altLang="ko-KR" dirty="0" smtClean="0"/>
+              <a:t>Request  Response</a:t>
+            </a:r>
+            <a:endParaRPr lang="ko-KR" altLang="en-US" dirty="0"/>
+          </a:p>
+        </p:txBody>
+      </p:sp>
+      <p:sp>
+        <p:nvSpPr>
+          <p:cNvPr id="35" name="직사각형 34"/>
+          <p:cNvSpPr/>
+          <p:nvPr/>
+        </p:nvSpPr>
+        <p:spPr>
+          <a:xfrm>
+            <a:off x="6084168" y="2132856"/>
+            <a:ext cx="1368152" cy="648072"/>
+          </a:xfrm>
+          <a:prstGeom prst="rect">
+            <a:avLst/>
+          </a:prstGeom>
+          <a:solidFill>
+            <a:schemeClr val="accent2">
+              <a:lumMod val="40000"/>
+              <a:lumOff val="60000"/>
+              <a:alpha val="25000"/>
+            </a:schemeClr>
+          </a:solidFill>
+        </p:spPr>
+        <p:style>
+          <a:lnRef idx="2">
+            <a:schemeClr val="accent1">
+              <a:shade val="50000"/>
+            </a:schemeClr>
+          </a:lnRef>
+          <a:fillRef idx="1">
+            <a:schemeClr val="accent1"/>
+          </a:fillRef>
+          <a:effectRef idx="0">
+            <a:schemeClr val="accent1"/>
+          </a:effectRef>
+          <a:fontRef idx="minor">
+            <a:schemeClr val="lt1"/>
+          </a:fontRef>
+        </p:style>
+        <p:txBody>
+          <a:bodyPr rtlCol="0" anchor="ctr"/>
+          <a:lstStyle/>
+          <a:p>
+            <a:pPr algn="ctr"/>
+            <a:r>
+              <a:rPr lang="en-US" altLang="ko-KR" sz="1200" dirty="0" err="1" smtClean="0">
+                <a:solidFill>
+                  <a:schemeClr val="tx1">
+                    <a:lumMod val="95000"/>
+                    <a:lumOff val="5000"/>
+                  </a:schemeClr>
+                </a:solidFill>
+                <a:latin typeface="나눔고딕" pitchFamily="50" charset="-127"/>
+                <a:ea typeface="나눔고딕" pitchFamily="50" charset="-127"/>
+              </a:rPr>
+              <a:t>AradonClient</a:t>
             </a:r>
             <a:endParaRPr lang="ko-KR" altLang="en-US" sz="1200" dirty="0">
               <a:solidFill>

--- a/resource/docs/ServicePlatformAradon.pptx
+++ b/resource/docs/ServicePlatformAradon.pptx
@@ -6306,7 +6306,7 @@
                 <a:latin typeface="나눔고딕" pitchFamily="50" charset="-127"/>
                 <a:ea typeface="나눔고딕" pitchFamily="50" charset="-127"/>
               </a:rPr>
-              <a:t>Aradon</a:t>
+              <a:t>AradonNode</a:t>
             </a:r>
             <a:endParaRPr lang="en-US" altLang="ko-KR" sz="2000" dirty="0" smtClean="0">
               <a:solidFill>
@@ -6561,7 +6561,7 @@
                 <a:latin typeface="나눔고딕" pitchFamily="50" charset="-127"/>
                 <a:ea typeface="나눔고딕" pitchFamily="50" charset="-127"/>
               </a:rPr>
-              <a:t>Aradon</a:t>
+              <a:t>AradonNode</a:t>
             </a:r>
             <a:endParaRPr lang="en-US" altLang="ko-KR" sz="2000" dirty="0" smtClean="0">
               <a:solidFill>
@@ -6656,7 +6656,7 @@
                 <a:latin typeface="나눔고딕" pitchFamily="50" charset="-127"/>
                 <a:ea typeface="나눔고딕" pitchFamily="50" charset="-127"/>
               </a:rPr>
-              <a:t>Aradon</a:t>
+              <a:t>AradonNode</a:t>
             </a:r>
             <a:endParaRPr lang="en-US" altLang="ko-KR" sz="2000" dirty="0" smtClean="0">
               <a:solidFill>

--- a/resource/docs/ServicePlatformAradon.pptx
+++ b/resource/docs/ServicePlatformAradon.pptx
@@ -2,20 +2,21 @@
 <file path=ppt/presentation.xml><?xml version="1.0" encoding="utf-8"?>
 <p:presentation xmlns:a="http://schemas.openxmlformats.org/drawingml/2006/main" xmlns:r="http://schemas.openxmlformats.org/officeDocument/2006/relationships" xmlns:p="http://schemas.openxmlformats.org/presentationml/2006/main" saveSubsetFonts="1">
   <p:sldMasterIdLst>
-    <p:sldMasterId id="2147483648" r:id="rId1"/>
+    <p:sldMasterId id="2147483660" r:id="rId1"/>
   </p:sldMasterIdLst>
   <p:notesMasterIdLst>
-    <p:notesMasterId r:id="rId10"/>
+    <p:notesMasterId r:id="rId11"/>
   </p:notesMasterIdLst>
   <p:sldIdLst>
     <p:sldId id="256" r:id="rId2"/>
     <p:sldId id="258" r:id="rId3"/>
-    <p:sldId id="262" r:id="rId4"/>
-    <p:sldId id="260" r:id="rId5"/>
-    <p:sldId id="261" r:id="rId6"/>
-    <p:sldId id="259" r:id="rId7"/>
-    <p:sldId id="263" r:id="rId8"/>
-    <p:sldId id="264" r:id="rId9"/>
+    <p:sldId id="265" r:id="rId4"/>
+    <p:sldId id="262" r:id="rId5"/>
+    <p:sldId id="260" r:id="rId6"/>
+    <p:sldId id="261" r:id="rId7"/>
+    <p:sldId id="259" r:id="rId8"/>
+    <p:sldId id="263" r:id="rId9"/>
+    <p:sldId id="264" r:id="rId10"/>
   </p:sldIdLst>
   <p:sldSz cx="9144000" cy="6858000" type="screen4x3"/>
   <p:notesSz cx="6858000" cy="9144000"/>
@@ -200,7 +201,7 @@
             <a:fld id="{52833BFF-905B-4AAD-AFB5-710128F96403}" type="datetimeFigureOut">
               <a:rPr lang="ko-KR" altLang="en-US" smtClean="0"/>
               <a:pPr/>
-              <a:t>2012-08-27</a:t>
+              <a:t>2012-09-09</a:t>
             </a:fld>
             <a:endParaRPr lang="ko-KR" altLang="en-US"/>
           </a:p>
@@ -692,7 +693,17 @@
             </a:r>
           </a:p>
           <a:p>
-            <a:endParaRPr lang="ko-KR" altLang="en-US" sz="1200" dirty="0"/>
+            <a:endParaRPr lang="en-US" altLang="ko-KR" dirty="0" smtClean="0"/>
+          </a:p>
+          <a:p>
+            <a:endParaRPr lang="en-US" altLang="ko-KR" dirty="0" smtClean="0"/>
+          </a:p>
+          <a:p>
+            <a:r>
+              <a:rPr lang="en-US" altLang="ko-KR" dirty="0" smtClean="0"/>
+              <a:t>http://timothyfitz.wordpress.com/2009/02/12/why-http/</a:t>
+            </a:r>
+            <a:endParaRPr lang="ko-KR" altLang="en-US" dirty="0"/>
           </a:p>
         </p:txBody>
       </p:sp>
@@ -775,187 +786,49 @@
           <a:lstStyle/>
           <a:p>
             <a:r>
-              <a:rPr lang="ko-KR" altLang="en-US" sz="1200" dirty="0" smtClean="0"/>
-              <a:t>동적인 웹 페이지를 만들기 위해 나온 </a:t>
-            </a:r>
-            <a:r>
-              <a:rPr lang="en-US" altLang="ko-KR" sz="1200" dirty="0" err="1" smtClean="0"/>
-              <a:t>Servlet</a:t>
-            </a:r>
-            <a:r>
-              <a:rPr lang="en-US" altLang="ko-KR" sz="1200" dirty="0" smtClean="0"/>
-              <a:t>, JSP</a:t>
-            </a:r>
-            <a:r>
-              <a:rPr lang="ko-KR" altLang="en-US" sz="1200" dirty="0" smtClean="0"/>
-              <a:t>의 한계</a:t>
-            </a:r>
-            <a:r>
-              <a:rPr lang="en-US" altLang="ko-KR" sz="1200" dirty="0" smtClean="0"/>
-              <a:t/>
-            </a:r>
-            <a:br>
-              <a:rPr lang="en-US" altLang="ko-KR" sz="1200" dirty="0" smtClean="0"/>
-            </a:br>
-            <a:r>
-              <a:rPr lang="en-US" altLang="ko-KR" sz="1200" dirty="0" smtClean="0"/>
-              <a:t>- </a:t>
-            </a:r>
-            <a:r>
-              <a:rPr lang="en-US" altLang="ko-KR" sz="1200" dirty="0" err="1" smtClean="0"/>
-              <a:t>Servlet</a:t>
-            </a:r>
-            <a:r>
-              <a:rPr lang="en-US" altLang="ko-KR" sz="1200" dirty="0" smtClean="0"/>
-              <a:t> Arch Model : State Model, Disconnected Web</a:t>
-            </a:r>
-            <a:br>
-              <a:rPr lang="en-US" altLang="ko-KR" sz="1200" dirty="0" smtClean="0"/>
-            </a:br>
-            <a:r>
-              <a:rPr lang="en-US" altLang="ko-KR" sz="1200" dirty="0" smtClean="0"/>
-              <a:t>- </a:t>
-            </a:r>
-            <a:r>
-              <a:rPr lang="ko-KR" altLang="en-US" sz="1200" dirty="0" err="1" smtClean="0"/>
-              <a:t>서블릿이</a:t>
-            </a:r>
-            <a:r>
-              <a:rPr lang="ko-KR" altLang="en-US" sz="1200" dirty="0" smtClean="0"/>
-              <a:t> 하기 어려운 문제들 </a:t>
-            </a:r>
-            <a:r>
-              <a:rPr lang="en-US" altLang="ko-KR" sz="1200" dirty="0" smtClean="0"/>
-              <a:t>: </a:t>
-            </a:r>
-            <a:br>
-              <a:rPr lang="en-US" altLang="ko-KR" sz="1200" dirty="0" smtClean="0"/>
-            </a:br>
-            <a:r>
-              <a:rPr lang="en-US" altLang="ko-KR" sz="1200" dirty="0" smtClean="0"/>
-              <a:t>	Connected Web, Streaming</a:t>
-            </a:r>
-            <a:br>
-              <a:rPr lang="en-US" altLang="ko-KR" sz="1200" dirty="0" smtClean="0"/>
-            </a:br>
-            <a:r>
-              <a:rPr lang="en-US" altLang="ko-KR" sz="1200" dirty="0" smtClean="0"/>
-              <a:t>	Distribute &amp; Split Service(Not Cluster)</a:t>
-            </a:r>
-            <a:br>
-              <a:rPr lang="en-US" altLang="ko-KR" sz="1200" dirty="0" smtClean="0"/>
-            </a:br>
-            <a:r>
-              <a:rPr lang="en-US" altLang="ko-KR" sz="1200" dirty="0" smtClean="0"/>
-              <a:t>	</a:t>
-            </a:r>
-            <a:r>
-              <a:rPr lang="ko-KR" altLang="en-US" sz="1200" dirty="0" smtClean="0"/>
-              <a:t>데이터 직렬화</a:t>
-            </a:r>
-            <a:r>
-              <a:rPr lang="en-US" altLang="ko-KR" sz="1200" dirty="0" smtClean="0"/>
-              <a:t>(AVRO, Apache Thrift)</a:t>
-            </a:r>
-            <a:br>
-              <a:rPr lang="en-US" altLang="ko-KR" sz="1200" dirty="0" smtClean="0"/>
-            </a:br>
-            <a:endParaRPr lang="en-US" altLang="ko-KR" sz="1200" dirty="0" smtClean="0"/>
-          </a:p>
-          <a:p>
-            <a:r>
-              <a:rPr lang="en-US" altLang="ko-KR" sz="1200" dirty="0" smtClean="0"/>
-              <a:t>Mobile Device</a:t>
-            </a:r>
-            <a:r>
-              <a:rPr lang="ko-KR" altLang="en-US" sz="1200" dirty="0" smtClean="0"/>
-              <a:t>의 확장에 따른 시장 환경 </a:t>
-            </a:r>
-            <a:r>
-              <a:rPr lang="en-US" altLang="ko-KR" sz="1200" dirty="0" smtClean="0"/>
-              <a:t/>
-            </a:r>
-            <a:br>
-              <a:rPr lang="en-US" altLang="ko-KR" sz="1200" dirty="0" smtClean="0"/>
-            </a:br>
-            <a:r>
-              <a:rPr lang="en-US" altLang="ko-KR" sz="1200" dirty="0" smtClean="0"/>
-              <a:t>- Required high scalability</a:t>
-            </a:r>
-            <a:br>
-              <a:rPr lang="en-US" altLang="ko-KR" sz="1200" dirty="0" smtClean="0"/>
-            </a:br>
-            <a:endParaRPr lang="en-US" altLang="ko-KR" sz="1200" dirty="0" smtClean="0"/>
-          </a:p>
-          <a:p>
-            <a:r>
-              <a:rPr lang="ko-KR" altLang="en-US" sz="1200" dirty="0" smtClean="0"/>
-              <a:t>배포와 테스트 곤란</a:t>
-            </a:r>
-            <a:r>
-              <a:rPr lang="en-US" altLang="ko-KR" sz="1200" dirty="0" smtClean="0"/>
-              <a:t/>
-            </a:r>
-            <a:br>
-              <a:rPr lang="en-US" altLang="ko-KR" sz="1200" dirty="0" smtClean="0"/>
-            </a:br>
-            <a:r>
-              <a:rPr lang="en-US" altLang="ko-KR" sz="1200" dirty="0" smtClean="0"/>
-              <a:t>- </a:t>
-            </a:r>
-            <a:r>
-              <a:rPr lang="en-US" altLang="ko-KR" sz="1200" dirty="0" err="1" smtClean="0"/>
-              <a:t>Servlet</a:t>
-            </a:r>
-            <a:r>
-              <a:rPr lang="en-US" altLang="ko-KR" sz="1200" dirty="0" smtClean="0"/>
-              <a:t> Model</a:t>
-            </a:r>
-            <a:r>
-              <a:rPr lang="ko-KR" altLang="en-US" sz="1200" dirty="0" smtClean="0"/>
-              <a:t>은 </a:t>
-            </a:r>
-            <a:r>
-              <a:rPr lang="en-US" altLang="ko-KR" sz="1200" dirty="0" smtClean="0"/>
-              <a:t>Test </a:t>
-            </a:r>
-            <a:r>
-              <a:rPr lang="ko-KR" altLang="en-US" sz="1200" dirty="0" smtClean="0"/>
-              <a:t>친화적이지 않다</a:t>
-            </a:r>
-            <a:r>
-              <a:rPr lang="en-US" altLang="ko-KR" sz="1200" dirty="0" smtClean="0"/>
+              <a:rPr lang="ko-KR" altLang="en-US" dirty="0" smtClean="0"/>
+              <a:t>은하제국 같은 </a:t>
+            </a:r>
+            <a:r>
+              <a:rPr lang="ko-KR" altLang="en-US" dirty="0" err="1" smtClean="0"/>
+              <a:t>앱을</a:t>
+            </a:r>
+            <a:r>
+              <a:rPr lang="ko-KR" altLang="en-US" dirty="0" smtClean="0"/>
+              <a:t> 하나 만들려고 한다</a:t>
+            </a:r>
+            <a:r>
+              <a:rPr lang="en-US" altLang="ko-KR" dirty="0" smtClean="0"/>
               <a:t>. </a:t>
             </a:r>
-            <a:br>
-              <a:rPr lang="en-US" altLang="ko-KR" sz="1200" dirty="0" smtClean="0"/>
-            </a:br>
-            <a:r>
-              <a:rPr lang="en-US" altLang="ko-KR" sz="1200" dirty="0" smtClean="0"/>
-              <a:t>- View</a:t>
-            </a:r>
-            <a:r>
-              <a:rPr lang="ko-KR" altLang="en-US" sz="1200" dirty="0" smtClean="0"/>
-              <a:t>와 너무 밀접하게 연관되어 있다</a:t>
-            </a:r>
-            <a:r>
-              <a:rPr lang="en-US" altLang="ko-KR" sz="1200" dirty="0" smtClean="0"/>
+          </a:p>
+          <a:p>
+            <a:r>
+              <a:rPr lang="ko-KR" altLang="en-US" dirty="0" smtClean="0"/>
+              <a:t>음</a:t>
+            </a:r>
+            <a:r>
+              <a:rPr lang="en-US" altLang="ko-KR" dirty="0" smtClean="0"/>
               <a:t>. </a:t>
             </a:r>
-            <a:br>
-              <a:rPr lang="en-US" altLang="ko-KR" sz="1200" dirty="0" smtClean="0"/>
-            </a:br>
-            <a:r>
-              <a:rPr lang="en-US" altLang="ko-KR" sz="1200" dirty="0" smtClean="0"/>
-              <a:t>- Not Fun and Not Productive</a:t>
-            </a:r>
-            <a:br>
-              <a:rPr lang="en-US" altLang="ko-KR" sz="1200" dirty="0" smtClean="0"/>
-            </a:br>
-            <a:r>
-              <a:rPr lang="en-US" altLang="ko-KR" sz="1200" dirty="0" smtClean="0"/>
-              <a:t>- WANT to reload service </a:t>
-            </a:r>
+            <a:r>
+              <a:rPr lang="ko-KR" altLang="en-US" dirty="0" smtClean="0"/>
+              <a:t>서버가 필요하다</a:t>
+            </a:r>
+            <a:r>
+              <a:rPr lang="en-US" altLang="ko-KR" dirty="0" smtClean="0"/>
+              <a:t>. </a:t>
+            </a:r>
+            <a:r>
+              <a:rPr lang="ko-KR" altLang="en-US" dirty="0" smtClean="0"/>
+              <a:t>서버를 어떻게 만들지 </a:t>
+            </a:r>
+            <a:r>
+              <a:rPr lang="en-US" altLang="ko-KR" dirty="0" smtClean="0"/>
+              <a:t>?</a:t>
+            </a:r>
+          </a:p>
+          <a:p>
             <a:endParaRPr lang="ko-KR" altLang="en-US" sz="1200" dirty="0"/>
           </a:p>
         </p:txBody>
@@ -1038,17 +911,189 @@
           </a:bodyPr>
           <a:lstStyle/>
           <a:p>
-            <a:endParaRPr lang="en-US" altLang="ko-KR" dirty="0" smtClean="0"/>
-          </a:p>
-          <a:p>
-            <a:endParaRPr lang="en-US" altLang="ko-KR" dirty="0" smtClean="0"/>
-          </a:p>
-          <a:p>
-            <a:r>
-              <a:rPr lang="en-US" altLang="ko-KR" dirty="0" smtClean="0"/>
-              <a:t>http://timothyfitz.wordpress.com/2009/02/12/why-http/</a:t>
-            </a:r>
-            <a:endParaRPr lang="ko-KR" altLang="en-US" dirty="0"/>
+            <a:r>
+              <a:rPr lang="ko-KR" altLang="en-US" sz="1200" dirty="0" smtClean="0"/>
+              <a:t>동적인 웹 페이지를 만들기 위해 나온 </a:t>
+            </a:r>
+            <a:r>
+              <a:rPr lang="en-US" altLang="ko-KR" sz="1200" dirty="0" err="1" smtClean="0"/>
+              <a:t>Servlet</a:t>
+            </a:r>
+            <a:r>
+              <a:rPr lang="en-US" altLang="ko-KR" sz="1200" dirty="0" smtClean="0"/>
+              <a:t>, JSP</a:t>
+            </a:r>
+            <a:r>
+              <a:rPr lang="ko-KR" altLang="en-US" sz="1200" dirty="0" smtClean="0"/>
+              <a:t>의 한계</a:t>
+            </a:r>
+            <a:r>
+              <a:rPr lang="en-US" altLang="ko-KR" sz="1200" dirty="0" smtClean="0"/>
+              <a:t/>
+            </a:r>
+            <a:br>
+              <a:rPr lang="en-US" altLang="ko-KR" sz="1200" dirty="0" smtClean="0"/>
+            </a:br>
+            <a:r>
+              <a:rPr lang="en-US" altLang="ko-KR" sz="1200" dirty="0" smtClean="0"/>
+              <a:t>- </a:t>
+            </a:r>
+            <a:r>
+              <a:rPr lang="en-US" altLang="ko-KR" sz="1200" dirty="0" err="1" smtClean="0"/>
+              <a:t>Servlet</a:t>
+            </a:r>
+            <a:r>
+              <a:rPr lang="en-US" altLang="ko-KR" sz="1200" dirty="0" smtClean="0"/>
+              <a:t> Arch Model : State Model, Disconnected Web</a:t>
+            </a:r>
+            <a:br>
+              <a:rPr lang="en-US" altLang="ko-KR" sz="1200" dirty="0" smtClean="0"/>
+            </a:br>
+            <a:r>
+              <a:rPr lang="en-US" altLang="ko-KR" sz="1200" dirty="0" smtClean="0"/>
+              <a:t>- </a:t>
+            </a:r>
+            <a:r>
+              <a:rPr lang="ko-KR" altLang="en-US" sz="1200" dirty="0" err="1" smtClean="0"/>
+              <a:t>서블릿이</a:t>
+            </a:r>
+            <a:r>
+              <a:rPr lang="ko-KR" altLang="en-US" sz="1200" dirty="0" smtClean="0"/>
+              <a:t> 하기 어려운 문제들 </a:t>
+            </a:r>
+            <a:r>
+              <a:rPr lang="en-US" altLang="ko-KR" sz="1200" dirty="0" smtClean="0"/>
+              <a:t>: </a:t>
+            </a:r>
+            <a:br>
+              <a:rPr lang="en-US" altLang="ko-KR" sz="1200" dirty="0" smtClean="0"/>
+            </a:br>
+            <a:r>
+              <a:rPr lang="en-US" altLang="ko-KR" sz="1200" dirty="0" smtClean="0"/>
+              <a:t>	Connected Web, Streaming</a:t>
+            </a:r>
+            <a:br>
+              <a:rPr lang="en-US" altLang="ko-KR" sz="1200" dirty="0" smtClean="0"/>
+            </a:br>
+            <a:r>
+              <a:rPr lang="en-US" altLang="ko-KR" sz="1200" dirty="0" smtClean="0"/>
+              <a:t>	Distribute &amp; Split Service(Not Cluster)</a:t>
+            </a:r>
+            <a:br>
+              <a:rPr lang="en-US" altLang="ko-KR" sz="1200" dirty="0" smtClean="0"/>
+            </a:br>
+            <a:r>
+              <a:rPr lang="en-US" altLang="ko-KR" sz="1200" dirty="0" smtClean="0"/>
+              <a:t>	</a:t>
+            </a:r>
+            <a:r>
+              <a:rPr lang="ko-KR" altLang="en-US" sz="1200" dirty="0" smtClean="0"/>
+              <a:t>데이터 직렬화</a:t>
+            </a:r>
+            <a:r>
+              <a:rPr lang="en-US" altLang="ko-KR" sz="1200" dirty="0" smtClean="0"/>
+              <a:t>(AVRO, Apache Thrift)</a:t>
+            </a:r>
+            <a:br>
+              <a:rPr lang="en-US" altLang="ko-KR" sz="1200" dirty="0" smtClean="0"/>
+            </a:br>
+            <a:endParaRPr lang="en-US" altLang="ko-KR" sz="1200" dirty="0" smtClean="0"/>
+          </a:p>
+          <a:p>
+            <a:r>
+              <a:rPr lang="en-US" altLang="ko-KR" sz="1200" dirty="0" smtClean="0"/>
+              <a:t>Mobile Device</a:t>
+            </a:r>
+            <a:r>
+              <a:rPr lang="ko-KR" altLang="en-US" sz="1200" dirty="0" smtClean="0"/>
+              <a:t>의 확장에 따른 시장 환경 </a:t>
+            </a:r>
+            <a:r>
+              <a:rPr lang="en-US" altLang="ko-KR" sz="1200" dirty="0" smtClean="0"/>
+              <a:t/>
+            </a:r>
+            <a:br>
+              <a:rPr lang="en-US" altLang="ko-KR" sz="1200" dirty="0" smtClean="0"/>
+            </a:br>
+            <a:r>
+              <a:rPr lang="en-US" altLang="ko-KR" sz="1200" dirty="0" smtClean="0"/>
+              <a:t>- Required high scalability</a:t>
+            </a:r>
+            <a:br>
+              <a:rPr lang="en-US" altLang="ko-KR" sz="1200" dirty="0" smtClean="0"/>
+            </a:br>
+            <a:endParaRPr lang="en-US" altLang="ko-KR" sz="1200" dirty="0" smtClean="0"/>
+          </a:p>
+          <a:p>
+            <a:r>
+              <a:rPr lang="ko-KR" altLang="en-US" sz="1200" dirty="0" smtClean="0"/>
+              <a:t>배포와 테스트 곤란</a:t>
+            </a:r>
+            <a:r>
+              <a:rPr lang="en-US" altLang="ko-KR" sz="1200" dirty="0" smtClean="0"/>
+              <a:t/>
+            </a:r>
+            <a:br>
+              <a:rPr lang="en-US" altLang="ko-KR" sz="1200" dirty="0" smtClean="0"/>
+            </a:br>
+            <a:r>
+              <a:rPr lang="en-US" altLang="ko-KR" sz="1200" dirty="0" smtClean="0"/>
+              <a:t>- </a:t>
+            </a:r>
+            <a:r>
+              <a:rPr lang="en-US" altLang="ko-KR" sz="1200" dirty="0" err="1" smtClean="0"/>
+              <a:t>Servlet</a:t>
+            </a:r>
+            <a:r>
+              <a:rPr lang="en-US" altLang="ko-KR" sz="1200" dirty="0" smtClean="0"/>
+              <a:t> Model</a:t>
+            </a:r>
+            <a:r>
+              <a:rPr lang="ko-KR" altLang="en-US" sz="1200" dirty="0" smtClean="0"/>
+              <a:t>은 </a:t>
+            </a:r>
+            <a:r>
+              <a:rPr lang="en-US" altLang="ko-KR" sz="1200" dirty="0" smtClean="0"/>
+              <a:t>Test </a:t>
+            </a:r>
+            <a:r>
+              <a:rPr lang="ko-KR" altLang="en-US" sz="1200" dirty="0" smtClean="0"/>
+              <a:t>친화적이지 않다</a:t>
+            </a:r>
+            <a:r>
+              <a:rPr lang="en-US" altLang="ko-KR" sz="1200" dirty="0" smtClean="0"/>
+              <a:t>. </a:t>
+            </a:r>
+            <a:br>
+              <a:rPr lang="en-US" altLang="ko-KR" sz="1200" dirty="0" smtClean="0"/>
+            </a:br>
+            <a:r>
+              <a:rPr lang="en-US" altLang="ko-KR" sz="1200" dirty="0" smtClean="0"/>
+              <a:t>- View</a:t>
+            </a:r>
+            <a:r>
+              <a:rPr lang="ko-KR" altLang="en-US" sz="1200" dirty="0" smtClean="0"/>
+              <a:t>와 너무 밀접하게 연관되어 있다</a:t>
+            </a:r>
+            <a:r>
+              <a:rPr lang="en-US" altLang="ko-KR" sz="1200" dirty="0" smtClean="0"/>
+              <a:t>. </a:t>
+            </a:r>
+            <a:br>
+              <a:rPr lang="en-US" altLang="ko-KR" sz="1200" dirty="0" smtClean="0"/>
+            </a:br>
+            <a:r>
+              <a:rPr lang="en-US" altLang="ko-KR" sz="1200" dirty="0" smtClean="0"/>
+              <a:t>- Not Fun and Not Productive</a:t>
+            </a:r>
+            <a:br>
+              <a:rPr lang="en-US" altLang="ko-KR" sz="1200" dirty="0" smtClean="0"/>
+            </a:br>
+            <a:r>
+              <a:rPr lang="en-US" altLang="ko-KR" sz="1200" dirty="0" smtClean="0"/>
+              <a:t>- WANT to reload service </a:t>
+            </a:r>
+            <a:endParaRPr lang="ko-KR" altLang="en-US" sz="1200" dirty="0"/>
           </a:p>
         </p:txBody>
       </p:sp>
@@ -1130,61 +1175,15 @@
           </a:bodyPr>
           <a:lstStyle/>
           <a:p>
-            <a:r>
-              <a:rPr lang="en-US" altLang="ko-KR" b="1" dirty="0" err="1" smtClean="0"/>
-              <a:t>Multitenancy</a:t>
-            </a:r>
+            <a:endParaRPr lang="en-US" altLang="ko-KR" dirty="0" smtClean="0"/>
+          </a:p>
+          <a:p>
+            <a:endParaRPr lang="en-US" altLang="ko-KR" dirty="0" smtClean="0"/>
+          </a:p>
+          <a:p>
             <a:r>
               <a:rPr lang="en-US" altLang="ko-KR" dirty="0" smtClean="0"/>
-              <a:t> refers to a principle in </a:t>
-            </a:r>
-            <a:r>
-              <a:rPr lang="en-US" altLang="ko-KR" dirty="0" smtClean="0">
-                <a:hlinkClick r:id="rId3" tooltip="Software architecture"/>
-              </a:rPr>
-              <a:t>software architecture</a:t>
-            </a:r>
-            <a:r>
-              <a:rPr lang="en-US" altLang="ko-KR" dirty="0" smtClean="0"/>
-              <a:t> where a single instance of the </a:t>
-            </a:r>
-            <a:r>
-              <a:rPr lang="en-US" altLang="ko-KR" dirty="0" smtClean="0">
-                <a:hlinkClick r:id="rId4" tooltip="Computer software"/>
-              </a:rPr>
-              <a:t>software</a:t>
-            </a:r>
-            <a:r>
-              <a:rPr lang="en-US" altLang="ko-KR" dirty="0" smtClean="0"/>
-              <a:t> runs on a server, serving multiple client organizations (tenants). </a:t>
-            </a:r>
-            <a:r>
-              <a:rPr lang="en-US" altLang="ko-KR" dirty="0" err="1" smtClean="0"/>
-              <a:t>Multitenancy</a:t>
-            </a:r>
-            <a:r>
-              <a:rPr lang="en-US" altLang="ko-KR" dirty="0" smtClean="0"/>
-              <a:t> is contrasted with a multi-instance architecture where separate software instances (or hardware systems) are set up for different client organizations. With a multitenant architecture, a </a:t>
-            </a:r>
-            <a:r>
-              <a:rPr lang="en-US" altLang="ko-KR" dirty="0" smtClean="0">
-                <a:hlinkClick r:id="rId5" tooltip="Application software"/>
-              </a:rPr>
-              <a:t>software application</a:t>
-            </a:r>
-            <a:r>
-              <a:rPr lang="en-US" altLang="ko-KR" dirty="0" smtClean="0"/>
-              <a:t> is designed to virtually </a:t>
-            </a:r>
-            <a:r>
-              <a:rPr lang="en-US" altLang="ko-KR" dirty="0" smtClean="0">
-                <a:hlinkClick r:id="rId6" tooltip="Partition (mainframe)"/>
-              </a:rPr>
-              <a:t>partition</a:t>
-            </a:r>
-            <a:r>
-              <a:rPr lang="en-US" altLang="ko-KR" dirty="0" smtClean="0"/>
-              <a:t> its data and configuration, and each client organization works with a customized virtual application instance.</a:t>
+              <a:t>http://timothyfitz.wordpress.com/2009/02/12/why-http/</a:t>
             </a:r>
             <a:endParaRPr lang="ko-KR" altLang="en-US" dirty="0"/>
           </a:p>
@@ -1222,9 +1221,9 @@
 </p:notes>
 </file>
 
-<file path=ppt/slideLayouts/slideLayout1.xml><?xml version="1.0" encoding="utf-8"?>
-<p:sldLayout xmlns:a="http://schemas.openxmlformats.org/drawingml/2006/main" xmlns:r="http://schemas.openxmlformats.org/officeDocument/2006/relationships" xmlns:p="http://schemas.openxmlformats.org/presentationml/2006/main" type="title" preserve="1">
-  <p:cSld name="제목 슬라이드">
+<file path=ppt/notesSlides/notesSlide6.xml><?xml version="1.0" encoding="utf-8"?>
+<p:notes xmlns:a="http://schemas.openxmlformats.org/drawingml/2006/main" xmlns:r="http://schemas.openxmlformats.org/officeDocument/2006/relationships" xmlns:p="http://schemas.openxmlformats.org/presentationml/2006/main">
+  <p:cSld>
     <p:spTree>
       <p:nvGrpSpPr>
         <p:cNvPr id="1" name=""/>
@@ -1241,154 +1240,243 @@
       </p:grpSpPr>
       <p:sp>
         <p:nvSpPr>
-          <p:cNvPr id="2" name="제목 1"/>
+          <p:cNvPr id="2" name="슬라이드 이미지 개체 틀 1"/>
+          <p:cNvSpPr>
+            <a:spLocks noGrp="1" noRot="1" noChangeAspect="1"/>
+          </p:cNvSpPr>
+          <p:nvPr>
+            <p:ph type="sldImg"/>
+          </p:nvPr>
+        </p:nvSpPr>
+        <p:spPr/>
+      </p:sp>
+      <p:sp>
+        <p:nvSpPr>
+          <p:cNvPr id="3" name="슬라이드 노트 개체 틀 2"/>
           <p:cNvSpPr>
             <a:spLocks noGrp="1"/>
           </p:cNvSpPr>
           <p:nvPr>
+            <p:ph type="body" idx="1"/>
+          </p:nvPr>
+        </p:nvSpPr>
+        <p:spPr/>
+        <p:txBody>
+          <a:bodyPr>
+            <a:normAutofit/>
+          </a:bodyPr>
+          <a:lstStyle/>
+          <a:p>
+            <a:r>
+              <a:rPr lang="en-US" altLang="ko-KR" b="1" dirty="0" err="1" smtClean="0"/>
+              <a:t>Multitenancy</a:t>
+            </a:r>
+            <a:r>
+              <a:rPr lang="en-US" altLang="ko-KR" dirty="0" smtClean="0"/>
+              <a:t> refers to a principle in </a:t>
+            </a:r>
+            <a:r>
+              <a:rPr lang="en-US" altLang="ko-KR" dirty="0" smtClean="0">
+                <a:hlinkClick r:id="rId3" tooltip="Software architecture"/>
+              </a:rPr>
+              <a:t>software architecture</a:t>
+            </a:r>
+            <a:r>
+              <a:rPr lang="en-US" altLang="ko-KR" dirty="0" smtClean="0"/>
+              <a:t> where a single instance of the </a:t>
+            </a:r>
+            <a:r>
+              <a:rPr lang="en-US" altLang="ko-KR" dirty="0" smtClean="0">
+                <a:hlinkClick r:id="rId4" tooltip="Computer software"/>
+              </a:rPr>
+              <a:t>software</a:t>
+            </a:r>
+            <a:r>
+              <a:rPr lang="en-US" altLang="ko-KR" dirty="0" smtClean="0"/>
+              <a:t> runs on a server, serving multiple client organizations (tenants). </a:t>
+            </a:r>
+            <a:r>
+              <a:rPr lang="en-US" altLang="ko-KR" dirty="0" err="1" smtClean="0"/>
+              <a:t>Multitenancy</a:t>
+            </a:r>
+            <a:r>
+              <a:rPr lang="en-US" altLang="ko-KR" dirty="0" smtClean="0"/>
+              <a:t> is contrasted with a multi-instance architecture where separate software instances (or hardware systems) are set up for different client organizations. With a multitenant architecture, a </a:t>
+            </a:r>
+            <a:r>
+              <a:rPr lang="en-US" altLang="ko-KR" dirty="0" smtClean="0">
+                <a:hlinkClick r:id="rId5" tooltip="Application software"/>
+              </a:rPr>
+              <a:t>software application</a:t>
+            </a:r>
+            <a:r>
+              <a:rPr lang="en-US" altLang="ko-KR" dirty="0" smtClean="0"/>
+              <a:t> is designed to virtually </a:t>
+            </a:r>
+            <a:r>
+              <a:rPr lang="en-US" altLang="ko-KR" dirty="0" smtClean="0">
+                <a:hlinkClick r:id="rId6" tooltip="Partition (mainframe)"/>
+              </a:rPr>
+              <a:t>partition</a:t>
+            </a:r>
+            <a:r>
+              <a:rPr lang="en-US" altLang="ko-KR" dirty="0" smtClean="0"/>
+              <a:t> its data and configuration, and each client organization works with a customized virtual application instance.</a:t>
+            </a:r>
+            <a:endParaRPr lang="ko-KR" altLang="en-US" dirty="0"/>
+          </a:p>
+        </p:txBody>
+      </p:sp>
+      <p:sp>
+        <p:nvSpPr>
+          <p:cNvPr id="4" name="슬라이드 번호 개체 틀 3"/>
+          <p:cNvSpPr>
+            <a:spLocks noGrp="1"/>
+          </p:cNvSpPr>
+          <p:nvPr>
+            <p:ph type="sldNum" sz="quarter" idx="10"/>
+          </p:nvPr>
+        </p:nvSpPr>
+        <p:spPr/>
+        <p:txBody>
+          <a:bodyPr/>
+          <a:lstStyle/>
+          <a:p>
+            <a:fld id="{1DC14717-F6B7-44DD-B750-228F6B2EB3C4}" type="slidenum">
+              <a:rPr lang="ko-KR" altLang="en-US" smtClean="0"/>
+              <a:pPr/>
+              <a:t>7</a:t>
+            </a:fld>
+            <a:endParaRPr lang="ko-KR" altLang="en-US"/>
+          </a:p>
+        </p:txBody>
+      </p:sp>
+    </p:spTree>
+  </p:cSld>
+  <p:clrMapOvr>
+    <a:masterClrMapping/>
+  </p:clrMapOvr>
+</p:notes>
+</file>
+
+<file path=ppt/slideLayouts/slideLayout1.xml><?xml version="1.0" encoding="utf-8"?>
+<p:sldLayout xmlns:a="http://schemas.openxmlformats.org/drawingml/2006/main" xmlns:r="http://schemas.openxmlformats.org/officeDocument/2006/relationships" xmlns:p="http://schemas.openxmlformats.org/presentationml/2006/main" showMasterSp="0" type="title" preserve="1">
+  <p:cSld name="제목 슬라이드">
+    <p:bg>
+      <p:bgRef idx="1001">
+        <a:schemeClr val="bg1"/>
+      </p:bgRef>
+    </p:bg>
+    <p:spTree>
+      <p:nvGrpSpPr>
+        <p:cNvPr id="1" name=""/>
+        <p:cNvGrpSpPr/>
+        <p:nvPr/>
+      </p:nvGrpSpPr>
+      <p:grpSpPr>
+        <a:xfrm>
+          <a:off x="0" y="0"/>
+          <a:ext cx="0" cy="0"/>
+          <a:chOff x="0" y="0"/>
+          <a:chExt cx="0" cy="0"/>
+        </a:xfrm>
+      </p:grpSpPr>
+      <p:sp>
+        <p:nvSpPr>
+          <p:cNvPr id="8" name="제목 7"/>
+          <p:cNvSpPr>
+            <a:spLocks noGrp="1"/>
+          </p:cNvSpPr>
+          <p:nvPr>
             <p:ph type="ctrTitle"/>
           </p:nvPr>
         </p:nvSpPr>
         <p:spPr>
           <a:xfrm>
-            <a:off x="685800" y="2130425"/>
-            <a:ext cx="7772400" cy="1470025"/>
-          </a:xfrm>
-        </p:spPr>
-        <p:txBody>
-          <a:bodyPr/>
-          <a:lstStyle/>
-          <a:p>
-            <a:r>
-              <a:rPr lang="ko-KR" altLang="en-US" smtClean="0"/>
-              <a:t>마스터 제목 스타일 편집</a:t>
-            </a:r>
-            <a:endParaRPr lang="ko-KR" altLang="en-US"/>
-          </a:p>
-        </p:txBody>
-      </p:sp>
-      <p:sp>
-        <p:nvSpPr>
-          <p:cNvPr id="3" name="부제목 2"/>
-          <p:cNvSpPr>
-            <a:spLocks noGrp="1"/>
-          </p:cNvSpPr>
-          <p:nvPr>
-            <p:ph type="subTitle" idx="1"/>
-          </p:nvPr>
-        </p:nvSpPr>
-        <p:spPr>
-          <a:xfrm>
-            <a:off x="1371600" y="3886200"/>
-            <a:ext cx="6400800" cy="1752600"/>
+            <a:off x="2286000" y="3124200"/>
+            <a:ext cx="6172200" cy="1894362"/>
           </a:xfrm>
         </p:spPr>
         <p:txBody>
           <a:bodyPr/>
           <a:lstStyle>
-            <a:lvl1pPr marL="0" indent="0" algn="ctr">
+            <a:lvl1pPr>
+              <a:defRPr b="1"/>
+            </a:lvl1pPr>
+          </a:lstStyle>
+          <a:p>
+            <a:r>
+              <a:rPr kumimoji="0" lang="ko-KR" altLang="en-US" smtClean="0"/>
+              <a:t>마스터 제목 스타일 편집</a:t>
+            </a:r>
+            <a:endParaRPr kumimoji="0" lang="en-US"/>
+          </a:p>
+        </p:txBody>
+      </p:sp>
+      <p:sp>
+        <p:nvSpPr>
+          <p:cNvPr id="9" name="부제목 8"/>
+          <p:cNvSpPr>
+            <a:spLocks noGrp="1"/>
+          </p:cNvSpPr>
+          <p:nvPr>
+            <p:ph type="subTitle" idx="1"/>
+          </p:nvPr>
+        </p:nvSpPr>
+        <p:spPr>
+          <a:xfrm>
+            <a:off x="2286000" y="5003322"/>
+            <a:ext cx="6172200" cy="1371600"/>
+          </a:xfrm>
+        </p:spPr>
+        <p:txBody>
+          <a:bodyPr/>
+          <a:lstStyle>
+            <a:lvl1pPr marL="0" indent="0" algn="l">
               <a:buNone/>
-              <a:defRPr>
+              <a:defRPr sz="1800" b="1">
                 <a:solidFill>
-                  <a:schemeClr val="tx1">
-                    <a:tint val="75000"/>
-                  </a:schemeClr>
+                  <a:schemeClr val="tx2"/>
                 </a:solidFill>
               </a:defRPr>
             </a:lvl1pPr>
             <a:lvl2pPr marL="457200" indent="0" algn="ctr">
               <a:buNone/>
-              <a:defRPr>
-                <a:solidFill>
-                  <a:schemeClr val="tx1">
-                    <a:tint val="75000"/>
-                  </a:schemeClr>
-                </a:solidFill>
-              </a:defRPr>
             </a:lvl2pPr>
             <a:lvl3pPr marL="914400" indent="0" algn="ctr">
               <a:buNone/>
-              <a:defRPr>
-                <a:solidFill>
-                  <a:schemeClr val="tx1">
-                    <a:tint val="75000"/>
-                  </a:schemeClr>
-                </a:solidFill>
-              </a:defRPr>
             </a:lvl3pPr>
             <a:lvl4pPr marL="1371600" indent="0" algn="ctr">
               <a:buNone/>
-              <a:defRPr>
-                <a:solidFill>
-                  <a:schemeClr val="tx1">
-                    <a:tint val="75000"/>
-                  </a:schemeClr>
-                </a:solidFill>
-              </a:defRPr>
             </a:lvl4pPr>
             <a:lvl5pPr marL="1828800" indent="0" algn="ctr">
               <a:buNone/>
-              <a:defRPr>
-                <a:solidFill>
-                  <a:schemeClr val="tx1">
-                    <a:tint val="75000"/>
-                  </a:schemeClr>
-                </a:solidFill>
-              </a:defRPr>
             </a:lvl5pPr>
             <a:lvl6pPr marL="2286000" indent="0" algn="ctr">
               <a:buNone/>
-              <a:defRPr>
-                <a:solidFill>
-                  <a:schemeClr val="tx1">
-                    <a:tint val="75000"/>
-                  </a:schemeClr>
-                </a:solidFill>
-              </a:defRPr>
             </a:lvl6pPr>
             <a:lvl7pPr marL="2743200" indent="0" algn="ctr">
               <a:buNone/>
-              <a:defRPr>
-                <a:solidFill>
-                  <a:schemeClr val="tx1">
-                    <a:tint val="75000"/>
-                  </a:schemeClr>
-                </a:solidFill>
-              </a:defRPr>
             </a:lvl7pPr>
             <a:lvl8pPr marL="3200400" indent="0" algn="ctr">
               <a:buNone/>
-              <a:defRPr>
-                <a:solidFill>
-                  <a:schemeClr val="tx1">
-                    <a:tint val="75000"/>
-                  </a:schemeClr>
-                </a:solidFill>
-              </a:defRPr>
             </a:lvl8pPr>
             <a:lvl9pPr marL="3657600" indent="0" algn="ctr">
               <a:buNone/>
-              <a:defRPr>
-                <a:solidFill>
-                  <a:schemeClr val="tx1">
-                    <a:tint val="75000"/>
-                  </a:schemeClr>
-                </a:solidFill>
-              </a:defRPr>
             </a:lvl9pPr>
           </a:lstStyle>
           <a:p>
             <a:r>
-              <a:rPr lang="ko-KR" altLang="en-US" smtClean="0"/>
+              <a:rPr kumimoji="0" lang="ko-KR" altLang="en-US" smtClean="0"/>
               <a:t>마스터 부제목 스타일 편집</a:t>
             </a:r>
-            <a:endParaRPr lang="ko-KR" altLang="en-US"/>
-          </a:p>
-        </p:txBody>
-      </p:sp>
-      <p:sp>
-        <p:nvSpPr>
-          <p:cNvPr id="4" name="날짜 개체 틀 3"/>
+            <a:endParaRPr kumimoji="0" lang="en-US"/>
+          </a:p>
+        </p:txBody>
+      </p:sp>
+      <p:sp>
+        <p:nvSpPr>
+          <p:cNvPr id="28" name="날짜 개체 틀 27"/>
           <p:cNvSpPr>
             <a:spLocks noGrp="1"/>
           </p:cNvSpPr>
@@ -1396,7 +1484,12 @@
             <p:ph type="dt" sz="half" idx="10"/>
           </p:nvPr>
         </p:nvSpPr>
-        <p:spPr/>
+        <p:spPr bwMode="auto">
+          <a:xfrm rot="5400000">
+            <a:off x="7764621" y="1174097"/>
+            <a:ext cx="2286000" cy="381000"/>
+          </a:xfrm>
+        </p:spPr>
         <p:txBody>
           <a:bodyPr/>
           <a:lstStyle/>
@@ -1404,7 +1497,7 @@
             <a:fld id="{0772CA07-ADC5-4316-B40E-D9864AA22A19}" type="datetimeFigureOut">
               <a:rPr lang="ko-KR" altLang="en-US" smtClean="0"/>
               <a:pPr/>
-              <a:t>2012-08-27</a:t>
+              <a:t>2012-09-09</a:t>
             </a:fld>
             <a:endParaRPr lang="ko-KR" altLang="en-US"/>
           </a:p>
@@ -1412,7 +1505,7 @@
       </p:sp>
       <p:sp>
         <p:nvSpPr>
-          <p:cNvPr id="5" name="바닥글 개체 틀 4"/>
+          <p:cNvPr id="17" name="바닥글 개체 틀 16"/>
           <p:cNvSpPr>
             <a:spLocks noGrp="1"/>
           </p:cNvSpPr>
@@ -1420,7 +1513,12 @@
             <p:ph type="ftr" sz="quarter" idx="11"/>
           </p:nvPr>
         </p:nvSpPr>
-        <p:spPr/>
+        <p:spPr bwMode="auto">
+          <a:xfrm rot="5400000">
+            <a:off x="7077269" y="4181669"/>
+            <a:ext cx="3657600" cy="384048"/>
+          </a:xfrm>
+        </p:spPr>
         <p:txBody>
           <a:bodyPr/>
           <a:lstStyle/>
@@ -1431,7 +1529,701 @@
       </p:sp>
       <p:sp>
         <p:nvSpPr>
-          <p:cNvPr id="6" name="슬라이드 번호 개체 틀 5"/>
+          <p:cNvPr id="10" name="직사각형 9"/>
+          <p:cNvSpPr/>
+          <p:nvPr/>
+        </p:nvSpPr>
+        <p:spPr bwMode="auto">
+          <a:xfrm>
+            <a:off x="381000" y="0"/>
+            <a:ext cx="609600" cy="6858000"/>
+          </a:xfrm>
+          <a:prstGeom prst="rect">
+            <a:avLst/>
+          </a:prstGeom>
+          <a:solidFill>
+            <a:schemeClr val="accent1">
+              <a:tint val="60000"/>
+              <a:alpha val="54000"/>
+            </a:schemeClr>
+          </a:solidFill>
+          <a:ln w="38100" cap="rnd" cmpd="sng" algn="ctr">
+            <a:noFill/>
+            <a:prstDash val="solid"/>
+          </a:ln>
+          <a:effectLst/>
+        </p:spPr>
+        <p:style>
+          <a:lnRef idx="3">
+            <a:schemeClr val="lt1"/>
+          </a:lnRef>
+          <a:fillRef idx="1">
+            <a:schemeClr val="accent1"/>
+          </a:fillRef>
+          <a:effectRef idx="1">
+            <a:schemeClr val="accent1"/>
+          </a:effectRef>
+          <a:fontRef idx="minor">
+            <a:schemeClr val="lt1"/>
+          </a:fontRef>
+        </p:style>
+        <p:txBody>
+          <a:bodyPr anchor="ctr"/>
+          <a:lstStyle/>
+          <a:p>
+            <a:pPr algn="ctr" eaLnBrk="1" latinLnBrk="0" hangingPunct="1"/>
+            <a:endParaRPr kumimoji="0" lang="en-US"/>
+          </a:p>
+        </p:txBody>
+      </p:sp>
+      <p:sp>
+        <p:nvSpPr>
+          <p:cNvPr id="12" name="직사각형 11"/>
+          <p:cNvSpPr/>
+          <p:nvPr/>
+        </p:nvSpPr>
+        <p:spPr bwMode="auto">
+          <a:xfrm>
+            <a:off x="276336" y="0"/>
+            <a:ext cx="104664" cy="6858000"/>
+          </a:xfrm>
+          <a:prstGeom prst="rect">
+            <a:avLst/>
+          </a:prstGeom>
+          <a:solidFill>
+            <a:schemeClr val="accent1">
+              <a:tint val="40000"/>
+              <a:alpha val="36000"/>
+            </a:schemeClr>
+          </a:solidFill>
+          <a:ln w="38100" cap="rnd" cmpd="sng" algn="ctr">
+            <a:noFill/>
+            <a:prstDash val="solid"/>
+          </a:ln>
+          <a:effectLst/>
+        </p:spPr>
+        <p:style>
+          <a:lnRef idx="3">
+            <a:schemeClr val="lt1"/>
+          </a:lnRef>
+          <a:fillRef idx="1">
+            <a:schemeClr val="accent1"/>
+          </a:fillRef>
+          <a:effectRef idx="1">
+            <a:schemeClr val="accent1"/>
+          </a:effectRef>
+          <a:fontRef idx="minor">
+            <a:schemeClr val="lt1"/>
+          </a:fontRef>
+        </p:style>
+        <p:txBody>
+          <a:bodyPr anchor="ctr"/>
+          <a:lstStyle/>
+          <a:p>
+            <a:pPr algn="ctr" eaLnBrk="1" latinLnBrk="0" hangingPunct="1"/>
+            <a:endParaRPr kumimoji="0" lang="en-US"/>
+          </a:p>
+        </p:txBody>
+      </p:sp>
+      <p:sp>
+        <p:nvSpPr>
+          <p:cNvPr id="14" name="직사각형 13"/>
+          <p:cNvSpPr/>
+          <p:nvPr/>
+        </p:nvSpPr>
+        <p:spPr bwMode="auto">
+          <a:xfrm>
+            <a:off x="990600" y="0"/>
+            <a:ext cx="181872" cy="6858000"/>
+          </a:xfrm>
+          <a:prstGeom prst="rect">
+            <a:avLst/>
+          </a:prstGeom>
+          <a:solidFill>
+            <a:schemeClr val="accent1">
+              <a:tint val="40000"/>
+              <a:alpha val="70000"/>
+            </a:schemeClr>
+          </a:solidFill>
+          <a:ln w="38100" cap="rnd" cmpd="sng" algn="ctr">
+            <a:noFill/>
+            <a:prstDash val="solid"/>
+          </a:ln>
+          <a:effectLst/>
+        </p:spPr>
+        <p:style>
+          <a:lnRef idx="3">
+            <a:schemeClr val="lt1"/>
+          </a:lnRef>
+          <a:fillRef idx="1">
+            <a:schemeClr val="accent1"/>
+          </a:fillRef>
+          <a:effectRef idx="1">
+            <a:schemeClr val="accent1"/>
+          </a:effectRef>
+          <a:fontRef idx="minor">
+            <a:schemeClr val="lt1"/>
+          </a:fontRef>
+        </p:style>
+        <p:txBody>
+          <a:bodyPr anchor="ctr"/>
+          <a:lstStyle/>
+          <a:p>
+            <a:pPr algn="ctr" eaLnBrk="1" latinLnBrk="0" hangingPunct="1"/>
+            <a:endParaRPr kumimoji="0" lang="en-US"/>
+          </a:p>
+        </p:txBody>
+      </p:sp>
+      <p:sp>
+        <p:nvSpPr>
+          <p:cNvPr id="19" name="직사각형 18"/>
+          <p:cNvSpPr/>
+          <p:nvPr/>
+        </p:nvSpPr>
+        <p:spPr bwMode="auto">
+          <a:xfrm>
+            <a:off x="1141320" y="0"/>
+            <a:ext cx="230280" cy="6858000"/>
+          </a:xfrm>
+          <a:prstGeom prst="rect">
+            <a:avLst/>
+          </a:prstGeom>
+          <a:solidFill>
+            <a:schemeClr val="accent1">
+              <a:tint val="20000"/>
+              <a:alpha val="71000"/>
+            </a:schemeClr>
+          </a:solidFill>
+          <a:ln w="38100" cap="rnd" cmpd="sng" algn="ctr">
+            <a:noFill/>
+            <a:prstDash val="solid"/>
+          </a:ln>
+          <a:effectLst/>
+        </p:spPr>
+        <p:style>
+          <a:lnRef idx="3">
+            <a:schemeClr val="lt1"/>
+          </a:lnRef>
+          <a:fillRef idx="1">
+            <a:schemeClr val="accent1"/>
+          </a:fillRef>
+          <a:effectRef idx="1">
+            <a:schemeClr val="accent1"/>
+          </a:effectRef>
+          <a:fontRef idx="minor">
+            <a:schemeClr val="lt1"/>
+          </a:fontRef>
+        </p:style>
+        <p:txBody>
+          <a:bodyPr anchor="ctr"/>
+          <a:lstStyle/>
+          <a:p>
+            <a:pPr algn="ctr" eaLnBrk="1" latinLnBrk="0" hangingPunct="1"/>
+            <a:endParaRPr kumimoji="0" lang="en-US"/>
+          </a:p>
+        </p:txBody>
+      </p:sp>
+      <p:sp>
+        <p:nvSpPr>
+          <p:cNvPr id="11" name="직선 연결선 10"/>
+          <p:cNvSpPr>
+            <a:spLocks noChangeShapeType="1"/>
+          </p:cNvSpPr>
+          <p:nvPr/>
+        </p:nvSpPr>
+        <p:spPr bwMode="auto">
+          <a:xfrm>
+            <a:off x="106344" y="0"/>
+            <a:ext cx="0" cy="6858000"/>
+          </a:xfrm>
+          <a:prstGeom prst="line">
+            <a:avLst/>
+          </a:prstGeom>
+          <a:noFill/>
+          <a:ln w="57150" cap="flat" cmpd="sng" algn="ctr">
+            <a:solidFill>
+              <a:schemeClr val="accent1">
+                <a:tint val="60000"/>
+                <a:alpha val="73000"/>
+              </a:schemeClr>
+            </a:solidFill>
+            <a:prstDash val="solid"/>
+            <a:round/>
+            <a:headEnd type="none" w="med" len="med"/>
+            <a:tailEnd type="none" w="med" len="med"/>
+          </a:ln>
+          <a:effectLst/>
+        </p:spPr>
+        <p:txBody>
+          <a:bodyPr vert="horz" wrap="square" lIns="91440" tIns="45720" rIns="91440" bIns="45720" anchor="t" compatLnSpc="1"/>
+          <a:lstStyle/>
+          <a:p>
+            <a:endParaRPr kumimoji="0" lang="en-US"/>
+          </a:p>
+        </p:txBody>
+      </p:sp>
+      <p:sp>
+        <p:nvSpPr>
+          <p:cNvPr id="18" name="직선 연결선 17"/>
+          <p:cNvSpPr>
+            <a:spLocks noChangeShapeType="1"/>
+          </p:cNvSpPr>
+          <p:nvPr/>
+        </p:nvSpPr>
+        <p:spPr bwMode="auto">
+          <a:xfrm>
+            <a:off x="914400" y="0"/>
+            <a:ext cx="0" cy="6858000"/>
+          </a:xfrm>
+          <a:prstGeom prst="line">
+            <a:avLst/>
+          </a:prstGeom>
+          <a:noFill/>
+          <a:ln w="57150" cap="flat" cmpd="sng" algn="ctr">
+            <a:solidFill>
+              <a:schemeClr val="accent1">
+                <a:tint val="20000"/>
+                <a:alpha val="83000"/>
+              </a:schemeClr>
+            </a:solidFill>
+            <a:prstDash val="solid"/>
+            <a:round/>
+            <a:headEnd type="none" w="med" len="med"/>
+            <a:tailEnd type="none" w="med" len="med"/>
+          </a:ln>
+          <a:effectLst/>
+        </p:spPr>
+        <p:txBody>
+          <a:bodyPr vert="horz" wrap="square" lIns="91440" tIns="45720" rIns="91440" bIns="45720" anchor="t" compatLnSpc="1"/>
+          <a:lstStyle/>
+          <a:p>
+            <a:endParaRPr kumimoji="0" lang="en-US"/>
+          </a:p>
+        </p:txBody>
+      </p:sp>
+      <p:sp>
+        <p:nvSpPr>
+          <p:cNvPr id="20" name="직선 연결선 19"/>
+          <p:cNvSpPr>
+            <a:spLocks noChangeShapeType="1"/>
+          </p:cNvSpPr>
+          <p:nvPr/>
+        </p:nvSpPr>
+        <p:spPr bwMode="auto">
+          <a:xfrm>
+            <a:off x="854112" y="0"/>
+            <a:ext cx="0" cy="6858000"/>
+          </a:xfrm>
+          <a:prstGeom prst="line">
+            <a:avLst/>
+          </a:prstGeom>
+          <a:noFill/>
+          <a:ln w="57150" cap="flat" cmpd="sng" algn="ctr">
+            <a:solidFill>
+              <a:schemeClr val="accent1">
+                <a:tint val="60000"/>
+              </a:schemeClr>
+            </a:solidFill>
+            <a:prstDash val="solid"/>
+            <a:round/>
+            <a:headEnd type="none" w="med" len="med"/>
+            <a:tailEnd type="none" w="med" len="med"/>
+          </a:ln>
+          <a:effectLst/>
+        </p:spPr>
+        <p:txBody>
+          <a:bodyPr vert="horz" wrap="square" lIns="91440" tIns="45720" rIns="91440" bIns="45720" anchor="t" compatLnSpc="1"/>
+          <a:lstStyle/>
+          <a:p>
+            <a:endParaRPr kumimoji="0" lang="en-US"/>
+          </a:p>
+        </p:txBody>
+      </p:sp>
+      <p:sp>
+        <p:nvSpPr>
+          <p:cNvPr id="16" name="직선 연결선 15"/>
+          <p:cNvSpPr>
+            <a:spLocks noChangeShapeType="1"/>
+          </p:cNvSpPr>
+          <p:nvPr/>
+        </p:nvSpPr>
+        <p:spPr bwMode="auto">
+          <a:xfrm>
+            <a:off x="1726640" y="0"/>
+            <a:ext cx="0" cy="6858000"/>
+          </a:xfrm>
+          <a:prstGeom prst="line">
+            <a:avLst/>
+          </a:prstGeom>
+          <a:noFill/>
+          <a:ln w="28575" cap="flat" cmpd="sng" algn="ctr">
+            <a:solidFill>
+              <a:schemeClr val="accent1">
+                <a:tint val="60000"/>
+                <a:alpha val="82000"/>
+              </a:schemeClr>
+            </a:solidFill>
+            <a:prstDash val="solid"/>
+            <a:round/>
+            <a:headEnd type="none" w="med" len="med"/>
+            <a:tailEnd type="none" w="med" len="med"/>
+          </a:ln>
+          <a:effectLst/>
+        </p:spPr>
+        <p:txBody>
+          <a:bodyPr vert="horz" wrap="square" lIns="91440" tIns="45720" rIns="91440" bIns="45720" anchor="t" compatLnSpc="1"/>
+          <a:lstStyle/>
+          <a:p>
+            <a:endParaRPr kumimoji="0" lang="en-US"/>
+          </a:p>
+        </p:txBody>
+      </p:sp>
+      <p:sp>
+        <p:nvSpPr>
+          <p:cNvPr id="15" name="직선 연결선 14"/>
+          <p:cNvSpPr>
+            <a:spLocks noChangeShapeType="1"/>
+          </p:cNvSpPr>
+          <p:nvPr/>
+        </p:nvSpPr>
+        <p:spPr bwMode="auto">
+          <a:xfrm>
+            <a:off x="1066800" y="0"/>
+            <a:ext cx="0" cy="6858000"/>
+          </a:xfrm>
+          <a:prstGeom prst="line">
+            <a:avLst/>
+          </a:prstGeom>
+          <a:noFill/>
+          <a:ln w="9525" cap="flat" cmpd="sng" algn="ctr">
+            <a:solidFill>
+              <a:schemeClr val="accent1">
+                <a:tint val="60000"/>
+              </a:schemeClr>
+            </a:solidFill>
+            <a:prstDash val="solid"/>
+            <a:round/>
+            <a:headEnd type="none" w="med" len="med"/>
+            <a:tailEnd type="none" w="med" len="med"/>
+          </a:ln>
+          <a:effectLst/>
+        </p:spPr>
+        <p:txBody>
+          <a:bodyPr vert="horz" wrap="square" lIns="91440" tIns="45720" rIns="91440" bIns="45720" anchor="t" compatLnSpc="1"/>
+          <a:lstStyle/>
+          <a:p>
+            <a:endParaRPr kumimoji="0" lang="en-US"/>
+          </a:p>
+        </p:txBody>
+      </p:sp>
+      <p:sp>
+        <p:nvSpPr>
+          <p:cNvPr id="22" name="직선 연결선 21"/>
+          <p:cNvSpPr>
+            <a:spLocks noChangeShapeType="1"/>
+          </p:cNvSpPr>
+          <p:nvPr/>
+        </p:nvSpPr>
+        <p:spPr bwMode="auto">
+          <a:xfrm>
+            <a:off x="9113856" y="0"/>
+            <a:ext cx="0" cy="6858000"/>
+          </a:xfrm>
+          <a:prstGeom prst="line">
+            <a:avLst/>
+          </a:prstGeom>
+          <a:noFill/>
+          <a:ln w="57150" cap="flat" cmpd="thickThin" algn="ctr">
+            <a:solidFill>
+              <a:schemeClr val="accent1">
+                <a:tint val="60000"/>
+              </a:schemeClr>
+            </a:solidFill>
+            <a:prstDash val="solid"/>
+            <a:round/>
+            <a:headEnd type="none" w="med" len="med"/>
+            <a:tailEnd type="none" w="med" len="med"/>
+          </a:ln>
+          <a:effectLst/>
+        </p:spPr>
+        <p:txBody>
+          <a:bodyPr vert="horz" wrap="square" lIns="91440" tIns="45720" rIns="91440" bIns="45720" anchor="t" compatLnSpc="1"/>
+          <a:lstStyle/>
+          <a:p>
+            <a:endParaRPr kumimoji="0" lang="en-US"/>
+          </a:p>
+        </p:txBody>
+      </p:sp>
+      <p:sp>
+        <p:nvSpPr>
+          <p:cNvPr id="27" name="직사각형 26"/>
+          <p:cNvSpPr/>
+          <p:nvPr/>
+        </p:nvSpPr>
+        <p:spPr bwMode="auto">
+          <a:xfrm>
+            <a:off x="1219200" y="0"/>
+            <a:ext cx="76200" cy="6858000"/>
+          </a:xfrm>
+          <a:prstGeom prst="rect">
+            <a:avLst/>
+          </a:prstGeom>
+          <a:solidFill>
+            <a:schemeClr val="accent1">
+              <a:tint val="60000"/>
+              <a:alpha val="51000"/>
+            </a:schemeClr>
+          </a:solidFill>
+          <a:ln w="38100" cap="rnd" cmpd="sng" algn="ctr">
+            <a:noFill/>
+            <a:prstDash val="solid"/>
+          </a:ln>
+          <a:effectLst/>
+        </p:spPr>
+        <p:style>
+          <a:lnRef idx="3">
+            <a:schemeClr val="lt1"/>
+          </a:lnRef>
+          <a:fillRef idx="1">
+            <a:schemeClr val="accent1"/>
+          </a:fillRef>
+          <a:effectRef idx="1">
+            <a:schemeClr val="accent1"/>
+          </a:effectRef>
+          <a:fontRef idx="minor">
+            <a:schemeClr val="lt1"/>
+          </a:fontRef>
+        </p:style>
+        <p:txBody>
+          <a:bodyPr anchor="ctr"/>
+          <a:lstStyle/>
+          <a:p>
+            <a:pPr algn="ctr" eaLnBrk="1" latinLnBrk="0" hangingPunct="1"/>
+            <a:endParaRPr kumimoji="0" lang="en-US" dirty="0"/>
+          </a:p>
+        </p:txBody>
+      </p:sp>
+      <p:sp>
+        <p:nvSpPr>
+          <p:cNvPr id="21" name="타원 20"/>
+          <p:cNvSpPr/>
+          <p:nvPr/>
+        </p:nvSpPr>
+        <p:spPr bwMode="auto">
+          <a:xfrm>
+            <a:off x="609600" y="3429000"/>
+            <a:ext cx="1295400" cy="1295400"/>
+          </a:xfrm>
+          <a:prstGeom prst="ellipse">
+            <a:avLst/>
+          </a:prstGeom>
+          <a:solidFill>
+            <a:schemeClr val="accent1"/>
+          </a:solidFill>
+          <a:ln w="38100" cap="rnd" cmpd="sng" algn="ctr">
+            <a:noFill/>
+            <a:prstDash val="solid"/>
+          </a:ln>
+          <a:effectLst/>
+        </p:spPr>
+        <p:style>
+          <a:lnRef idx="3">
+            <a:schemeClr val="lt1"/>
+          </a:lnRef>
+          <a:fillRef idx="1">
+            <a:schemeClr val="accent1"/>
+          </a:fillRef>
+          <a:effectRef idx="1">
+            <a:schemeClr val="accent1"/>
+          </a:effectRef>
+          <a:fontRef idx="minor">
+            <a:schemeClr val="lt1"/>
+          </a:fontRef>
+        </p:style>
+        <p:txBody>
+          <a:bodyPr anchor="ctr"/>
+          <a:lstStyle/>
+          <a:p>
+            <a:pPr algn="ctr" eaLnBrk="1" latinLnBrk="0" hangingPunct="1"/>
+            <a:endParaRPr kumimoji="0" lang="en-US" dirty="0"/>
+          </a:p>
+        </p:txBody>
+      </p:sp>
+      <p:sp>
+        <p:nvSpPr>
+          <p:cNvPr id="23" name="타원 22"/>
+          <p:cNvSpPr/>
+          <p:nvPr/>
+        </p:nvSpPr>
+        <p:spPr bwMode="auto">
+          <a:xfrm>
+            <a:off x="1309632" y="4866752"/>
+            <a:ext cx="641424" cy="641424"/>
+          </a:xfrm>
+          <a:prstGeom prst="ellipse">
+            <a:avLst/>
+          </a:prstGeom>
+          <a:ln w="28575" cap="rnd" cmpd="sng" algn="ctr">
+            <a:noFill/>
+            <a:prstDash val="solid"/>
+          </a:ln>
+          <a:effectLst/>
+        </p:spPr>
+        <p:style>
+          <a:lnRef idx="3">
+            <a:schemeClr val="lt1"/>
+          </a:lnRef>
+          <a:fillRef idx="1">
+            <a:schemeClr val="accent1"/>
+          </a:fillRef>
+          <a:effectRef idx="1">
+            <a:schemeClr val="accent1"/>
+          </a:effectRef>
+          <a:fontRef idx="minor">
+            <a:schemeClr val="lt1"/>
+          </a:fontRef>
+        </p:style>
+        <p:txBody>
+          <a:bodyPr anchor="ctr"/>
+          <a:lstStyle/>
+          <a:p>
+            <a:pPr algn="ctr" eaLnBrk="1" latinLnBrk="0" hangingPunct="1"/>
+            <a:endParaRPr kumimoji="0" lang="en-US" dirty="0"/>
+          </a:p>
+        </p:txBody>
+      </p:sp>
+      <p:sp>
+        <p:nvSpPr>
+          <p:cNvPr id="24" name="타원 23"/>
+          <p:cNvSpPr/>
+          <p:nvPr/>
+        </p:nvSpPr>
+        <p:spPr bwMode="auto">
+          <a:xfrm>
+            <a:off x="1091080" y="5500632"/>
+            <a:ext cx="137160" cy="137160"/>
+          </a:xfrm>
+          <a:prstGeom prst="ellipse">
+            <a:avLst/>
+          </a:prstGeom>
+          <a:ln w="12700" cap="rnd" cmpd="sng" algn="ctr">
+            <a:noFill/>
+            <a:prstDash val="solid"/>
+          </a:ln>
+          <a:effectLst/>
+        </p:spPr>
+        <p:style>
+          <a:lnRef idx="3">
+            <a:schemeClr val="lt1"/>
+          </a:lnRef>
+          <a:fillRef idx="1">
+            <a:schemeClr val="accent1"/>
+          </a:fillRef>
+          <a:effectRef idx="1">
+            <a:schemeClr val="accent1"/>
+          </a:effectRef>
+          <a:fontRef idx="minor">
+            <a:schemeClr val="lt1"/>
+          </a:fontRef>
+        </p:style>
+        <p:txBody>
+          <a:bodyPr anchor="ctr"/>
+          <a:lstStyle/>
+          <a:p>
+            <a:pPr algn="ctr" eaLnBrk="1" latinLnBrk="0" hangingPunct="1"/>
+            <a:endParaRPr kumimoji="0" lang="en-US" dirty="0"/>
+          </a:p>
+        </p:txBody>
+      </p:sp>
+      <p:sp>
+        <p:nvSpPr>
+          <p:cNvPr id="26" name="타원 25"/>
+          <p:cNvSpPr/>
+          <p:nvPr/>
+        </p:nvSpPr>
+        <p:spPr bwMode="auto">
+          <a:xfrm>
+            <a:off x="1664208" y="5788152"/>
+            <a:ext cx="274320" cy="274320"/>
+          </a:xfrm>
+          <a:prstGeom prst="ellipse">
+            <a:avLst/>
+          </a:prstGeom>
+          <a:ln w="12700" cap="rnd" cmpd="sng" algn="ctr">
+            <a:noFill/>
+            <a:prstDash val="solid"/>
+          </a:ln>
+          <a:effectLst/>
+        </p:spPr>
+        <p:style>
+          <a:lnRef idx="3">
+            <a:schemeClr val="lt1"/>
+          </a:lnRef>
+          <a:fillRef idx="1">
+            <a:schemeClr val="accent1"/>
+          </a:fillRef>
+          <a:effectRef idx="1">
+            <a:schemeClr val="accent1"/>
+          </a:effectRef>
+          <a:fontRef idx="minor">
+            <a:schemeClr val="lt1"/>
+          </a:fontRef>
+        </p:style>
+        <p:txBody>
+          <a:bodyPr anchor="ctr"/>
+          <a:lstStyle/>
+          <a:p>
+            <a:pPr algn="ctr" eaLnBrk="1" latinLnBrk="0" hangingPunct="1"/>
+            <a:endParaRPr kumimoji="0" lang="en-US" dirty="0"/>
+          </a:p>
+        </p:txBody>
+      </p:sp>
+      <p:sp>
+        <p:nvSpPr>
+          <p:cNvPr id="25" name="타원 24"/>
+          <p:cNvSpPr/>
+          <p:nvPr/>
+        </p:nvSpPr>
+        <p:spPr>
+          <a:xfrm>
+            <a:off x="1905000" y="4495800"/>
+            <a:ext cx="365760" cy="365760"/>
+          </a:xfrm>
+          <a:prstGeom prst="ellipse">
+            <a:avLst/>
+          </a:prstGeom>
+          <a:ln w="28575" cap="rnd" cmpd="sng" algn="ctr">
+            <a:noFill/>
+            <a:prstDash val="solid"/>
+          </a:ln>
+          <a:effectLst/>
+        </p:spPr>
+        <p:style>
+          <a:lnRef idx="3">
+            <a:schemeClr val="lt1"/>
+          </a:lnRef>
+          <a:fillRef idx="1">
+            <a:schemeClr val="accent1"/>
+          </a:fillRef>
+          <a:effectRef idx="1">
+            <a:schemeClr val="accent1"/>
+          </a:effectRef>
+          <a:fontRef idx="minor">
+            <a:schemeClr val="lt1"/>
+          </a:fontRef>
+        </p:style>
+        <p:txBody>
+          <a:bodyPr anchor="ctr"/>
+          <a:lstStyle/>
+          <a:p>
+            <a:pPr algn="ctr" eaLnBrk="1" latinLnBrk="0" hangingPunct="1"/>
+            <a:endParaRPr kumimoji="0" lang="en-US" dirty="0"/>
+          </a:p>
+        </p:txBody>
+      </p:sp>
+      <p:sp>
+        <p:nvSpPr>
+          <p:cNvPr id="29" name="슬라이드 번호 개체 틀 28"/>
           <p:cNvSpPr>
             <a:spLocks noGrp="1"/>
           </p:cNvSpPr>
@@ -1439,7 +2231,12 @@
             <p:ph type="sldNum" sz="quarter" idx="12"/>
           </p:nvPr>
         </p:nvSpPr>
-        <p:spPr/>
+        <p:spPr bwMode="auto">
+          <a:xfrm>
+            <a:off x="1325544" y="4928702"/>
+            <a:ext cx="609600" cy="517524"/>
+          </a:xfrm>
+        </p:spPr>
         <p:txBody>
           <a:bodyPr/>
           <a:lstStyle/>
@@ -1456,7 +2253,7 @@
     </p:spTree>
   </p:cSld>
   <p:clrMapOvr>
-    <a:masterClrMapping/>
+    <a:overrideClrMapping bg1="lt1" tx1="dk1" bg2="lt2" tx2="dk2" accent1="accent1" accent2="accent2" accent3="accent3" accent4="accent4" accent5="accent5" accent6="accent6" hlink="hlink" folHlink="folHlink"/>
   </p:clrMapOvr>
 </p:sldLayout>
 </file>
@@ -1494,10 +2291,10 @@
           <a:lstStyle/>
           <a:p>
             <a:r>
-              <a:rPr lang="ko-KR" altLang="en-US" smtClean="0"/>
+              <a:rPr kumimoji="0" lang="ko-KR" altLang="en-US" smtClean="0"/>
               <a:t>마스터 제목 스타일 편집</a:t>
             </a:r>
-            <a:endParaRPr lang="ko-KR" altLang="en-US"/>
+            <a:endParaRPr kumimoji="0" lang="en-US"/>
           </a:p>
         </p:txBody>
       </p:sp>
@@ -1516,40 +2313,40 @@
           <a:bodyPr vert="eaVert"/>
           <a:lstStyle/>
           <a:p>
-            <a:pPr lvl="0"/>
+            <a:pPr lvl="0" eaLnBrk="1" latinLnBrk="0" hangingPunct="1"/>
             <a:r>
               <a:rPr lang="ko-KR" altLang="en-US" smtClean="0"/>
               <a:t>마스터 텍스트 스타일을 편집합니다</a:t>
             </a:r>
           </a:p>
           <a:p>
-            <a:pPr lvl="1"/>
+            <a:pPr lvl="1" eaLnBrk="1" latinLnBrk="0" hangingPunct="1"/>
             <a:r>
               <a:rPr lang="ko-KR" altLang="en-US" smtClean="0"/>
               <a:t>둘째 수준</a:t>
             </a:r>
           </a:p>
           <a:p>
-            <a:pPr lvl="2"/>
+            <a:pPr lvl="2" eaLnBrk="1" latinLnBrk="0" hangingPunct="1"/>
             <a:r>
               <a:rPr lang="ko-KR" altLang="en-US" smtClean="0"/>
               <a:t>셋째 수준</a:t>
             </a:r>
           </a:p>
           <a:p>
-            <a:pPr lvl="3"/>
+            <a:pPr lvl="3" eaLnBrk="1" latinLnBrk="0" hangingPunct="1"/>
             <a:r>
               <a:rPr lang="ko-KR" altLang="en-US" smtClean="0"/>
               <a:t>넷째 수준</a:t>
             </a:r>
           </a:p>
           <a:p>
-            <a:pPr lvl="4"/>
+            <a:pPr lvl="4" eaLnBrk="1" latinLnBrk="0" hangingPunct="1"/>
             <a:r>
               <a:rPr lang="ko-KR" altLang="en-US" smtClean="0"/>
               <a:t>다섯째 수준</a:t>
             </a:r>
-            <a:endParaRPr lang="ko-KR" altLang="en-US"/>
+            <a:endParaRPr kumimoji="0" lang="en-US"/>
           </a:p>
         </p:txBody>
       </p:sp>
@@ -1571,7 +2368,7 @@
             <a:fld id="{0772CA07-ADC5-4316-B40E-D9864AA22A19}" type="datetimeFigureOut">
               <a:rPr lang="ko-KR" altLang="en-US" smtClean="0"/>
               <a:pPr/>
-              <a:t>2012-08-27</a:t>
+              <a:t>2012-09-09</a:t>
             </a:fld>
             <a:endParaRPr lang="ko-KR" altLang="en-US"/>
           </a:p>
@@ -1657,8 +2454,8 @@
         </p:nvSpPr>
         <p:spPr>
           <a:xfrm>
-            <a:off x="6629400" y="274638"/>
-            <a:ext cx="2057400" cy="5851525"/>
+            <a:off x="6629400" y="274639"/>
+            <a:ext cx="1676400" cy="5851525"/>
           </a:xfrm>
         </p:spPr>
         <p:txBody>
@@ -1666,10 +2463,10 @@
           <a:lstStyle/>
           <a:p>
             <a:r>
-              <a:rPr lang="ko-KR" altLang="en-US" smtClean="0"/>
+              <a:rPr kumimoji="0" lang="ko-KR" altLang="en-US" smtClean="0"/>
               <a:t>마스터 제목 스타일 편집</a:t>
             </a:r>
-            <a:endParaRPr lang="ko-KR" altLang="en-US"/>
+            <a:endParaRPr kumimoji="0" lang="en-US"/>
           </a:p>
         </p:txBody>
       </p:sp>
@@ -1693,40 +2490,40 @@
           <a:bodyPr vert="eaVert"/>
           <a:lstStyle/>
           <a:p>
-            <a:pPr lvl="0"/>
+            <a:pPr lvl="0" eaLnBrk="1" latinLnBrk="0" hangingPunct="1"/>
             <a:r>
               <a:rPr lang="ko-KR" altLang="en-US" smtClean="0"/>
               <a:t>마스터 텍스트 스타일을 편집합니다</a:t>
             </a:r>
           </a:p>
           <a:p>
-            <a:pPr lvl="1"/>
+            <a:pPr lvl="1" eaLnBrk="1" latinLnBrk="0" hangingPunct="1"/>
             <a:r>
               <a:rPr lang="ko-KR" altLang="en-US" smtClean="0"/>
               <a:t>둘째 수준</a:t>
             </a:r>
           </a:p>
           <a:p>
-            <a:pPr lvl="2"/>
+            <a:pPr lvl="2" eaLnBrk="1" latinLnBrk="0" hangingPunct="1"/>
             <a:r>
               <a:rPr lang="ko-KR" altLang="en-US" smtClean="0"/>
               <a:t>셋째 수준</a:t>
             </a:r>
           </a:p>
           <a:p>
-            <a:pPr lvl="3"/>
+            <a:pPr lvl="3" eaLnBrk="1" latinLnBrk="0" hangingPunct="1"/>
             <a:r>
               <a:rPr lang="ko-KR" altLang="en-US" smtClean="0"/>
               <a:t>넷째 수준</a:t>
             </a:r>
           </a:p>
           <a:p>
-            <a:pPr lvl="4"/>
+            <a:pPr lvl="4" eaLnBrk="1" latinLnBrk="0" hangingPunct="1"/>
             <a:r>
               <a:rPr lang="ko-KR" altLang="en-US" smtClean="0"/>
               <a:t>다섯째 수준</a:t>
             </a:r>
-            <a:endParaRPr lang="ko-KR" altLang="en-US"/>
+            <a:endParaRPr kumimoji="0" lang="en-US"/>
           </a:p>
         </p:txBody>
       </p:sp>
@@ -1748,7 +2545,7 @@
             <a:fld id="{0772CA07-ADC5-4316-B40E-D9864AA22A19}" type="datetimeFigureOut">
               <a:rPr lang="ko-KR" altLang="en-US" smtClean="0"/>
               <a:pPr/>
-              <a:t>2012-08-27</a:t>
+              <a:t>2012-09-09</a:t>
             </a:fld>
             <a:endParaRPr lang="ko-KR" altLang="en-US"/>
           </a:p>
@@ -1838,84 +2635,89 @@
           <a:lstStyle/>
           <a:p>
             <a:r>
-              <a:rPr lang="ko-KR" altLang="en-US" smtClean="0"/>
+              <a:rPr kumimoji="0" lang="ko-KR" altLang="en-US" smtClean="0"/>
               <a:t>마스터 제목 스타일 편집</a:t>
             </a:r>
-            <a:endParaRPr lang="ko-KR" altLang="en-US"/>
-          </a:p>
-        </p:txBody>
-      </p:sp>
-      <p:sp>
-        <p:nvSpPr>
-          <p:cNvPr id="3" name="내용 개체 틀 2"/>
+            <a:endParaRPr kumimoji="0" lang="en-US"/>
+          </a:p>
+        </p:txBody>
+      </p:sp>
+      <p:sp>
+        <p:nvSpPr>
+          <p:cNvPr id="8" name="내용 개체 틀 7"/>
           <p:cNvSpPr>
             <a:spLocks noGrp="1"/>
           </p:cNvSpPr>
           <p:nvPr>
-            <p:ph idx="1"/>
-          </p:nvPr>
-        </p:nvSpPr>
-        <p:spPr/>
+            <p:ph sz="quarter" idx="1"/>
+          </p:nvPr>
+        </p:nvSpPr>
+        <p:spPr>
+          <a:xfrm>
+            <a:off x="457200" y="1600200"/>
+            <a:ext cx="7467600" cy="4873752"/>
+          </a:xfrm>
+        </p:spPr>
         <p:txBody>
           <a:bodyPr/>
           <a:lstStyle/>
           <a:p>
-            <a:pPr lvl="0"/>
+            <a:pPr lvl="0" eaLnBrk="1" latinLnBrk="0" hangingPunct="1"/>
             <a:r>
               <a:rPr lang="ko-KR" altLang="en-US" smtClean="0"/>
               <a:t>마스터 텍스트 스타일을 편집합니다</a:t>
             </a:r>
           </a:p>
           <a:p>
-            <a:pPr lvl="1"/>
+            <a:pPr lvl="1" eaLnBrk="1" latinLnBrk="0" hangingPunct="1"/>
             <a:r>
               <a:rPr lang="ko-KR" altLang="en-US" smtClean="0"/>
               <a:t>둘째 수준</a:t>
             </a:r>
           </a:p>
           <a:p>
-            <a:pPr lvl="2"/>
+            <a:pPr lvl="2" eaLnBrk="1" latinLnBrk="0" hangingPunct="1"/>
             <a:r>
               <a:rPr lang="ko-KR" altLang="en-US" smtClean="0"/>
               <a:t>셋째 수준</a:t>
             </a:r>
           </a:p>
           <a:p>
-            <a:pPr lvl="3"/>
+            <a:pPr lvl="3" eaLnBrk="1" latinLnBrk="0" hangingPunct="1"/>
             <a:r>
               <a:rPr lang="ko-KR" altLang="en-US" smtClean="0"/>
               <a:t>넷째 수준</a:t>
             </a:r>
           </a:p>
           <a:p>
-            <a:pPr lvl="4"/>
+            <a:pPr lvl="4" eaLnBrk="1" latinLnBrk="0" hangingPunct="1"/>
             <a:r>
               <a:rPr lang="ko-KR" altLang="en-US" smtClean="0"/>
               <a:t>다섯째 수준</a:t>
             </a:r>
-            <a:endParaRPr lang="ko-KR" altLang="en-US"/>
-          </a:p>
-        </p:txBody>
-      </p:sp>
-      <p:sp>
-        <p:nvSpPr>
-          <p:cNvPr id="4" name="날짜 개체 틀 3"/>
+            <a:endParaRPr kumimoji="0" lang="en-US"/>
+          </a:p>
+        </p:txBody>
+      </p:sp>
+      <p:sp>
+        <p:nvSpPr>
+          <p:cNvPr id="7" name="날짜 개체 틀 6"/>
           <p:cNvSpPr>
             <a:spLocks noGrp="1"/>
           </p:cNvSpPr>
           <p:nvPr>
-            <p:ph type="dt" sz="half" idx="10"/>
+            <p:ph type="dt" sz="half" idx="14"/>
           </p:nvPr>
         </p:nvSpPr>
         <p:spPr/>
         <p:txBody>
-          <a:bodyPr/>
+          <a:bodyPr rtlCol="0"/>
           <a:lstStyle/>
           <a:p>
             <a:fld id="{0772CA07-ADC5-4316-B40E-D9864AA22A19}" type="datetimeFigureOut">
               <a:rPr lang="ko-KR" altLang="en-US" smtClean="0"/>
               <a:pPr/>
-              <a:t>2012-08-27</a:t>
+              <a:t>2012-09-09</a:t>
             </a:fld>
             <a:endParaRPr lang="ko-KR" altLang="en-US"/>
           </a:p>
@@ -1923,36 +2725,17 @@
       </p:sp>
       <p:sp>
         <p:nvSpPr>
-          <p:cNvPr id="5" name="바닥글 개체 틀 4"/>
+          <p:cNvPr id="9" name="슬라이드 번호 개체 틀 8"/>
           <p:cNvSpPr>
             <a:spLocks noGrp="1"/>
           </p:cNvSpPr>
           <p:nvPr>
-            <p:ph type="ftr" sz="quarter" idx="11"/>
+            <p:ph type="sldNum" sz="quarter" idx="15"/>
           </p:nvPr>
         </p:nvSpPr>
         <p:spPr/>
         <p:txBody>
-          <a:bodyPr/>
-          <a:lstStyle/>
-          <a:p>
-            <a:endParaRPr lang="ko-KR" altLang="en-US"/>
-          </a:p>
-        </p:txBody>
-      </p:sp>
-      <p:sp>
-        <p:nvSpPr>
-          <p:cNvPr id="6" name="슬라이드 번호 개체 틀 5"/>
-          <p:cNvSpPr>
-            <a:spLocks noGrp="1"/>
-          </p:cNvSpPr>
-          <p:nvPr>
-            <p:ph type="sldNum" sz="quarter" idx="12"/>
-          </p:nvPr>
-        </p:nvSpPr>
-        <p:spPr/>
-        <p:txBody>
-          <a:bodyPr/>
+          <a:bodyPr rtlCol="0"/>
           <a:lstStyle/>
           <a:p>
             <a:fld id="{9783BF30-1777-4C30-B3B8-07C5EDC585B8}" type="slidenum">
@@ -1960,6 +2743,25 @@
               <a:pPr/>
               <a:t>‹#›</a:t>
             </a:fld>
+            <a:endParaRPr lang="ko-KR" altLang="en-US"/>
+          </a:p>
+        </p:txBody>
+      </p:sp>
+      <p:sp>
+        <p:nvSpPr>
+          <p:cNvPr id="10" name="바닥글 개체 틀 9"/>
+          <p:cNvSpPr>
+            <a:spLocks noGrp="1"/>
+          </p:cNvSpPr>
+          <p:nvPr>
+            <p:ph type="ftr" sz="quarter" idx="16"/>
+          </p:nvPr>
+        </p:nvSpPr>
+        <p:spPr/>
+        <p:txBody>
+          <a:bodyPr rtlCol="0"/>
+          <a:lstStyle/>
+          <a:p>
             <a:endParaRPr lang="ko-KR" altLang="en-US"/>
           </a:p>
         </p:txBody>
@@ -1973,8 +2775,13 @@
 </file>
 
 <file path=ppt/slideLayouts/slideLayout3.xml><?xml version="1.0" encoding="utf-8"?>
-<p:sldLayout xmlns:a="http://schemas.openxmlformats.org/drawingml/2006/main" xmlns:r="http://schemas.openxmlformats.org/officeDocument/2006/relationships" xmlns:p="http://schemas.openxmlformats.org/presentationml/2006/main" type="secHead" preserve="1">
+<p:sldLayout xmlns:a="http://schemas.openxmlformats.org/drawingml/2006/main" xmlns:r="http://schemas.openxmlformats.org/officeDocument/2006/relationships" xmlns:p="http://schemas.openxmlformats.org/presentationml/2006/main" showMasterSp="0" type="secHead" preserve="1">
   <p:cSld name="구역 머리글">
+    <p:bg>
+      <p:bgRef idx="1001">
+        <a:schemeClr val="bg2"/>
+      </p:bgRef>
+    </p:bg>
     <p:spTree>
       <p:nvGrpSpPr>
         <p:cNvPr id="1" name=""/>
@@ -2001,23 +2808,24 @@
         </p:nvSpPr>
         <p:spPr>
           <a:xfrm>
-            <a:off x="722313" y="4406900"/>
-            <a:ext cx="7772400" cy="1362075"/>
-          </a:xfrm>
-        </p:spPr>
-        <p:txBody>
-          <a:bodyPr anchor="t"/>
+            <a:off x="2286000" y="2895600"/>
+            <a:ext cx="6172200" cy="2053590"/>
+          </a:xfrm>
+        </p:spPr>
+        <p:txBody>
+          <a:bodyPr/>
           <a:lstStyle>
             <a:lvl1pPr algn="l">
-              <a:defRPr sz="4000" b="1" cap="all"/>
+              <a:buNone/>
+              <a:defRPr sz="3000" b="1" cap="small" baseline="0"/>
             </a:lvl1pPr>
           </a:lstStyle>
           <a:p>
             <a:r>
-              <a:rPr lang="ko-KR" altLang="en-US" smtClean="0"/>
+              <a:rPr kumimoji="0" lang="ko-KR" altLang="en-US" smtClean="0"/>
               <a:t>마스터 제목 스타일 편집</a:t>
             </a:r>
-            <a:endParaRPr lang="ko-KR" altLang="en-US"/>
+            <a:endParaRPr kumimoji="0" lang="en-US"/>
           </a:p>
         </p:txBody>
       </p:sp>
@@ -2033,24 +2841,22 @@
         </p:nvSpPr>
         <p:spPr>
           <a:xfrm>
-            <a:off x="722313" y="2906713"/>
-            <a:ext cx="7772400" cy="1500187"/>
-          </a:xfrm>
-        </p:spPr>
-        <p:txBody>
-          <a:bodyPr anchor="b"/>
+            <a:off x="2286000" y="5010150"/>
+            <a:ext cx="6172200" cy="1371600"/>
+          </a:xfrm>
+        </p:spPr>
+        <p:txBody>
+          <a:bodyPr anchor="t"/>
           <a:lstStyle>
             <a:lvl1pPr marL="0" indent="0">
               <a:buNone/>
-              <a:defRPr sz="2000">
+              <a:defRPr sz="1800" b="1">
                 <a:solidFill>
-                  <a:schemeClr val="tx1">
-                    <a:tint val="75000"/>
-                  </a:schemeClr>
+                  <a:schemeClr val="tx2"/>
                 </a:solidFill>
               </a:defRPr>
             </a:lvl1pPr>
-            <a:lvl2pPr marL="457200" indent="0">
+            <a:lvl2pPr>
               <a:buNone/>
               <a:defRPr sz="1800">
                 <a:solidFill>
@@ -2060,7 +2866,7 @@
                 </a:solidFill>
               </a:defRPr>
             </a:lvl2pPr>
-            <a:lvl3pPr marL="914400" indent="0">
+            <a:lvl3pPr>
               <a:buNone/>
               <a:defRPr sz="1600">
                 <a:solidFill>
@@ -2070,7 +2876,7 @@
                 </a:solidFill>
               </a:defRPr>
             </a:lvl3pPr>
-            <a:lvl4pPr marL="1371600" indent="0">
+            <a:lvl4pPr>
               <a:buNone/>
               <a:defRPr sz="1400">
                 <a:solidFill>
@@ -2080,7 +2886,7 @@
                 </a:solidFill>
               </a:defRPr>
             </a:lvl4pPr>
-            <a:lvl5pPr marL="1828800" indent="0">
+            <a:lvl5pPr>
               <a:buNone/>
               <a:defRPr sz="1400">
                 <a:solidFill>
@@ -2090,51 +2896,11 @@
                 </a:solidFill>
               </a:defRPr>
             </a:lvl5pPr>
-            <a:lvl6pPr marL="2286000" indent="0">
-              <a:buNone/>
-              <a:defRPr sz="1400">
-                <a:solidFill>
-                  <a:schemeClr val="tx1">
-                    <a:tint val="75000"/>
-                  </a:schemeClr>
-                </a:solidFill>
-              </a:defRPr>
-            </a:lvl6pPr>
-            <a:lvl7pPr marL="2743200" indent="0">
-              <a:buNone/>
-              <a:defRPr sz="1400">
-                <a:solidFill>
-                  <a:schemeClr val="tx1">
-                    <a:tint val="75000"/>
-                  </a:schemeClr>
-                </a:solidFill>
-              </a:defRPr>
-            </a:lvl7pPr>
-            <a:lvl8pPr marL="3200400" indent="0">
-              <a:buNone/>
-              <a:defRPr sz="1400">
-                <a:solidFill>
-                  <a:schemeClr val="tx1">
-                    <a:tint val="75000"/>
-                  </a:schemeClr>
-                </a:solidFill>
-              </a:defRPr>
-            </a:lvl8pPr>
-            <a:lvl9pPr marL="3657600" indent="0">
-              <a:buNone/>
-              <a:defRPr sz="1400">
-                <a:solidFill>
-                  <a:schemeClr val="tx1">
-                    <a:tint val="75000"/>
-                  </a:schemeClr>
-                </a:solidFill>
-              </a:defRPr>
-            </a:lvl9pPr>
           </a:lstStyle>
           <a:p>
-            <a:pPr lvl="0"/>
-            <a:r>
-              <a:rPr lang="ko-KR" altLang="en-US" smtClean="0"/>
+            <a:pPr lvl="0" eaLnBrk="1" latinLnBrk="0" hangingPunct="1"/>
+            <a:r>
+              <a:rPr kumimoji="0" lang="ko-KR" altLang="en-US" smtClean="0"/>
               <a:t>마스터 텍스트 스타일을 편집합니다</a:t>
             </a:r>
           </a:p>
@@ -2150,7 +2916,12 @@
             <p:ph type="dt" sz="half" idx="10"/>
           </p:nvPr>
         </p:nvSpPr>
-        <p:spPr/>
+        <p:spPr bwMode="auto">
+          <a:xfrm rot="5400000">
+            <a:off x="7763256" y="1170432"/>
+            <a:ext cx="2286000" cy="381000"/>
+          </a:xfrm>
+        </p:spPr>
         <p:txBody>
           <a:bodyPr/>
           <a:lstStyle/>
@@ -2158,7 +2929,7 @@
             <a:fld id="{0772CA07-ADC5-4316-B40E-D9864AA22A19}" type="datetimeFigureOut">
               <a:rPr lang="ko-KR" altLang="en-US" smtClean="0"/>
               <a:pPr/>
-              <a:t>2012-08-27</a:t>
+              <a:t>2012-09-09</a:t>
             </a:fld>
             <a:endParaRPr lang="ko-KR" altLang="en-US"/>
           </a:p>
@@ -2174,7 +2945,12 @@
             <p:ph type="ftr" sz="quarter" idx="11"/>
           </p:nvPr>
         </p:nvSpPr>
-        <p:spPr/>
+        <p:spPr bwMode="auto">
+          <a:xfrm rot="5400000">
+            <a:off x="7077456" y="4178808"/>
+            <a:ext cx="3657600" cy="384048"/>
+          </a:xfrm>
+        </p:spPr>
         <p:txBody>
           <a:bodyPr/>
           <a:lstStyle/>
@@ -2185,6 +2961,697 @@
       </p:sp>
       <p:sp>
         <p:nvSpPr>
+          <p:cNvPr id="9" name="직사각형 8"/>
+          <p:cNvSpPr/>
+          <p:nvPr/>
+        </p:nvSpPr>
+        <p:spPr bwMode="auto">
+          <a:xfrm>
+            <a:off x="381000" y="0"/>
+            <a:ext cx="609600" cy="6858000"/>
+          </a:xfrm>
+          <a:prstGeom prst="rect">
+            <a:avLst/>
+          </a:prstGeom>
+          <a:solidFill>
+            <a:schemeClr val="accent1">
+              <a:tint val="60000"/>
+              <a:alpha val="54000"/>
+            </a:schemeClr>
+          </a:solidFill>
+          <a:ln w="38100" cap="rnd" cmpd="sng" algn="ctr">
+            <a:noFill/>
+            <a:prstDash val="solid"/>
+          </a:ln>
+          <a:effectLst/>
+        </p:spPr>
+        <p:style>
+          <a:lnRef idx="3">
+            <a:schemeClr val="lt1"/>
+          </a:lnRef>
+          <a:fillRef idx="1">
+            <a:schemeClr val="accent1"/>
+          </a:fillRef>
+          <a:effectRef idx="1">
+            <a:schemeClr val="accent1"/>
+          </a:effectRef>
+          <a:fontRef idx="minor">
+            <a:schemeClr val="lt1"/>
+          </a:fontRef>
+        </p:style>
+        <p:txBody>
+          <a:bodyPr anchor="ctr"/>
+          <a:lstStyle/>
+          <a:p>
+            <a:pPr algn="ctr" eaLnBrk="1" latinLnBrk="0" hangingPunct="1"/>
+            <a:endParaRPr kumimoji="0" lang="en-US"/>
+          </a:p>
+        </p:txBody>
+      </p:sp>
+      <p:sp>
+        <p:nvSpPr>
+          <p:cNvPr id="10" name="직사각형 9"/>
+          <p:cNvSpPr/>
+          <p:nvPr/>
+        </p:nvSpPr>
+        <p:spPr bwMode="auto">
+          <a:xfrm>
+            <a:off x="276336" y="0"/>
+            <a:ext cx="104664" cy="6858000"/>
+          </a:xfrm>
+          <a:prstGeom prst="rect">
+            <a:avLst/>
+          </a:prstGeom>
+          <a:solidFill>
+            <a:schemeClr val="accent1">
+              <a:tint val="40000"/>
+              <a:alpha val="36000"/>
+            </a:schemeClr>
+          </a:solidFill>
+          <a:ln w="38100" cap="rnd" cmpd="sng" algn="ctr">
+            <a:noFill/>
+            <a:prstDash val="solid"/>
+          </a:ln>
+          <a:effectLst/>
+        </p:spPr>
+        <p:style>
+          <a:lnRef idx="3">
+            <a:schemeClr val="lt1"/>
+          </a:lnRef>
+          <a:fillRef idx="1">
+            <a:schemeClr val="accent1"/>
+          </a:fillRef>
+          <a:effectRef idx="1">
+            <a:schemeClr val="accent1"/>
+          </a:effectRef>
+          <a:fontRef idx="minor">
+            <a:schemeClr val="lt1"/>
+          </a:fontRef>
+        </p:style>
+        <p:txBody>
+          <a:bodyPr anchor="ctr"/>
+          <a:lstStyle/>
+          <a:p>
+            <a:pPr algn="ctr" eaLnBrk="1" latinLnBrk="0" hangingPunct="1"/>
+            <a:endParaRPr kumimoji="0" lang="en-US"/>
+          </a:p>
+        </p:txBody>
+      </p:sp>
+      <p:sp>
+        <p:nvSpPr>
+          <p:cNvPr id="11" name="직사각형 10"/>
+          <p:cNvSpPr/>
+          <p:nvPr/>
+        </p:nvSpPr>
+        <p:spPr bwMode="auto">
+          <a:xfrm>
+            <a:off x="990600" y="0"/>
+            <a:ext cx="181872" cy="6858000"/>
+          </a:xfrm>
+          <a:prstGeom prst="rect">
+            <a:avLst/>
+          </a:prstGeom>
+          <a:solidFill>
+            <a:schemeClr val="accent1">
+              <a:tint val="40000"/>
+              <a:alpha val="70000"/>
+            </a:schemeClr>
+          </a:solidFill>
+          <a:ln w="38100" cap="rnd" cmpd="sng" algn="ctr">
+            <a:noFill/>
+            <a:prstDash val="solid"/>
+          </a:ln>
+          <a:effectLst/>
+        </p:spPr>
+        <p:style>
+          <a:lnRef idx="3">
+            <a:schemeClr val="lt1"/>
+          </a:lnRef>
+          <a:fillRef idx="1">
+            <a:schemeClr val="accent1"/>
+          </a:fillRef>
+          <a:effectRef idx="1">
+            <a:schemeClr val="accent1"/>
+          </a:effectRef>
+          <a:fontRef idx="minor">
+            <a:schemeClr val="lt1"/>
+          </a:fontRef>
+        </p:style>
+        <p:txBody>
+          <a:bodyPr anchor="ctr"/>
+          <a:lstStyle/>
+          <a:p>
+            <a:pPr algn="ctr" eaLnBrk="1" latinLnBrk="0" hangingPunct="1"/>
+            <a:endParaRPr kumimoji="0" lang="en-US"/>
+          </a:p>
+        </p:txBody>
+      </p:sp>
+      <p:sp>
+        <p:nvSpPr>
+          <p:cNvPr id="12" name="직사각형 11"/>
+          <p:cNvSpPr/>
+          <p:nvPr/>
+        </p:nvSpPr>
+        <p:spPr bwMode="auto">
+          <a:xfrm>
+            <a:off x="1141320" y="0"/>
+            <a:ext cx="230280" cy="6858000"/>
+          </a:xfrm>
+          <a:prstGeom prst="rect">
+            <a:avLst/>
+          </a:prstGeom>
+          <a:solidFill>
+            <a:schemeClr val="accent1">
+              <a:tint val="20000"/>
+              <a:alpha val="71000"/>
+            </a:schemeClr>
+          </a:solidFill>
+          <a:ln w="38100" cap="rnd" cmpd="sng" algn="ctr">
+            <a:noFill/>
+            <a:prstDash val="solid"/>
+          </a:ln>
+          <a:effectLst/>
+        </p:spPr>
+        <p:style>
+          <a:lnRef idx="3">
+            <a:schemeClr val="lt1"/>
+          </a:lnRef>
+          <a:fillRef idx="1">
+            <a:schemeClr val="accent1"/>
+          </a:fillRef>
+          <a:effectRef idx="1">
+            <a:schemeClr val="accent1"/>
+          </a:effectRef>
+          <a:fontRef idx="minor">
+            <a:schemeClr val="lt1"/>
+          </a:fontRef>
+        </p:style>
+        <p:txBody>
+          <a:bodyPr anchor="ctr"/>
+          <a:lstStyle/>
+          <a:p>
+            <a:pPr algn="ctr" eaLnBrk="1" latinLnBrk="0" hangingPunct="1"/>
+            <a:endParaRPr kumimoji="0" lang="en-US"/>
+          </a:p>
+        </p:txBody>
+      </p:sp>
+      <p:sp>
+        <p:nvSpPr>
+          <p:cNvPr id="13" name="직선 연결선 12"/>
+          <p:cNvSpPr>
+            <a:spLocks noChangeShapeType="1"/>
+          </p:cNvSpPr>
+          <p:nvPr/>
+        </p:nvSpPr>
+        <p:spPr bwMode="auto">
+          <a:xfrm>
+            <a:off x="106344" y="0"/>
+            <a:ext cx="0" cy="6858000"/>
+          </a:xfrm>
+          <a:prstGeom prst="line">
+            <a:avLst/>
+          </a:prstGeom>
+          <a:noFill/>
+          <a:ln w="57150" cap="flat" cmpd="sng" algn="ctr">
+            <a:solidFill>
+              <a:schemeClr val="accent1">
+                <a:tint val="60000"/>
+                <a:alpha val="73000"/>
+              </a:schemeClr>
+            </a:solidFill>
+            <a:prstDash val="solid"/>
+            <a:round/>
+            <a:headEnd type="none" w="med" len="med"/>
+            <a:tailEnd type="none" w="med" len="med"/>
+          </a:ln>
+          <a:effectLst/>
+        </p:spPr>
+        <p:txBody>
+          <a:bodyPr vert="horz" wrap="square" lIns="91440" tIns="45720" rIns="91440" bIns="45720" anchor="t" compatLnSpc="1"/>
+          <a:lstStyle/>
+          <a:p>
+            <a:endParaRPr kumimoji="0" lang="en-US"/>
+          </a:p>
+        </p:txBody>
+      </p:sp>
+      <p:sp>
+        <p:nvSpPr>
+          <p:cNvPr id="14" name="직선 연결선 13"/>
+          <p:cNvSpPr>
+            <a:spLocks noChangeShapeType="1"/>
+          </p:cNvSpPr>
+          <p:nvPr/>
+        </p:nvSpPr>
+        <p:spPr bwMode="auto">
+          <a:xfrm>
+            <a:off x="914400" y="0"/>
+            <a:ext cx="0" cy="6858000"/>
+          </a:xfrm>
+          <a:prstGeom prst="line">
+            <a:avLst/>
+          </a:prstGeom>
+          <a:noFill/>
+          <a:ln w="57150" cap="flat" cmpd="sng" algn="ctr">
+            <a:solidFill>
+              <a:schemeClr val="accent1">
+                <a:tint val="20000"/>
+                <a:alpha val="83000"/>
+              </a:schemeClr>
+            </a:solidFill>
+            <a:prstDash val="solid"/>
+            <a:round/>
+            <a:headEnd type="none" w="med" len="med"/>
+            <a:tailEnd type="none" w="med" len="med"/>
+          </a:ln>
+          <a:effectLst/>
+        </p:spPr>
+        <p:txBody>
+          <a:bodyPr vert="horz" wrap="square" lIns="91440" tIns="45720" rIns="91440" bIns="45720" anchor="t" compatLnSpc="1"/>
+          <a:lstStyle/>
+          <a:p>
+            <a:endParaRPr kumimoji="0" lang="en-US"/>
+          </a:p>
+        </p:txBody>
+      </p:sp>
+      <p:sp>
+        <p:nvSpPr>
+          <p:cNvPr id="15" name="직선 연결선 14"/>
+          <p:cNvSpPr>
+            <a:spLocks noChangeShapeType="1"/>
+          </p:cNvSpPr>
+          <p:nvPr/>
+        </p:nvSpPr>
+        <p:spPr bwMode="auto">
+          <a:xfrm>
+            <a:off x="854112" y="0"/>
+            <a:ext cx="0" cy="6858000"/>
+          </a:xfrm>
+          <a:prstGeom prst="line">
+            <a:avLst/>
+          </a:prstGeom>
+          <a:noFill/>
+          <a:ln w="57150" cap="flat" cmpd="sng" algn="ctr">
+            <a:solidFill>
+              <a:schemeClr val="accent1">
+                <a:tint val="60000"/>
+              </a:schemeClr>
+            </a:solidFill>
+            <a:prstDash val="solid"/>
+            <a:round/>
+            <a:headEnd type="none" w="med" len="med"/>
+            <a:tailEnd type="none" w="med" len="med"/>
+          </a:ln>
+          <a:effectLst/>
+        </p:spPr>
+        <p:txBody>
+          <a:bodyPr vert="horz" wrap="square" lIns="91440" tIns="45720" rIns="91440" bIns="45720" anchor="t" compatLnSpc="1"/>
+          <a:lstStyle/>
+          <a:p>
+            <a:endParaRPr kumimoji="0" lang="en-US"/>
+          </a:p>
+        </p:txBody>
+      </p:sp>
+      <p:sp>
+        <p:nvSpPr>
+          <p:cNvPr id="16" name="직선 연결선 15"/>
+          <p:cNvSpPr>
+            <a:spLocks noChangeShapeType="1"/>
+          </p:cNvSpPr>
+          <p:nvPr/>
+        </p:nvSpPr>
+        <p:spPr bwMode="auto">
+          <a:xfrm>
+            <a:off x="1726640" y="0"/>
+            <a:ext cx="0" cy="6858000"/>
+          </a:xfrm>
+          <a:prstGeom prst="line">
+            <a:avLst/>
+          </a:prstGeom>
+          <a:noFill/>
+          <a:ln w="28575" cap="flat" cmpd="sng" algn="ctr">
+            <a:solidFill>
+              <a:schemeClr val="accent1">
+                <a:tint val="60000"/>
+                <a:alpha val="82000"/>
+              </a:schemeClr>
+            </a:solidFill>
+            <a:prstDash val="solid"/>
+            <a:round/>
+            <a:headEnd type="none" w="med" len="med"/>
+            <a:tailEnd type="none" w="med" len="med"/>
+          </a:ln>
+          <a:effectLst/>
+        </p:spPr>
+        <p:txBody>
+          <a:bodyPr vert="horz" wrap="square" lIns="91440" tIns="45720" rIns="91440" bIns="45720" anchor="t" compatLnSpc="1"/>
+          <a:lstStyle/>
+          <a:p>
+            <a:endParaRPr kumimoji="0" lang="en-US"/>
+          </a:p>
+        </p:txBody>
+      </p:sp>
+      <p:sp>
+        <p:nvSpPr>
+          <p:cNvPr id="17" name="직선 연결선 16"/>
+          <p:cNvSpPr>
+            <a:spLocks noChangeShapeType="1"/>
+          </p:cNvSpPr>
+          <p:nvPr/>
+        </p:nvSpPr>
+        <p:spPr bwMode="auto">
+          <a:xfrm>
+            <a:off x="1066800" y="0"/>
+            <a:ext cx="0" cy="6858000"/>
+          </a:xfrm>
+          <a:prstGeom prst="line">
+            <a:avLst/>
+          </a:prstGeom>
+          <a:noFill/>
+          <a:ln w="9525" cap="flat" cmpd="sng" algn="ctr">
+            <a:solidFill>
+              <a:schemeClr val="accent1">
+                <a:tint val="60000"/>
+              </a:schemeClr>
+            </a:solidFill>
+            <a:prstDash val="solid"/>
+            <a:round/>
+            <a:headEnd type="none" w="med" len="med"/>
+            <a:tailEnd type="none" w="med" len="med"/>
+          </a:ln>
+          <a:effectLst/>
+        </p:spPr>
+        <p:txBody>
+          <a:bodyPr vert="horz" wrap="square" lIns="91440" tIns="45720" rIns="91440" bIns="45720" anchor="t" compatLnSpc="1"/>
+          <a:lstStyle/>
+          <a:p>
+            <a:endParaRPr kumimoji="0" lang="en-US"/>
+          </a:p>
+        </p:txBody>
+      </p:sp>
+      <p:sp>
+        <p:nvSpPr>
+          <p:cNvPr id="18" name="직사각형 17"/>
+          <p:cNvSpPr/>
+          <p:nvPr/>
+        </p:nvSpPr>
+        <p:spPr bwMode="auto">
+          <a:xfrm>
+            <a:off x="1219200" y="0"/>
+            <a:ext cx="76200" cy="6858000"/>
+          </a:xfrm>
+          <a:prstGeom prst="rect">
+            <a:avLst/>
+          </a:prstGeom>
+          <a:solidFill>
+            <a:schemeClr val="accent1">
+              <a:tint val="60000"/>
+              <a:alpha val="51000"/>
+            </a:schemeClr>
+          </a:solidFill>
+          <a:ln w="38100" cap="rnd" cmpd="sng" algn="ctr">
+            <a:noFill/>
+            <a:prstDash val="solid"/>
+          </a:ln>
+          <a:effectLst/>
+        </p:spPr>
+        <p:style>
+          <a:lnRef idx="3">
+            <a:schemeClr val="lt1"/>
+          </a:lnRef>
+          <a:fillRef idx="1">
+            <a:schemeClr val="accent1"/>
+          </a:fillRef>
+          <a:effectRef idx="1">
+            <a:schemeClr val="accent1"/>
+          </a:effectRef>
+          <a:fontRef idx="minor">
+            <a:schemeClr val="lt1"/>
+          </a:fontRef>
+        </p:style>
+        <p:txBody>
+          <a:bodyPr anchor="ctr"/>
+          <a:lstStyle/>
+          <a:p>
+            <a:pPr algn="ctr" eaLnBrk="1" latinLnBrk="0" hangingPunct="1"/>
+            <a:endParaRPr kumimoji="0" lang="en-US" dirty="0"/>
+          </a:p>
+        </p:txBody>
+      </p:sp>
+      <p:sp>
+        <p:nvSpPr>
+          <p:cNvPr id="19" name="타원 18"/>
+          <p:cNvSpPr/>
+          <p:nvPr/>
+        </p:nvSpPr>
+        <p:spPr bwMode="auto">
+          <a:xfrm>
+            <a:off x="609600" y="3429000"/>
+            <a:ext cx="1295400" cy="1295400"/>
+          </a:xfrm>
+          <a:prstGeom prst="ellipse">
+            <a:avLst/>
+          </a:prstGeom>
+          <a:ln w="38100" cap="rnd" cmpd="sng" algn="ctr">
+            <a:noFill/>
+            <a:prstDash val="solid"/>
+          </a:ln>
+          <a:effectLst/>
+        </p:spPr>
+        <p:style>
+          <a:lnRef idx="3">
+            <a:schemeClr val="lt1"/>
+          </a:lnRef>
+          <a:fillRef idx="1">
+            <a:schemeClr val="accent1"/>
+          </a:fillRef>
+          <a:effectRef idx="1">
+            <a:schemeClr val="accent1"/>
+          </a:effectRef>
+          <a:fontRef idx="minor">
+            <a:schemeClr val="lt1"/>
+          </a:fontRef>
+        </p:style>
+        <p:txBody>
+          <a:bodyPr anchor="ctr"/>
+          <a:lstStyle/>
+          <a:p>
+            <a:pPr algn="ctr" eaLnBrk="1" latinLnBrk="0" hangingPunct="1"/>
+            <a:endParaRPr kumimoji="0" lang="en-US" dirty="0"/>
+          </a:p>
+        </p:txBody>
+      </p:sp>
+      <p:sp>
+        <p:nvSpPr>
+          <p:cNvPr id="20" name="타원 19"/>
+          <p:cNvSpPr/>
+          <p:nvPr/>
+        </p:nvSpPr>
+        <p:spPr bwMode="auto">
+          <a:xfrm>
+            <a:off x="1324704" y="4866752"/>
+            <a:ext cx="641424" cy="641424"/>
+          </a:xfrm>
+          <a:prstGeom prst="ellipse">
+            <a:avLst/>
+          </a:prstGeom>
+          <a:ln w="28575" cap="rnd" cmpd="sng" algn="ctr">
+            <a:noFill/>
+            <a:prstDash val="solid"/>
+          </a:ln>
+          <a:effectLst/>
+        </p:spPr>
+        <p:style>
+          <a:lnRef idx="3">
+            <a:schemeClr val="lt1"/>
+          </a:lnRef>
+          <a:fillRef idx="1">
+            <a:schemeClr val="accent1"/>
+          </a:fillRef>
+          <a:effectRef idx="1">
+            <a:schemeClr val="accent1"/>
+          </a:effectRef>
+          <a:fontRef idx="minor">
+            <a:schemeClr val="lt1"/>
+          </a:fontRef>
+        </p:style>
+        <p:txBody>
+          <a:bodyPr anchor="ctr"/>
+          <a:lstStyle/>
+          <a:p>
+            <a:pPr algn="ctr" eaLnBrk="1" latinLnBrk="0" hangingPunct="1"/>
+            <a:endParaRPr kumimoji="0" lang="en-US" dirty="0"/>
+          </a:p>
+        </p:txBody>
+      </p:sp>
+      <p:sp>
+        <p:nvSpPr>
+          <p:cNvPr id="21" name="타원 20"/>
+          <p:cNvSpPr/>
+          <p:nvPr/>
+        </p:nvSpPr>
+        <p:spPr bwMode="auto">
+          <a:xfrm>
+            <a:off x="1091080" y="5500632"/>
+            <a:ext cx="137160" cy="137160"/>
+          </a:xfrm>
+          <a:prstGeom prst="ellipse">
+            <a:avLst/>
+          </a:prstGeom>
+          <a:ln w="12700" cap="rnd" cmpd="sng" algn="ctr">
+            <a:noFill/>
+            <a:prstDash val="solid"/>
+          </a:ln>
+          <a:effectLst/>
+        </p:spPr>
+        <p:style>
+          <a:lnRef idx="3">
+            <a:schemeClr val="lt1"/>
+          </a:lnRef>
+          <a:fillRef idx="1">
+            <a:schemeClr val="accent1"/>
+          </a:fillRef>
+          <a:effectRef idx="1">
+            <a:schemeClr val="accent1"/>
+          </a:effectRef>
+          <a:fontRef idx="minor">
+            <a:schemeClr val="lt1"/>
+          </a:fontRef>
+        </p:style>
+        <p:txBody>
+          <a:bodyPr anchor="ctr"/>
+          <a:lstStyle/>
+          <a:p>
+            <a:pPr algn="ctr" eaLnBrk="1" latinLnBrk="0" hangingPunct="1"/>
+            <a:endParaRPr kumimoji="0" lang="en-US" dirty="0"/>
+          </a:p>
+        </p:txBody>
+      </p:sp>
+      <p:sp>
+        <p:nvSpPr>
+          <p:cNvPr id="22" name="타원 21"/>
+          <p:cNvSpPr/>
+          <p:nvPr/>
+        </p:nvSpPr>
+        <p:spPr bwMode="auto">
+          <a:xfrm>
+            <a:off x="1664208" y="5791200"/>
+            <a:ext cx="274320" cy="274320"/>
+          </a:xfrm>
+          <a:prstGeom prst="ellipse">
+            <a:avLst/>
+          </a:prstGeom>
+          <a:ln w="12700" cap="rnd" cmpd="sng" algn="ctr">
+            <a:noFill/>
+            <a:prstDash val="solid"/>
+          </a:ln>
+          <a:effectLst/>
+        </p:spPr>
+        <p:style>
+          <a:lnRef idx="3">
+            <a:schemeClr val="lt1"/>
+          </a:lnRef>
+          <a:fillRef idx="1">
+            <a:schemeClr val="accent1"/>
+          </a:fillRef>
+          <a:effectRef idx="1">
+            <a:schemeClr val="accent1"/>
+          </a:effectRef>
+          <a:fontRef idx="minor">
+            <a:schemeClr val="lt1"/>
+          </a:fontRef>
+        </p:style>
+        <p:txBody>
+          <a:bodyPr anchor="ctr"/>
+          <a:lstStyle/>
+          <a:p>
+            <a:pPr algn="ctr" eaLnBrk="1" latinLnBrk="0" hangingPunct="1"/>
+            <a:endParaRPr kumimoji="0" lang="en-US" dirty="0"/>
+          </a:p>
+        </p:txBody>
+      </p:sp>
+      <p:sp>
+        <p:nvSpPr>
+          <p:cNvPr id="23" name="타원 22"/>
+          <p:cNvSpPr/>
+          <p:nvPr/>
+        </p:nvSpPr>
+        <p:spPr bwMode="auto">
+          <a:xfrm>
+            <a:off x="1879040" y="4479888"/>
+            <a:ext cx="365760" cy="365760"/>
+          </a:xfrm>
+          <a:prstGeom prst="ellipse">
+            <a:avLst/>
+          </a:prstGeom>
+          <a:ln w="28575" cap="rnd" cmpd="sng" algn="ctr">
+            <a:noFill/>
+            <a:prstDash val="solid"/>
+          </a:ln>
+          <a:effectLst/>
+        </p:spPr>
+        <p:style>
+          <a:lnRef idx="3">
+            <a:schemeClr val="lt1"/>
+          </a:lnRef>
+          <a:fillRef idx="1">
+            <a:schemeClr val="accent1"/>
+          </a:fillRef>
+          <a:effectRef idx="1">
+            <a:schemeClr val="accent1"/>
+          </a:effectRef>
+          <a:fontRef idx="minor">
+            <a:schemeClr val="lt1"/>
+          </a:fontRef>
+        </p:style>
+        <p:txBody>
+          <a:bodyPr anchor="ctr"/>
+          <a:lstStyle/>
+          <a:p>
+            <a:pPr algn="ctr" eaLnBrk="1" latinLnBrk="0" hangingPunct="1"/>
+            <a:endParaRPr kumimoji="0" lang="en-US" dirty="0"/>
+          </a:p>
+        </p:txBody>
+      </p:sp>
+      <p:sp>
+        <p:nvSpPr>
+          <p:cNvPr id="26" name="직선 연결선 25"/>
+          <p:cNvSpPr>
+            <a:spLocks noChangeShapeType="1"/>
+          </p:cNvSpPr>
+          <p:nvPr/>
+        </p:nvSpPr>
+        <p:spPr bwMode="auto">
+          <a:xfrm>
+            <a:off x="9097944" y="0"/>
+            <a:ext cx="0" cy="6858000"/>
+          </a:xfrm>
+          <a:prstGeom prst="line">
+            <a:avLst/>
+          </a:prstGeom>
+          <a:noFill/>
+          <a:ln w="57150" cap="flat" cmpd="thickThin" algn="ctr">
+            <a:solidFill>
+              <a:schemeClr val="accent1">
+                <a:tint val="60000"/>
+              </a:schemeClr>
+            </a:solidFill>
+            <a:prstDash val="solid"/>
+            <a:round/>
+            <a:headEnd type="none" w="med" len="med"/>
+            <a:tailEnd type="none" w="med" len="med"/>
+          </a:ln>
+          <a:effectLst/>
+        </p:spPr>
+        <p:txBody>
+          <a:bodyPr vert="horz" wrap="square" lIns="91440" tIns="45720" rIns="91440" bIns="45720" anchor="t" compatLnSpc="1"/>
+          <a:lstStyle/>
+          <a:p>
+            <a:endParaRPr kumimoji="0" lang="en-US"/>
+          </a:p>
+        </p:txBody>
+      </p:sp>
+      <p:sp>
+        <p:nvSpPr>
           <p:cNvPr id="6" name="슬라이드 번호 개체 틀 5"/>
           <p:cNvSpPr>
             <a:spLocks noGrp="1"/>
@@ -2193,7 +3660,12 @@
             <p:ph type="sldNum" sz="quarter" idx="12"/>
           </p:nvPr>
         </p:nvSpPr>
-        <p:spPr/>
+        <p:spPr bwMode="auto">
+          <a:xfrm>
+            <a:off x="1340616" y="4928702"/>
+            <a:ext cx="609600" cy="517524"/>
+          </a:xfrm>
+        </p:spPr>
         <p:txBody>
           <a:bodyPr/>
           <a:lstStyle/>
@@ -2210,7 +3682,7 @@
     </p:spTree>
   </p:cSld>
   <p:clrMapOvr>
-    <a:masterClrMapping/>
+    <a:overrideClrMapping bg1="dk1" tx1="lt1" bg2="dk2" tx2="lt2" accent1="accent1" accent2="accent2" accent3="accent3" accent4="accent4" accent5="accent5" accent6="accent6" hlink="hlink" folHlink="folHlink"/>
   </p:clrMapOvr>
 </p:sldLayout>
 </file>
@@ -2248,180 +3720,10 @@
           <a:lstStyle/>
           <a:p>
             <a:r>
-              <a:rPr lang="ko-KR" altLang="en-US" smtClean="0"/>
+              <a:rPr kumimoji="0" lang="ko-KR" altLang="en-US" smtClean="0"/>
               <a:t>마스터 제목 스타일 편집</a:t>
             </a:r>
-            <a:endParaRPr lang="ko-KR" altLang="en-US"/>
-          </a:p>
-        </p:txBody>
-      </p:sp>
-      <p:sp>
-        <p:nvSpPr>
-          <p:cNvPr id="3" name="내용 개체 틀 2"/>
-          <p:cNvSpPr>
-            <a:spLocks noGrp="1"/>
-          </p:cNvSpPr>
-          <p:nvPr>
-            <p:ph sz="half" idx="1"/>
-          </p:nvPr>
-        </p:nvSpPr>
-        <p:spPr>
-          <a:xfrm>
-            <a:off x="457200" y="1600200"/>
-            <a:ext cx="4038600" cy="4525963"/>
-          </a:xfrm>
-        </p:spPr>
-        <p:txBody>
-          <a:bodyPr/>
-          <a:lstStyle>
-            <a:lvl1pPr>
-              <a:defRPr sz="2800"/>
-            </a:lvl1pPr>
-            <a:lvl2pPr>
-              <a:defRPr sz="2400"/>
-            </a:lvl2pPr>
-            <a:lvl3pPr>
-              <a:defRPr sz="2000"/>
-            </a:lvl3pPr>
-            <a:lvl4pPr>
-              <a:defRPr sz="1800"/>
-            </a:lvl4pPr>
-            <a:lvl5pPr>
-              <a:defRPr sz="1800"/>
-            </a:lvl5pPr>
-            <a:lvl6pPr>
-              <a:defRPr sz="1800"/>
-            </a:lvl6pPr>
-            <a:lvl7pPr>
-              <a:defRPr sz="1800"/>
-            </a:lvl7pPr>
-            <a:lvl8pPr>
-              <a:defRPr sz="1800"/>
-            </a:lvl8pPr>
-            <a:lvl9pPr>
-              <a:defRPr sz="1800"/>
-            </a:lvl9pPr>
-          </a:lstStyle>
-          <a:p>
-            <a:pPr lvl="0"/>
-            <a:r>
-              <a:rPr lang="ko-KR" altLang="en-US" smtClean="0"/>
-              <a:t>마스터 텍스트 스타일을 편집합니다</a:t>
-            </a:r>
-          </a:p>
-          <a:p>
-            <a:pPr lvl="1"/>
-            <a:r>
-              <a:rPr lang="ko-KR" altLang="en-US" smtClean="0"/>
-              <a:t>둘째 수준</a:t>
-            </a:r>
-          </a:p>
-          <a:p>
-            <a:pPr lvl="2"/>
-            <a:r>
-              <a:rPr lang="ko-KR" altLang="en-US" smtClean="0"/>
-              <a:t>셋째 수준</a:t>
-            </a:r>
-          </a:p>
-          <a:p>
-            <a:pPr lvl="3"/>
-            <a:r>
-              <a:rPr lang="ko-KR" altLang="en-US" smtClean="0"/>
-              <a:t>넷째 수준</a:t>
-            </a:r>
-          </a:p>
-          <a:p>
-            <a:pPr lvl="4"/>
-            <a:r>
-              <a:rPr lang="ko-KR" altLang="en-US" smtClean="0"/>
-              <a:t>다섯째 수준</a:t>
-            </a:r>
-            <a:endParaRPr lang="ko-KR" altLang="en-US"/>
-          </a:p>
-        </p:txBody>
-      </p:sp>
-      <p:sp>
-        <p:nvSpPr>
-          <p:cNvPr id="4" name="내용 개체 틀 3"/>
-          <p:cNvSpPr>
-            <a:spLocks noGrp="1"/>
-          </p:cNvSpPr>
-          <p:nvPr>
-            <p:ph sz="half" idx="2"/>
-          </p:nvPr>
-        </p:nvSpPr>
-        <p:spPr>
-          <a:xfrm>
-            <a:off x="4648200" y="1600200"/>
-            <a:ext cx="4038600" cy="4525963"/>
-          </a:xfrm>
-        </p:spPr>
-        <p:txBody>
-          <a:bodyPr/>
-          <a:lstStyle>
-            <a:lvl1pPr>
-              <a:defRPr sz="2800"/>
-            </a:lvl1pPr>
-            <a:lvl2pPr>
-              <a:defRPr sz="2400"/>
-            </a:lvl2pPr>
-            <a:lvl3pPr>
-              <a:defRPr sz="2000"/>
-            </a:lvl3pPr>
-            <a:lvl4pPr>
-              <a:defRPr sz="1800"/>
-            </a:lvl4pPr>
-            <a:lvl5pPr>
-              <a:defRPr sz="1800"/>
-            </a:lvl5pPr>
-            <a:lvl6pPr>
-              <a:defRPr sz="1800"/>
-            </a:lvl6pPr>
-            <a:lvl7pPr>
-              <a:defRPr sz="1800"/>
-            </a:lvl7pPr>
-            <a:lvl8pPr>
-              <a:defRPr sz="1800"/>
-            </a:lvl8pPr>
-            <a:lvl9pPr>
-              <a:defRPr sz="1800"/>
-            </a:lvl9pPr>
-          </a:lstStyle>
-          <a:p>
-            <a:pPr lvl="0"/>
-            <a:r>
-              <a:rPr lang="ko-KR" altLang="en-US" smtClean="0"/>
-              <a:t>마스터 텍스트 스타일을 편집합니다</a:t>
-            </a:r>
-          </a:p>
-          <a:p>
-            <a:pPr lvl="1"/>
-            <a:r>
-              <a:rPr lang="ko-KR" altLang="en-US" smtClean="0"/>
-              <a:t>둘째 수준</a:t>
-            </a:r>
-          </a:p>
-          <a:p>
-            <a:pPr lvl="2"/>
-            <a:r>
-              <a:rPr lang="ko-KR" altLang="en-US" smtClean="0"/>
-              <a:t>셋째 수준</a:t>
-            </a:r>
-          </a:p>
-          <a:p>
-            <a:pPr lvl="3"/>
-            <a:r>
-              <a:rPr lang="ko-KR" altLang="en-US" smtClean="0"/>
-              <a:t>넷째 수준</a:t>
-            </a:r>
-          </a:p>
-          <a:p>
-            <a:pPr lvl="4"/>
-            <a:r>
-              <a:rPr lang="ko-KR" altLang="en-US" smtClean="0"/>
-              <a:t>다섯째 수준</a:t>
-            </a:r>
-            <a:endParaRPr lang="ko-KR" altLang="en-US"/>
+            <a:endParaRPr kumimoji="0" lang="en-US"/>
           </a:p>
         </p:txBody>
       </p:sp>
@@ -2443,7 +3745,7 @@
             <a:fld id="{0772CA07-ADC5-4316-B40E-D9864AA22A19}" type="datetimeFigureOut">
               <a:rPr lang="ko-KR" altLang="en-US" smtClean="0"/>
               <a:pPr/>
-              <a:t>2012-08-27</a:t>
+              <a:t>2012-09-09</a:t>
             </a:fld>
             <a:endParaRPr lang="ko-KR" altLang="en-US"/>
           </a:p>
@@ -2489,6 +3791,120 @@
               <a:t>‹#›</a:t>
             </a:fld>
             <a:endParaRPr lang="ko-KR" altLang="en-US"/>
+          </a:p>
+        </p:txBody>
+      </p:sp>
+      <p:sp>
+        <p:nvSpPr>
+          <p:cNvPr id="9" name="내용 개체 틀 8"/>
+          <p:cNvSpPr>
+            <a:spLocks noGrp="1"/>
+          </p:cNvSpPr>
+          <p:nvPr>
+            <p:ph sz="quarter" idx="1"/>
+          </p:nvPr>
+        </p:nvSpPr>
+        <p:spPr>
+          <a:xfrm>
+            <a:off x="457200" y="1600200"/>
+            <a:ext cx="3657600" cy="4572000"/>
+          </a:xfrm>
+        </p:spPr>
+        <p:txBody>
+          <a:bodyPr/>
+          <a:lstStyle/>
+          <a:p>
+            <a:pPr lvl="0" eaLnBrk="1" latinLnBrk="0" hangingPunct="1"/>
+            <a:r>
+              <a:rPr lang="ko-KR" altLang="en-US" smtClean="0"/>
+              <a:t>마스터 텍스트 스타일을 편집합니다</a:t>
+            </a:r>
+          </a:p>
+          <a:p>
+            <a:pPr lvl="1" eaLnBrk="1" latinLnBrk="0" hangingPunct="1"/>
+            <a:r>
+              <a:rPr lang="ko-KR" altLang="en-US" smtClean="0"/>
+              <a:t>둘째 수준</a:t>
+            </a:r>
+          </a:p>
+          <a:p>
+            <a:pPr lvl="2" eaLnBrk="1" latinLnBrk="0" hangingPunct="1"/>
+            <a:r>
+              <a:rPr lang="ko-KR" altLang="en-US" smtClean="0"/>
+              <a:t>셋째 수준</a:t>
+            </a:r>
+          </a:p>
+          <a:p>
+            <a:pPr lvl="3" eaLnBrk="1" latinLnBrk="0" hangingPunct="1"/>
+            <a:r>
+              <a:rPr lang="ko-KR" altLang="en-US" smtClean="0"/>
+              <a:t>넷째 수준</a:t>
+            </a:r>
+          </a:p>
+          <a:p>
+            <a:pPr lvl="4" eaLnBrk="1" latinLnBrk="0" hangingPunct="1"/>
+            <a:r>
+              <a:rPr lang="ko-KR" altLang="en-US" smtClean="0"/>
+              <a:t>다섯째 수준</a:t>
+            </a:r>
+            <a:endParaRPr kumimoji="0" lang="en-US"/>
+          </a:p>
+        </p:txBody>
+      </p:sp>
+      <p:sp>
+        <p:nvSpPr>
+          <p:cNvPr id="11" name="내용 개체 틀 10"/>
+          <p:cNvSpPr>
+            <a:spLocks noGrp="1"/>
+          </p:cNvSpPr>
+          <p:nvPr>
+            <p:ph sz="quarter" idx="2"/>
+          </p:nvPr>
+        </p:nvSpPr>
+        <p:spPr>
+          <a:xfrm>
+            <a:off x="4270248" y="1600200"/>
+            <a:ext cx="3657600" cy="4572000"/>
+          </a:xfrm>
+        </p:spPr>
+        <p:txBody>
+          <a:bodyPr/>
+          <a:lstStyle/>
+          <a:p>
+            <a:pPr lvl="0" eaLnBrk="1" latinLnBrk="0" hangingPunct="1"/>
+            <a:r>
+              <a:rPr lang="ko-KR" altLang="en-US" smtClean="0"/>
+              <a:t>마스터 텍스트 스타일을 편집합니다</a:t>
+            </a:r>
+          </a:p>
+          <a:p>
+            <a:pPr lvl="1" eaLnBrk="1" latinLnBrk="0" hangingPunct="1"/>
+            <a:r>
+              <a:rPr lang="ko-KR" altLang="en-US" smtClean="0"/>
+              <a:t>둘째 수준</a:t>
+            </a:r>
+          </a:p>
+          <a:p>
+            <a:pPr lvl="2" eaLnBrk="1" latinLnBrk="0" hangingPunct="1"/>
+            <a:r>
+              <a:rPr lang="ko-KR" altLang="en-US" smtClean="0"/>
+              <a:t>셋째 수준</a:t>
+            </a:r>
+          </a:p>
+          <a:p>
+            <a:pPr lvl="3" eaLnBrk="1" latinLnBrk="0" hangingPunct="1"/>
+            <a:r>
+              <a:rPr lang="ko-KR" altLang="en-US" smtClean="0"/>
+              <a:t>넷째 수준</a:t>
+            </a:r>
+          </a:p>
+          <a:p>
+            <a:pPr lvl="4" eaLnBrk="1" latinLnBrk="0" hangingPunct="1"/>
+            <a:r>
+              <a:rPr lang="ko-KR" altLang="en-US" smtClean="0"/>
+              <a:t>다섯째 수준</a:t>
+            </a:r>
+            <a:endParaRPr kumimoji="0" lang="en-US"/>
           </a:p>
         </p:txBody>
       </p:sp>
@@ -2527,9 +3943,14 @@
             <p:ph type="title"/>
           </p:nvPr>
         </p:nvSpPr>
-        <p:spPr/>
-        <p:txBody>
-          <a:bodyPr/>
+        <p:spPr>
+          <a:xfrm>
+            <a:off x="457200" y="273050"/>
+            <a:ext cx="7543800" cy="1143000"/>
+          </a:xfrm>
+        </p:spPr>
+        <p:txBody>
+          <a:bodyPr anchor="b"/>
           <a:lstStyle>
             <a:lvl1pPr>
               <a:defRPr/>
@@ -2537,310 +3958,10 @@
           </a:lstStyle>
           <a:p>
             <a:r>
-              <a:rPr lang="ko-KR" altLang="en-US" smtClean="0"/>
+              <a:rPr kumimoji="0" lang="ko-KR" altLang="en-US" smtClean="0"/>
               <a:t>마스터 제목 스타일 편집</a:t>
             </a:r>
-            <a:endParaRPr lang="ko-KR" altLang="en-US"/>
-          </a:p>
-        </p:txBody>
-      </p:sp>
-      <p:sp>
-        <p:nvSpPr>
-          <p:cNvPr id="3" name="텍스트 개체 틀 2"/>
-          <p:cNvSpPr>
-            <a:spLocks noGrp="1"/>
-          </p:cNvSpPr>
-          <p:nvPr>
-            <p:ph type="body" idx="1"/>
-          </p:nvPr>
-        </p:nvSpPr>
-        <p:spPr>
-          <a:xfrm>
-            <a:off x="457200" y="1535113"/>
-            <a:ext cx="4040188" cy="639762"/>
-          </a:xfrm>
-        </p:spPr>
-        <p:txBody>
-          <a:bodyPr anchor="b"/>
-          <a:lstStyle>
-            <a:lvl1pPr marL="0" indent="0">
-              <a:buNone/>
-              <a:defRPr sz="2400" b="1"/>
-            </a:lvl1pPr>
-            <a:lvl2pPr marL="457200" indent="0">
-              <a:buNone/>
-              <a:defRPr sz="2000" b="1"/>
-            </a:lvl2pPr>
-            <a:lvl3pPr marL="914400" indent="0">
-              <a:buNone/>
-              <a:defRPr sz="1800" b="1"/>
-            </a:lvl3pPr>
-            <a:lvl4pPr marL="1371600" indent="0">
-              <a:buNone/>
-              <a:defRPr sz="1600" b="1"/>
-            </a:lvl4pPr>
-            <a:lvl5pPr marL="1828800" indent="0">
-              <a:buNone/>
-              <a:defRPr sz="1600" b="1"/>
-            </a:lvl5pPr>
-            <a:lvl6pPr marL="2286000" indent="0">
-              <a:buNone/>
-              <a:defRPr sz="1600" b="1"/>
-            </a:lvl6pPr>
-            <a:lvl7pPr marL="2743200" indent="0">
-              <a:buNone/>
-              <a:defRPr sz="1600" b="1"/>
-            </a:lvl7pPr>
-            <a:lvl8pPr marL="3200400" indent="0">
-              <a:buNone/>
-              <a:defRPr sz="1600" b="1"/>
-            </a:lvl8pPr>
-            <a:lvl9pPr marL="3657600" indent="0">
-              <a:buNone/>
-              <a:defRPr sz="1600" b="1"/>
-            </a:lvl9pPr>
-          </a:lstStyle>
-          <a:p>
-            <a:pPr lvl="0"/>
-            <a:r>
-              <a:rPr lang="ko-KR" altLang="en-US" smtClean="0"/>
-              <a:t>마스터 텍스트 스타일을 편집합니다</a:t>
-            </a:r>
-          </a:p>
-        </p:txBody>
-      </p:sp>
-      <p:sp>
-        <p:nvSpPr>
-          <p:cNvPr id="4" name="내용 개체 틀 3"/>
-          <p:cNvSpPr>
-            <a:spLocks noGrp="1"/>
-          </p:cNvSpPr>
-          <p:nvPr>
-            <p:ph sz="half" idx="2"/>
-          </p:nvPr>
-        </p:nvSpPr>
-        <p:spPr>
-          <a:xfrm>
-            <a:off x="457200" y="2174875"/>
-            <a:ext cx="4040188" cy="3951288"/>
-          </a:xfrm>
-        </p:spPr>
-        <p:txBody>
-          <a:bodyPr/>
-          <a:lstStyle>
-            <a:lvl1pPr>
-              <a:defRPr sz="2400"/>
-            </a:lvl1pPr>
-            <a:lvl2pPr>
-              <a:defRPr sz="2000"/>
-            </a:lvl2pPr>
-            <a:lvl3pPr>
-              <a:defRPr sz="1800"/>
-            </a:lvl3pPr>
-            <a:lvl4pPr>
-              <a:defRPr sz="1600"/>
-            </a:lvl4pPr>
-            <a:lvl5pPr>
-              <a:defRPr sz="1600"/>
-            </a:lvl5pPr>
-            <a:lvl6pPr>
-              <a:defRPr sz="1600"/>
-            </a:lvl6pPr>
-            <a:lvl7pPr>
-              <a:defRPr sz="1600"/>
-            </a:lvl7pPr>
-            <a:lvl8pPr>
-              <a:defRPr sz="1600"/>
-            </a:lvl8pPr>
-            <a:lvl9pPr>
-              <a:defRPr sz="1600"/>
-            </a:lvl9pPr>
-          </a:lstStyle>
-          <a:p>
-            <a:pPr lvl="0"/>
-            <a:r>
-              <a:rPr lang="ko-KR" altLang="en-US" smtClean="0"/>
-              <a:t>마스터 텍스트 스타일을 편집합니다</a:t>
-            </a:r>
-          </a:p>
-          <a:p>
-            <a:pPr lvl="1"/>
-            <a:r>
-              <a:rPr lang="ko-KR" altLang="en-US" smtClean="0"/>
-              <a:t>둘째 수준</a:t>
-            </a:r>
-          </a:p>
-          <a:p>
-            <a:pPr lvl="2"/>
-            <a:r>
-              <a:rPr lang="ko-KR" altLang="en-US" smtClean="0"/>
-              <a:t>셋째 수준</a:t>
-            </a:r>
-          </a:p>
-          <a:p>
-            <a:pPr lvl="3"/>
-            <a:r>
-              <a:rPr lang="ko-KR" altLang="en-US" smtClean="0"/>
-              <a:t>넷째 수준</a:t>
-            </a:r>
-          </a:p>
-          <a:p>
-            <a:pPr lvl="4"/>
-            <a:r>
-              <a:rPr lang="ko-KR" altLang="en-US" smtClean="0"/>
-              <a:t>다섯째 수준</a:t>
-            </a:r>
-            <a:endParaRPr lang="ko-KR" altLang="en-US"/>
-          </a:p>
-        </p:txBody>
-      </p:sp>
-      <p:sp>
-        <p:nvSpPr>
-          <p:cNvPr id="5" name="텍스트 개체 틀 4"/>
-          <p:cNvSpPr>
-            <a:spLocks noGrp="1"/>
-          </p:cNvSpPr>
-          <p:nvPr>
-            <p:ph type="body" sz="quarter" idx="3"/>
-          </p:nvPr>
-        </p:nvSpPr>
-        <p:spPr>
-          <a:xfrm>
-            <a:off x="4645025" y="1535113"/>
-            <a:ext cx="4041775" cy="639762"/>
-          </a:xfrm>
-        </p:spPr>
-        <p:txBody>
-          <a:bodyPr anchor="b"/>
-          <a:lstStyle>
-            <a:lvl1pPr marL="0" indent="0">
-              <a:buNone/>
-              <a:defRPr sz="2400" b="1"/>
-            </a:lvl1pPr>
-            <a:lvl2pPr marL="457200" indent="0">
-              <a:buNone/>
-              <a:defRPr sz="2000" b="1"/>
-            </a:lvl2pPr>
-            <a:lvl3pPr marL="914400" indent="0">
-              <a:buNone/>
-              <a:defRPr sz="1800" b="1"/>
-            </a:lvl3pPr>
-            <a:lvl4pPr marL="1371600" indent="0">
-              <a:buNone/>
-              <a:defRPr sz="1600" b="1"/>
-            </a:lvl4pPr>
-            <a:lvl5pPr marL="1828800" indent="0">
-              <a:buNone/>
-              <a:defRPr sz="1600" b="1"/>
-            </a:lvl5pPr>
-            <a:lvl6pPr marL="2286000" indent="0">
-              <a:buNone/>
-              <a:defRPr sz="1600" b="1"/>
-            </a:lvl6pPr>
-            <a:lvl7pPr marL="2743200" indent="0">
-              <a:buNone/>
-              <a:defRPr sz="1600" b="1"/>
-            </a:lvl7pPr>
-            <a:lvl8pPr marL="3200400" indent="0">
-              <a:buNone/>
-              <a:defRPr sz="1600" b="1"/>
-            </a:lvl8pPr>
-            <a:lvl9pPr marL="3657600" indent="0">
-              <a:buNone/>
-              <a:defRPr sz="1600" b="1"/>
-            </a:lvl9pPr>
-          </a:lstStyle>
-          <a:p>
-            <a:pPr lvl="0"/>
-            <a:r>
-              <a:rPr lang="ko-KR" altLang="en-US" smtClean="0"/>
-              <a:t>마스터 텍스트 스타일을 편집합니다</a:t>
-            </a:r>
-          </a:p>
-        </p:txBody>
-      </p:sp>
-      <p:sp>
-        <p:nvSpPr>
-          <p:cNvPr id="6" name="내용 개체 틀 5"/>
-          <p:cNvSpPr>
-            <a:spLocks noGrp="1"/>
-          </p:cNvSpPr>
-          <p:nvPr>
-            <p:ph sz="quarter" idx="4"/>
-          </p:nvPr>
-        </p:nvSpPr>
-        <p:spPr>
-          <a:xfrm>
-            <a:off x="4645025" y="2174875"/>
-            <a:ext cx="4041775" cy="3951288"/>
-          </a:xfrm>
-        </p:spPr>
-        <p:txBody>
-          <a:bodyPr/>
-          <a:lstStyle>
-            <a:lvl1pPr>
-              <a:defRPr sz="2400"/>
-            </a:lvl1pPr>
-            <a:lvl2pPr>
-              <a:defRPr sz="2000"/>
-            </a:lvl2pPr>
-            <a:lvl3pPr>
-              <a:defRPr sz="1800"/>
-            </a:lvl3pPr>
-            <a:lvl4pPr>
-              <a:defRPr sz="1600"/>
-            </a:lvl4pPr>
-            <a:lvl5pPr>
-              <a:defRPr sz="1600"/>
-            </a:lvl5pPr>
-            <a:lvl6pPr>
-              <a:defRPr sz="1600"/>
-            </a:lvl6pPr>
-            <a:lvl7pPr>
-              <a:defRPr sz="1600"/>
-            </a:lvl7pPr>
-            <a:lvl8pPr>
-              <a:defRPr sz="1600"/>
-            </a:lvl8pPr>
-            <a:lvl9pPr>
-              <a:defRPr sz="1600"/>
-            </a:lvl9pPr>
-          </a:lstStyle>
-          <a:p>
-            <a:pPr lvl="0"/>
-            <a:r>
-              <a:rPr lang="ko-KR" altLang="en-US" smtClean="0"/>
-              <a:t>마스터 텍스트 스타일을 편집합니다</a:t>
-            </a:r>
-          </a:p>
-          <a:p>
-            <a:pPr lvl="1"/>
-            <a:r>
-              <a:rPr lang="ko-KR" altLang="en-US" smtClean="0"/>
-              <a:t>둘째 수준</a:t>
-            </a:r>
-          </a:p>
-          <a:p>
-            <a:pPr lvl="2"/>
-            <a:r>
-              <a:rPr lang="ko-KR" altLang="en-US" smtClean="0"/>
-              <a:t>셋째 수준</a:t>
-            </a:r>
-          </a:p>
-          <a:p>
-            <a:pPr lvl="3"/>
-            <a:r>
-              <a:rPr lang="ko-KR" altLang="en-US" smtClean="0"/>
-              <a:t>넷째 수준</a:t>
-            </a:r>
-          </a:p>
-          <a:p>
-            <a:pPr lvl="4"/>
-            <a:r>
-              <a:rPr lang="ko-KR" altLang="en-US" smtClean="0"/>
-              <a:t>다섯째 수준</a:t>
-            </a:r>
-            <a:endParaRPr lang="ko-KR" altLang="en-US"/>
+            <a:endParaRPr kumimoji="0" lang="en-US"/>
           </a:p>
         </p:txBody>
       </p:sp>
@@ -2862,7 +3983,7 @@
             <a:fld id="{0772CA07-ADC5-4316-B40E-D9864AA22A19}" type="datetimeFigureOut">
               <a:rPr lang="ko-KR" altLang="en-US" smtClean="0"/>
               <a:pPr/>
-              <a:t>2012-08-27</a:t>
+              <a:t>2012-09-09</a:t>
             </a:fld>
             <a:endParaRPr lang="ko-KR" altLang="en-US"/>
           </a:p>
@@ -2908,6 +4029,216 @@
               <a:t>‹#›</a:t>
             </a:fld>
             <a:endParaRPr lang="ko-KR" altLang="en-US"/>
+          </a:p>
+        </p:txBody>
+      </p:sp>
+      <p:sp>
+        <p:nvSpPr>
+          <p:cNvPr id="11" name="내용 개체 틀 10"/>
+          <p:cNvSpPr>
+            <a:spLocks noGrp="1"/>
+          </p:cNvSpPr>
+          <p:nvPr>
+            <p:ph sz="quarter" idx="2"/>
+          </p:nvPr>
+        </p:nvSpPr>
+        <p:spPr>
+          <a:xfrm>
+            <a:off x="457200" y="2362200"/>
+            <a:ext cx="3657600" cy="3886200"/>
+          </a:xfrm>
+        </p:spPr>
+        <p:txBody>
+          <a:bodyPr/>
+          <a:lstStyle/>
+          <a:p>
+            <a:pPr lvl="0" eaLnBrk="1" latinLnBrk="0" hangingPunct="1"/>
+            <a:r>
+              <a:rPr lang="ko-KR" altLang="en-US" smtClean="0"/>
+              <a:t>마스터 텍스트 스타일을 편집합니다</a:t>
+            </a:r>
+          </a:p>
+          <a:p>
+            <a:pPr lvl="1" eaLnBrk="1" latinLnBrk="0" hangingPunct="1"/>
+            <a:r>
+              <a:rPr lang="ko-KR" altLang="en-US" smtClean="0"/>
+              <a:t>둘째 수준</a:t>
+            </a:r>
+          </a:p>
+          <a:p>
+            <a:pPr lvl="2" eaLnBrk="1" latinLnBrk="0" hangingPunct="1"/>
+            <a:r>
+              <a:rPr lang="ko-KR" altLang="en-US" smtClean="0"/>
+              <a:t>셋째 수준</a:t>
+            </a:r>
+          </a:p>
+          <a:p>
+            <a:pPr lvl="3" eaLnBrk="1" latinLnBrk="0" hangingPunct="1"/>
+            <a:r>
+              <a:rPr lang="ko-KR" altLang="en-US" smtClean="0"/>
+              <a:t>넷째 수준</a:t>
+            </a:r>
+          </a:p>
+          <a:p>
+            <a:pPr lvl="4" eaLnBrk="1" latinLnBrk="0" hangingPunct="1"/>
+            <a:r>
+              <a:rPr lang="ko-KR" altLang="en-US" smtClean="0"/>
+              <a:t>다섯째 수준</a:t>
+            </a:r>
+            <a:endParaRPr kumimoji="0" lang="en-US"/>
+          </a:p>
+        </p:txBody>
+      </p:sp>
+      <p:sp>
+        <p:nvSpPr>
+          <p:cNvPr id="13" name="내용 개체 틀 12"/>
+          <p:cNvSpPr>
+            <a:spLocks noGrp="1"/>
+          </p:cNvSpPr>
+          <p:nvPr>
+            <p:ph sz="quarter" idx="4"/>
+          </p:nvPr>
+        </p:nvSpPr>
+        <p:spPr>
+          <a:xfrm>
+            <a:off x="4371975" y="2362200"/>
+            <a:ext cx="3657600" cy="3886200"/>
+          </a:xfrm>
+        </p:spPr>
+        <p:txBody>
+          <a:bodyPr/>
+          <a:lstStyle/>
+          <a:p>
+            <a:pPr lvl="0" eaLnBrk="1" latinLnBrk="0" hangingPunct="1"/>
+            <a:r>
+              <a:rPr lang="ko-KR" altLang="en-US" smtClean="0"/>
+              <a:t>마스터 텍스트 스타일을 편집합니다</a:t>
+            </a:r>
+          </a:p>
+          <a:p>
+            <a:pPr lvl="1" eaLnBrk="1" latinLnBrk="0" hangingPunct="1"/>
+            <a:r>
+              <a:rPr lang="ko-KR" altLang="en-US" smtClean="0"/>
+              <a:t>둘째 수준</a:t>
+            </a:r>
+          </a:p>
+          <a:p>
+            <a:pPr lvl="2" eaLnBrk="1" latinLnBrk="0" hangingPunct="1"/>
+            <a:r>
+              <a:rPr lang="ko-KR" altLang="en-US" smtClean="0"/>
+              <a:t>셋째 수준</a:t>
+            </a:r>
+          </a:p>
+          <a:p>
+            <a:pPr lvl="3" eaLnBrk="1" latinLnBrk="0" hangingPunct="1"/>
+            <a:r>
+              <a:rPr lang="ko-KR" altLang="en-US" smtClean="0"/>
+              <a:t>넷째 수준</a:t>
+            </a:r>
+          </a:p>
+          <a:p>
+            <a:pPr lvl="4" eaLnBrk="1" latinLnBrk="0" hangingPunct="1"/>
+            <a:r>
+              <a:rPr lang="ko-KR" altLang="en-US" smtClean="0"/>
+              <a:t>다섯째 수준</a:t>
+            </a:r>
+            <a:endParaRPr kumimoji="0" lang="en-US"/>
+          </a:p>
+        </p:txBody>
+      </p:sp>
+      <p:sp>
+        <p:nvSpPr>
+          <p:cNvPr id="12" name="텍스트 개체 틀 11"/>
+          <p:cNvSpPr>
+            <a:spLocks noGrp="1"/>
+          </p:cNvSpPr>
+          <p:nvPr>
+            <p:ph type="body" sz="quarter" idx="1"/>
+          </p:nvPr>
+        </p:nvSpPr>
+        <p:spPr>
+          <a:xfrm>
+            <a:off x="457200" y="1569720"/>
+            <a:ext cx="3657600" cy="658368"/>
+          </a:xfrm>
+          <a:prstGeom prst="roundRect">
+            <a:avLst>
+              <a:gd name="adj" fmla="val 16667"/>
+            </a:avLst>
+          </a:prstGeom>
+          <a:solidFill>
+            <a:schemeClr val="accent1"/>
+          </a:solidFill>
+        </p:spPr>
+        <p:txBody>
+          <a:bodyPr rtlCol="0" anchor="ctr">
+            <a:noAutofit/>
+          </a:bodyPr>
+          <a:lstStyle>
+            <a:lvl1pPr marL="0" indent="0">
+              <a:buFontTx/>
+              <a:buNone/>
+              <a:defRPr sz="2000" b="1">
+                <a:solidFill>
+                  <a:srgbClr val="FFFFFF"/>
+                </a:solidFill>
+              </a:defRPr>
+            </a:lvl1pPr>
+          </a:lstStyle>
+          <a:p>
+            <a:pPr lvl="0" eaLnBrk="1" latinLnBrk="0" hangingPunct="1"/>
+            <a:r>
+              <a:rPr kumimoji="0" lang="ko-KR" altLang="en-US" smtClean="0"/>
+              <a:t>마스터 텍스트 스타일을 편집합니다</a:t>
+            </a:r>
+          </a:p>
+        </p:txBody>
+      </p:sp>
+      <p:sp>
+        <p:nvSpPr>
+          <p:cNvPr id="14" name="텍스트 개체 틀 13"/>
+          <p:cNvSpPr>
+            <a:spLocks noGrp="1"/>
+          </p:cNvSpPr>
+          <p:nvPr>
+            <p:ph type="body" sz="quarter" idx="3"/>
+          </p:nvPr>
+        </p:nvSpPr>
+        <p:spPr>
+          <a:xfrm>
+            <a:off x="4343400" y="1569720"/>
+            <a:ext cx="3657600" cy="658368"/>
+          </a:xfrm>
+          <a:prstGeom prst="roundRect">
+            <a:avLst>
+              <a:gd name="adj" fmla="val 16667"/>
+            </a:avLst>
+          </a:prstGeom>
+          <a:solidFill>
+            <a:schemeClr val="accent1"/>
+          </a:solidFill>
+        </p:spPr>
+        <p:txBody>
+          <a:bodyPr rtlCol="0" anchor="ctr">
+            <a:noAutofit/>
+          </a:bodyPr>
+          <a:lstStyle>
+            <a:lvl1pPr marL="0" indent="0">
+              <a:buFontTx/>
+              <a:buNone/>
+              <a:defRPr sz="2000" b="1">
+                <a:solidFill>
+                  <a:srgbClr val="FFFFFF"/>
+                </a:solidFill>
+              </a:defRPr>
+            </a:lvl1pPr>
+          </a:lstStyle>
+          <a:p>
+            <a:pPr lvl="0" eaLnBrk="1" latinLnBrk="0" hangingPunct="1"/>
+            <a:r>
+              <a:rPr kumimoji="0" lang="ko-KR" altLang="en-US" smtClean="0"/>
+              <a:t>마스터 텍스트 스타일을 편집합니다</a:t>
+            </a:r>
           </a:p>
         </p:txBody>
       </p:sp>
@@ -2952,16 +4283,16 @@
           <a:lstStyle/>
           <a:p>
             <a:r>
-              <a:rPr lang="ko-KR" altLang="en-US" smtClean="0"/>
+              <a:rPr kumimoji="0" lang="ko-KR" altLang="en-US" smtClean="0"/>
               <a:t>마스터 제목 스타일 편집</a:t>
             </a:r>
-            <a:endParaRPr lang="ko-KR" altLang="en-US"/>
-          </a:p>
-        </p:txBody>
-      </p:sp>
-      <p:sp>
-        <p:nvSpPr>
-          <p:cNvPr id="3" name="날짜 개체 틀 2"/>
+            <a:endParaRPr kumimoji="0" lang="en-US"/>
+          </a:p>
+        </p:txBody>
+      </p:sp>
+      <p:sp>
+        <p:nvSpPr>
+          <p:cNvPr id="6" name="날짜 개체 틀 5"/>
           <p:cNvSpPr>
             <a:spLocks noGrp="1"/>
           </p:cNvSpPr>
@@ -2971,13 +4302,13 @@
         </p:nvSpPr>
         <p:spPr/>
         <p:txBody>
-          <a:bodyPr/>
+          <a:bodyPr rtlCol="0"/>
           <a:lstStyle/>
           <a:p>
             <a:fld id="{0772CA07-ADC5-4316-B40E-D9864AA22A19}" type="datetimeFigureOut">
               <a:rPr lang="ko-KR" altLang="en-US" smtClean="0"/>
               <a:pPr/>
-              <a:t>2012-08-27</a:t>
+              <a:t>2012-09-09</a:t>
             </a:fld>
             <a:endParaRPr lang="ko-KR" altLang="en-US"/>
           </a:p>
@@ -2985,36 +4316,17 @@
       </p:sp>
       <p:sp>
         <p:nvSpPr>
-          <p:cNvPr id="4" name="바닥글 개체 틀 3"/>
+          <p:cNvPr id="7" name="슬라이드 번호 개체 틀 6"/>
           <p:cNvSpPr>
             <a:spLocks noGrp="1"/>
           </p:cNvSpPr>
           <p:nvPr>
-            <p:ph type="ftr" sz="quarter" idx="11"/>
+            <p:ph type="sldNum" sz="quarter" idx="11"/>
           </p:nvPr>
         </p:nvSpPr>
         <p:spPr/>
         <p:txBody>
-          <a:bodyPr/>
-          <a:lstStyle/>
-          <a:p>
-            <a:endParaRPr lang="ko-KR" altLang="en-US"/>
-          </a:p>
-        </p:txBody>
-      </p:sp>
-      <p:sp>
-        <p:nvSpPr>
-          <p:cNvPr id="5" name="슬라이드 번호 개체 틀 4"/>
-          <p:cNvSpPr>
-            <a:spLocks noGrp="1"/>
-          </p:cNvSpPr>
-          <p:nvPr>
-            <p:ph type="sldNum" sz="quarter" idx="12"/>
-          </p:nvPr>
-        </p:nvSpPr>
-        <p:spPr/>
-        <p:txBody>
-          <a:bodyPr/>
+          <a:bodyPr rtlCol="0"/>
           <a:lstStyle/>
           <a:p>
             <a:fld id="{9783BF30-1777-4C30-B3B8-07C5EDC585B8}" type="slidenum">
@@ -3022,6 +4334,25 @@
               <a:pPr/>
               <a:t>‹#›</a:t>
             </a:fld>
+            <a:endParaRPr lang="ko-KR" altLang="en-US"/>
+          </a:p>
+        </p:txBody>
+      </p:sp>
+      <p:sp>
+        <p:nvSpPr>
+          <p:cNvPr id="8" name="바닥글 개체 틀 7"/>
+          <p:cNvSpPr>
+            <a:spLocks noGrp="1"/>
+          </p:cNvSpPr>
+          <p:nvPr>
+            <p:ph type="ftr" sz="quarter" idx="12"/>
+          </p:nvPr>
+        </p:nvSpPr>
+        <p:spPr/>
+        <p:txBody>
+          <a:bodyPr rtlCol="0"/>
+          <a:lstStyle/>
+          <a:p>
             <a:endParaRPr lang="ko-KR" altLang="en-US"/>
           </a:p>
         </p:txBody>
@@ -3069,7 +4400,7 @@
             <a:fld id="{0772CA07-ADC5-4316-B40E-D9864AA22A19}" type="datetimeFigureOut">
               <a:rPr lang="ko-KR" altLang="en-US" smtClean="0"/>
               <a:pPr/>
-              <a:t>2012-08-27</a:t>
+              <a:t>2012-09-09</a:t>
             </a:fld>
             <a:endParaRPr lang="ko-KR" altLang="en-US"/>
           </a:p>
@@ -3127,8 +4458,13 @@
 </file>
 
 <file path=ppt/slideLayouts/slideLayout8.xml><?xml version="1.0" encoding="utf-8"?>
-<p:sldLayout xmlns:a="http://schemas.openxmlformats.org/drawingml/2006/main" xmlns:r="http://schemas.openxmlformats.org/officeDocument/2006/relationships" xmlns:p="http://schemas.openxmlformats.org/presentationml/2006/main" type="objTx" preserve="1">
+<p:sldLayout xmlns:a="http://schemas.openxmlformats.org/drawingml/2006/main" xmlns:r="http://schemas.openxmlformats.org/officeDocument/2006/relationships" xmlns:p="http://schemas.openxmlformats.org/presentationml/2006/main" showMasterSp="0" type="objTx" preserve="1">
   <p:cSld name="캡션 있는 콘텐츠">
+    <p:bg>
+      <p:bgRef idx="1001">
+        <a:schemeClr val="bg1"/>
+      </p:bgRef>
+    </p:bg>
     <p:spTree>
       <p:nvGrpSpPr>
         <p:cNvPr id="1" name=""/>
@@ -3145,6 +4481,45 @@
       </p:grpSpPr>
       <p:sp>
         <p:nvSpPr>
+          <p:cNvPr id="10" name="직선 연결선 9"/>
+          <p:cNvSpPr>
+            <a:spLocks noChangeShapeType="1"/>
+          </p:cNvSpPr>
+          <p:nvPr/>
+        </p:nvSpPr>
+        <p:spPr bwMode="auto">
+          <a:xfrm>
+            <a:off x="8763000" y="0"/>
+            <a:ext cx="0" cy="6858000"/>
+          </a:xfrm>
+          <a:prstGeom prst="line">
+            <a:avLst/>
+          </a:prstGeom>
+          <a:noFill/>
+          <a:ln w="38100" cap="flat" cmpd="sng" algn="ctr">
+            <a:solidFill>
+              <a:schemeClr val="accent1">
+                <a:tint val="60000"/>
+                <a:alpha val="93000"/>
+              </a:schemeClr>
+            </a:solidFill>
+            <a:prstDash val="solid"/>
+            <a:round/>
+            <a:headEnd type="none" w="med" len="med"/>
+            <a:tailEnd type="none" w="med" len="med"/>
+          </a:ln>
+          <a:effectLst/>
+        </p:spPr>
+        <p:txBody>
+          <a:bodyPr vert="horz" wrap="square" lIns="91440" tIns="45720" rIns="91440" bIns="45720" anchor="t" compatLnSpc="1"/>
+          <a:lstStyle/>
+          <a:p>
+            <a:endParaRPr kumimoji="0" lang="en-US" dirty="0"/>
+          </a:p>
+        </p:txBody>
+      </p:sp>
+      <p:sp>
+        <p:nvSpPr>
           <p:cNvPr id="2" name="제목 1"/>
           <p:cNvSpPr>
             <a:spLocks noGrp="1"/>
@@ -3154,196 +4529,397 @@
           </p:nvPr>
         </p:nvSpPr>
         <p:spPr>
-          <a:xfrm>
-            <a:off x="457200" y="273050"/>
-            <a:ext cx="3008313" cy="1162050"/>
+          <a:xfrm rot="5400000">
+            <a:off x="3371850" y="3200400"/>
+            <a:ext cx="6309360" cy="457200"/>
           </a:xfrm>
         </p:spPr>
         <p:txBody>
           <a:bodyPr anchor="b"/>
           <a:lstStyle>
             <a:lvl1pPr algn="l">
-              <a:defRPr sz="2000" b="1"/>
+              <a:buNone/>
+              <a:defRPr sz="2000" b="1" cap="small" baseline="0"/>
             </a:lvl1pPr>
           </a:lstStyle>
           <a:p>
             <a:r>
-              <a:rPr lang="ko-KR" altLang="en-US" smtClean="0"/>
+              <a:rPr kumimoji="0" lang="ko-KR" altLang="en-US" smtClean="0"/>
               <a:t>마스터 제목 스타일 편집</a:t>
             </a:r>
-            <a:endParaRPr lang="ko-KR" altLang="en-US"/>
-          </a:p>
-        </p:txBody>
-      </p:sp>
-      <p:sp>
-        <p:nvSpPr>
-          <p:cNvPr id="3" name="내용 개체 틀 2"/>
+            <a:endParaRPr kumimoji="0" lang="en-US"/>
+          </a:p>
+        </p:txBody>
+      </p:sp>
+      <p:sp>
+        <p:nvSpPr>
+          <p:cNvPr id="3" name="텍스트 개체 틀 2"/>
           <p:cNvSpPr>
             <a:spLocks noGrp="1"/>
           </p:cNvSpPr>
           <p:nvPr>
-            <p:ph idx="1"/>
+            <p:ph type="body" idx="2"/>
           </p:nvPr>
         </p:nvSpPr>
         <p:spPr>
           <a:xfrm>
-            <a:off x="3575050" y="273050"/>
-            <a:ext cx="5111750" cy="5853113"/>
-          </a:xfrm>
-        </p:spPr>
-        <p:txBody>
-          <a:bodyPr/>
-          <a:lstStyle>
-            <a:lvl1pPr>
-              <a:defRPr sz="3200"/>
-            </a:lvl1pPr>
-            <a:lvl2pPr>
-              <a:defRPr sz="2800"/>
-            </a:lvl2pPr>
-            <a:lvl3pPr>
-              <a:defRPr sz="2400"/>
-            </a:lvl3pPr>
-            <a:lvl4pPr>
-              <a:defRPr sz="2000"/>
-            </a:lvl4pPr>
-            <a:lvl5pPr>
-              <a:defRPr sz="2000"/>
-            </a:lvl5pPr>
-            <a:lvl6pPr>
-              <a:defRPr sz="2000"/>
-            </a:lvl6pPr>
-            <a:lvl7pPr>
-              <a:defRPr sz="2000"/>
-            </a:lvl7pPr>
-            <a:lvl8pPr>
-              <a:defRPr sz="2000"/>
-            </a:lvl8pPr>
-            <a:lvl9pPr>
-              <a:defRPr sz="2000"/>
-            </a:lvl9pPr>
-          </a:lstStyle>
-          <a:p>
-            <a:pPr lvl="0"/>
-            <a:r>
-              <a:rPr lang="ko-KR" altLang="en-US" smtClean="0"/>
-              <a:t>마스터 텍스트 스타일을 편집합니다</a:t>
-            </a:r>
-          </a:p>
-          <a:p>
-            <a:pPr lvl="1"/>
-            <a:r>
-              <a:rPr lang="ko-KR" altLang="en-US" smtClean="0"/>
-              <a:t>둘째 수준</a:t>
-            </a:r>
-          </a:p>
-          <a:p>
-            <a:pPr lvl="2"/>
-            <a:r>
-              <a:rPr lang="ko-KR" altLang="en-US" smtClean="0"/>
-              <a:t>셋째 수준</a:t>
-            </a:r>
-          </a:p>
-          <a:p>
-            <a:pPr lvl="3"/>
-            <a:r>
-              <a:rPr lang="ko-KR" altLang="en-US" smtClean="0"/>
-              <a:t>넷째 수준</a:t>
-            </a:r>
-          </a:p>
-          <a:p>
-            <a:pPr lvl="4"/>
-            <a:r>
-              <a:rPr lang="ko-KR" altLang="en-US" smtClean="0"/>
-              <a:t>다섯째 수준</a:t>
-            </a:r>
-            <a:endParaRPr lang="ko-KR" altLang="en-US"/>
-          </a:p>
-        </p:txBody>
-      </p:sp>
-      <p:sp>
-        <p:nvSpPr>
-          <p:cNvPr id="4" name="텍스트 개체 틀 3"/>
-          <p:cNvSpPr>
-            <a:spLocks noGrp="1"/>
-          </p:cNvSpPr>
-          <p:nvPr>
-            <p:ph type="body" sz="half" idx="2"/>
-          </p:nvPr>
-        </p:nvSpPr>
-        <p:spPr>
-          <a:xfrm>
-            <a:off x="457200" y="1435100"/>
-            <a:ext cx="3008313" cy="4691063"/>
+            <a:off x="6812280" y="274320"/>
+            <a:ext cx="1527048" cy="4983480"/>
           </a:xfrm>
         </p:spPr>
         <p:txBody>
           <a:bodyPr/>
           <a:lstStyle>
             <a:lvl1pPr marL="0" indent="0">
+              <a:spcBef>
+                <a:spcPts val="400"/>
+              </a:spcBef>
+              <a:spcAft>
+                <a:spcPts val="1000"/>
+              </a:spcAft>
               <a:buNone/>
-              <a:defRPr sz="1400"/>
+              <a:defRPr sz="1200"/>
             </a:lvl1pPr>
-            <a:lvl2pPr marL="457200" indent="0">
+            <a:lvl2pPr>
               <a:buNone/>
               <a:defRPr sz="1200"/>
             </a:lvl2pPr>
-            <a:lvl3pPr marL="914400" indent="0">
+            <a:lvl3pPr>
               <a:buNone/>
               <a:defRPr sz="1000"/>
             </a:lvl3pPr>
-            <a:lvl4pPr marL="1371600" indent="0">
+            <a:lvl4pPr>
               <a:buNone/>
               <a:defRPr sz="900"/>
             </a:lvl4pPr>
-            <a:lvl5pPr marL="1828800" indent="0">
+            <a:lvl5pPr>
               <a:buNone/>
               <a:defRPr sz="900"/>
             </a:lvl5pPr>
-            <a:lvl6pPr marL="2286000" indent="0">
-              <a:buNone/>
-              <a:defRPr sz="900"/>
-            </a:lvl6pPr>
-            <a:lvl7pPr marL="2743200" indent="0">
-              <a:buNone/>
-              <a:defRPr sz="900"/>
-            </a:lvl7pPr>
-            <a:lvl8pPr marL="3200400" indent="0">
-              <a:buNone/>
-              <a:defRPr sz="900"/>
-            </a:lvl8pPr>
-            <a:lvl9pPr marL="3657600" indent="0">
-              <a:buNone/>
-              <a:defRPr sz="900"/>
-            </a:lvl9pPr>
           </a:lstStyle>
           <a:p>
-            <a:pPr lvl="0"/>
+            <a:pPr lvl="0" eaLnBrk="1" latinLnBrk="0" hangingPunct="1"/>
+            <a:r>
+              <a:rPr kumimoji="0" lang="ko-KR" altLang="en-US" smtClean="0"/>
+              <a:t>마스터 텍스트 스타일을 편집합니다</a:t>
+            </a:r>
+          </a:p>
+        </p:txBody>
+      </p:sp>
+      <p:sp>
+        <p:nvSpPr>
+          <p:cNvPr id="8" name="직선 연결선 7"/>
+          <p:cNvSpPr>
+            <a:spLocks noChangeShapeType="1"/>
+          </p:cNvSpPr>
+          <p:nvPr/>
+        </p:nvSpPr>
+        <p:spPr bwMode="auto">
+          <a:xfrm>
+            <a:off x="6248400" y="0"/>
+            <a:ext cx="0" cy="6858000"/>
+          </a:xfrm>
+          <a:prstGeom prst="line">
+            <a:avLst/>
+          </a:prstGeom>
+          <a:noFill/>
+          <a:ln w="38100" cap="flat" cmpd="sng" algn="ctr">
+            <a:solidFill>
+              <a:schemeClr val="accent1">
+                <a:tint val="60000"/>
+              </a:schemeClr>
+            </a:solidFill>
+            <a:prstDash val="solid"/>
+            <a:round/>
+            <a:headEnd type="none" w="med" len="med"/>
+            <a:tailEnd type="none" w="med" len="med"/>
+          </a:ln>
+          <a:effectLst/>
+        </p:spPr>
+        <p:txBody>
+          <a:bodyPr vert="horz" wrap="square" lIns="91440" tIns="45720" rIns="91440" bIns="45720" anchor="t" compatLnSpc="1"/>
+          <a:lstStyle/>
+          <a:p>
+            <a:endParaRPr kumimoji="0" lang="en-US" dirty="0"/>
+          </a:p>
+        </p:txBody>
+      </p:sp>
+      <p:sp>
+        <p:nvSpPr>
+          <p:cNvPr id="9" name="직선 연결선 8"/>
+          <p:cNvSpPr>
+            <a:spLocks noChangeShapeType="1"/>
+          </p:cNvSpPr>
+          <p:nvPr/>
+        </p:nvSpPr>
+        <p:spPr bwMode="auto">
+          <a:xfrm>
+            <a:off x="6192296" y="0"/>
+            <a:ext cx="0" cy="6858000"/>
+          </a:xfrm>
+          <a:prstGeom prst="line">
+            <a:avLst/>
+          </a:prstGeom>
+          <a:noFill/>
+          <a:ln w="12700" cap="flat" cmpd="sng" algn="ctr">
+            <a:solidFill>
+              <a:schemeClr val="accent1"/>
+            </a:solidFill>
+            <a:prstDash val="solid"/>
+            <a:round/>
+            <a:headEnd type="none" w="med" len="med"/>
+            <a:tailEnd type="none" w="med" len="med"/>
+          </a:ln>
+          <a:effectLst/>
+        </p:spPr>
+        <p:txBody>
+          <a:bodyPr vert="horz" wrap="square" lIns="91440" tIns="45720" rIns="91440" bIns="45720" anchor="t" compatLnSpc="1"/>
+          <a:lstStyle/>
+          <a:p>
+            <a:endParaRPr kumimoji="0" lang="en-US" dirty="0"/>
+          </a:p>
+        </p:txBody>
+      </p:sp>
+      <p:sp>
+        <p:nvSpPr>
+          <p:cNvPr id="11" name="직선 연결선 10"/>
+          <p:cNvSpPr>
+            <a:spLocks noChangeShapeType="1"/>
+          </p:cNvSpPr>
+          <p:nvPr/>
+        </p:nvSpPr>
+        <p:spPr bwMode="auto">
+          <a:xfrm>
+            <a:off x="8991600" y="0"/>
+            <a:ext cx="0" cy="6858000"/>
+          </a:xfrm>
+          <a:prstGeom prst="line">
+            <a:avLst/>
+          </a:prstGeom>
+          <a:noFill/>
+          <a:ln w="19050" cap="flat" cmpd="sng" algn="ctr">
+            <a:solidFill>
+              <a:schemeClr val="accent1"/>
+            </a:solidFill>
+            <a:prstDash val="solid"/>
+            <a:round/>
+            <a:headEnd type="none" w="med" len="med"/>
+            <a:tailEnd type="none" w="med" len="med"/>
+          </a:ln>
+          <a:effectLst/>
+        </p:spPr>
+        <p:txBody>
+          <a:bodyPr vert="horz" wrap="square" lIns="91440" tIns="45720" rIns="91440" bIns="45720" anchor="t" compatLnSpc="1"/>
+          <a:lstStyle/>
+          <a:p>
+            <a:endParaRPr kumimoji="0" lang="en-US"/>
+          </a:p>
+        </p:txBody>
+      </p:sp>
+      <p:sp>
+        <p:nvSpPr>
+          <p:cNvPr id="12" name="직사각형 11"/>
+          <p:cNvSpPr/>
+          <p:nvPr/>
+        </p:nvSpPr>
+        <p:spPr bwMode="auto">
+          <a:xfrm>
+            <a:off x="8839200" y="0"/>
+            <a:ext cx="304800" cy="6858000"/>
+          </a:xfrm>
+          <a:prstGeom prst="rect">
+            <a:avLst/>
+          </a:prstGeom>
+          <a:solidFill>
+            <a:schemeClr val="accent1">
+              <a:tint val="60000"/>
+              <a:alpha val="87000"/>
+            </a:schemeClr>
+          </a:solidFill>
+          <a:ln w="38100" cap="rnd" cmpd="sng" algn="ctr">
+            <a:noFill/>
+            <a:prstDash val="solid"/>
+          </a:ln>
+          <a:effectLst/>
+        </p:spPr>
+        <p:style>
+          <a:lnRef idx="3">
+            <a:schemeClr val="lt1"/>
+          </a:lnRef>
+          <a:fillRef idx="1">
+            <a:schemeClr val="accent1"/>
+          </a:fillRef>
+          <a:effectRef idx="1">
+            <a:schemeClr val="accent1"/>
+          </a:effectRef>
+          <a:fontRef idx="minor">
+            <a:schemeClr val="lt1"/>
+          </a:fontRef>
+        </p:style>
+        <p:txBody>
+          <a:bodyPr anchor="ctr"/>
+          <a:lstStyle/>
+          <a:p>
+            <a:pPr algn="ctr" eaLnBrk="1" latinLnBrk="0" hangingPunct="1"/>
+            <a:endParaRPr kumimoji="0" lang="en-US"/>
+          </a:p>
+        </p:txBody>
+      </p:sp>
+      <p:sp>
+        <p:nvSpPr>
+          <p:cNvPr id="13" name="직선 연결선 12"/>
+          <p:cNvSpPr>
+            <a:spLocks noChangeShapeType="1"/>
+          </p:cNvSpPr>
+          <p:nvPr/>
+        </p:nvSpPr>
+        <p:spPr bwMode="auto">
+          <a:xfrm>
+            <a:off x="8915400" y="0"/>
+            <a:ext cx="0" cy="6858000"/>
+          </a:xfrm>
+          <a:prstGeom prst="line">
+            <a:avLst/>
+          </a:prstGeom>
+          <a:noFill/>
+          <a:ln w="9525" cap="flat" cmpd="sng" algn="ctr">
+            <a:solidFill>
+              <a:schemeClr val="accent1"/>
+            </a:solidFill>
+            <a:prstDash val="solid"/>
+            <a:round/>
+            <a:headEnd type="none" w="med" len="med"/>
+            <a:tailEnd type="none" w="med" len="med"/>
+          </a:ln>
+          <a:effectLst/>
+        </p:spPr>
+        <p:txBody>
+          <a:bodyPr vert="horz" wrap="square" lIns="91440" tIns="45720" rIns="91440" bIns="45720" anchor="t" compatLnSpc="1"/>
+          <a:lstStyle/>
+          <a:p>
+            <a:endParaRPr kumimoji="0" lang="en-US"/>
+          </a:p>
+        </p:txBody>
+      </p:sp>
+      <p:sp>
+        <p:nvSpPr>
+          <p:cNvPr id="14" name="타원 13"/>
+          <p:cNvSpPr/>
+          <p:nvPr/>
+        </p:nvSpPr>
+        <p:spPr>
+          <a:xfrm>
+            <a:off x="8156448" y="5715000"/>
+            <a:ext cx="548640" cy="548640"/>
+          </a:xfrm>
+          <a:prstGeom prst="ellipse">
+            <a:avLst/>
+          </a:prstGeom>
+          <a:ln w="38100" cap="rnd" cmpd="sng" algn="ctr">
+            <a:noFill/>
+            <a:prstDash val="solid"/>
+          </a:ln>
+          <a:effectLst/>
+        </p:spPr>
+        <p:style>
+          <a:lnRef idx="3">
+            <a:schemeClr val="lt1"/>
+          </a:lnRef>
+          <a:fillRef idx="1">
+            <a:schemeClr val="accent1"/>
+          </a:fillRef>
+          <a:effectRef idx="1">
+            <a:schemeClr val="accent1"/>
+          </a:effectRef>
+          <a:fontRef idx="minor">
+            <a:schemeClr val="lt1"/>
+          </a:fontRef>
+        </p:style>
+        <p:txBody>
+          <a:bodyPr anchor="ctr"/>
+          <a:lstStyle/>
+          <a:p>
+            <a:pPr algn="ctr" eaLnBrk="1" latinLnBrk="0" hangingPunct="1"/>
+            <a:endParaRPr kumimoji="0" lang="en-US" dirty="0"/>
+          </a:p>
+        </p:txBody>
+      </p:sp>
+      <p:sp>
+        <p:nvSpPr>
+          <p:cNvPr id="18" name="내용 개체 틀 17"/>
+          <p:cNvSpPr>
+            <a:spLocks noGrp="1"/>
+          </p:cNvSpPr>
+          <p:nvPr>
+            <p:ph sz="quarter" idx="1"/>
+          </p:nvPr>
+        </p:nvSpPr>
+        <p:spPr>
+          <a:xfrm>
+            <a:off x="304800" y="274320"/>
+            <a:ext cx="5638800" cy="6327648"/>
+          </a:xfrm>
+        </p:spPr>
+        <p:txBody>
+          <a:bodyPr/>
+          <a:lstStyle/>
+          <a:p>
+            <a:pPr lvl="0" eaLnBrk="1" latinLnBrk="0" hangingPunct="1"/>
             <a:r>
               <a:rPr lang="ko-KR" altLang="en-US" smtClean="0"/>
               <a:t>마스터 텍스트 스타일을 편집합니다</a:t>
             </a:r>
           </a:p>
-        </p:txBody>
-      </p:sp>
-      <p:sp>
-        <p:nvSpPr>
-          <p:cNvPr id="5" name="날짜 개체 틀 4"/>
+          <a:p>
+            <a:pPr lvl="1" eaLnBrk="1" latinLnBrk="0" hangingPunct="1"/>
+            <a:r>
+              <a:rPr lang="ko-KR" altLang="en-US" smtClean="0"/>
+              <a:t>둘째 수준</a:t>
+            </a:r>
+          </a:p>
+          <a:p>
+            <a:pPr lvl="2" eaLnBrk="1" latinLnBrk="0" hangingPunct="1"/>
+            <a:r>
+              <a:rPr lang="ko-KR" altLang="en-US" smtClean="0"/>
+              <a:t>셋째 수준</a:t>
+            </a:r>
+          </a:p>
+          <a:p>
+            <a:pPr lvl="3" eaLnBrk="1" latinLnBrk="0" hangingPunct="1"/>
+            <a:r>
+              <a:rPr lang="ko-KR" altLang="en-US" smtClean="0"/>
+              <a:t>넷째 수준</a:t>
+            </a:r>
+          </a:p>
+          <a:p>
+            <a:pPr lvl="4" eaLnBrk="1" latinLnBrk="0" hangingPunct="1"/>
+            <a:r>
+              <a:rPr lang="ko-KR" altLang="en-US" smtClean="0"/>
+              <a:t>다섯째 수준</a:t>
+            </a:r>
+            <a:endParaRPr kumimoji="0" lang="en-US"/>
+          </a:p>
+        </p:txBody>
+      </p:sp>
+      <p:sp>
+        <p:nvSpPr>
+          <p:cNvPr id="21" name="날짜 개체 틀 20"/>
           <p:cNvSpPr>
             <a:spLocks noGrp="1"/>
           </p:cNvSpPr>
           <p:nvPr>
-            <p:ph type="dt" sz="half" idx="10"/>
+            <p:ph type="dt" sz="half" idx="14"/>
           </p:nvPr>
         </p:nvSpPr>
         <p:spPr/>
         <p:txBody>
-          <a:bodyPr/>
+          <a:bodyPr rtlCol="0"/>
           <a:lstStyle/>
           <a:p>
             <a:fld id="{0772CA07-ADC5-4316-B40E-D9864AA22A19}" type="datetimeFigureOut">
               <a:rPr lang="ko-KR" altLang="en-US" smtClean="0"/>
               <a:pPr/>
-              <a:t>2012-08-27</a:t>
+              <a:t>2012-09-09</a:t>
             </a:fld>
             <a:endParaRPr lang="ko-KR" altLang="en-US"/>
           </a:p>
@@ -3351,36 +4927,17 @@
       </p:sp>
       <p:sp>
         <p:nvSpPr>
-          <p:cNvPr id="6" name="바닥글 개체 틀 5"/>
+          <p:cNvPr id="22" name="슬라이드 번호 개체 틀 21"/>
           <p:cNvSpPr>
             <a:spLocks noGrp="1"/>
           </p:cNvSpPr>
           <p:nvPr>
-            <p:ph type="ftr" sz="quarter" idx="11"/>
+            <p:ph type="sldNum" sz="quarter" idx="15"/>
           </p:nvPr>
         </p:nvSpPr>
         <p:spPr/>
         <p:txBody>
-          <a:bodyPr/>
-          <a:lstStyle/>
-          <a:p>
-            <a:endParaRPr lang="ko-KR" altLang="en-US"/>
-          </a:p>
-        </p:txBody>
-      </p:sp>
-      <p:sp>
-        <p:nvSpPr>
-          <p:cNvPr id="7" name="슬라이드 번호 개체 틀 6"/>
-          <p:cNvSpPr>
-            <a:spLocks noGrp="1"/>
-          </p:cNvSpPr>
-          <p:nvPr>
-            <p:ph type="sldNum" sz="quarter" idx="12"/>
-          </p:nvPr>
-        </p:nvSpPr>
-        <p:spPr/>
-        <p:txBody>
-          <a:bodyPr/>
+          <a:bodyPr rtlCol="0"/>
           <a:lstStyle/>
           <a:p>
             <a:fld id="{9783BF30-1777-4C30-B3B8-07C5EDC585B8}" type="slidenum">
@@ -3392,16 +4949,35 @@
           </a:p>
         </p:txBody>
       </p:sp>
+      <p:sp>
+        <p:nvSpPr>
+          <p:cNvPr id="23" name="바닥글 개체 틀 22"/>
+          <p:cNvSpPr>
+            <a:spLocks noGrp="1"/>
+          </p:cNvSpPr>
+          <p:nvPr>
+            <p:ph type="ftr" sz="quarter" idx="16"/>
+          </p:nvPr>
+        </p:nvSpPr>
+        <p:spPr/>
+        <p:txBody>
+          <a:bodyPr rtlCol="0"/>
+          <a:lstStyle/>
+          <a:p>
+            <a:endParaRPr lang="ko-KR" altLang="en-US"/>
+          </a:p>
+        </p:txBody>
+      </p:sp>
     </p:spTree>
   </p:cSld>
   <p:clrMapOvr>
-    <a:masterClrMapping/>
+    <a:overrideClrMapping bg1="lt1" tx1="dk1" bg2="lt2" tx2="dk2" accent1="accent1" accent2="accent2" accent3="accent3" accent4="accent4" accent5="accent5" accent6="accent6" hlink="hlink" folHlink="folHlink"/>
   </p:clrMapOvr>
 </p:sldLayout>
 </file>
 
 <file path=ppt/slideLayouts/slideLayout9.xml><?xml version="1.0" encoding="utf-8"?>
-<p:sldLayout xmlns:a="http://schemas.openxmlformats.org/drawingml/2006/main" xmlns:r="http://schemas.openxmlformats.org/officeDocument/2006/relationships" xmlns:p="http://schemas.openxmlformats.org/presentationml/2006/main" type="picTx" preserve="1">
+<p:sldLayout xmlns:a="http://schemas.openxmlformats.org/drawingml/2006/main" xmlns:r="http://schemas.openxmlformats.org/officeDocument/2006/relationships" xmlns:p="http://schemas.openxmlformats.org/presentationml/2006/main" showMasterSp="0" type="picTx" preserve="1">
   <p:cSld name="캡션 있는 그림">
     <p:spTree>
       <p:nvGrpSpPr>
@@ -3419,6 +4995,87 @@
       </p:grpSpPr>
       <p:sp>
         <p:nvSpPr>
+          <p:cNvPr id="9" name="직선 연결선 8"/>
+          <p:cNvSpPr>
+            <a:spLocks noChangeShapeType="1"/>
+          </p:cNvSpPr>
+          <p:nvPr/>
+        </p:nvSpPr>
+        <p:spPr bwMode="auto">
+          <a:xfrm>
+            <a:off x="8763000" y="0"/>
+            <a:ext cx="0" cy="6858000"/>
+          </a:xfrm>
+          <a:prstGeom prst="line">
+            <a:avLst/>
+          </a:prstGeom>
+          <a:noFill/>
+          <a:ln w="38100" cap="flat" cmpd="sng" algn="ctr">
+            <a:solidFill>
+              <a:schemeClr val="accent1">
+                <a:tint val="60000"/>
+              </a:schemeClr>
+            </a:solidFill>
+            <a:prstDash val="solid"/>
+            <a:round/>
+            <a:headEnd type="none" w="med" len="med"/>
+            <a:tailEnd type="none" w="med" len="med"/>
+          </a:ln>
+          <a:effectLst/>
+        </p:spPr>
+        <p:txBody>
+          <a:bodyPr vert="horz" wrap="square" lIns="91440" tIns="45720" rIns="91440" bIns="45720" anchor="t" compatLnSpc="1"/>
+          <a:lstStyle/>
+          <a:p>
+            <a:endParaRPr kumimoji="0" lang="en-US"/>
+          </a:p>
+        </p:txBody>
+      </p:sp>
+      <p:sp>
+        <p:nvSpPr>
+          <p:cNvPr id="13" name="타원 12"/>
+          <p:cNvSpPr/>
+          <p:nvPr/>
+        </p:nvSpPr>
+        <p:spPr>
+          <a:xfrm>
+            <a:off x="8156448" y="5715000"/>
+            <a:ext cx="548640" cy="548640"/>
+          </a:xfrm>
+          <a:prstGeom prst="ellipse">
+            <a:avLst/>
+          </a:prstGeom>
+          <a:ln w="38100" cap="rnd" cmpd="sng" algn="ctr">
+            <a:noFill/>
+            <a:prstDash val="solid"/>
+          </a:ln>
+          <a:effectLst/>
+        </p:spPr>
+        <p:style>
+          <a:lnRef idx="3">
+            <a:schemeClr val="lt1"/>
+          </a:lnRef>
+          <a:fillRef idx="1">
+            <a:schemeClr val="accent1"/>
+          </a:fillRef>
+          <a:effectRef idx="1">
+            <a:schemeClr val="accent1"/>
+          </a:effectRef>
+          <a:fontRef idx="minor">
+            <a:schemeClr val="lt1"/>
+          </a:fontRef>
+        </p:style>
+        <p:txBody>
+          <a:bodyPr anchor="ctr"/>
+          <a:lstStyle/>
+          <a:p>
+            <a:pPr algn="ctr" eaLnBrk="1" latinLnBrk="0" hangingPunct="1"/>
+            <a:endParaRPr kumimoji="0" lang="en-US" dirty="0"/>
+          </a:p>
+        </p:txBody>
+      </p:sp>
+      <p:sp>
+        <p:nvSpPr>
           <p:cNvPr id="2" name="제목 1"/>
           <p:cNvSpPr>
             <a:spLocks noGrp="1"/>
@@ -3428,24 +5085,25 @@
           </p:nvPr>
         </p:nvSpPr>
         <p:spPr>
-          <a:xfrm>
-            <a:off x="1792288" y="4800600"/>
-            <a:ext cx="5486400" cy="566738"/>
+          <a:xfrm rot="5400000">
+            <a:off x="3350133" y="3200400"/>
+            <a:ext cx="6309360" cy="457200"/>
           </a:xfrm>
         </p:spPr>
         <p:txBody>
           <a:bodyPr anchor="b"/>
           <a:lstStyle>
             <a:lvl1pPr algn="l">
+              <a:buNone/>
               <a:defRPr sz="2000" b="1"/>
             </a:lvl1pPr>
           </a:lstStyle>
           <a:p>
             <a:r>
-              <a:rPr lang="ko-KR" altLang="en-US" smtClean="0"/>
+              <a:rPr kumimoji="0" lang="ko-KR" altLang="en-US" smtClean="0"/>
               <a:t>마스터 제목 스타일 편집</a:t>
             </a:r>
-            <a:endParaRPr lang="ko-KR" altLang="en-US"/>
+            <a:endParaRPr kumimoji="0" lang="en-US"/>
           </a:p>
         </p:txBody>
       </p:sp>
@@ -3461,10 +5119,32 @@
         </p:nvSpPr>
         <p:spPr>
           <a:xfrm>
-            <a:off x="1792288" y="612775"/>
-            <a:ext cx="5486400" cy="4114800"/>
-          </a:xfrm>
-        </p:spPr>
+            <a:off x="0" y="0"/>
+            <a:ext cx="6172200" cy="6858000"/>
+          </a:xfrm>
+          <a:solidFill>
+            <a:schemeClr val="bg2"/>
+          </a:solidFill>
+          <a:ln w="127000" cap="rnd" cmpd="sng" algn="ctr">
+            <a:noFill/>
+            <a:prstDash val="solid"/>
+          </a:ln>
+          <a:effectLst/>
+        </p:spPr>
+        <p:style>
+          <a:lnRef idx="3">
+            <a:schemeClr val="lt1"/>
+          </a:lnRef>
+          <a:fillRef idx="1">
+            <a:schemeClr val="accent1"/>
+          </a:fillRef>
+          <a:effectRef idx="1">
+            <a:schemeClr val="accent1"/>
+          </a:effectRef>
+          <a:fontRef idx="minor">
+            <a:schemeClr val="lt1"/>
+          </a:fontRef>
+        </p:style>
         <p:txBody>
           <a:bodyPr/>
           <a:lstStyle>
@@ -3472,41 +5152,17 @@
               <a:buNone/>
               <a:defRPr sz="3200"/>
             </a:lvl1pPr>
-            <a:lvl2pPr marL="457200" indent="0">
+          </a:lstStyle>
+          <a:p>
+            <a:pPr algn="ctr" eaLnBrk="1" latinLnBrk="0" hangingPunct="1">
+              <a:buFontTx/>
               <a:buNone/>
-              <a:defRPr sz="2800"/>
-            </a:lvl2pPr>
-            <a:lvl3pPr marL="914400" indent="0">
-              <a:buNone/>
-              <a:defRPr sz="2400"/>
-            </a:lvl3pPr>
-            <a:lvl4pPr marL="1371600" indent="0">
-              <a:buNone/>
-              <a:defRPr sz="2000"/>
-            </a:lvl4pPr>
-            <a:lvl5pPr marL="1828800" indent="0">
-              <a:buNone/>
-              <a:defRPr sz="2000"/>
-            </a:lvl5pPr>
-            <a:lvl6pPr marL="2286000" indent="0">
-              <a:buNone/>
-              <a:defRPr sz="2000"/>
-            </a:lvl6pPr>
-            <a:lvl7pPr marL="2743200" indent="0">
-              <a:buNone/>
-              <a:defRPr sz="2000"/>
-            </a:lvl7pPr>
-            <a:lvl8pPr marL="3200400" indent="0">
-              <a:buNone/>
-              <a:defRPr sz="2000"/>
-            </a:lvl8pPr>
-            <a:lvl9pPr marL="3657600" indent="0">
-              <a:buNone/>
-              <a:defRPr sz="2000"/>
-            </a:lvl9pPr>
-          </a:lstStyle>
-          <a:p>
-            <a:endParaRPr lang="ko-KR" altLang="en-US"/>
+            </a:pPr>
+            <a:r>
+              <a:rPr kumimoji="0" lang="ko-KR" altLang="en-US" smtClean="0"/>
+              <a:t>그림을 추가하려면 아이콘을 클릭하십시오</a:t>
+            </a:r>
+            <a:endParaRPr kumimoji="0" lang="en-US" dirty="0"/>
           </a:p>
         </p:txBody>
       </p:sp>
@@ -3522,54 +5178,43 @@
         </p:nvSpPr>
         <p:spPr>
           <a:xfrm>
-            <a:off x="1792288" y="5367338"/>
-            <a:ext cx="5486400" cy="804862"/>
-          </a:xfrm>
-        </p:spPr>
-        <p:txBody>
-          <a:bodyPr/>
+            <a:off x="6765798" y="264795"/>
+            <a:ext cx="1524000" cy="4956048"/>
+          </a:xfrm>
+        </p:spPr>
+        <p:txBody>
+          <a:bodyPr rot="0" spcFirstLastPara="0" vertOverflow="overflow" horzOverflow="overflow" vert="horz" wrap="square" lIns="91440" tIns="45720" rIns="91440" bIns="45720" numCol="1" spcCol="274320" rtlCol="0" fromWordArt="0" anchor="t" anchorCtr="0" forceAA="0" compatLnSpc="1">
+            <a:normAutofit/>
+          </a:bodyPr>
           <a:lstStyle>
             <a:lvl1pPr marL="0" indent="0">
-              <a:buNone/>
-              <a:defRPr sz="1400"/>
-            </a:lvl1pPr>
-            <a:lvl2pPr marL="457200" indent="0">
+              <a:spcBef>
+                <a:spcPts val="100"/>
+              </a:spcBef>
+              <a:spcAft>
+                <a:spcPts val="400"/>
+              </a:spcAft>
+              <a:buFontTx/>
               <a:buNone/>
               <a:defRPr sz="1200"/>
+            </a:lvl1pPr>
+            <a:lvl2pPr>
+              <a:defRPr sz="1200"/>
             </a:lvl2pPr>
-            <a:lvl3pPr marL="914400" indent="0">
-              <a:buNone/>
+            <a:lvl3pPr>
               <a:defRPr sz="1000"/>
             </a:lvl3pPr>
-            <a:lvl4pPr marL="1371600" indent="0">
-              <a:buNone/>
+            <a:lvl4pPr>
               <a:defRPr sz="900"/>
             </a:lvl4pPr>
-            <a:lvl5pPr marL="1828800" indent="0">
-              <a:buNone/>
+            <a:lvl5pPr>
               <a:defRPr sz="900"/>
             </a:lvl5pPr>
-            <a:lvl6pPr marL="2286000" indent="0">
-              <a:buNone/>
-              <a:defRPr sz="900"/>
-            </a:lvl6pPr>
-            <a:lvl7pPr marL="2743200" indent="0">
-              <a:buNone/>
-              <a:defRPr sz="900"/>
-            </a:lvl7pPr>
-            <a:lvl8pPr marL="3200400" indent="0">
-              <a:buNone/>
-              <a:defRPr sz="900"/>
-            </a:lvl8pPr>
-            <a:lvl9pPr marL="3657600" indent="0">
-              <a:buNone/>
-              <a:defRPr sz="900"/>
-            </a:lvl9pPr>
           </a:lstStyle>
           <a:p>
-            <a:pPr lvl="0"/>
-            <a:r>
-              <a:rPr lang="ko-KR" altLang="en-US" smtClean="0"/>
+            <a:pPr lvl="0" eaLnBrk="1" latinLnBrk="0" hangingPunct="1"/>
+            <a:r>
+              <a:rPr kumimoji="0" lang="ko-KR" altLang="en-US" smtClean="0"/>
               <a:t>마스터 텍스트 스타일을 편집합니다</a:t>
             </a:r>
           </a:p>
@@ -3577,7 +5222,201 @@
       </p:sp>
       <p:sp>
         <p:nvSpPr>
-          <p:cNvPr id="5" name="날짜 개체 틀 4"/>
+          <p:cNvPr id="10" name="직선 연결선 9"/>
+          <p:cNvSpPr>
+            <a:spLocks noChangeShapeType="1"/>
+          </p:cNvSpPr>
+          <p:nvPr/>
+        </p:nvSpPr>
+        <p:spPr bwMode="auto">
+          <a:xfrm>
+            <a:off x="8991600" y="0"/>
+            <a:ext cx="0" cy="6858000"/>
+          </a:xfrm>
+          <a:prstGeom prst="line">
+            <a:avLst/>
+          </a:prstGeom>
+          <a:noFill/>
+          <a:ln w="9525" cap="flat" cmpd="sng" algn="ctr">
+            <a:solidFill>
+              <a:schemeClr val="tx1"/>
+            </a:solidFill>
+            <a:prstDash val="solid"/>
+            <a:round/>
+            <a:headEnd type="none" w="med" len="med"/>
+            <a:tailEnd type="none" w="med" len="med"/>
+          </a:ln>
+          <a:effectLst/>
+        </p:spPr>
+        <p:txBody>
+          <a:bodyPr vert="horz" wrap="square" lIns="91440" tIns="45720" rIns="91440" bIns="45720" anchor="t" compatLnSpc="1"/>
+          <a:lstStyle/>
+          <a:p>
+            <a:endParaRPr kumimoji="0" lang="en-US"/>
+          </a:p>
+        </p:txBody>
+      </p:sp>
+      <p:sp>
+        <p:nvSpPr>
+          <p:cNvPr id="11" name="직사각형 10"/>
+          <p:cNvSpPr/>
+          <p:nvPr/>
+        </p:nvSpPr>
+        <p:spPr bwMode="auto">
+          <a:xfrm>
+            <a:off x="8839200" y="0"/>
+            <a:ext cx="304800" cy="6858000"/>
+          </a:xfrm>
+          <a:prstGeom prst="rect">
+            <a:avLst/>
+          </a:prstGeom>
+          <a:solidFill>
+            <a:schemeClr val="accent1">
+              <a:tint val="60000"/>
+            </a:schemeClr>
+          </a:solidFill>
+          <a:ln w="38100" cap="rnd" cmpd="sng" algn="ctr">
+            <a:noFill/>
+            <a:prstDash val="solid"/>
+          </a:ln>
+          <a:effectLst/>
+        </p:spPr>
+        <p:style>
+          <a:lnRef idx="3">
+            <a:schemeClr val="lt1"/>
+          </a:lnRef>
+          <a:fillRef idx="1">
+            <a:schemeClr val="accent1"/>
+          </a:fillRef>
+          <a:effectRef idx="1">
+            <a:schemeClr val="accent1"/>
+          </a:effectRef>
+          <a:fontRef idx="minor">
+            <a:schemeClr val="lt1"/>
+          </a:fontRef>
+        </p:style>
+        <p:txBody>
+          <a:bodyPr anchor="ctr"/>
+          <a:lstStyle/>
+          <a:p>
+            <a:pPr algn="ctr" eaLnBrk="1" latinLnBrk="0" hangingPunct="1"/>
+            <a:endParaRPr kumimoji="0" lang="en-US"/>
+          </a:p>
+        </p:txBody>
+      </p:sp>
+      <p:sp>
+        <p:nvSpPr>
+          <p:cNvPr id="12" name="직선 연결선 11"/>
+          <p:cNvSpPr>
+            <a:spLocks noChangeShapeType="1"/>
+          </p:cNvSpPr>
+          <p:nvPr/>
+        </p:nvSpPr>
+        <p:spPr bwMode="auto">
+          <a:xfrm>
+            <a:off x="8915400" y="0"/>
+            <a:ext cx="0" cy="6858000"/>
+          </a:xfrm>
+          <a:prstGeom prst="line">
+            <a:avLst/>
+          </a:prstGeom>
+          <a:noFill/>
+          <a:ln w="9525" cap="flat" cmpd="sng" algn="ctr">
+            <a:solidFill>
+              <a:schemeClr val="accent1"/>
+            </a:solidFill>
+            <a:prstDash val="solid"/>
+            <a:round/>
+            <a:headEnd type="none" w="med" len="med"/>
+            <a:tailEnd type="none" w="med" len="med"/>
+          </a:ln>
+          <a:effectLst/>
+        </p:spPr>
+        <p:txBody>
+          <a:bodyPr vert="horz" wrap="square" lIns="91440" tIns="45720" rIns="91440" bIns="45720" anchor="t" compatLnSpc="1"/>
+          <a:lstStyle/>
+          <a:p>
+            <a:endParaRPr kumimoji="0" lang="en-US"/>
+          </a:p>
+        </p:txBody>
+      </p:sp>
+      <p:sp>
+        <p:nvSpPr>
+          <p:cNvPr id="19" name="직선 연결선 18"/>
+          <p:cNvSpPr>
+            <a:spLocks noChangeShapeType="1"/>
+          </p:cNvSpPr>
+          <p:nvPr/>
+        </p:nvSpPr>
+        <p:spPr bwMode="auto">
+          <a:xfrm>
+            <a:off x="6248400" y="0"/>
+            <a:ext cx="0" cy="6858000"/>
+          </a:xfrm>
+          <a:prstGeom prst="line">
+            <a:avLst/>
+          </a:prstGeom>
+          <a:noFill/>
+          <a:ln w="38100" cap="flat" cmpd="sng" algn="ctr">
+            <a:solidFill>
+              <a:schemeClr val="accent1">
+                <a:tint val="60000"/>
+              </a:schemeClr>
+            </a:solidFill>
+            <a:prstDash val="solid"/>
+            <a:round/>
+            <a:headEnd type="none" w="med" len="med"/>
+            <a:tailEnd type="none" w="med" len="med"/>
+          </a:ln>
+          <a:effectLst/>
+        </p:spPr>
+        <p:txBody>
+          <a:bodyPr vert="horz" wrap="square" lIns="91440" tIns="45720" rIns="91440" bIns="45720" anchor="t" compatLnSpc="1"/>
+          <a:lstStyle/>
+          <a:p>
+            <a:endParaRPr kumimoji="0" lang="en-US" dirty="0"/>
+          </a:p>
+        </p:txBody>
+      </p:sp>
+      <p:sp>
+        <p:nvSpPr>
+          <p:cNvPr id="20" name="직선 연결선 19"/>
+          <p:cNvSpPr>
+            <a:spLocks noChangeShapeType="1"/>
+          </p:cNvSpPr>
+          <p:nvPr/>
+        </p:nvSpPr>
+        <p:spPr bwMode="auto">
+          <a:xfrm>
+            <a:off x="6192296" y="0"/>
+            <a:ext cx="0" cy="6858000"/>
+          </a:xfrm>
+          <a:prstGeom prst="line">
+            <a:avLst/>
+          </a:prstGeom>
+          <a:noFill/>
+          <a:ln w="12700" cap="flat" cmpd="sng" algn="ctr">
+            <a:solidFill>
+              <a:schemeClr val="accent1"/>
+            </a:solidFill>
+            <a:prstDash val="solid"/>
+            <a:round/>
+            <a:headEnd type="none" w="med" len="med"/>
+            <a:tailEnd type="none" w="med" len="med"/>
+          </a:ln>
+          <a:effectLst/>
+        </p:spPr>
+        <p:txBody>
+          <a:bodyPr vert="horz" wrap="square" lIns="91440" tIns="45720" rIns="91440" bIns="45720" anchor="t" compatLnSpc="1"/>
+          <a:lstStyle/>
+          <a:p>
+            <a:endParaRPr kumimoji="0" lang="en-US" dirty="0"/>
+          </a:p>
+        </p:txBody>
+      </p:sp>
+      <p:sp>
+        <p:nvSpPr>
+          <p:cNvPr id="17" name="날짜 개체 틀 16"/>
           <p:cNvSpPr>
             <a:spLocks noGrp="1"/>
           </p:cNvSpPr>
@@ -3587,13 +5426,13 @@
         </p:nvSpPr>
         <p:spPr/>
         <p:txBody>
-          <a:bodyPr/>
+          <a:bodyPr rtlCol="0"/>
           <a:lstStyle/>
           <a:p>
             <a:fld id="{0772CA07-ADC5-4316-B40E-D9864AA22A19}" type="datetimeFigureOut">
               <a:rPr lang="ko-KR" altLang="en-US" smtClean="0"/>
               <a:pPr/>
-              <a:t>2012-08-27</a:t>
+              <a:t>2012-09-09</a:t>
             </a:fld>
             <a:endParaRPr lang="ko-KR" altLang="en-US"/>
           </a:p>
@@ -3601,36 +5440,17 @@
       </p:sp>
       <p:sp>
         <p:nvSpPr>
-          <p:cNvPr id="6" name="바닥글 개체 틀 5"/>
+          <p:cNvPr id="18" name="슬라이드 번호 개체 틀 17"/>
           <p:cNvSpPr>
             <a:spLocks noGrp="1"/>
           </p:cNvSpPr>
           <p:nvPr>
-            <p:ph type="ftr" sz="quarter" idx="11"/>
+            <p:ph type="sldNum" sz="quarter" idx="11"/>
           </p:nvPr>
         </p:nvSpPr>
         <p:spPr/>
         <p:txBody>
-          <a:bodyPr/>
-          <a:lstStyle/>
-          <a:p>
-            <a:endParaRPr lang="ko-KR" altLang="en-US"/>
-          </a:p>
-        </p:txBody>
-      </p:sp>
-      <p:sp>
-        <p:nvSpPr>
-          <p:cNvPr id="7" name="슬라이드 번호 개체 틀 6"/>
-          <p:cNvSpPr>
-            <a:spLocks noGrp="1"/>
-          </p:cNvSpPr>
-          <p:nvPr>
-            <p:ph type="sldNum" sz="quarter" idx="12"/>
-          </p:nvPr>
-        </p:nvSpPr>
-        <p:spPr/>
-        <p:txBody>
-          <a:bodyPr/>
+          <a:bodyPr rtlCol="0"/>
           <a:lstStyle/>
           <a:p>
             <a:fld id="{9783BF30-1777-4C30-B3B8-07C5EDC585B8}" type="slidenum">
@@ -3638,6 +5458,25 @@
               <a:pPr/>
               <a:t>‹#›</a:t>
             </a:fld>
+            <a:endParaRPr lang="ko-KR" altLang="en-US"/>
+          </a:p>
+        </p:txBody>
+      </p:sp>
+      <p:sp>
+        <p:nvSpPr>
+          <p:cNvPr id="21" name="바닥글 개체 틀 20"/>
+          <p:cNvSpPr>
+            <a:spLocks noGrp="1"/>
+          </p:cNvSpPr>
+          <p:nvPr>
+            <p:ph type="ftr" sz="quarter" idx="12"/>
+          </p:nvPr>
+        </p:nvSpPr>
+        <p:spPr/>
+        <p:txBody>
+          <a:bodyPr rtlCol="0"/>
+          <a:lstStyle/>
+          <a:p>
             <a:endParaRPr lang="ko-KR" altLang="en-US"/>
           </a:p>
         </p:txBody>
@@ -3674,7 +5513,46 @@
       </p:grpSpPr>
       <p:sp>
         <p:nvSpPr>
-          <p:cNvPr id="2" name="제목 개체 틀 1"/>
+          <p:cNvPr id="16" name="직선 연결선 15"/>
+          <p:cNvSpPr>
+            <a:spLocks noChangeShapeType="1"/>
+          </p:cNvSpPr>
+          <p:nvPr/>
+        </p:nvSpPr>
+        <p:spPr bwMode="auto">
+          <a:xfrm>
+            <a:off x="8763000" y="0"/>
+            <a:ext cx="0" cy="6858000"/>
+          </a:xfrm>
+          <a:prstGeom prst="line">
+            <a:avLst/>
+          </a:prstGeom>
+          <a:noFill/>
+          <a:ln w="38100" cap="flat" cmpd="sng" algn="ctr">
+            <a:solidFill>
+              <a:schemeClr val="accent1">
+                <a:tint val="60000"/>
+                <a:alpha val="93000"/>
+              </a:schemeClr>
+            </a:solidFill>
+            <a:prstDash val="solid"/>
+            <a:round/>
+            <a:headEnd type="none" w="med" len="med"/>
+            <a:tailEnd type="none" w="med" len="med"/>
+          </a:ln>
+          <a:effectLst/>
+        </p:spPr>
+        <p:txBody>
+          <a:bodyPr vert="horz" wrap="square" lIns="91440" tIns="45720" rIns="91440" bIns="45720" anchor="t" compatLnSpc="1"/>
+          <a:lstStyle/>
+          <a:p>
+            <a:endParaRPr kumimoji="0" lang="en-US" dirty="0"/>
+          </a:p>
+        </p:txBody>
+      </p:sp>
+      <p:sp>
+        <p:nvSpPr>
+          <p:cNvPr id="22" name="제목 개체 틀 21"/>
           <p:cNvSpPr>
             <a:spLocks noGrp="1"/>
           </p:cNvSpPr>
@@ -3685,29 +5563,29 @@
         <p:spPr>
           <a:xfrm>
             <a:off x="457200" y="274638"/>
-            <a:ext cx="8229600" cy="1143000"/>
+            <a:ext cx="7467600" cy="1143000"/>
           </a:xfrm>
           <a:prstGeom prst="rect">
             <a:avLst/>
           </a:prstGeom>
         </p:spPr>
         <p:txBody>
-          <a:bodyPr vert="horz" lIns="91440" tIns="45720" rIns="91440" bIns="45720" rtlCol="0" anchor="ctr">
+          <a:bodyPr vert="horz" anchor="b">
             <a:normAutofit/>
           </a:bodyPr>
           <a:lstStyle/>
           <a:p>
             <a:r>
-              <a:rPr lang="ko-KR" altLang="en-US" smtClean="0"/>
+              <a:rPr kumimoji="0" lang="ko-KR" altLang="en-US" smtClean="0"/>
               <a:t>마스터 제목 스타일 편집</a:t>
             </a:r>
-            <a:endParaRPr lang="ko-KR" altLang="en-US"/>
-          </a:p>
-        </p:txBody>
-      </p:sp>
-      <p:sp>
-        <p:nvSpPr>
-          <p:cNvPr id="3" name="텍스트 개체 틀 2"/>
+            <a:endParaRPr kumimoji="0" lang="en-US"/>
+          </a:p>
+        </p:txBody>
+      </p:sp>
+      <p:sp>
+        <p:nvSpPr>
+          <p:cNvPr id="13" name="텍스트 개체 틀 12"/>
           <p:cNvSpPr>
             <a:spLocks noGrp="1"/>
           </p:cNvSpPr>
@@ -3718,58 +5596,58 @@
         <p:spPr>
           <a:xfrm>
             <a:off x="457200" y="1600200"/>
-            <a:ext cx="8229600" cy="4525963"/>
+            <a:ext cx="7467600" cy="4873752"/>
           </a:xfrm>
           <a:prstGeom prst="rect">
             <a:avLst/>
           </a:prstGeom>
         </p:spPr>
         <p:txBody>
-          <a:bodyPr vert="horz" lIns="91440" tIns="45720" rIns="91440" bIns="45720" rtlCol="0">
+          <a:bodyPr vert="horz">
             <a:normAutofit/>
           </a:bodyPr>
           <a:lstStyle/>
           <a:p>
-            <a:pPr lvl="0"/>
-            <a:r>
-              <a:rPr lang="ko-KR" altLang="en-US" smtClean="0"/>
+            <a:pPr lvl="0" eaLnBrk="1" latinLnBrk="0" hangingPunct="1"/>
+            <a:r>
+              <a:rPr kumimoji="0" lang="ko-KR" altLang="en-US" smtClean="0"/>
               <a:t>마스터 텍스트 스타일을 편집합니다</a:t>
             </a:r>
           </a:p>
           <a:p>
-            <a:pPr lvl="1"/>
-            <a:r>
-              <a:rPr lang="ko-KR" altLang="en-US" smtClean="0"/>
+            <a:pPr lvl="1" eaLnBrk="1" latinLnBrk="0" hangingPunct="1"/>
+            <a:r>
+              <a:rPr kumimoji="0" lang="ko-KR" altLang="en-US" smtClean="0"/>
               <a:t>둘째 수준</a:t>
             </a:r>
           </a:p>
           <a:p>
-            <a:pPr lvl="2"/>
-            <a:r>
-              <a:rPr lang="ko-KR" altLang="en-US" smtClean="0"/>
+            <a:pPr lvl="2" eaLnBrk="1" latinLnBrk="0" hangingPunct="1"/>
+            <a:r>
+              <a:rPr kumimoji="0" lang="ko-KR" altLang="en-US" smtClean="0"/>
               <a:t>셋째 수준</a:t>
             </a:r>
           </a:p>
           <a:p>
-            <a:pPr lvl="3"/>
-            <a:r>
-              <a:rPr lang="ko-KR" altLang="en-US" smtClean="0"/>
+            <a:pPr lvl="3" eaLnBrk="1" latinLnBrk="0" hangingPunct="1"/>
+            <a:r>
+              <a:rPr kumimoji="0" lang="ko-KR" altLang="en-US" smtClean="0"/>
               <a:t>넷째 수준</a:t>
             </a:r>
           </a:p>
           <a:p>
-            <a:pPr lvl="4"/>
-            <a:r>
-              <a:rPr lang="ko-KR" altLang="en-US" smtClean="0"/>
+            <a:pPr lvl="4" eaLnBrk="1" latinLnBrk="0" hangingPunct="1"/>
+            <a:r>
+              <a:rPr kumimoji="0" lang="ko-KR" altLang="en-US" smtClean="0"/>
               <a:t>다섯째 수준</a:t>
             </a:r>
-            <a:endParaRPr lang="ko-KR" altLang="en-US"/>
-          </a:p>
-        </p:txBody>
-      </p:sp>
-      <p:sp>
-        <p:nvSpPr>
-          <p:cNvPr id="4" name="날짜 개체 틀 3"/>
+            <a:endParaRPr kumimoji="0" lang="en-US"/>
+          </a:p>
+        </p:txBody>
+      </p:sp>
+      <p:sp>
+        <p:nvSpPr>
+          <p:cNvPr id="14" name="날짜 개체 틀 13"/>
           <p:cNvSpPr>
             <a:spLocks noGrp="1"/>
           </p:cNvSpPr>
@@ -3778,23 +5656,21 @@
           </p:nvPr>
         </p:nvSpPr>
         <p:spPr>
-          <a:xfrm>
-            <a:off x="457200" y="6356350"/>
-            <a:ext cx="2133600" cy="365125"/>
+          <a:xfrm rot="5400000">
+            <a:off x="7589520" y="1081851"/>
+            <a:ext cx="2011680" cy="384048"/>
           </a:xfrm>
           <a:prstGeom prst="rect">
             <a:avLst/>
           </a:prstGeom>
         </p:spPr>
         <p:txBody>
-          <a:bodyPr vert="horz" lIns="91440" tIns="45720" rIns="91440" bIns="45720" rtlCol="0" anchor="ctr"/>
+          <a:bodyPr vert="horz" anchor="ctr" anchorCtr="0"/>
           <a:lstStyle>
-            <a:lvl1pPr algn="l">
-              <a:defRPr sz="1200">
+            <a:lvl1pPr algn="r" eaLnBrk="1" latinLnBrk="0" hangingPunct="1">
+              <a:defRPr kumimoji="0" sz="1200">
                 <a:solidFill>
-                  <a:schemeClr val="tx1">
-                    <a:tint val="75000"/>
-                  </a:schemeClr>
+                  <a:schemeClr val="tx2"/>
                 </a:solidFill>
               </a:defRPr>
             </a:lvl1pPr>
@@ -3803,7 +5679,7 @@
             <a:fld id="{0772CA07-ADC5-4316-B40E-D9864AA22A19}" type="datetimeFigureOut">
               <a:rPr lang="ko-KR" altLang="en-US" smtClean="0"/>
               <a:pPr/>
-              <a:t>2012-08-27</a:t>
+              <a:t>2012-09-09</a:t>
             </a:fld>
             <a:endParaRPr lang="ko-KR" altLang="en-US"/>
           </a:p>
@@ -3811,7 +5687,7 @@
       </p:sp>
       <p:sp>
         <p:nvSpPr>
-          <p:cNvPr id="5" name="바닥글 개체 틀 4"/>
+          <p:cNvPr id="3" name="바닥글 개체 틀 2"/>
           <p:cNvSpPr>
             <a:spLocks noGrp="1"/>
           </p:cNvSpPr>
@@ -3820,23 +5696,21 @@
           </p:nvPr>
         </p:nvSpPr>
         <p:spPr>
-          <a:xfrm>
-            <a:off x="3124200" y="6356350"/>
-            <a:ext cx="2895600" cy="365125"/>
+          <a:xfrm rot="5400000">
+            <a:off x="6990186" y="3737240"/>
+            <a:ext cx="3200400" cy="365760"/>
           </a:xfrm>
           <a:prstGeom prst="rect">
             <a:avLst/>
           </a:prstGeom>
         </p:spPr>
         <p:txBody>
-          <a:bodyPr vert="horz" lIns="91440" tIns="45720" rIns="91440" bIns="45720" rtlCol="0" anchor="ctr"/>
+          <a:bodyPr vert="horz" anchor="ctr" anchorCtr="0"/>
           <a:lstStyle>
-            <a:lvl1pPr algn="ctr">
-              <a:defRPr sz="1200">
+            <a:lvl1pPr algn="l" eaLnBrk="1" latinLnBrk="0" hangingPunct="1">
+              <a:defRPr kumimoji="0" sz="1200">
                 <a:solidFill>
-                  <a:schemeClr val="tx1">
-                    <a:tint val="75000"/>
-                  </a:schemeClr>
+                  <a:schemeClr val="tx2"/>
                 </a:solidFill>
               </a:defRPr>
             </a:lvl1pPr>
@@ -3848,32 +5722,232 @@
       </p:sp>
       <p:sp>
         <p:nvSpPr>
-          <p:cNvPr id="6" name="슬라이드 번호 개체 틀 5"/>
-          <p:cNvSpPr>
-            <a:spLocks noGrp="1"/>
-          </p:cNvSpPr>
-          <p:nvPr>
-            <p:ph type="sldNum" sz="quarter" idx="4"/>
-          </p:nvPr>
-        </p:nvSpPr>
-        <p:spPr>
-          <a:xfrm>
-            <a:off x="6553200" y="6356350"/>
-            <a:ext cx="2133600" cy="365125"/>
+          <p:cNvPr id="7" name="직선 연결선 6"/>
+          <p:cNvSpPr>
+            <a:spLocks noChangeShapeType="1"/>
+          </p:cNvSpPr>
+          <p:nvPr/>
+        </p:nvSpPr>
+        <p:spPr bwMode="auto">
+          <a:xfrm>
+            <a:off x="76200" y="0"/>
+            <a:ext cx="0" cy="6858000"/>
+          </a:xfrm>
+          <a:prstGeom prst="line">
+            <a:avLst/>
+          </a:prstGeom>
+          <a:noFill/>
+          <a:ln w="57150" cap="flat" cmpd="thickThin" algn="ctr">
+            <a:solidFill>
+              <a:schemeClr val="accent1">
+                <a:tint val="60000"/>
+              </a:schemeClr>
+            </a:solidFill>
+            <a:prstDash val="solid"/>
+            <a:round/>
+            <a:headEnd type="none" w="med" len="med"/>
+            <a:tailEnd type="none" w="med" len="med"/>
+          </a:ln>
+          <a:effectLst/>
+        </p:spPr>
+        <p:txBody>
+          <a:bodyPr vert="horz" wrap="square" lIns="91440" tIns="45720" rIns="91440" bIns="45720" anchor="t" compatLnSpc="1"/>
+          <a:lstStyle/>
+          <a:p>
+            <a:endParaRPr kumimoji="0" lang="en-US"/>
+          </a:p>
+        </p:txBody>
+      </p:sp>
+      <p:sp>
+        <p:nvSpPr>
+          <p:cNvPr id="9" name="직선 연결선 8"/>
+          <p:cNvSpPr>
+            <a:spLocks noChangeShapeType="1"/>
+          </p:cNvSpPr>
+          <p:nvPr/>
+        </p:nvSpPr>
+        <p:spPr bwMode="auto">
+          <a:xfrm>
+            <a:off x="8991600" y="0"/>
+            <a:ext cx="0" cy="6858000"/>
+          </a:xfrm>
+          <a:prstGeom prst="line">
+            <a:avLst/>
+          </a:prstGeom>
+          <a:noFill/>
+          <a:ln w="19050" cap="flat" cmpd="sng" algn="ctr">
+            <a:solidFill>
+              <a:schemeClr val="accent1"/>
+            </a:solidFill>
+            <a:prstDash val="solid"/>
+            <a:round/>
+            <a:headEnd type="none" w="med" len="med"/>
+            <a:tailEnd type="none" w="med" len="med"/>
+          </a:ln>
+          <a:effectLst/>
+        </p:spPr>
+        <p:txBody>
+          <a:bodyPr vert="horz" wrap="square" lIns="91440" tIns="45720" rIns="91440" bIns="45720" anchor="t" compatLnSpc="1"/>
+          <a:lstStyle/>
+          <a:p>
+            <a:endParaRPr kumimoji="0" lang="en-US"/>
+          </a:p>
+        </p:txBody>
+      </p:sp>
+      <p:sp>
+        <p:nvSpPr>
+          <p:cNvPr id="10" name="직사각형 9"/>
+          <p:cNvSpPr/>
+          <p:nvPr/>
+        </p:nvSpPr>
+        <p:spPr bwMode="auto">
+          <a:xfrm>
+            <a:off x="8839200" y="0"/>
+            <a:ext cx="304800" cy="6858000"/>
           </a:xfrm>
           <a:prstGeom prst="rect">
             <a:avLst/>
           </a:prstGeom>
-        </p:spPr>
-        <p:txBody>
-          <a:bodyPr vert="horz" lIns="91440" tIns="45720" rIns="91440" bIns="45720" rtlCol="0" anchor="ctr"/>
+          <a:solidFill>
+            <a:schemeClr val="accent1">
+              <a:tint val="60000"/>
+              <a:alpha val="87000"/>
+            </a:schemeClr>
+          </a:solidFill>
+          <a:ln w="38100" cap="rnd" cmpd="sng" algn="ctr">
+            <a:noFill/>
+            <a:prstDash val="solid"/>
+          </a:ln>
+          <a:effectLst/>
+        </p:spPr>
+        <p:style>
+          <a:lnRef idx="3">
+            <a:schemeClr val="lt1"/>
+          </a:lnRef>
+          <a:fillRef idx="1">
+            <a:schemeClr val="accent1"/>
+          </a:fillRef>
+          <a:effectRef idx="1">
+            <a:schemeClr val="accent1"/>
+          </a:effectRef>
+          <a:fontRef idx="minor">
+            <a:schemeClr val="lt1"/>
+          </a:fontRef>
+        </p:style>
+        <p:txBody>
+          <a:bodyPr anchor="ctr"/>
+          <a:lstStyle/>
+          <a:p>
+            <a:pPr algn="ctr" eaLnBrk="1" latinLnBrk="0" hangingPunct="1"/>
+            <a:endParaRPr kumimoji="0" lang="en-US"/>
+          </a:p>
+        </p:txBody>
+      </p:sp>
+      <p:sp>
+        <p:nvSpPr>
+          <p:cNvPr id="11" name="직선 연결선 10"/>
+          <p:cNvSpPr>
+            <a:spLocks noChangeShapeType="1"/>
+          </p:cNvSpPr>
+          <p:nvPr/>
+        </p:nvSpPr>
+        <p:spPr bwMode="auto">
+          <a:xfrm>
+            <a:off x="8915400" y="0"/>
+            <a:ext cx="0" cy="6858000"/>
+          </a:xfrm>
+          <a:prstGeom prst="line">
+            <a:avLst/>
+          </a:prstGeom>
+          <a:noFill/>
+          <a:ln w="9525" cap="flat" cmpd="sng" algn="ctr">
+            <a:solidFill>
+              <a:schemeClr val="accent1"/>
+            </a:solidFill>
+            <a:prstDash val="solid"/>
+            <a:round/>
+            <a:headEnd type="none" w="med" len="med"/>
+            <a:tailEnd type="none" w="med" len="med"/>
+          </a:ln>
+          <a:effectLst/>
+        </p:spPr>
+        <p:txBody>
+          <a:bodyPr vert="horz" wrap="square" lIns="91440" tIns="45720" rIns="91440" bIns="45720" anchor="t" compatLnSpc="1"/>
+          <a:lstStyle/>
+          <a:p>
+            <a:endParaRPr kumimoji="0" lang="en-US"/>
+          </a:p>
+        </p:txBody>
+      </p:sp>
+      <p:sp>
+        <p:nvSpPr>
+          <p:cNvPr id="12" name="타원 11"/>
+          <p:cNvSpPr/>
+          <p:nvPr/>
+        </p:nvSpPr>
+        <p:spPr>
+          <a:xfrm>
+            <a:off x="8156448" y="5715000"/>
+            <a:ext cx="548640" cy="548640"/>
+          </a:xfrm>
+          <a:prstGeom prst="ellipse">
+            <a:avLst/>
+          </a:prstGeom>
+          <a:ln w="38100" cap="rnd" cmpd="sng" algn="ctr">
+            <a:noFill/>
+            <a:prstDash val="solid"/>
+          </a:ln>
+          <a:effectLst/>
+        </p:spPr>
+        <p:style>
+          <a:lnRef idx="3">
+            <a:schemeClr val="lt1"/>
+          </a:lnRef>
+          <a:fillRef idx="1">
+            <a:schemeClr val="accent1"/>
+          </a:fillRef>
+          <a:effectRef idx="1">
+            <a:schemeClr val="accent1"/>
+          </a:effectRef>
+          <a:fontRef idx="minor">
+            <a:schemeClr val="lt1"/>
+          </a:fontRef>
+        </p:style>
+        <p:txBody>
+          <a:bodyPr anchor="ctr"/>
+          <a:lstStyle/>
+          <a:p>
+            <a:pPr algn="ctr" eaLnBrk="1" latinLnBrk="0" hangingPunct="1"/>
+            <a:endParaRPr kumimoji="0" lang="en-US" dirty="0"/>
+          </a:p>
+        </p:txBody>
+      </p:sp>
+      <p:sp>
+        <p:nvSpPr>
+          <p:cNvPr id="23" name="슬라이드 번호 개체 틀 22"/>
+          <p:cNvSpPr>
+            <a:spLocks noGrp="1"/>
+          </p:cNvSpPr>
+          <p:nvPr>
+            <p:ph type="sldNum" sz="quarter" idx="4"/>
+          </p:nvPr>
+        </p:nvSpPr>
+        <p:spPr>
+          <a:xfrm>
+            <a:off x="8129016" y="5734050"/>
+            <a:ext cx="609600" cy="521208"/>
+          </a:xfrm>
+          <a:prstGeom prst="rect">
+            <a:avLst/>
+          </a:prstGeom>
+        </p:spPr>
+        <p:txBody>
+          <a:bodyPr vert="horz" anchor="ctr"/>
           <a:lstStyle>
-            <a:lvl1pPr algn="r">
-              <a:defRPr sz="1200">
+            <a:lvl1pPr algn="ctr" eaLnBrk="1" latinLnBrk="0" hangingPunct="1">
+              <a:defRPr kumimoji="0" sz="1400" b="1">
                 <a:solidFill>
-                  <a:schemeClr val="tx1">
-                    <a:tint val="75000"/>
-                  </a:schemeClr>
+                  <a:srgbClr val="FFFFFF"/>
                 </a:solidFill>
               </a:defRPr>
             </a:lvl1pPr>
@@ -3892,28 +5966,28 @@
   </p:cSld>
   <p:clrMap bg1="lt1" tx1="dk1" bg2="lt2" tx2="dk2" accent1="accent1" accent2="accent2" accent3="accent3" accent4="accent4" accent5="accent5" accent6="accent6" hlink="hlink" folHlink="folHlink"/>
   <p:sldLayoutIdLst>
-    <p:sldLayoutId id="2147483649" r:id="rId1"/>
-    <p:sldLayoutId id="2147483650" r:id="rId2"/>
-    <p:sldLayoutId id="2147483651" r:id="rId3"/>
-    <p:sldLayoutId id="2147483652" r:id="rId4"/>
-    <p:sldLayoutId id="2147483653" r:id="rId5"/>
-    <p:sldLayoutId id="2147483654" r:id="rId6"/>
-    <p:sldLayoutId id="2147483655" r:id="rId7"/>
-    <p:sldLayoutId id="2147483656" r:id="rId8"/>
-    <p:sldLayoutId id="2147483657" r:id="rId9"/>
-    <p:sldLayoutId id="2147483658" r:id="rId10"/>
-    <p:sldLayoutId id="2147483659" r:id="rId11"/>
+    <p:sldLayoutId id="2147483661" r:id="rId1"/>
+    <p:sldLayoutId id="2147483662" r:id="rId2"/>
+    <p:sldLayoutId id="2147483663" r:id="rId3"/>
+    <p:sldLayoutId id="2147483664" r:id="rId4"/>
+    <p:sldLayoutId id="2147483665" r:id="rId5"/>
+    <p:sldLayoutId id="2147483666" r:id="rId6"/>
+    <p:sldLayoutId id="2147483667" r:id="rId7"/>
+    <p:sldLayoutId id="2147483668" r:id="rId8"/>
+    <p:sldLayoutId id="2147483669" r:id="rId9"/>
+    <p:sldLayoutId id="2147483670" r:id="rId10"/>
+    <p:sldLayoutId id="2147483671" r:id="rId11"/>
   </p:sldLayoutIdLst>
   <p:txStyles>
     <p:titleStyle>
-      <a:lvl1pPr algn="ctr" defTabSz="914400" rtl="0" eaLnBrk="1" latinLnBrk="1" hangingPunct="1">
+      <a:lvl1pPr algn="l" rtl="0" eaLnBrk="1" latinLnBrk="1" hangingPunct="1">
         <a:spcBef>
           <a:spcPct val="0"/>
         </a:spcBef>
         <a:buNone/>
-        <a:defRPr sz="4400" kern="1200">
+        <a:defRPr kumimoji="0" sz="3000" b="0" kern="1200" cap="small" baseline="0">
           <a:solidFill>
-            <a:schemeClr val="tx1"/>
+            <a:schemeClr val="tx2"/>
           </a:solidFill>
           <a:latin typeface="+mj-lt"/>
           <a:ea typeface="+mj-ea"/>
@@ -3922,13 +5996,17 @@
       </a:lvl1pPr>
     </p:titleStyle>
     <p:bodyStyle>
-      <a:lvl1pPr marL="342900" indent="-342900" algn="l" defTabSz="914400" rtl="0" eaLnBrk="1" latinLnBrk="1" hangingPunct="1">
+      <a:lvl1pPr marL="274320" indent="-274320" algn="l" rtl="0" eaLnBrk="1" latinLnBrk="1" hangingPunct="1">
         <a:spcBef>
-          <a:spcPct val="20000"/>
+          <a:spcPts val="600"/>
         </a:spcBef>
-        <a:buFont typeface="Arial" pitchFamily="34" charset="0"/>
-        <a:buChar char="•"/>
-        <a:defRPr sz="3200" kern="1200">
+        <a:buClr>
+          <a:schemeClr val="accent1"/>
+        </a:buClr>
+        <a:buSzPct val="70000"/>
+        <a:buFont typeface="Wingdings"/>
+        <a:buChar char=""/>
+        <a:defRPr kumimoji="0" sz="2400" kern="1200">
           <a:solidFill>
             <a:schemeClr val="tx1"/>
           </a:solidFill>
@@ -3937,13 +6015,17 @@
           <a:cs typeface="+mn-cs"/>
         </a:defRPr>
       </a:lvl1pPr>
-      <a:lvl2pPr marL="742950" indent="-285750" algn="l" defTabSz="914400" rtl="0" eaLnBrk="1" latinLnBrk="1" hangingPunct="1">
+      <a:lvl2pPr marL="640080" indent="-274320" algn="l" rtl="0" eaLnBrk="1" latinLnBrk="1" hangingPunct="1">
         <a:spcBef>
           <a:spcPct val="20000"/>
         </a:spcBef>
-        <a:buFont typeface="Arial" pitchFamily="34" charset="0"/>
-        <a:buChar char="–"/>
-        <a:defRPr sz="2800" kern="1200">
+        <a:buClr>
+          <a:schemeClr val="accent1"/>
+        </a:buClr>
+        <a:buSzPct val="80000"/>
+        <a:buFont typeface="Wingdings 2"/>
+        <a:buChar char=""/>
+        <a:defRPr kumimoji="0" sz="2100" kern="1200">
           <a:solidFill>
             <a:schemeClr val="tx1"/>
           </a:solidFill>
@@ -3952,13 +6034,19 @@
           <a:cs typeface="+mn-cs"/>
         </a:defRPr>
       </a:lvl2pPr>
-      <a:lvl3pPr marL="1143000" indent="-228600" algn="l" defTabSz="914400" rtl="0" eaLnBrk="1" latinLnBrk="1" hangingPunct="1">
+      <a:lvl3pPr marL="914400" indent="-182880" algn="l" rtl="0" eaLnBrk="1" latinLnBrk="1" hangingPunct="1">
         <a:spcBef>
           <a:spcPct val="20000"/>
         </a:spcBef>
-        <a:buFont typeface="Arial" pitchFamily="34" charset="0"/>
-        <a:buChar char="•"/>
-        <a:defRPr sz="2400" kern="1200">
+        <a:buClr>
+          <a:schemeClr val="accent1">
+            <a:shade val="75000"/>
+          </a:schemeClr>
+        </a:buClr>
+        <a:buSzPct val="60000"/>
+        <a:buFont typeface="Wingdings"/>
+        <a:buChar char=""/>
+        <a:defRPr kumimoji="0" sz="1800" kern="1200">
           <a:solidFill>
             <a:schemeClr val="tx1"/>
           </a:solidFill>
@@ -3967,13 +6055,19 @@
           <a:cs typeface="+mn-cs"/>
         </a:defRPr>
       </a:lvl3pPr>
-      <a:lvl4pPr marL="1600200" indent="-228600" algn="l" defTabSz="914400" rtl="0" eaLnBrk="1" latinLnBrk="1" hangingPunct="1">
+      <a:lvl4pPr marL="1188720" indent="-182880" algn="l" rtl="0" eaLnBrk="1" latinLnBrk="1" hangingPunct="1">
         <a:spcBef>
           <a:spcPct val="20000"/>
         </a:spcBef>
-        <a:buFont typeface="Arial" pitchFamily="34" charset="0"/>
-        <a:buChar char="–"/>
-        <a:defRPr sz="2000" kern="1200">
+        <a:buClr>
+          <a:schemeClr val="accent1">
+            <a:tint val="60000"/>
+          </a:schemeClr>
+        </a:buClr>
+        <a:buSzPct val="60000"/>
+        <a:buFont typeface="Wingdings"/>
+        <a:buChar char=""/>
+        <a:defRPr kumimoji="0" sz="1800" kern="1200">
           <a:solidFill>
             <a:schemeClr val="tx1"/>
           </a:solidFill>
@@ -3982,13 +6076,19 @@
           <a:cs typeface="+mn-cs"/>
         </a:defRPr>
       </a:lvl4pPr>
-      <a:lvl5pPr marL="2057400" indent="-228600" algn="l" defTabSz="914400" rtl="0" eaLnBrk="1" latinLnBrk="1" hangingPunct="1">
+      <a:lvl5pPr marL="1463040" indent="-182880" algn="l" rtl="0" eaLnBrk="1" latinLnBrk="1" hangingPunct="1">
         <a:spcBef>
           <a:spcPct val="20000"/>
         </a:spcBef>
-        <a:buFont typeface="Arial" pitchFamily="34" charset="0"/>
-        <a:buChar char="»"/>
-        <a:defRPr sz="2000" kern="1200">
+        <a:buClr>
+          <a:schemeClr val="accent2">
+            <a:tint val="60000"/>
+          </a:schemeClr>
+        </a:buClr>
+        <a:buSzPct val="68000"/>
+        <a:buFont typeface="Wingdings 2"/>
+        <a:buChar char=""/>
+        <a:defRPr kumimoji="0" sz="1600" kern="1200">
           <a:solidFill>
             <a:schemeClr val="tx1"/>
           </a:solidFill>
@@ -3997,13 +6097,134 @@
           <a:cs typeface="+mn-cs"/>
         </a:defRPr>
       </a:lvl5pPr>
-      <a:lvl6pPr marL="2514600" indent="-228600" algn="l" defTabSz="914400" rtl="0" eaLnBrk="1" latinLnBrk="1" hangingPunct="1">
+      <a:lvl6pPr marL="1737360" indent="-182880" algn="l" rtl="0" eaLnBrk="1" latinLnBrk="1" hangingPunct="1">
         <a:spcBef>
           <a:spcPct val="20000"/>
         </a:spcBef>
-        <a:buFont typeface="Arial" pitchFamily="34" charset="0"/>
+        <a:buClr>
+          <a:schemeClr val="accent1"/>
+        </a:buClr>
         <a:buChar char="•"/>
-        <a:defRPr sz="2000" kern="1200">
+        <a:defRPr kumimoji="0" sz="1600" kern="1200">
+          <a:solidFill>
+            <a:schemeClr val="tx2"/>
+          </a:solidFill>
+          <a:latin typeface="+mn-lt"/>
+          <a:ea typeface="+mn-ea"/>
+          <a:cs typeface="+mn-cs"/>
+        </a:defRPr>
+      </a:lvl6pPr>
+      <a:lvl7pPr marL="2011680" indent="-182880" algn="l" rtl="0" eaLnBrk="1" latinLnBrk="1" hangingPunct="1">
+        <a:spcBef>
+          <a:spcPct val="20000"/>
+        </a:spcBef>
+        <a:buClr>
+          <a:schemeClr val="accent1">
+            <a:tint val="60000"/>
+          </a:schemeClr>
+        </a:buClr>
+        <a:buSzPct val="60000"/>
+        <a:buFont typeface="Wingdings"/>
+        <a:buChar char=""/>
+        <a:defRPr kumimoji="0" sz="1400" kern="1200" baseline="0">
+          <a:solidFill>
+            <a:schemeClr val="tx2"/>
+          </a:solidFill>
+          <a:latin typeface="+mn-lt"/>
+          <a:ea typeface="+mn-ea"/>
+          <a:cs typeface="+mn-cs"/>
+        </a:defRPr>
+      </a:lvl7pPr>
+      <a:lvl8pPr marL="2286000" indent="-182880" algn="l" rtl="0" eaLnBrk="1" latinLnBrk="1" hangingPunct="1">
+        <a:spcBef>
+          <a:spcPct val="20000"/>
+        </a:spcBef>
+        <a:buClr>
+          <a:schemeClr val="accent2"/>
+        </a:buClr>
+        <a:buChar char="•"/>
+        <a:defRPr kumimoji="0" sz="1400" kern="1200" cap="small" baseline="0">
+          <a:solidFill>
+            <a:schemeClr val="tx2"/>
+          </a:solidFill>
+          <a:latin typeface="+mn-lt"/>
+          <a:ea typeface="+mn-ea"/>
+          <a:cs typeface="+mn-cs"/>
+        </a:defRPr>
+      </a:lvl8pPr>
+      <a:lvl9pPr marL="2560320" indent="-182880" algn="l" rtl="0" eaLnBrk="1" latinLnBrk="1" hangingPunct="1">
+        <a:spcBef>
+          <a:spcPct val="20000"/>
+        </a:spcBef>
+        <a:buClr>
+          <a:schemeClr val="accent1">
+            <a:shade val="75000"/>
+          </a:schemeClr>
+        </a:buClr>
+        <a:buChar char="•"/>
+        <a:defRPr kumimoji="0" sz="1400" kern="1200" baseline="0">
+          <a:solidFill>
+            <a:schemeClr val="tx2"/>
+          </a:solidFill>
+          <a:latin typeface="+mn-lt"/>
+          <a:ea typeface="+mn-ea"/>
+          <a:cs typeface="+mn-cs"/>
+        </a:defRPr>
+      </a:lvl9pPr>
+    </p:bodyStyle>
+    <p:otherStyle>
+      <a:lvl1pPr marL="0" algn="l" rtl="0" eaLnBrk="1" latinLnBrk="1" hangingPunct="1">
+        <a:defRPr kumimoji="0" kern="1200">
+          <a:solidFill>
+            <a:schemeClr val="tx1"/>
+          </a:solidFill>
+          <a:latin typeface="+mn-lt"/>
+          <a:ea typeface="+mn-ea"/>
+          <a:cs typeface="+mn-cs"/>
+        </a:defRPr>
+      </a:lvl1pPr>
+      <a:lvl2pPr marL="457200" algn="l" rtl="0" eaLnBrk="1" latinLnBrk="1" hangingPunct="1">
+        <a:defRPr kumimoji="0" kern="1200">
+          <a:solidFill>
+            <a:schemeClr val="tx1"/>
+          </a:solidFill>
+          <a:latin typeface="+mn-lt"/>
+          <a:ea typeface="+mn-ea"/>
+          <a:cs typeface="+mn-cs"/>
+        </a:defRPr>
+      </a:lvl2pPr>
+      <a:lvl3pPr marL="914400" algn="l" rtl="0" eaLnBrk="1" latinLnBrk="1" hangingPunct="1">
+        <a:defRPr kumimoji="0" kern="1200">
+          <a:solidFill>
+            <a:schemeClr val="tx1"/>
+          </a:solidFill>
+          <a:latin typeface="+mn-lt"/>
+          <a:ea typeface="+mn-ea"/>
+          <a:cs typeface="+mn-cs"/>
+        </a:defRPr>
+      </a:lvl3pPr>
+      <a:lvl4pPr marL="1371600" algn="l" rtl="0" eaLnBrk="1" latinLnBrk="1" hangingPunct="1">
+        <a:defRPr kumimoji="0" kern="1200">
+          <a:solidFill>
+            <a:schemeClr val="tx1"/>
+          </a:solidFill>
+          <a:latin typeface="+mn-lt"/>
+          <a:ea typeface="+mn-ea"/>
+          <a:cs typeface="+mn-cs"/>
+        </a:defRPr>
+      </a:lvl4pPr>
+      <a:lvl5pPr marL="1828800" algn="l" rtl="0" eaLnBrk="1" latinLnBrk="1" hangingPunct="1">
+        <a:defRPr kumimoji="0" kern="1200">
+          <a:solidFill>
+            <a:schemeClr val="tx1"/>
+          </a:solidFill>
+          <a:latin typeface="+mn-lt"/>
+          <a:ea typeface="+mn-ea"/>
+          <a:cs typeface="+mn-cs"/>
+        </a:defRPr>
+      </a:lvl5pPr>
+      <a:lvl6pPr marL="2286000" algn="l" rtl="0" eaLnBrk="1" latinLnBrk="1" hangingPunct="1">
+        <a:defRPr kumimoji="0" kern="1200">
           <a:solidFill>
             <a:schemeClr val="tx1"/>
           </a:solidFill>
@@ -4012,13 +6233,8 @@
           <a:cs typeface="+mn-cs"/>
         </a:defRPr>
       </a:lvl6pPr>
-      <a:lvl7pPr marL="2971800" indent="-228600" algn="l" defTabSz="914400" rtl="0" eaLnBrk="1" latinLnBrk="1" hangingPunct="1">
-        <a:spcBef>
-          <a:spcPct val="20000"/>
-        </a:spcBef>
-        <a:buFont typeface="Arial" pitchFamily="34" charset="0"/>
-        <a:buChar char="•"/>
-        <a:defRPr sz="2000" kern="1200">
+      <a:lvl7pPr marL="2743200" algn="l" rtl="0" eaLnBrk="1" latinLnBrk="1" hangingPunct="1">
+        <a:defRPr kumimoji="0" kern="1200">
           <a:solidFill>
             <a:schemeClr val="tx1"/>
           </a:solidFill>
@@ -4027,13 +6243,8 @@
           <a:cs typeface="+mn-cs"/>
         </a:defRPr>
       </a:lvl7pPr>
-      <a:lvl8pPr marL="3429000" indent="-228600" algn="l" defTabSz="914400" rtl="0" eaLnBrk="1" latinLnBrk="1" hangingPunct="1">
-        <a:spcBef>
-          <a:spcPct val="20000"/>
-        </a:spcBef>
-        <a:buFont typeface="Arial" pitchFamily="34" charset="0"/>
-        <a:buChar char="•"/>
-        <a:defRPr sz="2000" kern="1200">
+      <a:lvl8pPr marL="3200400" algn="l" rtl="0" eaLnBrk="1" latinLnBrk="1" hangingPunct="1">
+        <a:defRPr kumimoji="0" kern="1200">
           <a:solidFill>
             <a:schemeClr val="tx1"/>
           </a:solidFill>
@@ -4042,108 +6253,8 @@
           <a:cs typeface="+mn-cs"/>
         </a:defRPr>
       </a:lvl8pPr>
-      <a:lvl9pPr marL="3886200" indent="-228600" algn="l" defTabSz="914400" rtl="0" eaLnBrk="1" latinLnBrk="1" hangingPunct="1">
-        <a:spcBef>
-          <a:spcPct val="20000"/>
-        </a:spcBef>
-        <a:buFont typeface="Arial" pitchFamily="34" charset="0"/>
-        <a:buChar char="•"/>
-        <a:defRPr sz="2000" kern="1200">
-          <a:solidFill>
-            <a:schemeClr val="tx1"/>
-          </a:solidFill>
-          <a:latin typeface="+mn-lt"/>
-          <a:ea typeface="+mn-ea"/>
-          <a:cs typeface="+mn-cs"/>
-        </a:defRPr>
-      </a:lvl9pPr>
-    </p:bodyStyle>
-    <p:otherStyle>
-      <a:defPPr>
-        <a:defRPr lang="ko-KR"/>
-      </a:defPPr>
-      <a:lvl1pPr marL="0" algn="l" defTabSz="914400" rtl="0" eaLnBrk="1" latinLnBrk="1" hangingPunct="1">
-        <a:defRPr sz="1800" kern="1200">
-          <a:solidFill>
-            <a:schemeClr val="tx1"/>
-          </a:solidFill>
-          <a:latin typeface="+mn-lt"/>
-          <a:ea typeface="+mn-ea"/>
-          <a:cs typeface="+mn-cs"/>
-        </a:defRPr>
-      </a:lvl1pPr>
-      <a:lvl2pPr marL="457200" algn="l" defTabSz="914400" rtl="0" eaLnBrk="1" latinLnBrk="1" hangingPunct="1">
-        <a:defRPr sz="1800" kern="1200">
-          <a:solidFill>
-            <a:schemeClr val="tx1"/>
-          </a:solidFill>
-          <a:latin typeface="+mn-lt"/>
-          <a:ea typeface="+mn-ea"/>
-          <a:cs typeface="+mn-cs"/>
-        </a:defRPr>
-      </a:lvl2pPr>
-      <a:lvl3pPr marL="914400" algn="l" defTabSz="914400" rtl="0" eaLnBrk="1" latinLnBrk="1" hangingPunct="1">
-        <a:defRPr sz="1800" kern="1200">
-          <a:solidFill>
-            <a:schemeClr val="tx1"/>
-          </a:solidFill>
-          <a:latin typeface="+mn-lt"/>
-          <a:ea typeface="+mn-ea"/>
-          <a:cs typeface="+mn-cs"/>
-        </a:defRPr>
-      </a:lvl3pPr>
-      <a:lvl4pPr marL="1371600" algn="l" defTabSz="914400" rtl="0" eaLnBrk="1" latinLnBrk="1" hangingPunct="1">
-        <a:defRPr sz="1800" kern="1200">
-          <a:solidFill>
-            <a:schemeClr val="tx1"/>
-          </a:solidFill>
-          <a:latin typeface="+mn-lt"/>
-          <a:ea typeface="+mn-ea"/>
-          <a:cs typeface="+mn-cs"/>
-        </a:defRPr>
-      </a:lvl4pPr>
-      <a:lvl5pPr marL="1828800" algn="l" defTabSz="914400" rtl="0" eaLnBrk="1" latinLnBrk="1" hangingPunct="1">
-        <a:defRPr sz="1800" kern="1200">
-          <a:solidFill>
-            <a:schemeClr val="tx1"/>
-          </a:solidFill>
-          <a:latin typeface="+mn-lt"/>
-          <a:ea typeface="+mn-ea"/>
-          <a:cs typeface="+mn-cs"/>
-        </a:defRPr>
-      </a:lvl5pPr>
-      <a:lvl6pPr marL="2286000" algn="l" defTabSz="914400" rtl="0" eaLnBrk="1" latinLnBrk="1" hangingPunct="1">
-        <a:defRPr sz="1800" kern="1200">
-          <a:solidFill>
-            <a:schemeClr val="tx1"/>
-          </a:solidFill>
-          <a:latin typeface="+mn-lt"/>
-          <a:ea typeface="+mn-ea"/>
-          <a:cs typeface="+mn-cs"/>
-        </a:defRPr>
-      </a:lvl6pPr>
-      <a:lvl7pPr marL="2743200" algn="l" defTabSz="914400" rtl="0" eaLnBrk="1" latinLnBrk="1" hangingPunct="1">
-        <a:defRPr sz="1800" kern="1200">
-          <a:solidFill>
-            <a:schemeClr val="tx1"/>
-          </a:solidFill>
-          <a:latin typeface="+mn-lt"/>
-          <a:ea typeface="+mn-ea"/>
-          <a:cs typeface="+mn-cs"/>
-        </a:defRPr>
-      </a:lvl7pPr>
-      <a:lvl8pPr marL="3200400" algn="l" defTabSz="914400" rtl="0" eaLnBrk="1" latinLnBrk="1" hangingPunct="1">
-        <a:defRPr sz="1800" kern="1200">
-          <a:solidFill>
-            <a:schemeClr val="tx1"/>
-          </a:solidFill>
-          <a:latin typeface="+mn-lt"/>
-          <a:ea typeface="+mn-ea"/>
-          <a:cs typeface="+mn-cs"/>
-        </a:defRPr>
-      </a:lvl8pPr>
-      <a:lvl9pPr marL="3657600" algn="l" defTabSz="914400" rtl="0" eaLnBrk="1" latinLnBrk="1" hangingPunct="1">
-        <a:defRPr sz="1800" kern="1200">
+      <a:lvl9pPr marL="3657600" algn="l" rtl="0" eaLnBrk="1" latinLnBrk="1" hangingPunct="1">
+        <a:defRPr kumimoji="0" kern="1200">
           <a:solidFill>
             <a:schemeClr val="tx1"/>
           </a:solidFill>
@@ -4277,7 +6388,7 @@
             <a:spLocks noGrp="1"/>
           </p:cNvSpPr>
           <p:nvPr>
-            <p:ph idx="1"/>
+            <p:ph sz="quarter" idx="1"/>
           </p:nvPr>
         </p:nvSpPr>
         <p:spPr/>
@@ -4287,7 +6398,20 @@
           <a:p>
             <a:r>
               <a:rPr lang="en-US" altLang="ko-KR" dirty="0" smtClean="0"/>
-              <a:t>Why need New Platform</a:t>
+              <a:t>What is Platform </a:t>
+            </a:r>
+          </a:p>
+          <a:p>
+            <a:endParaRPr lang="en-US" altLang="ko-KR" dirty="0" smtClean="0"/>
+          </a:p>
+          <a:p>
+            <a:r>
+              <a:rPr lang="en-US" altLang="ko-KR" dirty="0" smtClean="0"/>
+              <a:t>Why </a:t>
+            </a:r>
+            <a:r>
+              <a:rPr lang="en-US" altLang="ko-KR" dirty="0" smtClean="0"/>
+              <a:t>need New Platform</a:t>
             </a:r>
           </a:p>
           <a:p>
@@ -4305,7 +6429,20 @@
           <a:p>
             <a:r>
               <a:rPr lang="en-US" altLang="ko-KR" dirty="0" smtClean="0"/>
-              <a:t>What is so important</a:t>
+              <a:t>What is so </a:t>
+            </a:r>
+            <a:r>
+              <a:rPr lang="en-US" altLang="ko-KR" dirty="0" smtClean="0"/>
+              <a:t>important</a:t>
+            </a:r>
+          </a:p>
+          <a:p>
+            <a:endParaRPr lang="en-US" altLang="ko-KR" dirty="0" smtClean="0"/>
+          </a:p>
+          <a:p>
+            <a:r>
+              <a:rPr lang="en-US" altLang="ko-KR" dirty="0" smtClean="0"/>
+              <a:t>Demo(Distribute Chat)</a:t>
             </a:r>
             <a:endParaRPr lang="ko-KR" altLang="en-US" dirty="0"/>
           </a:p>
@@ -4320,6 +6457,151 @@
 </file>
 
 <file path=ppt/slides/slide3.xml><?xml version="1.0" encoding="utf-8"?>
+<p:sld xmlns:a="http://schemas.openxmlformats.org/drawingml/2006/main" xmlns:r="http://schemas.openxmlformats.org/officeDocument/2006/relationships" xmlns:p="http://schemas.openxmlformats.org/presentationml/2006/main">
+  <p:cSld>
+    <p:spTree>
+      <p:nvGrpSpPr>
+        <p:cNvPr id="1" name=""/>
+        <p:cNvGrpSpPr/>
+        <p:nvPr/>
+      </p:nvGrpSpPr>
+      <p:grpSpPr>
+        <a:xfrm>
+          <a:off x="0" y="0"/>
+          <a:ext cx="0" cy="0"/>
+          <a:chOff x="0" y="0"/>
+          <a:chExt cx="0" cy="0"/>
+        </a:xfrm>
+      </p:grpSpPr>
+      <p:sp>
+        <p:nvSpPr>
+          <p:cNvPr id="2" name="제목 1"/>
+          <p:cNvSpPr>
+            <a:spLocks noGrp="1"/>
+          </p:cNvSpPr>
+          <p:nvPr>
+            <p:ph type="title"/>
+          </p:nvPr>
+        </p:nvSpPr>
+        <p:spPr/>
+        <p:txBody>
+          <a:bodyPr/>
+          <a:lstStyle/>
+          <a:p>
+            <a:r>
+              <a:rPr lang="en-US" altLang="ko-KR" dirty="0" smtClean="0"/>
+              <a:t>What is Platform ?</a:t>
+            </a:r>
+            <a:endParaRPr lang="ko-KR" altLang="en-US" dirty="0"/>
+          </a:p>
+        </p:txBody>
+      </p:sp>
+      <p:sp>
+        <p:nvSpPr>
+          <p:cNvPr id="3" name="내용 개체 틀 2"/>
+          <p:cNvSpPr>
+            <a:spLocks noGrp="1"/>
+          </p:cNvSpPr>
+          <p:nvPr>
+            <p:ph sz="quarter" idx="1"/>
+          </p:nvPr>
+        </p:nvSpPr>
+        <p:spPr/>
+        <p:txBody>
+          <a:bodyPr>
+            <a:normAutofit/>
+          </a:bodyPr>
+          <a:lstStyle/>
+          <a:p>
+            <a:r>
+              <a:rPr lang="en-US" altLang="ko-KR" dirty="0" smtClean="0"/>
+              <a:t>DRY</a:t>
+            </a:r>
+          </a:p>
+          <a:p>
+            <a:pPr lvl="1"/>
+            <a:r>
+              <a:rPr lang="en-US" altLang="ko-KR" dirty="0" smtClean="0"/>
+              <a:t>Callback – Class Level</a:t>
+            </a:r>
+          </a:p>
+          <a:p>
+            <a:pPr lvl="1"/>
+            <a:r>
+              <a:rPr lang="en-US" altLang="ko-KR" dirty="0" smtClean="0"/>
+              <a:t>Framework – Component Level</a:t>
+            </a:r>
+          </a:p>
+          <a:p>
+            <a:pPr lvl="1"/>
+            <a:r>
+              <a:rPr lang="en-US" altLang="ko-KR" dirty="0" smtClean="0"/>
+              <a:t>Platform – Service Level</a:t>
+            </a:r>
+          </a:p>
+          <a:p>
+            <a:endParaRPr lang="en-US" altLang="ko-KR" dirty="0" smtClean="0"/>
+          </a:p>
+          <a:p>
+            <a:r>
+              <a:rPr lang="en-US" altLang="ko-KR" dirty="0" smtClean="0"/>
+              <a:t>What is Common</a:t>
+            </a:r>
+          </a:p>
+          <a:p>
+            <a:pPr lvl="1"/>
+            <a:r>
+              <a:rPr lang="en-US" altLang="ko-KR" dirty="0" smtClean="0"/>
+              <a:t> required high scalability</a:t>
+            </a:r>
+          </a:p>
+          <a:p>
+            <a:pPr lvl="1"/>
+            <a:r>
+              <a:rPr lang="en-US" altLang="ko-KR" dirty="0" smtClean="0"/>
+              <a:t>quick &amp; easy </a:t>
+            </a:r>
+            <a:r>
+              <a:rPr lang="en-US" altLang="ko-KR" dirty="0" err="1" smtClean="0"/>
+              <a:t>deply</a:t>
+            </a:r>
+            <a:r>
+              <a:rPr lang="en-US" altLang="ko-KR" dirty="0" smtClean="0"/>
+              <a:t> &amp; Test</a:t>
+            </a:r>
+          </a:p>
+          <a:p>
+            <a:pPr lvl="1"/>
+            <a:r>
+              <a:rPr lang="en-US" altLang="ko-KR" dirty="0" smtClean="0"/>
+              <a:t>multi-Tenancy</a:t>
+            </a:r>
+          </a:p>
+          <a:p>
+            <a:pPr lvl="1"/>
+            <a:endParaRPr lang="en-US" altLang="ko-KR" dirty="0" smtClean="0"/>
+          </a:p>
+          <a:p>
+            <a:pPr lvl="1"/>
+            <a:endParaRPr lang="en-US" altLang="ko-KR" dirty="0" smtClean="0"/>
+          </a:p>
+          <a:p>
+            <a:pPr lvl="1">
+              <a:buNone/>
+            </a:pPr>
+            <a:endParaRPr lang="ko-KR" altLang="en-US" dirty="0"/>
+          </a:p>
+        </p:txBody>
+      </p:sp>
+    </p:spTree>
+  </p:cSld>
+  <p:clrMapOvr>
+    <a:masterClrMapping/>
+  </p:clrMapOvr>
+</p:sld>
+</file>
+
+<file path=ppt/slides/slide4.xml><?xml version="1.0" encoding="utf-8"?>
 <p:sld xmlns:a="http://schemas.openxmlformats.org/drawingml/2006/main" xmlns:r="http://schemas.openxmlformats.org/officeDocument/2006/relationships" xmlns:p="http://schemas.openxmlformats.org/presentationml/2006/main">
   <p:cSld>
     <p:spTree>
@@ -4392,7 +6674,7 @@
             <a:spLocks noGrp="1"/>
           </p:cNvSpPr>
           <p:nvPr>
-            <p:ph idx="1"/>
+            <p:ph sz="quarter" idx="1"/>
           </p:nvPr>
         </p:nvSpPr>
         <p:spPr/>
@@ -4491,137 +6773,6 @@
           <a:noFill/>
         </p:spPr>
       </p:pic>
-    </p:spTree>
-  </p:cSld>
-  <p:clrMapOvr>
-    <a:masterClrMapping/>
-  </p:clrMapOvr>
-</p:sld>
-</file>
-
-<file path=ppt/slides/slide4.xml><?xml version="1.0" encoding="utf-8"?>
-<p:sld xmlns:a="http://schemas.openxmlformats.org/drawingml/2006/main" xmlns:r="http://schemas.openxmlformats.org/officeDocument/2006/relationships" xmlns:p="http://schemas.openxmlformats.org/presentationml/2006/main">
-  <p:cSld>
-    <p:spTree>
-      <p:nvGrpSpPr>
-        <p:cNvPr id="1" name=""/>
-        <p:cNvGrpSpPr/>
-        <p:nvPr/>
-      </p:nvGrpSpPr>
-      <p:grpSpPr>
-        <a:xfrm>
-          <a:off x="0" y="0"/>
-          <a:ext cx="0" cy="0"/>
-          <a:chOff x="0" y="0"/>
-          <a:chExt cx="0" cy="0"/>
-        </a:xfrm>
-      </p:grpSpPr>
-      <p:sp>
-        <p:nvSpPr>
-          <p:cNvPr id="2" name="제목 1"/>
-          <p:cNvSpPr>
-            <a:spLocks noGrp="1"/>
-          </p:cNvSpPr>
-          <p:nvPr>
-            <p:ph type="title"/>
-          </p:nvPr>
-        </p:nvSpPr>
-        <p:spPr/>
-        <p:txBody>
-          <a:bodyPr/>
-          <a:lstStyle/>
-          <a:p>
-            <a:r>
-              <a:rPr lang="en-US" altLang="ko-KR" dirty="0" smtClean="0"/>
-              <a:t>Why need New Platform</a:t>
-            </a:r>
-            <a:endParaRPr lang="ko-KR" altLang="en-US" dirty="0"/>
-          </a:p>
-        </p:txBody>
-      </p:sp>
-      <p:sp>
-        <p:nvSpPr>
-          <p:cNvPr id="3" name="내용 개체 틀 2"/>
-          <p:cNvSpPr>
-            <a:spLocks noGrp="1"/>
-          </p:cNvSpPr>
-          <p:nvPr>
-            <p:ph idx="1"/>
-          </p:nvPr>
-        </p:nvSpPr>
-        <p:spPr/>
-        <p:txBody>
-          <a:bodyPr>
-            <a:normAutofit fontScale="92500" lnSpcReduction="10000"/>
-          </a:bodyPr>
-          <a:lstStyle/>
-          <a:p>
-            <a:r>
-              <a:rPr lang="en-US" altLang="ko-KR" dirty="0" smtClean="0"/>
-              <a:t>Why not based </a:t>
-            </a:r>
-            <a:r>
-              <a:rPr lang="en-US" altLang="ko-KR" dirty="0" err="1" smtClean="0"/>
-              <a:t>Servlet</a:t>
-            </a:r>
-            <a:endParaRPr lang="en-US" altLang="ko-KR" dirty="0" smtClean="0"/>
-          </a:p>
-          <a:p>
-            <a:endParaRPr lang="en-US" altLang="ko-KR" dirty="0" smtClean="0"/>
-          </a:p>
-          <a:p>
-            <a:pPr lvl="1"/>
-            <a:r>
-              <a:rPr lang="en-US" altLang="ko-KR" dirty="0" err="1" smtClean="0"/>
-              <a:t>Servlet</a:t>
-            </a:r>
-            <a:r>
-              <a:rPr lang="en-US" altLang="ko-KR" dirty="0" smtClean="0"/>
-              <a:t> Arch Limit </a:t>
-            </a:r>
-            <a:br>
-              <a:rPr lang="en-US" altLang="ko-KR" dirty="0" smtClean="0"/>
-            </a:br>
-            <a:r>
-              <a:rPr lang="en-US" altLang="ko-KR" dirty="0" smtClean="0"/>
-              <a:t>Connected Web, Streaming, Split Service, </a:t>
-            </a:r>
-            <a:br>
-              <a:rPr lang="en-US" altLang="ko-KR" dirty="0" smtClean="0"/>
-            </a:br>
-            <a:r>
-              <a:rPr lang="en-US" altLang="ko-KR" dirty="0" smtClean="0"/>
-              <a:t>Data Serialization</a:t>
-            </a:r>
-          </a:p>
-          <a:p>
-            <a:pPr lvl="1"/>
-            <a:endParaRPr lang="en-US" altLang="ko-KR" dirty="0" smtClean="0"/>
-          </a:p>
-          <a:p>
-            <a:pPr lvl="1"/>
-            <a:r>
-              <a:rPr lang="en-US" altLang="ko-KR" dirty="0" smtClean="0"/>
-              <a:t>Required High Scalability</a:t>
-            </a:r>
-          </a:p>
-          <a:p>
-            <a:pPr lvl="1"/>
-            <a:endParaRPr lang="en-US" altLang="ko-KR" dirty="0" smtClean="0"/>
-          </a:p>
-          <a:p>
-            <a:pPr lvl="1"/>
-            <a:r>
-              <a:rPr lang="en-US" altLang="ko-KR" dirty="0" smtClean="0"/>
-              <a:t>Not Fun and Not Productive</a:t>
-            </a:r>
-            <a:br>
-              <a:rPr lang="en-US" altLang="ko-KR" dirty="0" smtClean="0"/>
-            </a:br>
-            <a:endParaRPr lang="ko-KR" altLang="en-US" dirty="0"/>
-          </a:p>
-        </p:txBody>
-      </p:sp>
     </p:spTree>
   </p:cSld>
   <p:clrMapOvr>
@@ -4664,7 +6815,7 @@
           <a:p>
             <a:r>
               <a:rPr lang="en-US" altLang="ko-KR" dirty="0" smtClean="0"/>
-              <a:t>Why use HTTP Protocol</a:t>
+              <a:t>Why need New Platform</a:t>
             </a:r>
             <a:endParaRPr lang="ko-KR" altLang="en-US" dirty="0"/>
           </a:p>
@@ -4677,36 +6828,81 @@
             <a:spLocks noGrp="1"/>
           </p:cNvSpPr>
           <p:nvPr>
-            <p:ph idx="1"/>
+            <p:ph sz="quarter" idx="1"/>
           </p:nvPr>
         </p:nvSpPr>
         <p:spPr/>
         <p:txBody>
-          <a:bodyPr/>
+          <a:bodyPr>
+            <a:normAutofit/>
+          </a:bodyPr>
           <a:lstStyle/>
           <a:p>
             <a:r>
               <a:rPr lang="en-US" altLang="ko-KR" dirty="0" smtClean="0"/>
-              <a:t>Servers and Clients in any language</a:t>
-            </a:r>
-          </a:p>
-          <a:p>
+              <a:t>Why not based </a:t>
+            </a:r>
+            <a:r>
+              <a:rPr lang="en-US" altLang="ko-KR" dirty="0" err="1" smtClean="0"/>
+              <a:t>Servlet</a:t>
+            </a:r>
+            <a:r>
+              <a:rPr lang="en-US" altLang="ko-KR" dirty="0" smtClean="0"/>
+              <a:t> </a:t>
+            </a:r>
             <a:endParaRPr lang="en-US" altLang="ko-KR" dirty="0" smtClean="0"/>
           </a:p>
           <a:p>
+            <a:pPr lvl="1"/>
+            <a:r>
+              <a:rPr lang="en-US" altLang="ko-KR" dirty="0" err="1" smtClean="0"/>
+              <a:t>Servlet</a:t>
+            </a:r>
             <a:r>
               <a:rPr lang="en-US" altLang="ko-KR" dirty="0" smtClean="0"/>
-              <a:t>Everyone already knows HTTP</a:t>
-            </a:r>
-          </a:p>
-          <a:p>
+              <a:t> Arch Limit : </a:t>
+            </a:r>
+            <a:br>
+              <a:rPr lang="en-US" altLang="ko-KR" dirty="0" smtClean="0"/>
+            </a:br>
+            <a:r>
+              <a:rPr lang="en-US" altLang="ko-KR" dirty="0" smtClean="0"/>
+              <a:t>Connected Web, Streaming</a:t>
+            </a:r>
+            <a:r>
+              <a:rPr lang="en-US" altLang="ko-KR" dirty="0" smtClean="0"/>
+              <a:t>, Split Service, </a:t>
+            </a:r>
+            <a:r>
+              <a:rPr lang="en-US" altLang="ko-KR" dirty="0" smtClean="0"/>
+              <a:t>Data Serialization</a:t>
+            </a:r>
             <a:endParaRPr lang="en-US" altLang="ko-KR" dirty="0" smtClean="0"/>
           </a:p>
           <a:p>
+            <a:pPr lvl="1"/>
+            <a:endParaRPr lang="en-US" altLang="ko-KR" dirty="0" smtClean="0"/>
+          </a:p>
+          <a:p>
+            <a:pPr lvl="1"/>
             <a:r>
               <a:rPr lang="en-US" altLang="ko-KR" dirty="0" smtClean="0"/>
-              <a:t>Prior knowledge and tools</a:t>
-            </a:r>
+              <a:t>Required High Scalability</a:t>
+            </a:r>
+          </a:p>
+          <a:p>
+            <a:pPr lvl="1"/>
+            <a:endParaRPr lang="en-US" altLang="ko-KR" dirty="0" smtClean="0"/>
+          </a:p>
+          <a:p>
+            <a:pPr lvl="1"/>
+            <a:r>
+              <a:rPr lang="en-US" altLang="ko-KR" dirty="0" smtClean="0"/>
+              <a:t>Not Fun and Not Productive</a:t>
+            </a:r>
+            <a:br>
+              <a:rPr lang="en-US" altLang="ko-KR" dirty="0" smtClean="0"/>
+            </a:br>
             <a:endParaRPr lang="ko-KR" altLang="en-US" dirty="0"/>
           </a:p>
         </p:txBody>
@@ -4753,7 +6949,7 @@
           <a:p>
             <a:r>
               <a:rPr lang="en-US" altLang="ko-KR" dirty="0" smtClean="0"/>
-              <a:t>What is so important</a:t>
+              <a:t>Why use HTTP Protocol</a:t>
             </a:r>
             <a:endParaRPr lang="ko-KR" altLang="en-US" dirty="0"/>
           </a:p>
@@ -4766,7 +6962,7 @@
             <a:spLocks noGrp="1"/>
           </p:cNvSpPr>
           <p:nvPr>
-            <p:ph idx="1"/>
+            <p:ph sz="quarter" idx="1"/>
           </p:nvPr>
         </p:nvSpPr>
         <p:spPr/>
@@ -4776,38 +6972,25 @@
           <a:p>
             <a:r>
               <a:rPr lang="en-US" altLang="ko-KR" dirty="0" smtClean="0"/>
-              <a:t>Testability</a:t>
-            </a:r>
-          </a:p>
-          <a:p>
-            <a:endParaRPr lang="en-US" altLang="ko-KR" dirty="0"/>
+              <a:t>Servers and Clients in any language</a:t>
+            </a:r>
+          </a:p>
+          <a:p>
+            <a:endParaRPr lang="en-US" altLang="ko-KR" dirty="0" smtClean="0"/>
           </a:p>
           <a:p>
             <a:r>
               <a:rPr lang="en-US" altLang="ko-KR" dirty="0" smtClean="0"/>
-              <a:t>Scalability</a:t>
-            </a:r>
-          </a:p>
-          <a:p>
-            <a:endParaRPr lang="en-US" altLang="ko-KR" dirty="0"/>
+              <a:t>Everyone already knows HTTP</a:t>
+            </a:r>
+          </a:p>
+          <a:p>
+            <a:endParaRPr lang="en-US" altLang="ko-KR" dirty="0" smtClean="0"/>
           </a:p>
           <a:p>
             <a:r>
               <a:rPr lang="en-US" altLang="ko-KR" dirty="0" smtClean="0"/>
-              <a:t>Multi </a:t>
-            </a:r>
-            <a:r>
-              <a:rPr lang="en-US" altLang="ko-KR" dirty="0" smtClean="0"/>
-              <a:t>tenancy</a:t>
-            </a:r>
-          </a:p>
-          <a:p>
-            <a:endParaRPr lang="en-US" altLang="ko-KR" dirty="0" smtClean="0"/>
-          </a:p>
-          <a:p>
-            <a:r>
-              <a:rPr lang="en-US" altLang="ko-KR" dirty="0" smtClean="0"/>
-              <a:t>Software To Service</a:t>
+              <a:t>Prior knowledge and tools</a:t>
             </a:r>
             <a:endParaRPr lang="ko-KR" altLang="en-US" dirty="0"/>
           </a:p>
@@ -4840,6 +7023,108 @@
       </p:grpSpPr>
       <p:sp>
         <p:nvSpPr>
+          <p:cNvPr id="2" name="제목 1"/>
+          <p:cNvSpPr>
+            <a:spLocks noGrp="1"/>
+          </p:cNvSpPr>
+          <p:nvPr>
+            <p:ph type="title"/>
+          </p:nvPr>
+        </p:nvSpPr>
+        <p:spPr/>
+        <p:txBody>
+          <a:bodyPr/>
+          <a:lstStyle/>
+          <a:p>
+            <a:r>
+              <a:rPr lang="en-US" altLang="ko-KR" dirty="0" smtClean="0"/>
+              <a:t>What is </a:t>
+            </a:r>
+            <a:r>
+              <a:rPr lang="en-US" altLang="ko-KR" dirty="0" smtClean="0"/>
+              <a:t>important About Platform</a:t>
+            </a:r>
+            <a:endParaRPr lang="ko-KR" altLang="en-US" dirty="0"/>
+          </a:p>
+        </p:txBody>
+      </p:sp>
+      <p:sp>
+        <p:nvSpPr>
+          <p:cNvPr id="3" name="내용 개체 틀 2"/>
+          <p:cNvSpPr>
+            <a:spLocks noGrp="1"/>
+          </p:cNvSpPr>
+          <p:nvPr>
+            <p:ph sz="quarter" idx="1"/>
+          </p:nvPr>
+        </p:nvSpPr>
+        <p:spPr/>
+        <p:txBody>
+          <a:bodyPr/>
+          <a:lstStyle/>
+          <a:p>
+            <a:r>
+              <a:rPr lang="en-US" altLang="ko-KR" dirty="0" smtClean="0"/>
+              <a:t>Testability</a:t>
+            </a:r>
+          </a:p>
+          <a:p>
+            <a:endParaRPr lang="en-US" altLang="ko-KR" dirty="0"/>
+          </a:p>
+          <a:p>
+            <a:r>
+              <a:rPr lang="en-US" altLang="ko-KR" dirty="0" smtClean="0"/>
+              <a:t>Scalability</a:t>
+            </a:r>
+          </a:p>
+          <a:p>
+            <a:endParaRPr lang="en-US" altLang="ko-KR" dirty="0"/>
+          </a:p>
+          <a:p>
+            <a:r>
+              <a:rPr lang="en-US" altLang="ko-KR" dirty="0" smtClean="0"/>
+              <a:t>Multi tenancy</a:t>
+            </a:r>
+          </a:p>
+          <a:p>
+            <a:endParaRPr lang="en-US" altLang="ko-KR" dirty="0" smtClean="0"/>
+          </a:p>
+          <a:p>
+            <a:r>
+              <a:rPr lang="en-US" altLang="ko-KR" dirty="0" smtClean="0"/>
+              <a:t>Software To Service</a:t>
+            </a:r>
+            <a:endParaRPr lang="ko-KR" altLang="en-US" dirty="0"/>
+          </a:p>
+        </p:txBody>
+      </p:sp>
+    </p:spTree>
+  </p:cSld>
+  <p:clrMapOvr>
+    <a:masterClrMapping/>
+  </p:clrMapOvr>
+</p:sld>
+</file>
+
+<file path=ppt/slides/slide8.xml><?xml version="1.0" encoding="utf-8"?>
+<p:sld xmlns:a="http://schemas.openxmlformats.org/drawingml/2006/main" xmlns:r="http://schemas.openxmlformats.org/officeDocument/2006/relationships" xmlns:p="http://schemas.openxmlformats.org/presentationml/2006/main">
+  <p:cSld>
+    <p:spTree>
+      <p:nvGrpSpPr>
+        <p:cNvPr id="1" name=""/>
+        <p:cNvGrpSpPr/>
+        <p:nvPr/>
+      </p:nvGrpSpPr>
+      <p:grpSpPr>
+        <a:xfrm>
+          <a:off x="0" y="0"/>
+          <a:ext cx="0" cy="0"/>
+          <a:chOff x="0" y="0"/>
+          <a:chExt cx="0" cy="0"/>
+        </a:xfrm>
+      </p:grpSpPr>
+      <p:sp>
+        <p:nvSpPr>
           <p:cNvPr id="4" name="제목 1"/>
           <p:cNvSpPr>
             <a:spLocks noGrp="1"/>
@@ -4848,12 +7133,7 @@
             <p:ph type="title"/>
           </p:nvPr>
         </p:nvSpPr>
-        <p:spPr>
-          <a:xfrm>
-            <a:off x="457200" y="274638"/>
-            <a:ext cx="8229600" cy="1143000"/>
-          </a:xfrm>
-        </p:spPr>
+        <p:spPr/>
         <p:txBody>
           <a:bodyPr>
             <a:normAutofit/>
@@ -6110,7 +8390,7 @@
 </p:sld>
 </file>
 
-<file path=ppt/slides/slide8.xml><?xml version="1.0" encoding="utf-8"?>
+<file path=ppt/slides/slide9.xml><?xml version="1.0" encoding="utf-8"?>
 <p:sld xmlns:a="http://schemas.openxmlformats.org/drawingml/2006/main" xmlns:r="http://schemas.openxmlformats.org/officeDocument/2006/relationships" xmlns:p="http://schemas.openxmlformats.org/presentationml/2006/main">
   <p:cSld>
     <p:spTree>
@@ -6137,12 +8417,7 @@
             <p:ph type="title"/>
           </p:nvPr>
         </p:nvSpPr>
-        <p:spPr>
-          <a:xfrm>
-            <a:off x="457200" y="274638"/>
-            <a:ext cx="8229600" cy="1143000"/>
-          </a:xfrm>
-        </p:spPr>
+        <p:spPr/>
         <p:txBody>
           <a:bodyPr>
             <a:normAutofit/>
@@ -6453,20 +8728,7 @@
                 <a:latin typeface="나눔고딕" pitchFamily="50" charset="-127"/>
                 <a:ea typeface="나눔고딕" pitchFamily="50" charset="-127"/>
               </a:rPr>
-              <a:t> </a:t>
-            </a:r>
-            <a:r>
-              <a:rPr lang="en-US" altLang="ko-KR" sz="1200" b="1" dirty="0" smtClean="0">
-                <a:solidFill>
-                  <a:schemeClr val="tx1">
-                    <a:lumMod val="95000"/>
-                    <a:lumOff val="5000"/>
-                  </a:schemeClr>
-                </a:solidFill>
-                <a:latin typeface="나눔고딕" pitchFamily="50" charset="-127"/>
-                <a:ea typeface="나눔고딕" pitchFamily="50" charset="-127"/>
-              </a:rPr>
-              <a:t>– </a:t>
+              <a:t> – </a:t>
             </a:r>
             <a:r>
               <a:rPr lang="en-US" altLang="ko-KR" sz="1200" b="1" dirty="0" err="1" smtClean="0">
@@ -7099,9 +9361,9 @@
 </file>
 
 <file path=ppt/theme/theme1.xml><?xml version="1.0" encoding="utf-8"?>
-<a:theme xmlns:a="http://schemas.openxmlformats.org/drawingml/2006/main" name="Office 테마">
+<a:theme xmlns:a="http://schemas.openxmlformats.org/drawingml/2006/main" name="오렌지">
   <a:themeElements>
-    <a:clrScheme name="Office">
+    <a:clrScheme name="오렌지">
       <a:dk1>
         <a:sysClr val="windowText" lastClr="000000"/>
       </a:dk1>
@@ -7109,48 +9371,48 @@
         <a:sysClr val="window" lastClr="FFFFFF"/>
       </a:lt1>
       <a:dk2>
-        <a:srgbClr val="1F497D"/>
+        <a:srgbClr val="575F6D"/>
       </a:dk2>
       <a:lt2>
-        <a:srgbClr val="EEECE1"/>
+        <a:srgbClr val="FFF39D"/>
       </a:lt2>
       <a:accent1>
-        <a:srgbClr val="4F81BD"/>
+        <a:srgbClr val="FE8637"/>
       </a:accent1>
       <a:accent2>
-        <a:srgbClr val="C0504D"/>
+        <a:srgbClr val="7598D9"/>
       </a:accent2>
       <a:accent3>
-        <a:srgbClr val="9BBB59"/>
+        <a:srgbClr val="B32C16"/>
       </a:accent3>
       <a:accent4>
-        <a:srgbClr val="8064A2"/>
+        <a:srgbClr val="F5CD2D"/>
       </a:accent4>
       <a:accent5>
-        <a:srgbClr val="4BACC6"/>
+        <a:srgbClr val="AEBAD5"/>
       </a:accent5>
       <a:accent6>
-        <a:srgbClr val="F79646"/>
+        <a:srgbClr val="777C84"/>
       </a:accent6>
       <a:hlink>
-        <a:srgbClr val="0000FF"/>
+        <a:srgbClr val="D2611C"/>
       </a:hlink>
       <a:folHlink>
-        <a:srgbClr val="800080"/>
+        <a:srgbClr val="3B435B"/>
       </a:folHlink>
     </a:clrScheme>
-    <a:fontScheme name="Office">
+    <a:fontScheme name="오렌지">
       <a:majorFont>
-        <a:latin typeface="맑은 고딕"/>
+        <a:latin typeface="Century Schoolbook"/>
         <a:ea typeface=""/>
         <a:cs typeface=""/>
-        <a:font script="Jpan" typeface="ＭＳ Ｐゴシック"/>
-        <a:font script="Hang" typeface="맑은 고딕"/>
-        <a:font script="Hans" typeface="宋体"/>
+        <a:font script="Jpan" typeface="ＭＳ Ｐ明朝"/>
+        <a:font script="Hang" typeface="휴먼매직체"/>
+        <a:font script="Hans" typeface="华文楷体"/>
         <a:font script="Hant" typeface="新細明體"/>
         <a:font script="Arab" typeface="Times New Roman"/>
         <a:font script="Hebr" typeface="Times New Roman"/>
-        <a:font script="Thai" typeface="Angsana New"/>
+        <a:font script="Thai" typeface="KodchiangUPC"/>
         <a:font script="Ethi" typeface="Nyala"/>
         <a:font script="Beng" typeface="Vrinda"/>
         <a:font script="Gujr" typeface="Shruti"/>
@@ -7175,20 +9437,20 @@
         <a:font script="Uigh" typeface="Microsoft Uighur"/>
       </a:majorFont>
       <a:minorFont>
-        <a:latin typeface="맑은 고딕"/>
+        <a:latin typeface="Century Schoolbook"/>
         <a:ea typeface=""/>
         <a:cs typeface=""/>
-        <a:font script="Jpan" typeface="ＭＳ Ｐゴシック"/>
-        <a:font script="Hang" typeface="맑은 고딕"/>
+        <a:font script="Jpan" typeface="ＭＳ Ｐ明朝"/>
+        <a:font script="Hang" typeface="휴먼매직체"/>
         <a:font script="Hans" typeface="宋体"/>
         <a:font script="Hant" typeface="新細明體"/>
-        <a:font script="Arab" typeface="Arial"/>
-        <a:font script="Hebr" typeface="Arial"/>
-        <a:font script="Thai" typeface="Cordia New"/>
+        <a:font script="Arab" typeface="Times New Roman"/>
+        <a:font script="Hebr" typeface="Times New Roman"/>
+        <a:font script="Thai" typeface="KodchiangUPC"/>
         <a:font script="Ethi" typeface="Nyala"/>
         <a:font script="Beng" typeface="Vrinda"/>
         <a:font script="Gujr" typeface="Shruti"/>
-        <a:font script="Khmr" typeface="DaunPenh"/>
+        <a:font script="Khmr" typeface="MoolBoran"/>
         <a:font script="Knda" typeface="Tunga"/>
         <a:font script="Guru" typeface="Raavi"/>
         <a:font script="Cans" typeface="Euphemia"/>
@@ -7205,11 +9467,11 @@
         <a:font script="Laoo" typeface="DokChampa"/>
         <a:font script="Sinh" typeface="Iskoola Pota"/>
         <a:font script="Mong" typeface="Mongolian Baiti"/>
-        <a:font script="Viet" typeface="Arial"/>
+        <a:font script="Viet" typeface="Times New Roman"/>
         <a:font script="Uigh" typeface="Microsoft Uighur"/>
       </a:minorFont>
     </a:fontScheme>
-    <a:fmtScheme name="Office">
+    <a:fmtScheme name="오렌지">
       <a:fillStyleLst>
         <a:solidFill>
           <a:schemeClr val="phClr"/>
@@ -7218,55 +9480,71 @@
           <a:gsLst>
             <a:gs pos="0">
               <a:schemeClr val="phClr">
-                <a:tint val="50000"/>
-                <a:satMod val="300000"/>
+                <a:tint val="35000"/>
+                <a:satMod val="260000"/>
               </a:schemeClr>
             </a:gs>
-            <a:gs pos="35000">
+            <a:gs pos="30000">
               <a:schemeClr val="phClr">
-                <a:tint val="37000"/>
-                <a:satMod val="300000"/>
+                <a:tint val="38000"/>
+                <a:satMod val="260000"/>
+              </a:schemeClr>
+            </a:gs>
+            <a:gs pos="75000">
+              <a:schemeClr val="phClr">
+                <a:tint val="55000"/>
+                <a:satMod val="255000"/>
               </a:schemeClr>
             </a:gs>
             <a:gs pos="100000">
               <a:schemeClr val="phClr">
-                <a:tint val="15000"/>
-                <a:satMod val="350000"/>
+                <a:tint val="70000"/>
+                <a:satMod val="255000"/>
               </a:schemeClr>
             </a:gs>
           </a:gsLst>
-          <a:lin ang="16200000" scaled="1"/>
+          <a:path path="circle">
+            <a:fillToRect l="5000" t="100000" r="120000" b="10000"/>
+          </a:path>
         </a:gradFill>
         <a:gradFill rotWithShape="1">
           <a:gsLst>
             <a:gs pos="0">
               <a:schemeClr val="phClr">
-                <a:shade val="51000"/>
-                <a:satMod val="130000"/>
+                <a:shade val="63000"/>
+                <a:satMod val="165000"/>
               </a:schemeClr>
             </a:gs>
-            <a:gs pos="80000">
+            <a:gs pos="30000">
               <a:schemeClr val="phClr">
-                <a:shade val="93000"/>
-                <a:satMod val="130000"/>
+                <a:shade val="58000"/>
+                <a:satMod val="165000"/>
+              </a:schemeClr>
+            </a:gs>
+            <a:gs pos="75000">
+              <a:schemeClr val="phClr">
+                <a:shade val="30000"/>
+                <a:satMod val="175000"/>
               </a:schemeClr>
             </a:gs>
             <a:gs pos="100000">
               <a:schemeClr val="phClr">
-                <a:shade val="94000"/>
-                <a:satMod val="135000"/>
+                <a:shade val="15000"/>
+                <a:satMod val="175000"/>
               </a:schemeClr>
             </a:gs>
           </a:gsLst>
-          <a:lin ang="16200000" scaled="0"/>
+          <a:path path="circle">
+            <a:fillToRect l="5000" t="100000" r="120000" b="10000"/>
+          </a:path>
         </a:gradFill>
       </a:fillStyleLst>
       <a:lnStyleLst>
-        <a:ln w="9525" cap="flat" cmpd="sng" algn="ctr">
+        <a:ln w="12700" cap="flat" cmpd="sng" algn="ctr">
           <a:solidFill>
             <a:schemeClr val="phClr">
-              <a:shade val="95000"/>
-              <a:satMod val="105000"/>
+              <a:shade val="70000"/>
+              <a:satMod val="150000"/>
             </a:schemeClr>
           </a:solidFill>
           <a:prstDash val="solid"/>
@@ -7277,7 +9555,7 @@
           </a:solidFill>
           <a:prstDash val="solid"/>
         </a:ln>
-        <a:ln w="38100" cap="flat" cmpd="sng" algn="ctr">
+        <a:ln w="34925" cap="flat" cmpd="sng" algn="ctr">
           <a:solidFill>
             <a:schemeClr val="phClr"/>
           </a:solidFill>
@@ -7287,27 +9565,27 @@
       <a:effectStyleLst>
         <a:effectStyle>
           <a:effectLst>
-            <a:outerShdw blurRad="40000" dist="20000" dir="5400000" rotWithShape="0">
+            <a:outerShdw blurRad="50800" dist="25000" dir="5400000" rotWithShape="0">
               <a:srgbClr val="000000">
-                <a:alpha val="38000"/>
+                <a:alpha val="40000"/>
               </a:srgbClr>
             </a:outerShdw>
           </a:effectLst>
         </a:effectStyle>
         <a:effectStyle>
           <a:effectLst>
-            <a:outerShdw blurRad="40000" dist="23000" dir="5400000" rotWithShape="0">
+            <a:outerShdw blurRad="50800" dist="20000" dir="5400000" rotWithShape="0">
               <a:srgbClr val="000000">
-                <a:alpha val="35000"/>
+                <a:alpha val="42000"/>
               </a:srgbClr>
             </a:outerShdw>
           </a:effectLst>
         </a:effectStyle>
         <a:effectStyle>
           <a:effectLst>
-            <a:outerShdw blurRad="40000" dist="23000" dir="5400000" rotWithShape="0">
+            <a:outerShdw blurRad="50800" dist="20000" dir="5400000" rotWithShape="0">
               <a:srgbClr val="000000">
-                <a:alpha val="35000"/>
+                <a:alpha val="42000"/>
               </a:srgbClr>
             </a:outerShdw>
           </a:effectLst>
@@ -7315,12 +9593,15 @@
             <a:camera prst="orthographicFront">
               <a:rot lat="0" lon="0" rev="0"/>
             </a:camera>
-            <a:lightRig rig="threePt" dir="t">
-              <a:rot lat="0" lon="0" rev="1200000"/>
+            <a:lightRig rig="balanced" dir="t">
+              <a:rot lat="0" lon="0" rev="0"/>
             </a:lightRig>
           </a:scene3d>
           <a:sp3d>
-            <a:bevelT w="63500" h="25400"/>
+            <a:bevelT w="47625" h="69850"/>
+            <a:contourClr>
+              <a:schemeClr val="lt1"/>
+            </a:contourClr>
           </a:sp3d>
         </a:effectStyle>
       </a:effectStyleLst>
@@ -7332,47 +9613,38 @@
           <a:gsLst>
             <a:gs pos="0">
               <a:schemeClr val="phClr">
-                <a:tint val="40000"/>
-                <a:satMod val="350000"/>
+                <a:shade val="58000"/>
+                <a:satMod val="125000"/>
               </a:schemeClr>
             </a:gs>
             <a:gs pos="40000">
               <a:schemeClr val="phClr">
-                <a:tint val="45000"/>
-                <a:shade val="99000"/>
-                <a:satMod val="350000"/>
+                <a:tint val="90000"/>
+                <a:shade val="90000"/>
+                <a:satMod val="120000"/>
               </a:schemeClr>
             </a:gs>
             <a:gs pos="100000">
               <a:schemeClr val="phClr">
-                <a:shade val="20000"/>
-                <a:satMod val="255000"/>
+                <a:tint val="50000"/>
               </a:schemeClr>
             </a:gs>
           </a:gsLst>
-          <a:path path="circle">
-            <a:fillToRect l="50000" t="-80000" r="50000" b="180000"/>
-          </a:path>
+          <a:lin ang="16200000" scaled="1"/>
         </a:gradFill>
-        <a:gradFill rotWithShape="1">
-          <a:gsLst>
-            <a:gs pos="0">
+        <a:blipFill>
+          <a:blip xmlns:r="http://schemas.openxmlformats.org/officeDocument/2006/relationships" r:embed="rId1">
+            <a:duotone>
               <a:schemeClr val="phClr">
-                <a:tint val="80000"/>
-                <a:satMod val="300000"/>
+                <a:shade val="80000"/>
               </a:schemeClr>
-            </a:gs>
-            <a:gs pos="100000">
               <a:schemeClr val="phClr">
-                <a:shade val="30000"/>
-                <a:satMod val="200000"/>
+                <a:tint val="91000"/>
               </a:schemeClr>
-            </a:gs>
-          </a:gsLst>
-          <a:path path="circle">
-            <a:fillToRect l="50000" t="50000" r="50000" b="50000"/>
-          </a:path>
-        </a:gradFill>
+            </a:duotone>
+          </a:blip>
+          <a:tile tx="0" ty="0" sx="40000" sy="50000" flip="y" algn="tl"/>
+        </a:blipFill>
       </a:bgFillStyleLst>
     </a:fmtScheme>
   </a:themeElements>

--- a/resource/docs/ServicePlatformAradon.pptx
+++ b/resource/docs/ServicePlatformAradon.pptx
@@ -5,18 +5,22 @@
     <p:sldMasterId id="2147483660" r:id="rId1"/>
   </p:sldMasterIdLst>
   <p:notesMasterIdLst>
-    <p:notesMasterId r:id="rId11"/>
+    <p:notesMasterId r:id="rId12"/>
   </p:notesMasterIdLst>
+  <p:handoutMasterIdLst>
+    <p:handoutMasterId r:id="rId13"/>
+  </p:handoutMasterIdLst>
   <p:sldIdLst>
     <p:sldId id="256" r:id="rId2"/>
     <p:sldId id="258" r:id="rId3"/>
-    <p:sldId id="265" r:id="rId4"/>
-    <p:sldId id="262" r:id="rId5"/>
+    <p:sldId id="267" r:id="rId4"/>
+    <p:sldId id="265" r:id="rId5"/>
     <p:sldId id="260" r:id="rId6"/>
-    <p:sldId id="261" r:id="rId7"/>
-    <p:sldId id="259" r:id="rId8"/>
-    <p:sldId id="263" r:id="rId9"/>
-    <p:sldId id="264" r:id="rId10"/>
+    <p:sldId id="263" r:id="rId7"/>
+    <p:sldId id="264" r:id="rId8"/>
+    <p:sldId id="261" r:id="rId9"/>
+    <p:sldId id="266" r:id="rId10"/>
+    <p:sldId id="268" r:id="rId11"/>
   </p:sldIdLst>
   <p:sldSz cx="9144000" cy="6858000" type="screen4x3"/>
   <p:notesSz cx="6858000" cy="9144000"/>
@@ -118,6 +122,168 @@
 </p:presentation>
 </file>
 
+<file path=ppt/handoutMasters/handoutMaster1.xml><?xml version="1.0" encoding="utf-8"?>
+<p:handoutMaster xmlns:a="http://schemas.openxmlformats.org/drawingml/2006/main" xmlns:r="http://schemas.openxmlformats.org/officeDocument/2006/relationships" xmlns:p="http://schemas.openxmlformats.org/presentationml/2006/main">
+  <p:cSld>
+    <p:bg>
+      <p:bgRef idx="1001">
+        <a:schemeClr val="bg1"/>
+      </p:bgRef>
+    </p:bg>
+    <p:spTree>
+      <p:nvGrpSpPr>
+        <p:cNvPr id="1" name=""/>
+        <p:cNvGrpSpPr/>
+        <p:nvPr/>
+      </p:nvGrpSpPr>
+      <p:grpSpPr>
+        <a:xfrm>
+          <a:off x="0" y="0"/>
+          <a:ext cx="0" cy="0"/>
+          <a:chOff x="0" y="0"/>
+          <a:chExt cx="0" cy="0"/>
+        </a:xfrm>
+      </p:grpSpPr>
+      <p:sp>
+        <p:nvSpPr>
+          <p:cNvPr id="2" name="머리글 개체 틀 1"/>
+          <p:cNvSpPr>
+            <a:spLocks noGrp="1"/>
+          </p:cNvSpPr>
+          <p:nvPr>
+            <p:ph type="hdr" sz="quarter"/>
+          </p:nvPr>
+        </p:nvSpPr>
+        <p:spPr>
+          <a:xfrm>
+            <a:off x="0" y="0"/>
+            <a:ext cx="2971800" cy="457200"/>
+          </a:xfrm>
+          <a:prstGeom prst="rect">
+            <a:avLst/>
+          </a:prstGeom>
+        </p:spPr>
+        <p:txBody>
+          <a:bodyPr vert="horz" lIns="91440" tIns="45720" rIns="91440" bIns="45720" rtlCol="0"/>
+          <a:lstStyle>
+            <a:lvl1pPr algn="l">
+              <a:defRPr sz="1200"/>
+            </a:lvl1pPr>
+          </a:lstStyle>
+          <a:p>
+            <a:endParaRPr lang="ko-KR" altLang="en-US"/>
+          </a:p>
+        </p:txBody>
+      </p:sp>
+      <p:sp>
+        <p:nvSpPr>
+          <p:cNvPr id="3" name="날짜 개체 틀 2"/>
+          <p:cNvSpPr>
+            <a:spLocks noGrp="1"/>
+          </p:cNvSpPr>
+          <p:nvPr>
+            <p:ph type="dt" sz="quarter" idx="1"/>
+          </p:nvPr>
+        </p:nvSpPr>
+        <p:spPr>
+          <a:xfrm>
+            <a:off x="3884613" y="0"/>
+            <a:ext cx="2971800" cy="457200"/>
+          </a:xfrm>
+          <a:prstGeom prst="rect">
+            <a:avLst/>
+          </a:prstGeom>
+        </p:spPr>
+        <p:txBody>
+          <a:bodyPr vert="horz" lIns="91440" tIns="45720" rIns="91440" bIns="45720" rtlCol="0"/>
+          <a:lstStyle>
+            <a:lvl1pPr algn="r">
+              <a:defRPr sz="1200"/>
+            </a:lvl1pPr>
+          </a:lstStyle>
+          <a:p>
+            <a:fld id="{753888B0-E178-4354-B999-6C6C812A09E4}" type="datetimeFigureOut">
+              <a:rPr lang="ko-KR" altLang="en-US" smtClean="0"/>
+              <a:pPr/>
+              <a:t>2012-09-10</a:t>
+            </a:fld>
+            <a:endParaRPr lang="ko-KR" altLang="en-US"/>
+          </a:p>
+        </p:txBody>
+      </p:sp>
+      <p:sp>
+        <p:nvSpPr>
+          <p:cNvPr id="4" name="바닥글 개체 틀 3"/>
+          <p:cNvSpPr>
+            <a:spLocks noGrp="1"/>
+          </p:cNvSpPr>
+          <p:nvPr>
+            <p:ph type="ftr" sz="quarter" idx="2"/>
+          </p:nvPr>
+        </p:nvSpPr>
+        <p:spPr>
+          <a:xfrm>
+            <a:off x="0" y="8685213"/>
+            <a:ext cx="2971800" cy="457200"/>
+          </a:xfrm>
+          <a:prstGeom prst="rect">
+            <a:avLst/>
+          </a:prstGeom>
+        </p:spPr>
+        <p:txBody>
+          <a:bodyPr vert="horz" lIns="91440" tIns="45720" rIns="91440" bIns="45720" rtlCol="0" anchor="b"/>
+          <a:lstStyle>
+            <a:lvl1pPr algn="l">
+              <a:defRPr sz="1200"/>
+            </a:lvl1pPr>
+          </a:lstStyle>
+          <a:p>
+            <a:endParaRPr lang="ko-KR" altLang="en-US"/>
+          </a:p>
+        </p:txBody>
+      </p:sp>
+      <p:sp>
+        <p:nvSpPr>
+          <p:cNvPr id="5" name="슬라이드 번호 개체 틀 4"/>
+          <p:cNvSpPr>
+            <a:spLocks noGrp="1"/>
+          </p:cNvSpPr>
+          <p:nvPr>
+            <p:ph type="sldNum" sz="quarter" idx="3"/>
+          </p:nvPr>
+        </p:nvSpPr>
+        <p:spPr>
+          <a:xfrm>
+            <a:off x="3884613" y="8685213"/>
+            <a:ext cx="2971800" cy="457200"/>
+          </a:xfrm>
+          <a:prstGeom prst="rect">
+            <a:avLst/>
+          </a:prstGeom>
+        </p:spPr>
+        <p:txBody>
+          <a:bodyPr vert="horz" lIns="91440" tIns="45720" rIns="91440" bIns="45720" rtlCol="0" anchor="b"/>
+          <a:lstStyle>
+            <a:lvl1pPr algn="r">
+              <a:defRPr sz="1200"/>
+            </a:lvl1pPr>
+          </a:lstStyle>
+          <a:p>
+            <a:fld id="{5B6AE780-3A72-43E3-8F35-29904131417E}" type="slidenum">
+              <a:rPr lang="ko-KR" altLang="en-US" smtClean="0"/>
+              <a:pPr/>
+              <a:t>‹#›</a:t>
+            </a:fld>
+            <a:endParaRPr lang="ko-KR" altLang="en-US"/>
+          </a:p>
+        </p:txBody>
+      </p:sp>
+    </p:spTree>
+  </p:cSld>
+  <p:clrMap bg1="lt1" tx1="dk1" bg2="lt2" tx2="dk2" accent1="accent1" accent2="accent2" accent3="accent3" accent4="accent4" accent5="accent5" accent6="accent6" hlink="hlink" folHlink="folHlink"/>
+</p:handoutMaster>
+</file>
+
 <file path=ppt/notesMasters/notesMaster1.xml><?xml version="1.0" encoding="utf-8"?>
 <p:notesMaster xmlns:a="http://schemas.openxmlformats.org/drawingml/2006/main" xmlns:r="http://schemas.openxmlformats.org/officeDocument/2006/relationships" xmlns:p="http://schemas.openxmlformats.org/presentationml/2006/main">
   <p:cSld>
@@ -201,7 +367,7 @@
             <a:fld id="{52833BFF-905B-4AAD-AFB5-710128F96403}" type="datetimeFigureOut">
               <a:rPr lang="ko-KR" altLang="en-US" smtClean="0"/>
               <a:pPr/>
-              <a:t>2012-09-09</a:t>
+              <a:t>2012-09-10</a:t>
             </a:fld>
             <a:endParaRPr lang="ko-KR" altLang="en-US"/>
           </a:p>
@@ -829,7 +995,17 @@
             </a:r>
           </a:p>
           <a:p>
-            <a:endParaRPr lang="ko-KR" altLang="en-US" sz="1200" dirty="0"/>
+            <a:endParaRPr lang="en-US" altLang="ko-KR" dirty="0" smtClean="0"/>
+          </a:p>
+          <a:p>
+            <a:endParaRPr lang="en-US" altLang="ko-KR" dirty="0" smtClean="0"/>
+          </a:p>
+          <a:p>
+            <a:r>
+              <a:rPr lang="en-US" altLang="ko-KR" dirty="0" smtClean="0"/>
+              <a:t>http://timothyfitz.wordpress.com/2009/02/12/why-http/</a:t>
+            </a:r>
+            <a:endParaRPr lang="ko-KR" altLang="en-US" dirty="0"/>
           </a:p>
         </p:txBody>
       </p:sp>
@@ -1175,16 +1351,6 @@
           </a:bodyPr>
           <a:lstStyle/>
           <a:p>
-            <a:endParaRPr lang="en-US" altLang="ko-KR" dirty="0" smtClean="0"/>
-          </a:p>
-          <a:p>
-            <a:endParaRPr lang="en-US" altLang="ko-KR" dirty="0" smtClean="0"/>
-          </a:p>
-          <a:p>
-            <a:r>
-              <a:rPr lang="en-US" altLang="ko-KR" dirty="0" smtClean="0"/>
-              <a:t>http://timothyfitz.wordpress.com/2009/02/12/why-http/</a:t>
-            </a:r>
             <a:endParaRPr lang="ko-KR" altLang="en-US" dirty="0"/>
           </a:p>
         </p:txBody>
@@ -1207,7 +1373,7 @@
             <a:fld id="{1DC14717-F6B7-44DD-B750-228F6B2EB3C4}" type="slidenum">
               <a:rPr lang="ko-KR" altLang="en-US" smtClean="0"/>
               <a:pPr/>
-              <a:t>6</a:t>
+              <a:t>7</a:t>
             </a:fld>
             <a:endParaRPr lang="ko-KR" altLang="en-US"/>
           </a:p>
@@ -1267,6 +1433,98 @@
           </a:bodyPr>
           <a:lstStyle/>
           <a:p>
+            <a:endParaRPr lang="en-US" altLang="ko-KR" dirty="0" smtClean="0"/>
+          </a:p>
+          <a:p>
+            <a:endParaRPr lang="en-US" altLang="ko-KR" dirty="0" smtClean="0"/>
+          </a:p>
+          <a:p>
+            <a:r>
+              <a:rPr lang="en-US" altLang="ko-KR" dirty="0" smtClean="0"/>
+              <a:t>http://timothyfitz.wordpress.com/2009/02/12/why-http/</a:t>
+            </a:r>
+            <a:endParaRPr lang="ko-KR" altLang="en-US" dirty="0"/>
+          </a:p>
+        </p:txBody>
+      </p:sp>
+      <p:sp>
+        <p:nvSpPr>
+          <p:cNvPr id="4" name="슬라이드 번호 개체 틀 3"/>
+          <p:cNvSpPr>
+            <a:spLocks noGrp="1"/>
+          </p:cNvSpPr>
+          <p:nvPr>
+            <p:ph type="sldNum" sz="quarter" idx="10"/>
+          </p:nvPr>
+        </p:nvSpPr>
+        <p:spPr/>
+        <p:txBody>
+          <a:bodyPr/>
+          <a:lstStyle/>
+          <a:p>
+            <a:fld id="{1DC14717-F6B7-44DD-B750-228F6B2EB3C4}" type="slidenum">
+              <a:rPr lang="ko-KR" altLang="en-US" smtClean="0"/>
+              <a:pPr/>
+              <a:t>8</a:t>
+            </a:fld>
+            <a:endParaRPr lang="ko-KR" altLang="en-US"/>
+          </a:p>
+        </p:txBody>
+      </p:sp>
+    </p:spTree>
+  </p:cSld>
+  <p:clrMapOvr>
+    <a:masterClrMapping/>
+  </p:clrMapOvr>
+</p:notes>
+</file>
+
+<file path=ppt/notesSlides/notesSlide7.xml><?xml version="1.0" encoding="utf-8"?>
+<p:notes xmlns:a="http://schemas.openxmlformats.org/drawingml/2006/main" xmlns:r="http://schemas.openxmlformats.org/officeDocument/2006/relationships" xmlns:p="http://schemas.openxmlformats.org/presentationml/2006/main">
+  <p:cSld>
+    <p:spTree>
+      <p:nvGrpSpPr>
+        <p:cNvPr id="1" name=""/>
+        <p:cNvGrpSpPr/>
+        <p:nvPr/>
+      </p:nvGrpSpPr>
+      <p:grpSpPr>
+        <a:xfrm>
+          <a:off x="0" y="0"/>
+          <a:ext cx="0" cy="0"/>
+          <a:chOff x="0" y="0"/>
+          <a:chExt cx="0" cy="0"/>
+        </a:xfrm>
+      </p:grpSpPr>
+      <p:sp>
+        <p:nvSpPr>
+          <p:cNvPr id="2" name="슬라이드 이미지 개체 틀 1"/>
+          <p:cNvSpPr>
+            <a:spLocks noGrp="1" noRot="1" noChangeAspect="1"/>
+          </p:cNvSpPr>
+          <p:nvPr>
+            <p:ph type="sldImg"/>
+          </p:nvPr>
+        </p:nvSpPr>
+        <p:spPr/>
+      </p:sp>
+      <p:sp>
+        <p:nvSpPr>
+          <p:cNvPr id="3" name="슬라이드 노트 개체 틀 2"/>
+          <p:cNvSpPr>
+            <a:spLocks noGrp="1"/>
+          </p:cNvSpPr>
+          <p:nvPr>
+            <p:ph type="body" idx="1"/>
+          </p:nvPr>
+        </p:nvSpPr>
+        <p:spPr/>
+        <p:txBody>
+          <a:bodyPr>
+            <a:normAutofit/>
+          </a:bodyPr>
+          <a:lstStyle/>
+          <a:p>
             <a:r>
               <a:rPr lang="en-US" altLang="ko-KR" b="1" dirty="0" err="1" smtClean="0"/>
               <a:t>Multitenancy</a:t>
@@ -1345,7 +1603,145 @@
             <a:fld id="{1DC14717-F6B7-44DD-B750-228F6B2EB3C4}" type="slidenum">
               <a:rPr lang="ko-KR" altLang="en-US" smtClean="0"/>
               <a:pPr/>
-              <a:t>7</a:t>
+              <a:t>9</a:t>
+            </a:fld>
+            <a:endParaRPr lang="ko-KR" altLang="en-US"/>
+          </a:p>
+        </p:txBody>
+      </p:sp>
+    </p:spTree>
+  </p:cSld>
+  <p:clrMapOvr>
+    <a:masterClrMapping/>
+  </p:clrMapOvr>
+</p:notes>
+</file>
+
+<file path=ppt/notesSlides/notesSlide8.xml><?xml version="1.0" encoding="utf-8"?>
+<p:notes xmlns:a="http://schemas.openxmlformats.org/drawingml/2006/main" xmlns:r="http://schemas.openxmlformats.org/officeDocument/2006/relationships" xmlns:p="http://schemas.openxmlformats.org/presentationml/2006/main">
+  <p:cSld>
+    <p:spTree>
+      <p:nvGrpSpPr>
+        <p:cNvPr id="1" name=""/>
+        <p:cNvGrpSpPr/>
+        <p:nvPr/>
+      </p:nvGrpSpPr>
+      <p:grpSpPr>
+        <a:xfrm>
+          <a:off x="0" y="0"/>
+          <a:ext cx="0" cy="0"/>
+          <a:chOff x="0" y="0"/>
+          <a:chExt cx="0" cy="0"/>
+        </a:xfrm>
+      </p:grpSpPr>
+      <p:sp>
+        <p:nvSpPr>
+          <p:cNvPr id="2" name="슬라이드 이미지 개체 틀 1"/>
+          <p:cNvSpPr>
+            <a:spLocks noGrp="1" noRot="1" noChangeAspect="1"/>
+          </p:cNvSpPr>
+          <p:nvPr>
+            <p:ph type="sldImg"/>
+          </p:nvPr>
+        </p:nvSpPr>
+        <p:spPr/>
+      </p:sp>
+      <p:sp>
+        <p:nvSpPr>
+          <p:cNvPr id="3" name="슬라이드 노트 개체 틀 2"/>
+          <p:cNvSpPr>
+            <a:spLocks noGrp="1"/>
+          </p:cNvSpPr>
+          <p:nvPr>
+            <p:ph type="body" idx="1"/>
+          </p:nvPr>
+        </p:nvSpPr>
+        <p:spPr/>
+        <p:txBody>
+          <a:bodyPr>
+            <a:normAutofit/>
+          </a:bodyPr>
+          <a:lstStyle/>
+          <a:p>
+            <a:r>
+              <a:rPr lang="en-US" altLang="ko-KR" b="1" dirty="0" err="1" smtClean="0"/>
+              <a:t>Multitenancy</a:t>
+            </a:r>
+            <a:r>
+              <a:rPr lang="en-US" altLang="ko-KR" dirty="0" smtClean="0"/>
+              <a:t> refers to a principle in </a:t>
+            </a:r>
+            <a:r>
+              <a:rPr lang="en-US" altLang="ko-KR" dirty="0" smtClean="0">
+                <a:hlinkClick r:id="rId3" tooltip="Software architecture"/>
+              </a:rPr>
+              <a:t>software architecture</a:t>
+            </a:r>
+            <a:r>
+              <a:rPr lang="en-US" altLang="ko-KR" dirty="0" smtClean="0"/>
+              <a:t> where a single instance of the </a:t>
+            </a:r>
+            <a:r>
+              <a:rPr lang="en-US" altLang="ko-KR" dirty="0" smtClean="0">
+                <a:hlinkClick r:id="rId4" tooltip="Computer software"/>
+              </a:rPr>
+              <a:t>software</a:t>
+            </a:r>
+            <a:r>
+              <a:rPr lang="en-US" altLang="ko-KR" dirty="0" smtClean="0"/>
+              <a:t> runs on a server, serving multiple client organizations (tenants). </a:t>
+            </a:r>
+            <a:r>
+              <a:rPr lang="en-US" altLang="ko-KR" dirty="0" err="1" smtClean="0"/>
+              <a:t>Multitenancy</a:t>
+            </a:r>
+            <a:r>
+              <a:rPr lang="en-US" altLang="ko-KR" dirty="0" smtClean="0"/>
+              <a:t> is contrasted with a multi-instance architecture where separate software instances (or hardware systems) are set up for different client organizations. With a multitenant architecture, a </a:t>
+            </a:r>
+            <a:r>
+              <a:rPr lang="en-US" altLang="ko-KR" dirty="0" smtClean="0">
+                <a:hlinkClick r:id="rId5" tooltip="Application software"/>
+              </a:rPr>
+              <a:t>software application</a:t>
+            </a:r>
+            <a:r>
+              <a:rPr lang="en-US" altLang="ko-KR" dirty="0" smtClean="0"/>
+              <a:t> is designed to virtually </a:t>
+            </a:r>
+            <a:r>
+              <a:rPr lang="en-US" altLang="ko-KR" dirty="0" smtClean="0">
+                <a:hlinkClick r:id="rId6" tooltip="Partition (mainframe)"/>
+              </a:rPr>
+              <a:t>partition</a:t>
+            </a:r>
+            <a:r>
+              <a:rPr lang="en-US" altLang="ko-KR" dirty="0" smtClean="0"/>
+              <a:t> its data and configuration, and each client organization works with a customized virtual application instance.</a:t>
+            </a:r>
+            <a:endParaRPr lang="ko-KR" altLang="en-US" dirty="0"/>
+          </a:p>
+        </p:txBody>
+      </p:sp>
+      <p:sp>
+        <p:nvSpPr>
+          <p:cNvPr id="4" name="슬라이드 번호 개체 틀 3"/>
+          <p:cNvSpPr>
+            <a:spLocks noGrp="1"/>
+          </p:cNvSpPr>
+          <p:nvPr>
+            <p:ph type="sldNum" sz="quarter" idx="10"/>
+          </p:nvPr>
+        </p:nvSpPr>
+        <p:spPr/>
+        <p:txBody>
+          <a:bodyPr/>
+          <a:lstStyle/>
+          <a:p>
+            <a:fld id="{1DC14717-F6B7-44DD-B750-228F6B2EB3C4}" type="slidenum">
+              <a:rPr lang="ko-KR" altLang="en-US" smtClean="0"/>
+              <a:pPr/>
+              <a:t>10</a:t>
             </a:fld>
             <a:endParaRPr lang="ko-KR" altLang="en-US"/>
           </a:p>
@@ -1497,7 +1893,7 @@
             <a:fld id="{0772CA07-ADC5-4316-B40E-D9864AA22A19}" type="datetimeFigureOut">
               <a:rPr lang="ko-KR" altLang="en-US" smtClean="0"/>
               <a:pPr/>
-              <a:t>2012-09-09</a:t>
+              <a:t>2012-09-10</a:t>
             </a:fld>
             <a:endParaRPr lang="ko-KR" altLang="en-US"/>
           </a:p>
@@ -2368,7 +2764,7 @@
             <a:fld id="{0772CA07-ADC5-4316-B40E-D9864AA22A19}" type="datetimeFigureOut">
               <a:rPr lang="ko-KR" altLang="en-US" smtClean="0"/>
               <a:pPr/>
-              <a:t>2012-09-09</a:t>
+              <a:t>2012-09-10</a:t>
             </a:fld>
             <a:endParaRPr lang="ko-KR" altLang="en-US"/>
           </a:p>
@@ -2545,7 +2941,7 @@
             <a:fld id="{0772CA07-ADC5-4316-B40E-D9864AA22A19}" type="datetimeFigureOut">
               <a:rPr lang="ko-KR" altLang="en-US" smtClean="0"/>
               <a:pPr/>
-              <a:t>2012-09-09</a:t>
+              <a:t>2012-09-10</a:t>
             </a:fld>
             <a:endParaRPr lang="ko-KR" altLang="en-US"/>
           </a:p>
@@ -2717,7 +3113,7 @@
             <a:fld id="{0772CA07-ADC5-4316-B40E-D9864AA22A19}" type="datetimeFigureOut">
               <a:rPr lang="ko-KR" altLang="en-US" smtClean="0"/>
               <a:pPr/>
-              <a:t>2012-09-09</a:t>
+              <a:t>2012-09-10</a:t>
             </a:fld>
             <a:endParaRPr lang="ko-KR" altLang="en-US"/>
           </a:p>
@@ -2929,7 +3325,7 @@
             <a:fld id="{0772CA07-ADC5-4316-B40E-D9864AA22A19}" type="datetimeFigureOut">
               <a:rPr lang="ko-KR" altLang="en-US" smtClean="0"/>
               <a:pPr/>
-              <a:t>2012-09-09</a:t>
+              <a:t>2012-09-10</a:t>
             </a:fld>
             <a:endParaRPr lang="ko-KR" altLang="en-US"/>
           </a:p>
@@ -3745,7 +4141,7 @@
             <a:fld id="{0772CA07-ADC5-4316-B40E-D9864AA22A19}" type="datetimeFigureOut">
               <a:rPr lang="ko-KR" altLang="en-US" smtClean="0"/>
               <a:pPr/>
-              <a:t>2012-09-09</a:t>
+              <a:t>2012-09-10</a:t>
             </a:fld>
             <a:endParaRPr lang="ko-KR" altLang="en-US"/>
           </a:p>
@@ -3983,7 +4379,7 @@
             <a:fld id="{0772CA07-ADC5-4316-B40E-D9864AA22A19}" type="datetimeFigureOut">
               <a:rPr lang="ko-KR" altLang="en-US" smtClean="0"/>
               <a:pPr/>
-              <a:t>2012-09-09</a:t>
+              <a:t>2012-09-10</a:t>
             </a:fld>
             <a:endParaRPr lang="ko-KR" altLang="en-US"/>
           </a:p>
@@ -4308,7 +4704,7 @@
             <a:fld id="{0772CA07-ADC5-4316-B40E-D9864AA22A19}" type="datetimeFigureOut">
               <a:rPr lang="ko-KR" altLang="en-US" smtClean="0"/>
               <a:pPr/>
-              <a:t>2012-09-09</a:t>
+              <a:t>2012-09-10</a:t>
             </a:fld>
             <a:endParaRPr lang="ko-KR" altLang="en-US"/>
           </a:p>
@@ -4400,7 +4796,7 @@
             <a:fld id="{0772CA07-ADC5-4316-B40E-D9864AA22A19}" type="datetimeFigureOut">
               <a:rPr lang="ko-KR" altLang="en-US" smtClean="0"/>
               <a:pPr/>
-              <a:t>2012-09-09</a:t>
+              <a:t>2012-09-10</a:t>
             </a:fld>
             <a:endParaRPr lang="ko-KR" altLang="en-US"/>
           </a:p>
@@ -4919,7 +5315,7 @@
             <a:fld id="{0772CA07-ADC5-4316-B40E-D9864AA22A19}" type="datetimeFigureOut">
               <a:rPr lang="ko-KR" altLang="en-US" smtClean="0"/>
               <a:pPr/>
-              <a:t>2012-09-09</a:t>
+              <a:t>2012-09-10</a:t>
             </a:fld>
             <a:endParaRPr lang="ko-KR" altLang="en-US"/>
           </a:p>
@@ -5432,7 +5828,7 @@
             <a:fld id="{0772CA07-ADC5-4316-B40E-D9864AA22A19}" type="datetimeFigureOut">
               <a:rPr lang="ko-KR" altLang="en-US" smtClean="0"/>
               <a:pPr/>
-              <a:t>2012-09-09</a:t>
+              <a:t>2012-09-10</a:t>
             </a:fld>
             <a:endParaRPr lang="ko-KR" altLang="en-US"/>
           </a:p>
@@ -5679,7 +6075,7 @@
             <a:fld id="{0772CA07-ADC5-4316-B40E-D9864AA22A19}" type="datetimeFigureOut">
               <a:rPr lang="ko-KR" altLang="en-US" smtClean="0"/>
               <a:pPr/>
-              <a:t>2012-09-09</a:t>
+              <a:t>2012-09-10</a:t>
             </a:fld>
             <a:endParaRPr lang="ko-KR" altLang="en-US"/>
           </a:p>
@@ -6341,6 +6737,81 @@
 </p:sld>
 </file>
 
+<file path=ppt/slides/slide10.xml><?xml version="1.0" encoding="utf-8"?>
+<p:sld xmlns:a="http://schemas.openxmlformats.org/drawingml/2006/main" xmlns:r="http://schemas.openxmlformats.org/officeDocument/2006/relationships" xmlns:p="http://schemas.openxmlformats.org/presentationml/2006/main">
+  <p:cSld>
+    <p:spTree>
+      <p:nvGrpSpPr>
+        <p:cNvPr id="1" name=""/>
+        <p:cNvGrpSpPr/>
+        <p:nvPr/>
+      </p:nvGrpSpPr>
+      <p:grpSpPr>
+        <a:xfrm>
+          <a:off x="0" y="0"/>
+          <a:ext cx="0" cy="0"/>
+          <a:chOff x="0" y="0"/>
+          <a:chExt cx="0" cy="0"/>
+        </a:xfrm>
+      </p:grpSpPr>
+      <p:sp>
+        <p:nvSpPr>
+          <p:cNvPr id="2" name="제목 1"/>
+          <p:cNvSpPr>
+            <a:spLocks noGrp="1"/>
+          </p:cNvSpPr>
+          <p:nvPr>
+            <p:ph type="title"/>
+          </p:nvPr>
+        </p:nvSpPr>
+        <p:spPr/>
+        <p:txBody>
+          <a:bodyPr/>
+          <a:lstStyle/>
+          <a:p>
+            <a:r>
+              <a:rPr lang="en-US" altLang="ko-KR" dirty="0" smtClean="0"/>
+              <a:t>Demo</a:t>
+            </a:r>
+            <a:endParaRPr lang="ko-KR" altLang="en-US" dirty="0"/>
+          </a:p>
+        </p:txBody>
+      </p:sp>
+      <p:sp>
+        <p:nvSpPr>
+          <p:cNvPr id="3" name="내용 개체 틀 2"/>
+          <p:cNvSpPr>
+            <a:spLocks noGrp="1"/>
+          </p:cNvSpPr>
+          <p:nvPr>
+            <p:ph sz="quarter" idx="1"/>
+          </p:nvPr>
+        </p:nvSpPr>
+        <p:spPr>
+          <a:xfrm>
+            <a:off x="457200" y="1600200"/>
+            <a:ext cx="7467600" cy="2476872"/>
+          </a:xfrm>
+        </p:spPr>
+        <p:txBody>
+          <a:bodyPr/>
+          <a:lstStyle/>
+          <a:p>
+            <a:endParaRPr lang="ko-KR" altLang="en-US" dirty="0" smtClean="0"/>
+          </a:p>
+          <a:p>
+            <a:endParaRPr lang="ko-KR" altLang="en-US" dirty="0"/>
+          </a:p>
+        </p:txBody>
+      </p:sp>
+    </p:spTree>
+  </p:cSld>
+  <p:clrMapOvr>
+    <a:masterClrMapping/>
+  </p:clrMapOvr>
+</p:sld>
+</file>
+
 <file path=ppt/slides/slide2.xml><?xml version="1.0" encoding="utf-8"?>
 <p:sld xmlns:a="http://schemas.openxmlformats.org/drawingml/2006/main" xmlns:r="http://schemas.openxmlformats.org/officeDocument/2006/relationships" xmlns:p="http://schemas.openxmlformats.org/presentationml/2006/main">
   <p:cSld>
@@ -6393,8 +6864,22 @@
         </p:nvSpPr>
         <p:spPr/>
         <p:txBody>
-          <a:bodyPr/>
-          <a:lstStyle/>
+          <a:bodyPr>
+            <a:normAutofit/>
+          </a:bodyPr>
+          <a:lstStyle/>
+          <a:p>
+            <a:endParaRPr lang="en-US" altLang="ko-KR" dirty="0" smtClean="0"/>
+          </a:p>
+          <a:p>
+            <a:r>
+              <a:rPr lang="en-US" altLang="ko-KR" dirty="0" smtClean="0"/>
+              <a:t>Imaging</a:t>
+            </a:r>
+          </a:p>
+          <a:p>
+            <a:endParaRPr lang="en-US" altLang="ko-KR" dirty="0" smtClean="0"/>
+          </a:p>
           <a:p>
             <a:r>
               <a:rPr lang="en-US" altLang="ko-KR" dirty="0" smtClean="0"/>
@@ -6407,33 +6892,24 @@
           <a:p>
             <a:r>
               <a:rPr lang="en-US" altLang="ko-KR" dirty="0" smtClean="0"/>
-              <a:t>Why </a:t>
-            </a:r>
+              <a:t>Why do we need New Platform</a:t>
+            </a:r>
+          </a:p>
+          <a:p>
+            <a:endParaRPr lang="en-US" altLang="ko-KR" dirty="0" smtClean="0"/>
+          </a:p>
+          <a:p>
             <a:r>
               <a:rPr lang="en-US" altLang="ko-KR" dirty="0" smtClean="0"/>
-              <a:t>need New Platform</a:t>
-            </a:r>
-          </a:p>
-          <a:p>
-            <a:endParaRPr lang="en-US" altLang="ko-KR" dirty="0"/>
-          </a:p>
-          <a:p>
+              <a:t>What is </a:t>
+            </a:r>
+            <a:r>
+              <a:rPr lang="en-US" altLang="ko-KR" dirty="0" err="1" smtClean="0"/>
+              <a:t>aradon</a:t>
+            </a:r>
             <a:r>
               <a:rPr lang="en-US" altLang="ko-KR" dirty="0" smtClean="0"/>
-              <a:t>Why use HTTP Protocol</a:t>
-            </a:r>
-          </a:p>
-          <a:p>
-            <a:endParaRPr lang="en-US" altLang="ko-KR" dirty="0"/>
-          </a:p>
-          <a:p>
-            <a:r>
-              <a:rPr lang="en-US" altLang="ko-KR" dirty="0" smtClean="0"/>
-              <a:t>What is so </a:t>
-            </a:r>
-            <a:r>
-              <a:rPr lang="en-US" altLang="ko-KR" dirty="0" smtClean="0"/>
-              <a:t>important</a:t>
+              <a:t> </a:t>
             </a:r>
           </a:p>
           <a:p>
@@ -6490,7 +6966,7 @@
           <a:p>
             <a:r>
               <a:rPr lang="en-US" altLang="ko-KR" dirty="0" smtClean="0"/>
-              <a:t>What is Platform ?</a:t>
+              <a:t>Imaging</a:t>
             </a:r>
             <a:endParaRPr lang="ko-KR" altLang="en-US" dirty="0"/>
           </a:p>
@@ -6498,7 +6974,7 @@
       </p:sp>
       <p:sp>
         <p:nvSpPr>
-          <p:cNvPr id="3" name="내용 개체 틀 2"/>
+          <p:cNvPr id="4" name="내용 개체 틀 3"/>
           <p:cNvSpPr>
             <a:spLocks noGrp="1"/>
           </p:cNvSpPr>
@@ -6506,93 +6982,124 @@
             <p:ph sz="quarter" idx="1"/>
           </p:nvPr>
         </p:nvSpPr>
-        <p:spPr/>
-        <p:txBody>
-          <a:bodyPr>
-            <a:normAutofit/>
-          </a:bodyPr>
-          <a:lstStyle/>
-          <a:p>
-            <a:r>
-              <a:rPr lang="en-US" altLang="ko-KR" dirty="0" smtClean="0"/>
-              <a:t>DRY</a:t>
-            </a:r>
-          </a:p>
-          <a:p>
-            <a:pPr lvl="1"/>
-            <a:r>
-              <a:rPr lang="en-US" altLang="ko-KR" dirty="0" smtClean="0"/>
-              <a:t>Callback – Class Level</a:t>
-            </a:r>
-          </a:p>
-          <a:p>
-            <a:pPr lvl="1"/>
-            <a:r>
-              <a:rPr lang="en-US" altLang="ko-KR" dirty="0" smtClean="0"/>
-              <a:t>Framework – Component Level</a:t>
-            </a:r>
-          </a:p>
-          <a:p>
-            <a:pPr lvl="1"/>
-            <a:r>
-              <a:rPr lang="en-US" altLang="ko-KR" dirty="0" smtClean="0"/>
-              <a:t>Platform – Service Level</a:t>
-            </a:r>
-          </a:p>
-          <a:p>
-            <a:endParaRPr lang="en-US" altLang="ko-KR" dirty="0" smtClean="0"/>
-          </a:p>
-          <a:p>
-            <a:r>
-              <a:rPr lang="en-US" altLang="ko-KR" dirty="0" smtClean="0"/>
-              <a:t>What is Common</a:t>
-            </a:r>
-          </a:p>
-          <a:p>
-            <a:pPr lvl="1"/>
-            <a:r>
-              <a:rPr lang="en-US" altLang="ko-KR" dirty="0" smtClean="0"/>
-              <a:t> required high scalability</a:t>
-            </a:r>
-          </a:p>
-          <a:p>
-            <a:pPr lvl="1"/>
-            <a:r>
-              <a:rPr lang="en-US" altLang="ko-KR" dirty="0" smtClean="0"/>
-              <a:t>quick &amp; easy </a:t>
-            </a:r>
-            <a:r>
-              <a:rPr lang="en-US" altLang="ko-KR" dirty="0" err="1" smtClean="0"/>
-              <a:t>deply</a:t>
-            </a:r>
-            <a:r>
-              <a:rPr lang="en-US" altLang="ko-KR" dirty="0" smtClean="0"/>
-              <a:t> &amp; Test</a:t>
-            </a:r>
-          </a:p>
-          <a:p>
-            <a:pPr lvl="1"/>
-            <a:r>
-              <a:rPr lang="en-US" altLang="ko-KR" dirty="0" smtClean="0"/>
-              <a:t>multi-Tenancy</a:t>
-            </a:r>
-          </a:p>
-          <a:p>
-            <a:pPr lvl="1"/>
-            <a:endParaRPr lang="en-US" altLang="ko-KR" dirty="0" smtClean="0"/>
-          </a:p>
-          <a:p>
-            <a:pPr lvl="1"/>
-            <a:endParaRPr lang="en-US" altLang="ko-KR" dirty="0" smtClean="0"/>
-          </a:p>
-          <a:p>
-            <a:pPr lvl="1">
-              <a:buNone/>
-            </a:pPr>
+        <p:spPr>
+          <a:xfrm>
+            <a:off x="457200" y="1600200"/>
+            <a:ext cx="2890664" cy="1324744"/>
+          </a:xfrm>
+        </p:spPr>
+        <p:txBody>
+          <a:bodyPr/>
+          <a:lstStyle/>
+          <a:p>
             <a:endParaRPr lang="ko-KR" altLang="en-US" dirty="0"/>
           </a:p>
         </p:txBody>
       </p:sp>
+      <p:pic>
+        <p:nvPicPr>
+          <p:cNvPr id="2050" name="Picture 2" descr="http://blog.tmcnet.com/blog/tom-keating/images/salesforce-packet8.jpg"/>
+          <p:cNvPicPr>
+            <a:picLocks noChangeAspect="1" noChangeArrowheads="1"/>
+          </p:cNvPicPr>
+          <p:nvPr/>
+        </p:nvPicPr>
+        <p:blipFill>
+          <a:blip r:embed="rId3" cstate="print"/>
+          <a:srcRect/>
+          <a:stretch>
+            <a:fillRect/>
+          </a:stretch>
+        </p:blipFill>
+        <p:spPr bwMode="auto">
+          <a:xfrm>
+            <a:off x="5220072" y="2132856"/>
+            <a:ext cx="3096344" cy="2327252"/>
+          </a:xfrm>
+          <a:prstGeom prst="rect">
+            <a:avLst/>
+          </a:prstGeom>
+          <a:noFill/>
+        </p:spPr>
+      </p:pic>
+      <p:pic>
+        <p:nvPicPr>
+          <p:cNvPr id="6" name="Picture 6" descr="http://cfs2.tistory.com/upload_control/download.blog?fhandle=YmxvZzU4NjhAZnMyLnRpc3RvcnkuY29tOi9hdHRhY2gvMC8zOS5qcGc%3D"/>
+          <p:cNvPicPr>
+            <a:picLocks noChangeAspect="1" noChangeArrowheads="1"/>
+          </p:cNvPicPr>
+          <p:nvPr/>
+        </p:nvPicPr>
+        <p:blipFill>
+          <a:blip r:embed="rId4" cstate="print"/>
+          <a:srcRect/>
+          <a:stretch>
+            <a:fillRect/>
+          </a:stretch>
+        </p:blipFill>
+        <p:spPr bwMode="auto">
+          <a:xfrm>
+            <a:off x="1979712" y="4005064"/>
+            <a:ext cx="3168352" cy="2376264"/>
+          </a:xfrm>
+          <a:prstGeom prst="rect">
+            <a:avLst/>
+          </a:prstGeom>
+          <a:noFill/>
+        </p:spPr>
+      </p:pic>
+      <p:pic>
+        <p:nvPicPr>
+          <p:cNvPr id="8" name="Picture 2" descr="http://cdn.cnet.com.au/story_media/339308413/lg-smart-home_1.jpg"/>
+          <p:cNvPicPr>
+            <a:picLocks noChangeAspect="1" noChangeArrowheads="1"/>
+          </p:cNvPicPr>
+          <p:nvPr/>
+        </p:nvPicPr>
+        <p:blipFill>
+          <a:blip r:embed="rId5" cstate="print"/>
+          <a:srcRect/>
+          <a:stretch>
+            <a:fillRect/>
+          </a:stretch>
+        </p:blipFill>
+        <p:spPr bwMode="auto">
+          <a:xfrm>
+            <a:off x="5796136" y="4221088"/>
+            <a:ext cx="2285813" cy="1710550"/>
+          </a:xfrm>
+          <a:prstGeom prst="rect">
+            <a:avLst/>
+          </a:prstGeom>
+          <a:noFill/>
+        </p:spPr>
+      </p:pic>
+      <p:pic>
+        <p:nvPicPr>
+          <p:cNvPr id="5" name="Picture 8" descr="http://cfs2.tistory.com/upload_control/download.blog?fhandle=YmxvZzM5OTg4QGZzMi50aXN0b3J5LmNvbTovYXR0YWNoLzIvMjk4LmpwZw%3D%3D"/>
+          <p:cNvPicPr>
+            <a:picLocks noChangeAspect="1" noChangeArrowheads="1"/>
+          </p:cNvPicPr>
+          <p:nvPr/>
+        </p:nvPicPr>
+        <p:blipFill>
+          <a:blip r:embed="rId6" cstate="print"/>
+          <a:srcRect/>
+          <a:stretch>
+            <a:fillRect/>
+          </a:stretch>
+        </p:blipFill>
+        <p:spPr bwMode="auto">
+          <a:xfrm>
+            <a:off x="899592" y="2132856"/>
+            <a:ext cx="3530992" cy="2664295"/>
+          </a:xfrm>
+          <a:prstGeom prst="rect">
+            <a:avLst/>
+          </a:prstGeom>
+          <a:noFill/>
+        </p:spPr>
+      </p:pic>
     </p:spTree>
   </p:cSld>
   <p:clrMapOvr>
@@ -6618,32 +7125,6 @@
           <a:chExt cx="0" cy="0"/>
         </a:xfrm>
       </p:grpSpPr>
-      <p:pic>
-        <p:nvPicPr>
-          <p:cNvPr id="2056" name="Picture 8" descr="http://cfs2.tistory.com/upload_control/download.blog?fhandle=YmxvZzM5OTg4QGZzMi50aXN0b3J5LmNvbTovYXR0YWNoLzIvMjk4LmpwZw%3D%3D"/>
-          <p:cNvPicPr>
-            <a:picLocks noChangeAspect="1" noChangeArrowheads="1"/>
-          </p:cNvPicPr>
-          <p:nvPr/>
-        </p:nvPicPr>
-        <p:blipFill>
-          <a:blip r:embed="rId3" cstate="print"/>
-          <a:srcRect/>
-          <a:stretch>
-            <a:fillRect/>
-          </a:stretch>
-        </p:blipFill>
-        <p:spPr bwMode="auto">
-          <a:xfrm>
-            <a:off x="1835696" y="2132856"/>
-            <a:ext cx="2880320" cy="2173333"/>
-          </a:xfrm>
-          <a:prstGeom prst="rect">
-            <a:avLst/>
-          </a:prstGeom>
-          <a:noFill/>
-        </p:spPr>
-      </p:pic>
       <p:sp>
         <p:nvSpPr>
           <p:cNvPr id="2" name="제목 1"/>
@@ -6661,7 +7142,7 @@
           <a:p>
             <a:r>
               <a:rPr lang="en-US" altLang="ko-KR" dirty="0" smtClean="0"/>
-              <a:t>Why need New Platform</a:t>
+              <a:t>What is Platform ?</a:t>
             </a:r>
             <a:endParaRPr lang="ko-KR" altLang="en-US" dirty="0"/>
           </a:p>
@@ -6686,93 +7167,91 @@
           <a:p>
             <a:r>
               <a:rPr lang="en-US" altLang="ko-KR" dirty="0" smtClean="0"/>
-              <a:t>More Networked Devices</a:t>
-            </a:r>
-            <a:br>
+              <a:t>DRY</a:t>
+            </a:r>
+          </a:p>
+          <a:p>
+            <a:pPr lvl="1"/>
+            <a:r>
               <a:rPr lang="en-US" altLang="ko-KR" dirty="0" smtClean="0"/>
-            </a:br>
+              <a:t>Callback – Class Level</a:t>
+            </a:r>
+          </a:p>
+          <a:p>
+            <a:pPr lvl="1"/>
+            <a:r>
+              <a:rPr lang="en-US" altLang="ko-KR" dirty="0" smtClean="0"/>
+              <a:t>Framework – Component Level</a:t>
+            </a:r>
+          </a:p>
+          <a:p>
+            <a:pPr lvl="1"/>
+            <a:r>
+              <a:rPr lang="en-US" altLang="ko-KR" dirty="0" smtClean="0"/>
+              <a:t>Platform – Service Level</a:t>
+            </a:r>
+          </a:p>
+          <a:p>
+            <a:endParaRPr lang="en-US" altLang="ko-KR" dirty="0" smtClean="0"/>
+          </a:p>
+          <a:p>
+            <a:r>
+              <a:rPr lang="en-US" altLang="ko-KR" dirty="0" smtClean="0"/>
+              <a:t>What is Common in Service</a:t>
+            </a:r>
+          </a:p>
+          <a:p>
+            <a:pPr lvl="1"/>
+            <a:r>
+              <a:rPr lang="en-US" altLang="ko-KR" dirty="0" smtClean="0"/>
+              <a:t>required high scalability</a:t>
+            </a:r>
+          </a:p>
+          <a:p>
+            <a:pPr lvl="1"/>
+            <a:r>
+              <a:rPr lang="en-US" altLang="ko-KR" dirty="0" smtClean="0"/>
+              <a:t>quick/easy </a:t>
+            </a:r>
+            <a:r>
+              <a:rPr lang="en-US" altLang="ko-KR" dirty="0" smtClean="0"/>
+              <a:t>deploy &amp; Test</a:t>
+            </a:r>
+          </a:p>
+          <a:p>
+            <a:pPr lvl="1"/>
+            <a:r>
+              <a:rPr lang="en-US" altLang="ko-KR" dirty="0" smtClean="0"/>
+              <a:t>nonfunctional requirement</a:t>
+            </a:r>
+          </a:p>
+          <a:p>
+            <a:pPr lvl="1"/>
+            <a:r>
+              <a:rPr lang="en-US" altLang="ko-KR" dirty="0" smtClean="0"/>
+              <a:t>support various protocol(ex </a:t>
+            </a:r>
+            <a:r>
+              <a:rPr lang="en-US" altLang="ko-KR" dirty="0" err="1" smtClean="0"/>
+              <a:t>realtime</a:t>
+            </a:r>
+            <a:r>
+              <a:rPr lang="en-US" altLang="ko-KR" dirty="0" smtClean="0"/>
+              <a:t>)</a:t>
+            </a:r>
+          </a:p>
+          <a:p>
+            <a:pPr lvl="1"/>
+            <a:endParaRPr lang="en-US" altLang="ko-KR" dirty="0" smtClean="0"/>
+          </a:p>
+          <a:p>
+            <a:pPr lvl="1">
+              <a:buNone/>
+            </a:pPr>
             <a:endParaRPr lang="ko-KR" altLang="en-US" dirty="0"/>
           </a:p>
         </p:txBody>
       </p:sp>
-      <p:pic>
-        <p:nvPicPr>
-          <p:cNvPr id="2054" name="Picture 6" descr="http://cfs2.tistory.com/upload_control/download.blog?fhandle=YmxvZzU4NjhAZnMyLnRpc3RvcnkuY29tOi9hdHRhY2gvMC8zOS5qcGc%3D"/>
-          <p:cNvPicPr>
-            <a:picLocks noChangeAspect="1" noChangeArrowheads="1"/>
-          </p:cNvPicPr>
-          <p:nvPr/>
-        </p:nvPicPr>
-        <p:blipFill>
-          <a:blip r:embed="rId4" cstate="print"/>
-          <a:srcRect/>
-          <a:stretch>
-            <a:fillRect/>
-          </a:stretch>
-        </p:blipFill>
-        <p:spPr bwMode="auto">
-          <a:xfrm>
-            <a:off x="5580112" y="1844824"/>
-            <a:ext cx="2808312" cy="2106234"/>
-          </a:xfrm>
-          <a:prstGeom prst="rect">
-            <a:avLst/>
-          </a:prstGeom>
-          <a:noFill/>
-        </p:spPr>
-      </p:pic>
-      <p:pic>
-        <p:nvPicPr>
-          <p:cNvPr id="2050" name="Picture 2" descr="http://cdn.cnet.com.au/story_media/339308413/lg-smart-home_1.jpg"/>
-          <p:cNvPicPr>
-            <a:picLocks noChangeAspect="1" noChangeArrowheads="1"/>
-          </p:cNvPicPr>
-          <p:nvPr/>
-        </p:nvPicPr>
-        <p:blipFill>
-          <a:blip r:embed="rId5" cstate="print"/>
-          <a:srcRect/>
-          <a:stretch>
-            <a:fillRect/>
-          </a:stretch>
-        </p:blipFill>
-        <p:spPr bwMode="auto">
-          <a:xfrm>
-            <a:off x="4804543" y="3878690"/>
-            <a:ext cx="3151833" cy="2358622"/>
-          </a:xfrm>
-          <a:prstGeom prst="rect">
-            <a:avLst/>
-          </a:prstGeom>
-          <a:noFill/>
-        </p:spPr>
-      </p:pic>
-      <p:pic>
-        <p:nvPicPr>
-          <p:cNvPr id="2052" name="Picture 4" descr="http://hitechanalogy.com/wp-content/uploads/2010/10/apple-tv.jpg"/>
-          <p:cNvPicPr>
-            <a:picLocks noChangeAspect="1" noChangeArrowheads="1"/>
-          </p:cNvPicPr>
-          <p:nvPr/>
-        </p:nvPicPr>
-        <p:blipFill>
-          <a:blip r:embed="rId6" cstate="print"/>
-          <a:srcRect/>
-          <a:stretch>
-            <a:fillRect/>
-          </a:stretch>
-        </p:blipFill>
-        <p:spPr bwMode="auto">
-          <a:xfrm>
-            <a:off x="899592" y="3933056"/>
-            <a:ext cx="3461922" cy="2160240"/>
-          </a:xfrm>
-          <a:prstGeom prst="rect">
-            <a:avLst/>
-          </a:prstGeom>
-          <a:noFill/>
-        </p:spPr>
-      </p:pic>
     </p:spTree>
   </p:cSld>
   <p:clrMapOvr>
@@ -6800,47 +7279,83 @@
       </p:grpSpPr>
       <p:sp>
         <p:nvSpPr>
-          <p:cNvPr id="2" name="제목 1"/>
+          <p:cNvPr id="3" name="내용 개체 틀 2"/>
           <p:cNvSpPr>
             <a:spLocks noGrp="1"/>
           </p:cNvSpPr>
           <p:nvPr>
-            <p:ph type="title"/>
+            <p:ph sz="quarter" idx="1"/>
           </p:nvPr>
         </p:nvSpPr>
         <p:spPr/>
         <p:txBody>
-          <a:bodyPr/>
-          <a:lstStyle/>
+          <a:bodyPr>
+            <a:normAutofit lnSpcReduction="10000"/>
+          </a:bodyPr>
+          <a:lstStyle/>
+          <a:p>
+            <a:r>
+              <a:rPr lang="ko-KR" altLang="en-US" dirty="0" smtClean="0">
+                <a:latin typeface="HY중고딕" pitchFamily="18" charset="-127"/>
+                <a:ea typeface="HY중고딕" pitchFamily="18" charset="-127"/>
+              </a:rPr>
+              <a:t>변화된 시장환경</a:t>
+            </a:r>
+            <a:endParaRPr lang="en-US" altLang="ko-KR" dirty="0" smtClean="0">
+              <a:latin typeface="HY중고딕" pitchFamily="18" charset="-127"/>
+              <a:ea typeface="HY중고딕" pitchFamily="18" charset="-127"/>
+            </a:endParaRPr>
+          </a:p>
+          <a:p>
+            <a:pPr lvl="1"/>
+            <a:r>
+              <a:rPr lang="en-US" altLang="ko-KR" dirty="0" smtClean="0">
+                <a:latin typeface="HY중고딕" pitchFamily="18" charset="-127"/>
+                <a:ea typeface="HY중고딕" pitchFamily="18" charset="-127"/>
+              </a:rPr>
+              <a:t>More Networked Devices</a:t>
+            </a:r>
+          </a:p>
+          <a:p>
+            <a:pPr lvl="1"/>
+            <a:r>
+              <a:rPr lang="en-US" altLang="ko-KR" dirty="0" smtClean="0">
+                <a:latin typeface="HY중고딕" pitchFamily="18" charset="-127"/>
+                <a:ea typeface="HY중고딕" pitchFamily="18" charset="-127"/>
+              </a:rPr>
+              <a:t>HTML5</a:t>
+            </a:r>
+          </a:p>
+          <a:p>
+            <a:pPr lvl="1"/>
+            <a:r>
+              <a:rPr lang="en-US" altLang="ko-KR" dirty="0" smtClean="0">
+                <a:latin typeface="HY중고딕" pitchFamily="18" charset="-127"/>
+                <a:ea typeface="HY중고딕" pitchFamily="18" charset="-127"/>
+              </a:rPr>
+              <a:t>From software To Service</a:t>
+            </a:r>
+          </a:p>
+          <a:p>
+            <a:pPr lvl="1"/>
+            <a:r>
+              <a:rPr lang="en-US" altLang="ko-KR" dirty="0" smtClean="0">
+                <a:latin typeface="HY중고딕" pitchFamily="18" charset="-127"/>
+                <a:ea typeface="HY중고딕" pitchFamily="18" charset="-127"/>
+              </a:rPr>
+              <a:t>Cloud</a:t>
+            </a:r>
+          </a:p>
+          <a:p>
+            <a:endParaRPr lang="en-US" altLang="ko-KR" dirty="0" smtClean="0">
+              <a:latin typeface="HY중고딕" pitchFamily="18" charset="-127"/>
+              <a:ea typeface="HY중고딕" pitchFamily="18" charset="-127"/>
+            </a:endParaRPr>
+          </a:p>
           <a:p>
             <a:r>
               <a:rPr lang="en-US" altLang="ko-KR" dirty="0" smtClean="0"/>
-              <a:t>Why need New Platform</a:t>
-            </a:r>
-            <a:endParaRPr lang="ko-KR" altLang="en-US" dirty="0"/>
-          </a:p>
-        </p:txBody>
-      </p:sp>
-      <p:sp>
-        <p:nvSpPr>
-          <p:cNvPr id="3" name="내용 개체 틀 2"/>
-          <p:cNvSpPr>
-            <a:spLocks noGrp="1"/>
-          </p:cNvSpPr>
-          <p:nvPr>
-            <p:ph sz="quarter" idx="1"/>
-          </p:nvPr>
-        </p:nvSpPr>
-        <p:spPr/>
-        <p:txBody>
-          <a:bodyPr>
-            <a:normAutofit/>
-          </a:bodyPr>
-          <a:lstStyle/>
-          <a:p>
-            <a:r>
-              <a:rPr lang="en-US" altLang="ko-KR" dirty="0" smtClean="0"/>
-              <a:t>Why not based </a:t>
+              <a:t>Why not </a:t>
             </a:r>
             <a:r>
               <a:rPr lang="en-US" altLang="ko-KR" dirty="0" err="1" smtClean="0"/>
@@ -6848,9 +7363,8 @@
             </a:r>
             <a:r>
               <a:rPr lang="en-US" altLang="ko-KR" dirty="0" smtClean="0"/>
-              <a:t> </a:t>
-            </a:r>
-            <a:endParaRPr lang="en-US" altLang="ko-KR" dirty="0" smtClean="0"/>
+              <a:t> based Platform</a:t>
+            </a:r>
           </a:p>
           <a:p>
             <a:pPr lvl="1"/>
@@ -6867,21 +7381,8 @@
             </a:br>
             <a:r>
               <a:rPr lang="en-US" altLang="ko-KR" dirty="0" smtClean="0"/>
-              <a:t>Connected Web, Streaming</a:t>
-            </a:r>
-            <a:r>
-              <a:rPr lang="en-US" altLang="ko-KR" dirty="0" smtClean="0"/>
-              <a:t>, Split Service, </a:t>
-            </a:r>
-            <a:r>
-              <a:rPr lang="en-US" altLang="ko-KR" dirty="0" smtClean="0"/>
-              <a:t>Data Serialization</a:t>
-            </a:r>
-            <a:endParaRPr lang="en-US" altLang="ko-KR" dirty="0" smtClean="0"/>
-          </a:p>
-          <a:p>
-            <a:pPr lvl="1"/>
-            <a:endParaRPr lang="en-US" altLang="ko-KR" dirty="0" smtClean="0"/>
+              <a:t>Connected Web, Streaming, Split Service, Data Serialization</a:t>
+            </a:r>
           </a:p>
           <a:p>
             <a:pPr lvl="1"/>
@@ -6889,10 +7390,6 @@
               <a:rPr lang="en-US" altLang="ko-KR" dirty="0" smtClean="0"/>
               <a:t>Required High Scalability</a:t>
             </a:r>
-          </a:p>
-          <a:p>
-            <a:pPr lvl="1"/>
-            <a:endParaRPr lang="en-US" altLang="ko-KR" dirty="0" smtClean="0"/>
           </a:p>
           <a:p>
             <a:pPr lvl="1"/>
@@ -6903,6 +7400,55 @@
             <a:br>
               <a:rPr lang="en-US" altLang="ko-KR" dirty="0" smtClean="0"/>
             </a:br>
+            <a:endParaRPr lang="ko-KR" altLang="en-US" dirty="0"/>
+          </a:p>
+        </p:txBody>
+      </p:sp>
+      <p:pic>
+        <p:nvPicPr>
+          <p:cNvPr id="4" name="Picture 4" descr="http://hitechanalogy.com/wp-content/uploads/2010/10/apple-tv.jpg"/>
+          <p:cNvPicPr>
+            <a:picLocks noChangeAspect="1" noChangeArrowheads="1"/>
+          </p:cNvPicPr>
+          <p:nvPr/>
+        </p:nvPicPr>
+        <p:blipFill>
+          <a:blip r:embed="rId3" cstate="print"/>
+          <a:srcRect/>
+          <a:stretch>
+            <a:fillRect/>
+          </a:stretch>
+        </p:blipFill>
+        <p:spPr bwMode="auto">
+          <a:xfrm>
+            <a:off x="5796136" y="2187006"/>
+            <a:ext cx="1990374" cy="1241994"/>
+          </a:xfrm>
+          <a:prstGeom prst="rect">
+            <a:avLst/>
+          </a:prstGeom>
+          <a:noFill/>
+        </p:spPr>
+      </p:pic>
+      <p:sp>
+        <p:nvSpPr>
+          <p:cNvPr id="2" name="제목 1"/>
+          <p:cNvSpPr>
+            <a:spLocks noGrp="1"/>
+          </p:cNvSpPr>
+          <p:nvPr>
+            <p:ph type="title"/>
+          </p:nvPr>
+        </p:nvSpPr>
+        <p:spPr/>
+        <p:txBody>
+          <a:bodyPr/>
+          <a:lstStyle/>
+          <a:p>
+            <a:r>
+              <a:rPr lang="en-US" altLang="ko-KR" dirty="0" smtClean="0"/>
+              <a:t>Why do we need New Platform</a:t>
+            </a:r>
             <a:endParaRPr lang="ko-KR" altLang="en-US" dirty="0"/>
           </a:p>
         </p:txBody>
@@ -6934,195 +7480,51 @@
       </p:grpSpPr>
       <p:sp>
         <p:nvSpPr>
-          <p:cNvPr id="2" name="제목 1"/>
-          <p:cNvSpPr>
-            <a:spLocks noGrp="1"/>
-          </p:cNvSpPr>
-          <p:nvPr>
-            <p:ph type="title"/>
-          </p:nvPr>
-        </p:nvSpPr>
-        <p:spPr/>
-        <p:txBody>
-          <a:bodyPr/>
-          <a:lstStyle/>
-          <a:p>
-            <a:r>
-              <a:rPr lang="en-US" altLang="ko-KR" dirty="0" smtClean="0"/>
-              <a:t>Why use HTTP Protocol</a:t>
-            </a:r>
-            <a:endParaRPr lang="ko-KR" altLang="en-US" dirty="0"/>
-          </a:p>
-        </p:txBody>
-      </p:sp>
-      <p:sp>
-        <p:nvSpPr>
-          <p:cNvPr id="3" name="내용 개체 틀 2"/>
-          <p:cNvSpPr>
-            <a:spLocks noGrp="1"/>
-          </p:cNvSpPr>
-          <p:nvPr>
-            <p:ph sz="quarter" idx="1"/>
-          </p:nvPr>
-        </p:nvSpPr>
-        <p:spPr/>
-        <p:txBody>
-          <a:bodyPr/>
-          <a:lstStyle/>
-          <a:p>
-            <a:r>
-              <a:rPr lang="en-US" altLang="ko-KR" dirty="0" smtClean="0"/>
-              <a:t>Servers and Clients in any language</a:t>
-            </a:r>
-          </a:p>
-          <a:p>
-            <a:endParaRPr lang="en-US" altLang="ko-KR" dirty="0" smtClean="0"/>
-          </a:p>
-          <a:p>
-            <a:r>
-              <a:rPr lang="en-US" altLang="ko-KR" dirty="0" smtClean="0"/>
-              <a:t>Everyone already knows HTTP</a:t>
-            </a:r>
-          </a:p>
-          <a:p>
-            <a:endParaRPr lang="en-US" altLang="ko-KR" dirty="0" smtClean="0"/>
-          </a:p>
-          <a:p>
-            <a:r>
-              <a:rPr lang="en-US" altLang="ko-KR" dirty="0" smtClean="0"/>
-              <a:t>Prior knowledge and tools</a:t>
-            </a:r>
-            <a:endParaRPr lang="ko-KR" altLang="en-US" dirty="0"/>
-          </a:p>
-        </p:txBody>
-      </p:sp>
-    </p:spTree>
-  </p:cSld>
-  <p:clrMapOvr>
-    <a:masterClrMapping/>
-  </p:clrMapOvr>
-</p:sld>
-</file>
-
-<file path=ppt/slides/slide7.xml><?xml version="1.0" encoding="utf-8"?>
-<p:sld xmlns:a="http://schemas.openxmlformats.org/drawingml/2006/main" xmlns:r="http://schemas.openxmlformats.org/officeDocument/2006/relationships" xmlns:p="http://schemas.openxmlformats.org/presentationml/2006/main">
-  <p:cSld>
-    <p:spTree>
-      <p:nvGrpSpPr>
-        <p:cNvPr id="1" name=""/>
-        <p:cNvGrpSpPr/>
-        <p:nvPr/>
-      </p:nvGrpSpPr>
-      <p:grpSpPr>
-        <a:xfrm>
-          <a:off x="0" y="0"/>
-          <a:ext cx="0" cy="0"/>
-          <a:chOff x="0" y="0"/>
-          <a:chExt cx="0" cy="0"/>
-        </a:xfrm>
-      </p:grpSpPr>
-      <p:sp>
-        <p:nvSpPr>
-          <p:cNvPr id="2" name="제목 1"/>
-          <p:cNvSpPr>
-            <a:spLocks noGrp="1"/>
-          </p:cNvSpPr>
-          <p:nvPr>
-            <p:ph type="title"/>
-          </p:nvPr>
-        </p:nvSpPr>
-        <p:spPr/>
-        <p:txBody>
-          <a:bodyPr/>
-          <a:lstStyle/>
-          <a:p>
-            <a:r>
-              <a:rPr lang="en-US" altLang="ko-KR" dirty="0" smtClean="0"/>
-              <a:t>What is </a:t>
-            </a:r>
-            <a:r>
-              <a:rPr lang="en-US" altLang="ko-KR" dirty="0" smtClean="0"/>
-              <a:t>important About Platform</a:t>
-            </a:r>
-            <a:endParaRPr lang="ko-KR" altLang="en-US" dirty="0"/>
-          </a:p>
-        </p:txBody>
-      </p:sp>
-      <p:sp>
-        <p:nvSpPr>
-          <p:cNvPr id="3" name="내용 개체 틀 2"/>
-          <p:cNvSpPr>
-            <a:spLocks noGrp="1"/>
-          </p:cNvSpPr>
-          <p:nvPr>
-            <p:ph sz="quarter" idx="1"/>
-          </p:nvPr>
-        </p:nvSpPr>
-        <p:spPr/>
-        <p:txBody>
-          <a:bodyPr/>
-          <a:lstStyle/>
-          <a:p>
-            <a:r>
-              <a:rPr lang="en-US" altLang="ko-KR" dirty="0" smtClean="0"/>
-              <a:t>Testability</a:t>
-            </a:r>
-          </a:p>
-          <a:p>
-            <a:endParaRPr lang="en-US" altLang="ko-KR" dirty="0"/>
-          </a:p>
-          <a:p>
-            <a:r>
-              <a:rPr lang="en-US" altLang="ko-KR" dirty="0" smtClean="0"/>
-              <a:t>Scalability</a:t>
-            </a:r>
-          </a:p>
-          <a:p>
-            <a:endParaRPr lang="en-US" altLang="ko-KR" dirty="0"/>
-          </a:p>
-          <a:p>
-            <a:r>
-              <a:rPr lang="en-US" altLang="ko-KR" dirty="0" smtClean="0"/>
-              <a:t>Multi tenancy</a:t>
-            </a:r>
-          </a:p>
-          <a:p>
-            <a:endParaRPr lang="en-US" altLang="ko-KR" dirty="0" smtClean="0"/>
-          </a:p>
-          <a:p>
-            <a:r>
-              <a:rPr lang="en-US" altLang="ko-KR" dirty="0" smtClean="0"/>
-              <a:t>Software To Service</a:t>
-            </a:r>
-            <a:endParaRPr lang="ko-KR" altLang="en-US" dirty="0"/>
-          </a:p>
-        </p:txBody>
-      </p:sp>
-    </p:spTree>
-  </p:cSld>
-  <p:clrMapOvr>
-    <a:masterClrMapping/>
-  </p:clrMapOvr>
-</p:sld>
-</file>
-
-<file path=ppt/slides/slide8.xml><?xml version="1.0" encoding="utf-8"?>
-<p:sld xmlns:a="http://schemas.openxmlformats.org/drawingml/2006/main" xmlns:r="http://schemas.openxmlformats.org/officeDocument/2006/relationships" xmlns:p="http://schemas.openxmlformats.org/presentationml/2006/main">
-  <p:cSld>
-    <p:spTree>
-      <p:nvGrpSpPr>
-        <p:cNvPr id="1" name=""/>
-        <p:cNvGrpSpPr/>
-        <p:nvPr/>
-      </p:nvGrpSpPr>
-      <p:grpSpPr>
-        <a:xfrm>
-          <a:off x="0" y="0"/>
-          <a:ext cx="0" cy="0"/>
-          <a:chOff x="0" y="0"/>
-          <a:chExt cx="0" cy="0"/>
-        </a:xfrm>
-      </p:grpSpPr>
+          <p:cNvPr id="22" name="직사각형 21"/>
+          <p:cNvSpPr/>
+          <p:nvPr/>
+        </p:nvSpPr>
+        <p:spPr>
+          <a:xfrm>
+            <a:off x="5148064" y="1844824"/>
+            <a:ext cx="3600400" cy="4104456"/>
+          </a:xfrm>
+          <a:prstGeom prst="rect">
+            <a:avLst/>
+          </a:prstGeom>
+          <a:solidFill>
+            <a:schemeClr val="accent1">
+              <a:lumMod val="40000"/>
+              <a:lumOff val="60000"/>
+              <a:alpha val="27000"/>
+            </a:schemeClr>
+          </a:solidFill>
+        </p:spPr>
+        <p:style>
+          <a:lnRef idx="2">
+            <a:schemeClr val="accent1">
+              <a:shade val="50000"/>
+            </a:schemeClr>
+          </a:lnRef>
+          <a:fillRef idx="1">
+            <a:schemeClr val="accent1"/>
+          </a:fillRef>
+          <a:effectRef idx="0">
+            <a:schemeClr val="accent1"/>
+          </a:effectRef>
+          <a:fontRef idx="minor">
+            <a:schemeClr val="lt1"/>
+          </a:fontRef>
+        </p:style>
+        <p:txBody>
+          <a:bodyPr rtlCol="0" anchor="ctr"/>
+          <a:lstStyle/>
+          <a:p>
+            <a:pPr algn="ctr"/>
+            <a:endParaRPr lang="ko-KR" altLang="en-US"/>
+          </a:p>
+        </p:txBody>
+      </p:sp>
       <p:sp>
         <p:nvSpPr>
           <p:cNvPr id="4" name="제목 1"/>
@@ -7152,7 +7554,7 @@
               <a:rPr lang="en-US" altLang="ko-KR" sz="3200" dirty="0" smtClean="0"/>
               <a:t> ?</a:t>
             </a:r>
-            <a:endParaRPr lang="ko-KR" altLang="en-US" sz="3200" dirty="0"/>
+            <a:endParaRPr lang="ko-KR" altLang="en-US" sz="2400" dirty="0"/>
           </a:p>
         </p:txBody>
       </p:sp>
@@ -7197,7 +7599,7 @@
               <a:defRPr/>
             </a:pPr>
             <a:r>
-              <a:rPr kumimoji="0" lang="en-US" altLang="ko-KR" sz="2000" b="0" i="0" u="none" strike="noStrike" kern="1200" cap="none" spc="0" normalizeH="0" baseline="0" noProof="0" smtClean="0">
+              <a:rPr kumimoji="0" lang="en-US" altLang="ko-KR" sz="2000" b="0" i="0" u="none" strike="noStrike" kern="1200" cap="none" spc="0" normalizeH="0" baseline="0" noProof="0" dirty="0" err="1" smtClean="0">
                 <a:ln>
                   <a:noFill/>
                 </a:ln>
@@ -7212,6 +7614,23 @@
                 <a:cs typeface="+mn-cs"/>
               </a:rPr>
               <a:t>Aradon</a:t>
+            </a:r>
+            <a:r>
+              <a:rPr kumimoji="0" lang="en-US" altLang="ko-KR" sz="2000" b="0" i="0" u="none" strike="noStrike" kern="1200" cap="none" spc="0" normalizeH="0" baseline="0" noProof="0" dirty="0" smtClean="0">
+                <a:ln>
+                  <a:noFill/>
+                </a:ln>
+                <a:solidFill>
+                  <a:schemeClr val="tx1"/>
+                </a:solidFill>
+                <a:effectLst/>
+                <a:uLnTx/>
+                <a:uFillTx/>
+                <a:latin typeface="+mn-lt"/>
+                <a:ea typeface="+mn-ea"/>
+                <a:cs typeface="+mn-cs"/>
+              </a:rPr>
+              <a:t> – New Service Platform</a:t>
             </a:r>
             <a:endParaRPr kumimoji="0" lang="ko-KR" altLang="en-US" sz="2000" b="0" i="0" u="none" strike="noStrike" kern="1200" cap="none" spc="0" normalizeH="0" baseline="0" noProof="0" dirty="0">
               <a:ln>
@@ -8082,7 +8501,7 @@
         </p:nvSpPr>
         <p:spPr>
           <a:xfrm>
-            <a:off x="3635896" y="2996952"/>
+            <a:off x="3635896" y="2852936"/>
             <a:ext cx="1368152" cy="936104"/>
           </a:xfrm>
           <a:prstGeom prst="rightArrow">
@@ -8150,7 +8569,7 @@
         </p:nvSpPr>
         <p:spPr>
           <a:xfrm>
-            <a:off x="3563888" y="4005064"/>
+            <a:off x="3563888" y="3789040"/>
             <a:ext cx="1512168" cy="792088"/>
           </a:xfrm>
           <a:prstGeom prst="leftArrow">
@@ -8379,6 +8798,1416 @@
               <a:latin typeface="나눔고딕" pitchFamily="50" charset="-127"/>
               <a:ea typeface="나눔고딕" pitchFamily="50" charset="-127"/>
             </a:endParaRPr>
+          </a:p>
+        </p:txBody>
+      </p:sp>
+      <p:sp>
+        <p:nvSpPr>
+          <p:cNvPr id="25" name="대각선 방향의 모서리가 둥근 사각형 24"/>
+          <p:cNvSpPr/>
+          <p:nvPr/>
+        </p:nvSpPr>
+        <p:spPr>
+          <a:xfrm>
+            <a:off x="2627784" y="5157192"/>
+            <a:ext cx="1656184" cy="792088"/>
+          </a:xfrm>
+          <a:prstGeom prst="round2DiagRect">
+            <a:avLst/>
+          </a:prstGeom>
+          <a:solidFill>
+            <a:schemeClr val="accent6">
+              <a:lumMod val="20000"/>
+              <a:lumOff val="80000"/>
+            </a:schemeClr>
+          </a:solidFill>
+        </p:spPr>
+        <p:style>
+          <a:lnRef idx="2">
+            <a:schemeClr val="accent1">
+              <a:shade val="50000"/>
+            </a:schemeClr>
+          </a:lnRef>
+          <a:fillRef idx="1">
+            <a:schemeClr val="accent1"/>
+          </a:fillRef>
+          <a:effectRef idx="0">
+            <a:schemeClr val="accent1"/>
+          </a:effectRef>
+          <a:fontRef idx="minor">
+            <a:schemeClr val="lt1"/>
+          </a:fontRef>
+        </p:style>
+        <p:txBody>
+          <a:bodyPr rtlCol="0" anchor="ctr"/>
+          <a:lstStyle/>
+          <a:p>
+            <a:pPr algn="ctr"/>
+            <a:endParaRPr lang="ko-KR" altLang="en-US"/>
+          </a:p>
+        </p:txBody>
+      </p:sp>
+      <p:sp>
+        <p:nvSpPr>
+          <p:cNvPr id="26" name="대각선 방향의 모서리가 둥근 사각형 25"/>
+          <p:cNvSpPr/>
+          <p:nvPr/>
+        </p:nvSpPr>
+        <p:spPr>
+          <a:xfrm>
+            <a:off x="2680334" y="5229200"/>
+            <a:ext cx="1656184" cy="792088"/>
+          </a:xfrm>
+          <a:prstGeom prst="round2DiagRect">
+            <a:avLst/>
+          </a:prstGeom>
+          <a:solidFill>
+            <a:schemeClr val="accent6">
+              <a:lumMod val="20000"/>
+              <a:lumOff val="80000"/>
+            </a:schemeClr>
+          </a:solidFill>
+        </p:spPr>
+        <p:style>
+          <a:lnRef idx="2">
+            <a:schemeClr val="accent1">
+              <a:shade val="50000"/>
+            </a:schemeClr>
+          </a:lnRef>
+          <a:fillRef idx="1">
+            <a:schemeClr val="accent1"/>
+          </a:fillRef>
+          <a:effectRef idx="0">
+            <a:schemeClr val="accent1"/>
+          </a:effectRef>
+          <a:fontRef idx="minor">
+            <a:schemeClr val="lt1"/>
+          </a:fontRef>
+        </p:style>
+        <p:txBody>
+          <a:bodyPr rtlCol="0" anchor="ctr"/>
+          <a:lstStyle/>
+          <a:p>
+            <a:pPr algn="ctr"/>
+            <a:endParaRPr lang="ko-KR" altLang="en-US"/>
+          </a:p>
+        </p:txBody>
+      </p:sp>
+      <p:sp>
+        <p:nvSpPr>
+          <p:cNvPr id="27" name="대각선 방향의 모서리가 둥근 사각형 26"/>
+          <p:cNvSpPr/>
+          <p:nvPr/>
+        </p:nvSpPr>
+        <p:spPr>
+          <a:xfrm>
+            <a:off x="2749218" y="5329614"/>
+            <a:ext cx="1656184" cy="792088"/>
+          </a:xfrm>
+          <a:prstGeom prst="round2DiagRect">
+            <a:avLst/>
+          </a:prstGeom>
+          <a:solidFill>
+            <a:schemeClr val="accent6">
+              <a:lumMod val="20000"/>
+              <a:lumOff val="80000"/>
+            </a:schemeClr>
+          </a:solidFill>
+        </p:spPr>
+        <p:style>
+          <a:lnRef idx="2">
+            <a:schemeClr val="accent1">
+              <a:shade val="50000"/>
+            </a:schemeClr>
+          </a:lnRef>
+          <a:fillRef idx="1">
+            <a:schemeClr val="accent1"/>
+          </a:fillRef>
+          <a:effectRef idx="0">
+            <a:schemeClr val="accent1"/>
+          </a:effectRef>
+          <a:fontRef idx="minor">
+            <a:schemeClr val="lt1"/>
+          </a:fontRef>
+        </p:style>
+        <p:txBody>
+          <a:bodyPr rtlCol="0" anchor="ctr"/>
+          <a:lstStyle/>
+          <a:p>
+            <a:pPr algn="ctr"/>
+            <a:r>
+              <a:rPr lang="en-US" altLang="ko-KR" sz="1400" dirty="0" smtClean="0">
+                <a:solidFill>
+                  <a:schemeClr val="tx1"/>
+                </a:solidFill>
+              </a:rPr>
+              <a:t>MyService.ZIP</a:t>
+            </a:r>
+            <a:endParaRPr lang="ko-KR" altLang="en-US" sz="1400" dirty="0">
+              <a:solidFill>
+                <a:schemeClr val="tx1"/>
+              </a:solidFill>
+            </a:endParaRPr>
+          </a:p>
+        </p:txBody>
+      </p:sp>
+      <p:cxnSp>
+        <p:nvCxnSpPr>
+          <p:cNvPr id="29" name="직선 화살표 연결선 28"/>
+          <p:cNvCxnSpPr/>
+          <p:nvPr/>
+        </p:nvCxnSpPr>
+        <p:spPr>
+          <a:xfrm>
+            <a:off x="4427984" y="5589240"/>
+            <a:ext cx="648072" cy="0"/>
+          </a:xfrm>
+          <a:prstGeom prst="straightConnector1">
+            <a:avLst/>
+          </a:prstGeom>
+          <a:ln>
+            <a:tailEnd type="arrow"/>
+          </a:ln>
+        </p:spPr>
+        <p:style>
+          <a:lnRef idx="1">
+            <a:schemeClr val="accent1"/>
+          </a:lnRef>
+          <a:fillRef idx="0">
+            <a:schemeClr val="accent1"/>
+          </a:fillRef>
+          <a:effectRef idx="0">
+            <a:schemeClr val="accent1"/>
+          </a:effectRef>
+          <a:fontRef idx="minor">
+            <a:schemeClr val="tx1"/>
+          </a:fontRef>
+        </p:style>
+      </p:cxnSp>
+      <p:sp>
+        <p:nvSpPr>
+          <p:cNvPr id="30" name="TextBox 29"/>
+          <p:cNvSpPr txBox="1"/>
+          <p:nvPr/>
+        </p:nvSpPr>
+        <p:spPr>
+          <a:xfrm>
+            <a:off x="4355976" y="5661248"/>
+            <a:ext cx="958917" cy="369332"/>
+          </a:xfrm>
+          <a:prstGeom prst="rect">
+            <a:avLst/>
+          </a:prstGeom>
+          <a:noFill/>
+        </p:spPr>
+        <p:txBody>
+          <a:bodyPr wrap="none" rtlCol="0">
+            <a:spAutoFit/>
+          </a:bodyPr>
+          <a:lstStyle/>
+          <a:p>
+            <a:r>
+              <a:rPr lang="en-US" altLang="ko-KR" dirty="0" smtClean="0"/>
+              <a:t>Deploy</a:t>
+            </a:r>
+            <a:endParaRPr lang="ko-KR" altLang="en-US" sz="1600" dirty="0"/>
+          </a:p>
+        </p:txBody>
+      </p:sp>
+    </p:spTree>
+  </p:cSld>
+  <p:clrMapOvr>
+    <a:masterClrMapping/>
+  </p:clrMapOvr>
+</p:sld>
+</file>
+
+<file path=ppt/slides/slide7.xml><?xml version="1.0" encoding="utf-8"?>
+<p:sld xmlns:a="http://schemas.openxmlformats.org/drawingml/2006/main" xmlns:r="http://schemas.openxmlformats.org/officeDocument/2006/relationships" xmlns:p="http://schemas.openxmlformats.org/presentationml/2006/main">
+  <p:cSld>
+    <p:spTree>
+      <p:nvGrpSpPr>
+        <p:cNvPr id="1" name=""/>
+        <p:cNvGrpSpPr/>
+        <p:nvPr/>
+      </p:nvGrpSpPr>
+      <p:grpSpPr>
+        <a:xfrm>
+          <a:off x="0" y="0"/>
+          <a:ext cx="0" cy="0"/>
+          <a:chOff x="0" y="0"/>
+          <a:chExt cx="0" cy="0"/>
+        </a:xfrm>
+      </p:grpSpPr>
+      <p:sp>
+        <p:nvSpPr>
+          <p:cNvPr id="4" name="제목 1"/>
+          <p:cNvSpPr>
+            <a:spLocks noGrp="1"/>
+          </p:cNvSpPr>
+          <p:nvPr>
+            <p:ph type="title"/>
+          </p:nvPr>
+        </p:nvSpPr>
+        <p:spPr/>
+        <p:txBody>
+          <a:bodyPr>
+            <a:normAutofit/>
+          </a:bodyPr>
+          <a:lstStyle/>
+          <a:p>
+            <a:r>
+              <a:rPr lang="en-US" altLang="ko-KR" sz="3200" dirty="0" smtClean="0"/>
+              <a:t>What </a:t>
+            </a:r>
+            <a:r>
+              <a:rPr lang="en-US" altLang="ko-KR" sz="3200" dirty="0" err="1" smtClean="0"/>
+              <a:t>Aradon</a:t>
+            </a:r>
+            <a:r>
+              <a:rPr lang="en-US" altLang="ko-KR" sz="3200" dirty="0" smtClean="0"/>
+              <a:t> ?</a:t>
+            </a:r>
+            <a:endParaRPr lang="ko-KR" altLang="en-US" sz="3200" dirty="0"/>
+          </a:p>
+        </p:txBody>
+      </p:sp>
+      <p:sp>
+        <p:nvSpPr>
+          <p:cNvPr id="6" name="세로 텍스트 개체 틀 8"/>
+          <p:cNvSpPr txBox="1">
+            <a:spLocks/>
+          </p:cNvSpPr>
+          <p:nvPr/>
+        </p:nvSpPr>
+        <p:spPr>
+          <a:xfrm>
+            <a:off x="457200" y="1600200"/>
+            <a:ext cx="8229600" cy="4525963"/>
+          </a:xfrm>
+          <a:prstGeom prst="rect">
+            <a:avLst/>
+          </a:prstGeom>
+        </p:spPr>
+        <p:txBody>
+          <a:bodyPr vert="horz" lIns="91440" tIns="45720" rIns="91440" bIns="45720" rtlCol="0">
+            <a:normAutofit/>
+          </a:bodyPr>
+          <a:lstStyle/>
+          <a:p>
+            <a:pPr marL="342900" marR="0" lvl="0" indent="-342900" algn="l" defTabSz="914400" rtl="0" eaLnBrk="1" fontAlgn="auto" latinLnBrk="1" hangingPunct="1">
+              <a:lnSpc>
+                <a:spcPct val="100000"/>
+              </a:lnSpc>
+              <a:spcBef>
+                <a:spcPct val="20000"/>
+              </a:spcBef>
+              <a:spcAft>
+                <a:spcPts val="0"/>
+              </a:spcAft>
+              <a:buClrTx/>
+              <a:buSzTx/>
+              <a:buFont typeface="Arial" pitchFamily="34" charset="0"/>
+              <a:buChar char="•"/>
+              <a:tabLst/>
+              <a:defRPr/>
+            </a:pPr>
+            <a:r>
+              <a:rPr kumimoji="0" lang="en-US" altLang="ko-KR" sz="2000" b="0" i="0" u="none" strike="noStrike" kern="1200" cap="none" spc="0" normalizeH="0" baseline="0" noProof="0" dirty="0" smtClean="0">
+                <a:ln>
+                  <a:noFill/>
+                </a:ln>
+                <a:solidFill>
+                  <a:schemeClr val="tx1"/>
+                </a:solidFill>
+                <a:effectLst/>
+                <a:uLnTx/>
+                <a:uFillTx/>
+                <a:latin typeface="+mn-lt"/>
+                <a:ea typeface="+mn-ea"/>
+                <a:cs typeface="+mn-cs"/>
+              </a:rPr>
+              <a:t>Distributed With </a:t>
+            </a:r>
+            <a:r>
+              <a:rPr kumimoji="0" lang="en-US" altLang="ko-KR" sz="2000" b="0" i="0" u="none" strike="noStrike" kern="1200" cap="none" spc="0" normalizeH="0" baseline="0" noProof="0" dirty="0" err="1" smtClean="0">
+                <a:ln>
+                  <a:noFill/>
+                </a:ln>
+                <a:solidFill>
+                  <a:schemeClr val="tx1"/>
+                </a:solidFill>
+                <a:effectLst/>
+                <a:uLnTx/>
+                <a:uFillTx/>
+                <a:latin typeface="+mn-lt"/>
+                <a:ea typeface="+mn-ea"/>
+                <a:cs typeface="+mn-cs"/>
+              </a:rPr>
+              <a:t>DataGrid</a:t>
+            </a:r>
+            <a:r>
+              <a:rPr kumimoji="0" lang="en-US" altLang="ko-KR" sz="2000" b="0" i="0" u="none" strike="noStrike" kern="1200" cap="none" spc="0" normalizeH="0" baseline="0" noProof="0" dirty="0" smtClean="0">
+                <a:ln>
+                  <a:noFill/>
+                </a:ln>
+                <a:solidFill>
+                  <a:schemeClr val="tx1"/>
+                </a:solidFill>
+                <a:effectLst/>
+                <a:uLnTx/>
+                <a:uFillTx/>
+                <a:latin typeface="+mn-lt"/>
+                <a:ea typeface="+mn-ea"/>
+                <a:cs typeface="+mn-cs"/>
+              </a:rPr>
+              <a:t>(</a:t>
+            </a:r>
+            <a:r>
+              <a:rPr kumimoji="0" lang="en-US" altLang="ko-KR" sz="2000" b="0" i="0" u="none" strike="noStrike" kern="1200" cap="none" spc="0" normalizeH="0" baseline="0" noProof="0" dirty="0" err="1" smtClean="0">
+                <a:ln>
+                  <a:noFill/>
+                </a:ln>
+                <a:solidFill>
+                  <a:schemeClr val="tx1"/>
+                </a:solidFill>
+                <a:effectLst/>
+                <a:uLnTx/>
+                <a:uFillTx/>
+                <a:latin typeface="+mn-lt"/>
+                <a:ea typeface="+mn-ea"/>
+                <a:cs typeface="+mn-cs"/>
+              </a:rPr>
+              <a:t>Craken</a:t>
+            </a:r>
+            <a:r>
+              <a:rPr kumimoji="0" lang="en-US" altLang="ko-KR" sz="2000" b="0" i="0" u="none" strike="noStrike" kern="1200" cap="none" spc="0" normalizeH="0" baseline="0" noProof="0" dirty="0" smtClean="0">
+                <a:ln>
+                  <a:noFill/>
+                </a:ln>
+                <a:solidFill>
+                  <a:schemeClr val="tx1"/>
+                </a:solidFill>
+                <a:effectLst/>
+                <a:uLnTx/>
+                <a:uFillTx/>
+                <a:latin typeface="+mn-lt"/>
+                <a:ea typeface="+mn-ea"/>
+                <a:cs typeface="+mn-cs"/>
+              </a:rPr>
+              <a:t>)</a:t>
+            </a:r>
+            <a:endParaRPr kumimoji="0" lang="ko-KR" altLang="en-US" sz="2000" b="0" i="0" u="none" strike="noStrike" kern="1200" cap="none" spc="0" normalizeH="0" baseline="0" noProof="0" dirty="0">
+              <a:ln>
+                <a:noFill/>
+              </a:ln>
+              <a:solidFill>
+                <a:schemeClr val="tx1"/>
+              </a:solidFill>
+              <a:effectLst/>
+              <a:uLnTx/>
+              <a:uFillTx/>
+              <a:latin typeface="+mn-lt"/>
+              <a:ea typeface="+mn-ea"/>
+              <a:cs typeface="+mn-cs"/>
+            </a:endParaRPr>
+          </a:p>
+        </p:txBody>
+      </p:sp>
+      <p:sp>
+        <p:nvSpPr>
+          <p:cNvPr id="12" name="직사각형 11"/>
+          <p:cNvSpPr/>
+          <p:nvPr/>
+        </p:nvSpPr>
+        <p:spPr>
+          <a:xfrm>
+            <a:off x="1331640" y="4653136"/>
+            <a:ext cx="1872208" cy="1440160"/>
+          </a:xfrm>
+          <a:prstGeom prst="rect">
+            <a:avLst/>
+          </a:prstGeom>
+          <a:solidFill>
+            <a:schemeClr val="accent2">
+              <a:lumMod val="40000"/>
+              <a:lumOff val="60000"/>
+              <a:alpha val="25000"/>
+            </a:schemeClr>
+          </a:solidFill>
+        </p:spPr>
+        <p:style>
+          <a:lnRef idx="2">
+            <a:schemeClr val="accent1">
+              <a:shade val="50000"/>
+            </a:schemeClr>
+          </a:lnRef>
+          <a:fillRef idx="1">
+            <a:schemeClr val="accent1"/>
+          </a:fillRef>
+          <a:effectRef idx="0">
+            <a:schemeClr val="accent1"/>
+          </a:effectRef>
+          <a:fontRef idx="minor">
+            <a:schemeClr val="lt1"/>
+          </a:fontRef>
+        </p:style>
+        <p:txBody>
+          <a:bodyPr rtlCol="0" anchor="ctr"/>
+          <a:lstStyle/>
+          <a:p>
+            <a:pPr algn="ctr"/>
+            <a:r>
+              <a:rPr lang="en-US" altLang="ko-KR" sz="2000" dirty="0" err="1" smtClean="0">
+                <a:solidFill>
+                  <a:schemeClr val="tx1">
+                    <a:lumMod val="95000"/>
+                    <a:lumOff val="5000"/>
+                  </a:schemeClr>
+                </a:solidFill>
+                <a:latin typeface="나눔고딕" pitchFamily="50" charset="-127"/>
+                <a:ea typeface="나눔고딕" pitchFamily="50" charset="-127"/>
+              </a:rPr>
+              <a:t>AradonNode</a:t>
+            </a:r>
+            <a:endParaRPr lang="en-US" altLang="ko-KR" sz="2000" dirty="0" smtClean="0">
+              <a:solidFill>
+                <a:schemeClr val="tx1">
+                  <a:lumMod val="95000"/>
+                  <a:lumOff val="5000"/>
+                </a:schemeClr>
+              </a:solidFill>
+              <a:latin typeface="나눔고딕" pitchFamily="50" charset="-127"/>
+              <a:ea typeface="나눔고딕" pitchFamily="50" charset="-127"/>
+            </a:endParaRPr>
+          </a:p>
+          <a:p>
+            <a:pPr algn="ctr"/>
+            <a:endParaRPr lang="en-US" altLang="ko-KR" dirty="0" smtClean="0">
+              <a:solidFill>
+                <a:schemeClr val="tx1">
+                  <a:lumMod val="95000"/>
+                  <a:lumOff val="5000"/>
+                </a:schemeClr>
+              </a:solidFill>
+              <a:latin typeface="나눔고딕" pitchFamily="50" charset="-127"/>
+              <a:ea typeface="나눔고딕" pitchFamily="50" charset="-127"/>
+            </a:endParaRPr>
+          </a:p>
+          <a:p>
+            <a:pPr algn="ctr"/>
+            <a:endParaRPr lang="ko-KR" altLang="en-US" dirty="0">
+              <a:solidFill>
+                <a:schemeClr val="tx1">
+                  <a:lumMod val="95000"/>
+                  <a:lumOff val="5000"/>
+                </a:schemeClr>
+              </a:solidFill>
+              <a:latin typeface="나눔고딕" pitchFamily="50" charset="-127"/>
+              <a:ea typeface="나눔고딕" pitchFamily="50" charset="-127"/>
+            </a:endParaRPr>
+          </a:p>
+        </p:txBody>
+      </p:sp>
+      <p:sp>
+        <p:nvSpPr>
+          <p:cNvPr id="25" name="직사각형 24"/>
+          <p:cNvSpPr/>
+          <p:nvPr/>
+        </p:nvSpPr>
+        <p:spPr>
+          <a:xfrm>
+            <a:off x="3635896" y="4653136"/>
+            <a:ext cx="1872208" cy="1440160"/>
+          </a:xfrm>
+          <a:prstGeom prst="rect">
+            <a:avLst/>
+          </a:prstGeom>
+          <a:solidFill>
+            <a:schemeClr val="accent2">
+              <a:lumMod val="40000"/>
+              <a:lumOff val="60000"/>
+              <a:alpha val="25000"/>
+            </a:schemeClr>
+          </a:solidFill>
+        </p:spPr>
+        <p:style>
+          <a:lnRef idx="2">
+            <a:schemeClr val="accent1">
+              <a:shade val="50000"/>
+            </a:schemeClr>
+          </a:lnRef>
+          <a:fillRef idx="1">
+            <a:schemeClr val="accent1"/>
+          </a:fillRef>
+          <a:effectRef idx="0">
+            <a:schemeClr val="accent1"/>
+          </a:effectRef>
+          <a:fontRef idx="minor">
+            <a:schemeClr val="lt1"/>
+          </a:fontRef>
+        </p:style>
+        <p:txBody>
+          <a:bodyPr rtlCol="0" anchor="ctr"/>
+          <a:lstStyle/>
+          <a:p>
+            <a:pPr algn="ctr"/>
+            <a:r>
+              <a:rPr lang="en-US" altLang="ko-KR" sz="2000" dirty="0" err="1" smtClean="0">
+                <a:solidFill>
+                  <a:schemeClr val="tx1">
+                    <a:lumMod val="95000"/>
+                    <a:lumOff val="5000"/>
+                  </a:schemeClr>
+                </a:solidFill>
+                <a:latin typeface="나눔고딕" pitchFamily="50" charset="-127"/>
+                <a:ea typeface="나눔고딕" pitchFamily="50" charset="-127"/>
+              </a:rPr>
+              <a:t>AradonNode</a:t>
+            </a:r>
+            <a:endParaRPr lang="en-US" altLang="ko-KR" sz="2000" dirty="0" smtClean="0">
+              <a:solidFill>
+                <a:schemeClr val="tx1">
+                  <a:lumMod val="95000"/>
+                  <a:lumOff val="5000"/>
+                </a:schemeClr>
+              </a:solidFill>
+              <a:latin typeface="나눔고딕" pitchFamily="50" charset="-127"/>
+              <a:ea typeface="나눔고딕" pitchFamily="50" charset="-127"/>
+            </a:endParaRPr>
+          </a:p>
+          <a:p>
+            <a:pPr algn="ctr"/>
+            <a:endParaRPr lang="en-US" altLang="ko-KR" dirty="0" smtClean="0">
+              <a:solidFill>
+                <a:schemeClr val="tx1">
+                  <a:lumMod val="95000"/>
+                  <a:lumOff val="5000"/>
+                </a:schemeClr>
+              </a:solidFill>
+              <a:latin typeface="나눔고딕" pitchFamily="50" charset="-127"/>
+              <a:ea typeface="나눔고딕" pitchFamily="50" charset="-127"/>
+            </a:endParaRPr>
+          </a:p>
+          <a:p>
+            <a:pPr algn="ctr"/>
+            <a:endParaRPr lang="ko-KR" altLang="en-US" dirty="0">
+              <a:solidFill>
+                <a:schemeClr val="tx1">
+                  <a:lumMod val="95000"/>
+                  <a:lumOff val="5000"/>
+                </a:schemeClr>
+              </a:solidFill>
+              <a:latin typeface="나눔고딕" pitchFamily="50" charset="-127"/>
+              <a:ea typeface="나눔고딕" pitchFamily="50" charset="-127"/>
+            </a:endParaRPr>
+          </a:p>
+        </p:txBody>
+      </p:sp>
+      <p:sp>
+        <p:nvSpPr>
+          <p:cNvPr id="26" name="직사각형 25"/>
+          <p:cNvSpPr/>
+          <p:nvPr/>
+        </p:nvSpPr>
+        <p:spPr>
+          <a:xfrm>
+            <a:off x="5940152" y="4653136"/>
+            <a:ext cx="1872208" cy="1440160"/>
+          </a:xfrm>
+          <a:prstGeom prst="rect">
+            <a:avLst/>
+          </a:prstGeom>
+          <a:solidFill>
+            <a:schemeClr val="accent2">
+              <a:lumMod val="40000"/>
+              <a:lumOff val="60000"/>
+              <a:alpha val="25000"/>
+            </a:schemeClr>
+          </a:solidFill>
+        </p:spPr>
+        <p:style>
+          <a:lnRef idx="2">
+            <a:schemeClr val="accent1">
+              <a:shade val="50000"/>
+            </a:schemeClr>
+          </a:lnRef>
+          <a:fillRef idx="1">
+            <a:schemeClr val="accent1"/>
+          </a:fillRef>
+          <a:effectRef idx="0">
+            <a:schemeClr val="accent1"/>
+          </a:effectRef>
+          <a:fontRef idx="minor">
+            <a:schemeClr val="lt1"/>
+          </a:fontRef>
+        </p:style>
+        <p:txBody>
+          <a:bodyPr rtlCol="0" anchor="ctr"/>
+          <a:lstStyle/>
+          <a:p>
+            <a:pPr algn="ctr"/>
+            <a:r>
+              <a:rPr lang="en-US" altLang="ko-KR" sz="2000" dirty="0" err="1" smtClean="0">
+                <a:solidFill>
+                  <a:schemeClr val="tx1">
+                    <a:lumMod val="95000"/>
+                    <a:lumOff val="5000"/>
+                  </a:schemeClr>
+                </a:solidFill>
+                <a:latin typeface="나눔고딕" pitchFamily="50" charset="-127"/>
+                <a:ea typeface="나눔고딕" pitchFamily="50" charset="-127"/>
+              </a:rPr>
+              <a:t>AradonNode</a:t>
+            </a:r>
+            <a:endParaRPr lang="en-US" altLang="ko-KR" sz="2000" dirty="0" smtClean="0">
+              <a:solidFill>
+                <a:schemeClr val="tx1">
+                  <a:lumMod val="95000"/>
+                  <a:lumOff val="5000"/>
+                </a:schemeClr>
+              </a:solidFill>
+              <a:latin typeface="나눔고딕" pitchFamily="50" charset="-127"/>
+              <a:ea typeface="나눔고딕" pitchFamily="50" charset="-127"/>
+            </a:endParaRPr>
+          </a:p>
+          <a:p>
+            <a:pPr algn="ctr"/>
+            <a:endParaRPr lang="en-US" altLang="ko-KR" dirty="0" smtClean="0">
+              <a:solidFill>
+                <a:schemeClr val="tx1">
+                  <a:lumMod val="95000"/>
+                  <a:lumOff val="5000"/>
+                </a:schemeClr>
+              </a:solidFill>
+              <a:latin typeface="나눔고딕" pitchFamily="50" charset="-127"/>
+              <a:ea typeface="나눔고딕" pitchFamily="50" charset="-127"/>
+            </a:endParaRPr>
+          </a:p>
+          <a:p>
+            <a:pPr algn="ctr"/>
+            <a:endParaRPr lang="ko-KR" altLang="en-US" dirty="0">
+              <a:solidFill>
+                <a:schemeClr val="tx1">
+                  <a:lumMod val="95000"/>
+                  <a:lumOff val="5000"/>
+                </a:schemeClr>
+              </a:solidFill>
+              <a:latin typeface="나눔고딕" pitchFamily="50" charset="-127"/>
+              <a:ea typeface="나눔고딕" pitchFamily="50" charset="-127"/>
+            </a:endParaRPr>
+          </a:p>
+        </p:txBody>
+      </p:sp>
+      <p:sp>
+        <p:nvSpPr>
+          <p:cNvPr id="27" name="왼쪽/오른쪽/위쪽 화살표 26"/>
+          <p:cNvSpPr/>
+          <p:nvPr/>
+        </p:nvSpPr>
+        <p:spPr>
+          <a:xfrm>
+            <a:off x="1331640" y="3717032"/>
+            <a:ext cx="6480720" cy="360040"/>
+          </a:xfrm>
+          <a:prstGeom prst="leftRightUpArrow">
+            <a:avLst/>
+          </a:prstGeom>
+        </p:spPr>
+        <p:style>
+          <a:lnRef idx="2">
+            <a:schemeClr val="accent1">
+              <a:shade val="50000"/>
+            </a:schemeClr>
+          </a:lnRef>
+          <a:fillRef idx="1">
+            <a:schemeClr val="accent1"/>
+          </a:fillRef>
+          <a:effectRef idx="0">
+            <a:schemeClr val="accent1"/>
+          </a:effectRef>
+          <a:fontRef idx="minor">
+            <a:schemeClr val="lt1"/>
+          </a:fontRef>
+        </p:style>
+        <p:txBody>
+          <a:bodyPr rtlCol="0" anchor="ctr"/>
+          <a:lstStyle/>
+          <a:p>
+            <a:pPr algn="ctr"/>
+            <a:endParaRPr lang="ko-KR" altLang="en-US"/>
+          </a:p>
+        </p:txBody>
+      </p:sp>
+      <p:sp>
+        <p:nvSpPr>
+          <p:cNvPr id="28" name="직사각형 27"/>
+          <p:cNvSpPr/>
+          <p:nvPr/>
+        </p:nvSpPr>
+        <p:spPr>
+          <a:xfrm>
+            <a:off x="1763688" y="2132856"/>
+            <a:ext cx="1368152" cy="648072"/>
+          </a:xfrm>
+          <a:prstGeom prst="rect">
+            <a:avLst/>
+          </a:prstGeom>
+          <a:solidFill>
+            <a:schemeClr val="accent2">
+              <a:lumMod val="40000"/>
+              <a:lumOff val="60000"/>
+              <a:alpha val="25000"/>
+            </a:schemeClr>
+          </a:solidFill>
+        </p:spPr>
+        <p:style>
+          <a:lnRef idx="2">
+            <a:schemeClr val="accent1">
+              <a:shade val="50000"/>
+            </a:schemeClr>
+          </a:lnRef>
+          <a:fillRef idx="1">
+            <a:schemeClr val="accent1"/>
+          </a:fillRef>
+          <a:effectRef idx="0">
+            <a:schemeClr val="accent1"/>
+          </a:effectRef>
+          <a:fontRef idx="minor">
+            <a:schemeClr val="lt1"/>
+          </a:fontRef>
+        </p:style>
+        <p:txBody>
+          <a:bodyPr rtlCol="0" anchor="ctr"/>
+          <a:lstStyle/>
+          <a:p>
+            <a:pPr algn="ctr"/>
+            <a:r>
+              <a:rPr lang="en-US" altLang="ko-KR" sz="1200" dirty="0" err="1" smtClean="0">
+                <a:solidFill>
+                  <a:schemeClr val="tx1">
+                    <a:lumMod val="95000"/>
+                    <a:lumOff val="5000"/>
+                  </a:schemeClr>
+                </a:solidFill>
+                <a:latin typeface="나눔고딕" pitchFamily="50" charset="-127"/>
+                <a:ea typeface="나눔고딕" pitchFamily="50" charset="-127"/>
+              </a:rPr>
+              <a:t>AradonClient</a:t>
+            </a:r>
+            <a:endParaRPr lang="ko-KR" altLang="en-US" sz="1200" dirty="0">
+              <a:solidFill>
+                <a:schemeClr val="tx1">
+                  <a:lumMod val="95000"/>
+                  <a:lumOff val="5000"/>
+                </a:schemeClr>
+              </a:solidFill>
+              <a:latin typeface="나눔고딕" pitchFamily="50" charset="-127"/>
+              <a:ea typeface="나눔고딕" pitchFamily="50" charset="-127"/>
+            </a:endParaRPr>
+          </a:p>
+        </p:txBody>
+      </p:sp>
+      <p:sp>
+        <p:nvSpPr>
+          <p:cNvPr id="31" name="직사각형 30"/>
+          <p:cNvSpPr/>
+          <p:nvPr/>
+        </p:nvSpPr>
+        <p:spPr>
+          <a:xfrm>
+            <a:off x="3203848" y="2132856"/>
+            <a:ext cx="1368152" cy="648072"/>
+          </a:xfrm>
+          <a:prstGeom prst="rect">
+            <a:avLst/>
+          </a:prstGeom>
+          <a:solidFill>
+            <a:schemeClr val="accent2">
+              <a:lumMod val="40000"/>
+              <a:lumOff val="60000"/>
+              <a:alpha val="25000"/>
+            </a:schemeClr>
+          </a:solidFill>
+        </p:spPr>
+        <p:style>
+          <a:lnRef idx="2">
+            <a:schemeClr val="accent1">
+              <a:shade val="50000"/>
+            </a:schemeClr>
+          </a:lnRef>
+          <a:fillRef idx="1">
+            <a:schemeClr val="accent1"/>
+          </a:fillRef>
+          <a:effectRef idx="0">
+            <a:schemeClr val="accent1"/>
+          </a:effectRef>
+          <a:fontRef idx="minor">
+            <a:schemeClr val="lt1"/>
+          </a:fontRef>
+        </p:style>
+        <p:txBody>
+          <a:bodyPr rtlCol="0" anchor="ctr"/>
+          <a:lstStyle/>
+          <a:p>
+            <a:pPr algn="ctr"/>
+            <a:r>
+              <a:rPr lang="en-US" altLang="ko-KR" sz="1200" dirty="0" err="1" smtClean="0">
+                <a:solidFill>
+                  <a:schemeClr val="tx1">
+                    <a:lumMod val="95000"/>
+                    <a:lumOff val="5000"/>
+                  </a:schemeClr>
+                </a:solidFill>
+                <a:latin typeface="나눔고딕" pitchFamily="50" charset="-127"/>
+                <a:ea typeface="나눔고딕" pitchFamily="50" charset="-127"/>
+              </a:rPr>
+              <a:t>AradonClient</a:t>
+            </a:r>
+            <a:endParaRPr lang="ko-KR" altLang="en-US" sz="1200" dirty="0">
+              <a:solidFill>
+                <a:schemeClr val="tx1">
+                  <a:lumMod val="95000"/>
+                  <a:lumOff val="5000"/>
+                </a:schemeClr>
+              </a:solidFill>
+              <a:latin typeface="나눔고딕" pitchFamily="50" charset="-127"/>
+              <a:ea typeface="나눔고딕" pitchFamily="50" charset="-127"/>
+            </a:endParaRPr>
+          </a:p>
+        </p:txBody>
+      </p:sp>
+      <p:sp>
+        <p:nvSpPr>
+          <p:cNvPr id="32" name="TextBox 31"/>
+          <p:cNvSpPr txBox="1"/>
+          <p:nvPr/>
+        </p:nvSpPr>
+        <p:spPr>
+          <a:xfrm>
+            <a:off x="3635896" y="4077072"/>
+            <a:ext cx="2374368" cy="369332"/>
+          </a:xfrm>
+          <a:prstGeom prst="rect">
+            <a:avLst/>
+          </a:prstGeom>
+          <a:noFill/>
+        </p:spPr>
+        <p:txBody>
+          <a:bodyPr wrap="none" rtlCol="0">
+            <a:spAutoFit/>
+          </a:bodyPr>
+          <a:lstStyle/>
+          <a:p>
+            <a:r>
+              <a:rPr lang="en-US" altLang="ko-KR" dirty="0" smtClean="0"/>
+              <a:t>Horizontal Scalability</a:t>
+            </a:r>
+            <a:endParaRPr lang="ko-KR" altLang="en-US" dirty="0"/>
+          </a:p>
+        </p:txBody>
+      </p:sp>
+      <p:sp>
+        <p:nvSpPr>
+          <p:cNvPr id="33" name="직사각형 32"/>
+          <p:cNvSpPr/>
+          <p:nvPr/>
+        </p:nvSpPr>
+        <p:spPr>
+          <a:xfrm>
+            <a:off x="4644008" y="2132856"/>
+            <a:ext cx="1368152" cy="648072"/>
+          </a:xfrm>
+          <a:prstGeom prst="rect">
+            <a:avLst/>
+          </a:prstGeom>
+          <a:solidFill>
+            <a:schemeClr val="accent2">
+              <a:lumMod val="40000"/>
+              <a:lumOff val="60000"/>
+              <a:alpha val="25000"/>
+            </a:schemeClr>
+          </a:solidFill>
+        </p:spPr>
+        <p:style>
+          <a:lnRef idx="2">
+            <a:schemeClr val="accent1">
+              <a:shade val="50000"/>
+            </a:schemeClr>
+          </a:lnRef>
+          <a:fillRef idx="1">
+            <a:schemeClr val="accent1"/>
+          </a:fillRef>
+          <a:effectRef idx="0">
+            <a:schemeClr val="accent1"/>
+          </a:effectRef>
+          <a:fontRef idx="minor">
+            <a:schemeClr val="lt1"/>
+          </a:fontRef>
+        </p:style>
+        <p:txBody>
+          <a:bodyPr rtlCol="0" anchor="ctr"/>
+          <a:lstStyle/>
+          <a:p>
+            <a:pPr algn="ctr"/>
+            <a:r>
+              <a:rPr lang="en-US" altLang="ko-KR" sz="1200" dirty="0" err="1" smtClean="0">
+                <a:solidFill>
+                  <a:schemeClr val="tx1">
+                    <a:lumMod val="95000"/>
+                    <a:lumOff val="5000"/>
+                  </a:schemeClr>
+                </a:solidFill>
+                <a:latin typeface="나눔고딕" pitchFamily="50" charset="-127"/>
+                <a:ea typeface="나눔고딕" pitchFamily="50" charset="-127"/>
+              </a:rPr>
+              <a:t>AradonClient</a:t>
+            </a:r>
+            <a:endParaRPr lang="ko-KR" altLang="en-US" sz="1200" dirty="0">
+              <a:solidFill>
+                <a:schemeClr val="tx1">
+                  <a:lumMod val="95000"/>
+                  <a:lumOff val="5000"/>
+                </a:schemeClr>
+              </a:solidFill>
+              <a:latin typeface="나눔고딕" pitchFamily="50" charset="-127"/>
+              <a:ea typeface="나눔고딕" pitchFamily="50" charset="-127"/>
+            </a:endParaRPr>
+          </a:p>
+        </p:txBody>
+      </p:sp>
+      <p:sp>
+        <p:nvSpPr>
+          <p:cNvPr id="34" name="위쪽/아래쪽 화살표 33"/>
+          <p:cNvSpPr/>
+          <p:nvPr/>
+        </p:nvSpPr>
+        <p:spPr>
+          <a:xfrm>
+            <a:off x="2627784" y="2924944"/>
+            <a:ext cx="3888432" cy="720080"/>
+          </a:xfrm>
+          <a:prstGeom prst="upDownArrow">
+            <a:avLst>
+              <a:gd name="adj1" fmla="val 37566"/>
+              <a:gd name="adj2" fmla="val 26686"/>
+            </a:avLst>
+          </a:prstGeom>
+        </p:spPr>
+        <p:style>
+          <a:lnRef idx="2">
+            <a:schemeClr val="accent1">
+              <a:shade val="50000"/>
+            </a:schemeClr>
+          </a:lnRef>
+          <a:fillRef idx="1">
+            <a:schemeClr val="accent1"/>
+          </a:fillRef>
+          <a:effectRef idx="0">
+            <a:schemeClr val="accent1"/>
+          </a:effectRef>
+          <a:fontRef idx="minor">
+            <a:schemeClr val="lt1"/>
+          </a:fontRef>
+        </p:style>
+        <p:txBody>
+          <a:bodyPr rtlCol="0" anchor="ctr"/>
+          <a:lstStyle/>
+          <a:p>
+            <a:pPr algn="ctr"/>
+            <a:r>
+              <a:rPr lang="en-US" altLang="ko-KR" dirty="0" smtClean="0"/>
+              <a:t>Request  Response</a:t>
+            </a:r>
+            <a:endParaRPr lang="ko-KR" altLang="en-US" dirty="0"/>
+          </a:p>
+        </p:txBody>
+      </p:sp>
+      <p:sp>
+        <p:nvSpPr>
+          <p:cNvPr id="35" name="직사각형 34"/>
+          <p:cNvSpPr/>
+          <p:nvPr/>
+        </p:nvSpPr>
+        <p:spPr>
+          <a:xfrm>
+            <a:off x="6084168" y="2132856"/>
+            <a:ext cx="1368152" cy="648072"/>
+          </a:xfrm>
+          <a:prstGeom prst="rect">
+            <a:avLst/>
+          </a:prstGeom>
+          <a:solidFill>
+            <a:schemeClr val="accent2">
+              <a:lumMod val="40000"/>
+              <a:lumOff val="60000"/>
+              <a:alpha val="25000"/>
+            </a:schemeClr>
+          </a:solidFill>
+        </p:spPr>
+        <p:style>
+          <a:lnRef idx="2">
+            <a:schemeClr val="accent1">
+              <a:shade val="50000"/>
+            </a:schemeClr>
+          </a:lnRef>
+          <a:fillRef idx="1">
+            <a:schemeClr val="accent1"/>
+          </a:fillRef>
+          <a:effectRef idx="0">
+            <a:schemeClr val="accent1"/>
+          </a:effectRef>
+          <a:fontRef idx="minor">
+            <a:schemeClr val="lt1"/>
+          </a:fontRef>
+        </p:style>
+        <p:txBody>
+          <a:bodyPr rtlCol="0" anchor="ctr"/>
+          <a:lstStyle/>
+          <a:p>
+            <a:pPr algn="ctr"/>
+            <a:r>
+              <a:rPr lang="en-US" altLang="ko-KR" sz="1200" dirty="0" err="1" smtClean="0">
+                <a:solidFill>
+                  <a:schemeClr val="tx1">
+                    <a:lumMod val="95000"/>
+                    <a:lumOff val="5000"/>
+                  </a:schemeClr>
+                </a:solidFill>
+                <a:latin typeface="나눔고딕" pitchFamily="50" charset="-127"/>
+                <a:ea typeface="나눔고딕" pitchFamily="50" charset="-127"/>
+              </a:rPr>
+              <a:t>AradonClient</a:t>
+            </a:r>
+            <a:endParaRPr lang="ko-KR" altLang="en-US" sz="1200" dirty="0">
+              <a:solidFill>
+                <a:schemeClr val="tx1">
+                  <a:lumMod val="95000"/>
+                  <a:lumOff val="5000"/>
+                </a:schemeClr>
+              </a:solidFill>
+              <a:latin typeface="나눔고딕" pitchFamily="50" charset="-127"/>
+              <a:ea typeface="나눔고딕" pitchFamily="50" charset="-127"/>
+            </a:endParaRPr>
+          </a:p>
+        </p:txBody>
+      </p:sp>
+      <p:sp>
+        <p:nvSpPr>
+          <p:cNvPr id="24" name="직사각형 23"/>
+          <p:cNvSpPr/>
+          <p:nvPr/>
+        </p:nvSpPr>
+        <p:spPr>
+          <a:xfrm>
+            <a:off x="1331640" y="5589240"/>
+            <a:ext cx="6480720" cy="504056"/>
+          </a:xfrm>
+          <a:prstGeom prst="rect">
+            <a:avLst/>
+          </a:prstGeom>
+          <a:solidFill>
+            <a:schemeClr val="accent3">
+              <a:lumMod val="40000"/>
+              <a:lumOff val="60000"/>
+              <a:alpha val="25000"/>
+            </a:schemeClr>
+          </a:solidFill>
+        </p:spPr>
+        <p:style>
+          <a:lnRef idx="2">
+            <a:schemeClr val="accent1">
+              <a:shade val="50000"/>
+            </a:schemeClr>
+          </a:lnRef>
+          <a:fillRef idx="1">
+            <a:schemeClr val="accent1"/>
+          </a:fillRef>
+          <a:effectRef idx="0">
+            <a:schemeClr val="accent1"/>
+          </a:effectRef>
+          <a:fontRef idx="minor">
+            <a:schemeClr val="lt1"/>
+          </a:fontRef>
+        </p:style>
+        <p:txBody>
+          <a:bodyPr rtlCol="0" anchor="ctr"/>
+          <a:lstStyle/>
+          <a:p>
+            <a:pPr algn="ctr"/>
+            <a:r>
+              <a:rPr lang="en-US" altLang="ko-KR" sz="1200" b="1" dirty="0" smtClean="0">
+                <a:solidFill>
+                  <a:schemeClr val="tx1">
+                    <a:lumMod val="95000"/>
+                    <a:lumOff val="5000"/>
+                  </a:schemeClr>
+                </a:solidFill>
+                <a:latin typeface="나눔고딕" pitchFamily="50" charset="-127"/>
+                <a:ea typeface="나눔고딕" pitchFamily="50" charset="-127"/>
+              </a:rPr>
+              <a:t>State Sharing  With </a:t>
+            </a:r>
+            <a:r>
+              <a:rPr lang="en-US" altLang="ko-KR" sz="1200" b="1" dirty="0" err="1" smtClean="0">
+                <a:solidFill>
+                  <a:schemeClr val="tx1">
+                    <a:lumMod val="95000"/>
+                    <a:lumOff val="5000"/>
+                  </a:schemeClr>
+                </a:solidFill>
+                <a:latin typeface="나눔고딕" pitchFamily="50" charset="-127"/>
+                <a:ea typeface="나눔고딕" pitchFamily="50" charset="-127"/>
+              </a:rPr>
+              <a:t>DataGrid</a:t>
+            </a:r>
+            <a:r>
+              <a:rPr lang="en-US" altLang="ko-KR" sz="1200" b="1" dirty="0" smtClean="0">
+                <a:solidFill>
+                  <a:schemeClr val="tx1">
+                    <a:lumMod val="95000"/>
+                    <a:lumOff val="5000"/>
+                  </a:schemeClr>
+                </a:solidFill>
+                <a:latin typeface="나눔고딕" pitchFamily="50" charset="-127"/>
+                <a:ea typeface="나눔고딕" pitchFamily="50" charset="-127"/>
+              </a:rPr>
+              <a:t>(</a:t>
+            </a:r>
+            <a:r>
+              <a:rPr lang="en-US" altLang="ko-KR" sz="1200" b="1" dirty="0" err="1" smtClean="0">
+                <a:solidFill>
+                  <a:schemeClr val="tx1">
+                    <a:lumMod val="95000"/>
+                    <a:lumOff val="5000"/>
+                  </a:schemeClr>
+                </a:solidFill>
+                <a:latin typeface="나눔고딕" pitchFamily="50" charset="-127"/>
+                <a:ea typeface="나눔고딕" pitchFamily="50" charset="-127"/>
+              </a:rPr>
+              <a:t>Craken</a:t>
+            </a:r>
+            <a:r>
+              <a:rPr lang="en-US" altLang="ko-KR" sz="1200" b="1" dirty="0" smtClean="0">
+                <a:solidFill>
+                  <a:schemeClr val="tx1">
+                    <a:lumMod val="95000"/>
+                    <a:lumOff val="5000"/>
+                  </a:schemeClr>
+                </a:solidFill>
+                <a:latin typeface="나눔고딕" pitchFamily="50" charset="-127"/>
+                <a:ea typeface="나눔고딕" pitchFamily="50" charset="-127"/>
+              </a:rPr>
+              <a:t>)</a:t>
+            </a:r>
+            <a:endParaRPr lang="ko-KR" altLang="en-US" sz="1200" b="1" dirty="0">
+              <a:solidFill>
+                <a:schemeClr val="tx1">
+                  <a:lumMod val="95000"/>
+                  <a:lumOff val="5000"/>
+                </a:schemeClr>
+              </a:solidFill>
+              <a:latin typeface="나눔고딕" pitchFamily="50" charset="-127"/>
+              <a:ea typeface="나눔고딕" pitchFamily="50" charset="-127"/>
+            </a:endParaRPr>
+          </a:p>
+        </p:txBody>
+      </p:sp>
+    </p:spTree>
+  </p:cSld>
+  <p:clrMapOvr>
+    <a:masterClrMapping/>
+  </p:clrMapOvr>
+</p:sld>
+</file>
+
+<file path=ppt/slides/slide8.xml><?xml version="1.0" encoding="utf-8"?>
+<p:sld xmlns:a="http://schemas.openxmlformats.org/drawingml/2006/main" xmlns:r="http://schemas.openxmlformats.org/officeDocument/2006/relationships" xmlns:p="http://schemas.openxmlformats.org/presentationml/2006/main">
+  <p:cSld>
+    <p:spTree>
+      <p:nvGrpSpPr>
+        <p:cNvPr id="1" name=""/>
+        <p:cNvGrpSpPr/>
+        <p:nvPr/>
+      </p:nvGrpSpPr>
+      <p:grpSpPr>
+        <a:xfrm>
+          <a:off x="0" y="0"/>
+          <a:ext cx="0" cy="0"/>
+          <a:chOff x="0" y="0"/>
+          <a:chExt cx="0" cy="0"/>
+        </a:xfrm>
+      </p:grpSpPr>
+      <p:sp>
+        <p:nvSpPr>
+          <p:cNvPr id="2" name="제목 1"/>
+          <p:cNvSpPr>
+            <a:spLocks noGrp="1"/>
+          </p:cNvSpPr>
+          <p:nvPr>
+            <p:ph type="title"/>
+          </p:nvPr>
+        </p:nvSpPr>
+        <p:spPr/>
+        <p:txBody>
+          <a:bodyPr/>
+          <a:lstStyle/>
+          <a:p>
+            <a:r>
+              <a:rPr lang="en-US" altLang="ko-KR" dirty="0" smtClean="0"/>
+              <a:t>What </a:t>
+            </a:r>
+            <a:r>
+              <a:rPr lang="en-US" altLang="ko-KR" dirty="0" err="1" smtClean="0"/>
+              <a:t>Aradon</a:t>
+            </a:r>
+            <a:r>
+              <a:rPr lang="en-US" altLang="ko-KR" dirty="0" smtClean="0"/>
+              <a:t> ?</a:t>
+            </a:r>
+            <a:endParaRPr lang="ko-KR" altLang="en-US" dirty="0"/>
+          </a:p>
+        </p:txBody>
+      </p:sp>
+      <p:sp>
+        <p:nvSpPr>
+          <p:cNvPr id="3" name="내용 개체 틀 2"/>
+          <p:cNvSpPr>
+            <a:spLocks noGrp="1"/>
+          </p:cNvSpPr>
+          <p:nvPr>
+            <p:ph sz="quarter" idx="1"/>
+          </p:nvPr>
+        </p:nvSpPr>
+        <p:spPr/>
+        <p:txBody>
+          <a:bodyPr>
+            <a:normAutofit/>
+          </a:bodyPr>
+          <a:lstStyle/>
+          <a:p>
+            <a:r>
+              <a:rPr lang="en-US" altLang="ko-KR" dirty="0" smtClean="0"/>
+              <a:t>Why use HTTP </a:t>
+            </a:r>
+            <a:r>
+              <a:rPr lang="en-US" altLang="ko-KR" dirty="0" smtClean="0"/>
+              <a:t>Protocol in </a:t>
+            </a:r>
+            <a:r>
+              <a:rPr lang="en-US" altLang="ko-KR" dirty="0" err="1" smtClean="0"/>
+              <a:t>Aradon</a:t>
+            </a:r>
+            <a:endParaRPr lang="en-US" altLang="ko-KR" dirty="0" smtClean="0"/>
+          </a:p>
+          <a:p>
+            <a:pPr lvl="1"/>
+            <a:r>
+              <a:rPr lang="en-US" altLang="ko-KR" dirty="0" smtClean="0"/>
+              <a:t>Servers and Clients in any language</a:t>
+            </a:r>
+          </a:p>
+          <a:p>
+            <a:pPr lvl="1"/>
+            <a:r>
+              <a:rPr lang="en-US" altLang="ko-KR" dirty="0" smtClean="0"/>
+              <a:t>Everyone already knows HTTP</a:t>
+            </a:r>
+          </a:p>
+          <a:p>
+            <a:pPr lvl="2"/>
+            <a:r>
+              <a:rPr lang="en-US" altLang="ko-KR" dirty="0" smtClean="0"/>
+              <a:t>HTTP 2.0 : SPDY</a:t>
+            </a:r>
+          </a:p>
+          <a:p>
+            <a:pPr lvl="1"/>
+            <a:r>
+              <a:rPr lang="en-US" altLang="ko-KR" dirty="0" smtClean="0"/>
+              <a:t>Prior knowledge and tools</a:t>
+            </a:r>
+          </a:p>
+          <a:p>
+            <a:pPr lvl="2"/>
+            <a:r>
+              <a:rPr lang="en-US" altLang="ko-KR" dirty="0" smtClean="0"/>
+              <a:t>HTTP Extend : </a:t>
+            </a:r>
+            <a:r>
+              <a:rPr lang="en-US" altLang="ko-KR" dirty="0" err="1" smtClean="0"/>
+              <a:t>WebSocket</a:t>
+            </a:r>
+            <a:r>
+              <a:rPr lang="en-US" altLang="ko-KR" dirty="0" smtClean="0"/>
+              <a:t>, </a:t>
+            </a:r>
+            <a:r>
+              <a:rPr lang="en-US" altLang="ko-KR" dirty="0" err="1" smtClean="0"/>
+              <a:t>EventSource</a:t>
+            </a:r>
+            <a:r>
+              <a:rPr lang="en-US" altLang="ko-KR" dirty="0" smtClean="0"/>
+              <a:t> etc</a:t>
+            </a:r>
+          </a:p>
+          <a:p>
+            <a:pPr lvl="1">
+              <a:buNone/>
+            </a:pPr>
+            <a:endParaRPr lang="en-US" altLang="ko-KR" dirty="0" smtClean="0"/>
+          </a:p>
+          <a:p>
+            <a:r>
+              <a:rPr lang="en-US" altLang="ko-KR" dirty="0" err="1" smtClean="0"/>
+              <a:t>Aradon</a:t>
+            </a:r>
+            <a:r>
+              <a:rPr lang="en-US" altLang="ko-KR" dirty="0" smtClean="0"/>
+              <a:t> Feature</a:t>
+            </a:r>
+          </a:p>
+          <a:p>
+            <a:pPr lvl="1"/>
+            <a:r>
+              <a:rPr lang="en-US" altLang="ko-KR" dirty="0" smtClean="0"/>
+              <a:t>Testability</a:t>
+            </a:r>
+          </a:p>
+          <a:p>
+            <a:pPr lvl="1"/>
+            <a:r>
+              <a:rPr lang="en-US" altLang="ko-KR" dirty="0" smtClean="0"/>
+              <a:t>Scalability</a:t>
+            </a:r>
+          </a:p>
+          <a:p>
+            <a:pPr lvl="1"/>
+            <a:r>
+              <a:rPr lang="en-US" altLang="ko-KR" dirty="0" smtClean="0"/>
+              <a:t>Multi tenancy</a:t>
+            </a:r>
+          </a:p>
+          <a:p>
+            <a:pPr lvl="1"/>
+            <a:r>
+              <a:rPr lang="en-US" altLang="ko-KR" dirty="0" smtClean="0"/>
+              <a:t>From Software </a:t>
+            </a:r>
+            <a:r>
+              <a:rPr lang="en-US" altLang="ko-KR" dirty="0" smtClean="0"/>
+              <a:t>To Service</a:t>
+            </a:r>
+            <a:endParaRPr lang="ko-KR" altLang="en-US" dirty="0" smtClean="0"/>
+          </a:p>
+          <a:p>
+            <a:pPr lvl="1">
+              <a:buNone/>
+            </a:pPr>
+            <a:endParaRPr lang="en-US" altLang="ko-KR" dirty="0" smtClean="0"/>
+          </a:p>
+          <a:p>
+            <a:endParaRPr lang="ko-KR" altLang="en-US" dirty="0"/>
           </a:p>
         </p:txBody>
       </p:sp>
@@ -8409,7 +10238,7 @@
       </p:grpSpPr>
       <p:sp>
         <p:nvSpPr>
-          <p:cNvPr id="4" name="제목 1"/>
+          <p:cNvPr id="2" name="제목 1"/>
           <p:cNvSpPr>
             <a:spLocks noGrp="1"/>
           </p:cNvSpPr>
@@ -8419,936 +10248,93 @@
         </p:nvSpPr>
         <p:spPr/>
         <p:txBody>
-          <a:bodyPr>
-            <a:normAutofit/>
-          </a:bodyPr>
-          <a:lstStyle/>
-          <a:p>
-            <a:r>
-              <a:rPr lang="en-US" altLang="ko-KR" sz="3200" dirty="0" smtClean="0"/>
-              <a:t>Distributed </a:t>
-            </a:r>
-            <a:r>
-              <a:rPr lang="en-US" altLang="ko-KR" sz="3200" dirty="0" err="1" smtClean="0"/>
+          <a:bodyPr/>
+          <a:lstStyle/>
+          <a:p>
+            <a:r>
+              <a:rPr lang="en-US" altLang="ko-KR" dirty="0" smtClean="0"/>
+              <a:t>What </a:t>
+            </a:r>
+            <a:r>
+              <a:rPr lang="en-US" altLang="ko-KR" dirty="0" err="1" smtClean="0"/>
               <a:t>Aradon</a:t>
             </a:r>
-            <a:endParaRPr lang="ko-KR" altLang="en-US" sz="3200" dirty="0"/>
-          </a:p>
-        </p:txBody>
-      </p:sp>
-      <p:sp>
-        <p:nvSpPr>
-          <p:cNvPr id="6" name="세로 텍스트 개체 틀 8"/>
-          <p:cNvSpPr txBox="1">
-            <a:spLocks/>
-          </p:cNvSpPr>
-          <p:nvPr/>
+            <a:r>
+              <a:rPr lang="en-US" altLang="ko-KR" dirty="0" smtClean="0"/>
+              <a:t> ?</a:t>
+            </a:r>
+            <a:endParaRPr lang="ko-KR" altLang="en-US" dirty="0"/>
+          </a:p>
+        </p:txBody>
+      </p:sp>
+      <p:sp>
+        <p:nvSpPr>
+          <p:cNvPr id="3" name="내용 개체 틀 2"/>
+          <p:cNvSpPr>
+            <a:spLocks noGrp="1"/>
+          </p:cNvSpPr>
+          <p:nvPr>
+            <p:ph sz="quarter" idx="1"/>
+          </p:nvPr>
         </p:nvSpPr>
         <p:spPr>
           <a:xfrm>
             <a:off x="457200" y="1600200"/>
-            <a:ext cx="8229600" cy="4525963"/>
-          </a:xfrm>
-          <a:prstGeom prst="rect">
-            <a:avLst/>
-          </a:prstGeom>
-        </p:spPr>
-        <p:txBody>
-          <a:bodyPr vert="horz" lIns="91440" tIns="45720" rIns="91440" bIns="45720" rtlCol="0">
-            <a:normAutofit/>
-          </a:bodyPr>
-          <a:lstStyle/>
-          <a:p>
-            <a:pPr marL="342900" marR="0" lvl="0" indent="-342900" algn="l" defTabSz="914400" rtl="0" eaLnBrk="1" fontAlgn="auto" latinLnBrk="1" hangingPunct="1">
-              <a:lnSpc>
-                <a:spcPct val="100000"/>
-              </a:lnSpc>
-              <a:spcBef>
-                <a:spcPct val="20000"/>
-              </a:spcBef>
-              <a:spcAft>
-                <a:spcPts val="0"/>
-              </a:spcAft>
-              <a:buClrTx/>
-              <a:buSzTx/>
-              <a:buFont typeface="Arial" pitchFamily="34" charset="0"/>
-              <a:buChar char="•"/>
-              <a:tabLst/>
-              <a:defRPr/>
-            </a:pPr>
-            <a:r>
-              <a:rPr kumimoji="0" lang="en-US" altLang="ko-KR" sz="2000" b="0" i="0" u="none" strike="noStrike" kern="1200" cap="none" spc="0" normalizeH="0" baseline="0" noProof="0" dirty="0" smtClean="0">
-                <a:ln>
-                  <a:noFill/>
-                </a:ln>
-                <a:solidFill>
-                  <a:schemeClr val="tx1"/>
-                </a:solidFill>
-                <a:effectLst/>
-                <a:uLnTx/>
-                <a:uFillTx/>
-                <a:latin typeface="+mn-lt"/>
-                <a:ea typeface="+mn-ea"/>
-                <a:cs typeface="+mn-cs"/>
-              </a:rPr>
-              <a:t>With </a:t>
-            </a:r>
-            <a:r>
-              <a:rPr kumimoji="0" lang="en-US" altLang="ko-KR" sz="2000" b="0" i="0" u="none" strike="noStrike" kern="1200" cap="none" spc="0" normalizeH="0" baseline="0" noProof="0" dirty="0" err="1" smtClean="0">
-                <a:ln>
-                  <a:noFill/>
-                </a:ln>
-                <a:solidFill>
-                  <a:schemeClr val="tx1"/>
-                </a:solidFill>
-                <a:effectLst/>
-                <a:uLnTx/>
-                <a:uFillTx/>
-                <a:latin typeface="+mn-lt"/>
-                <a:ea typeface="+mn-ea"/>
-                <a:cs typeface="+mn-cs"/>
-              </a:rPr>
-              <a:t>Craken</a:t>
-            </a:r>
-            <a:endParaRPr kumimoji="0" lang="ko-KR" altLang="en-US" sz="2000" b="0" i="0" u="none" strike="noStrike" kern="1200" cap="none" spc="0" normalizeH="0" baseline="0" noProof="0" dirty="0">
-              <a:ln>
-                <a:noFill/>
-              </a:ln>
-              <a:solidFill>
-                <a:schemeClr val="tx1"/>
-              </a:solidFill>
-              <a:effectLst/>
-              <a:uLnTx/>
-              <a:uFillTx/>
-              <a:latin typeface="+mn-lt"/>
-              <a:ea typeface="+mn-ea"/>
-              <a:cs typeface="+mn-cs"/>
-            </a:endParaRPr>
-          </a:p>
-        </p:txBody>
-      </p:sp>
-      <p:sp>
-        <p:nvSpPr>
-          <p:cNvPr id="12" name="직사각형 11"/>
-          <p:cNvSpPr/>
-          <p:nvPr/>
-        </p:nvSpPr>
-        <p:spPr>
-          <a:xfrm>
-            <a:off x="1331640" y="4653136"/>
-            <a:ext cx="1872208" cy="1440160"/>
-          </a:xfrm>
-          <a:prstGeom prst="rect">
-            <a:avLst/>
-          </a:prstGeom>
-          <a:solidFill>
-            <a:schemeClr val="accent2">
-              <a:lumMod val="40000"/>
-              <a:lumOff val="60000"/>
-              <a:alpha val="25000"/>
-            </a:schemeClr>
-          </a:solidFill>
-        </p:spPr>
-        <p:style>
-          <a:lnRef idx="2">
-            <a:schemeClr val="accent1">
-              <a:shade val="50000"/>
-            </a:schemeClr>
-          </a:lnRef>
-          <a:fillRef idx="1">
-            <a:schemeClr val="accent1"/>
-          </a:fillRef>
-          <a:effectRef idx="0">
-            <a:schemeClr val="accent1"/>
-          </a:effectRef>
-          <a:fontRef idx="minor">
-            <a:schemeClr val="lt1"/>
-          </a:fontRef>
-        </p:style>
-        <p:txBody>
-          <a:bodyPr rtlCol="0" anchor="ctr"/>
-          <a:lstStyle/>
-          <a:p>
-            <a:pPr algn="ctr"/>
-            <a:r>
-              <a:rPr lang="en-US" altLang="ko-KR" sz="2000" dirty="0" err="1" smtClean="0">
-                <a:solidFill>
-                  <a:schemeClr val="tx1">
-                    <a:lumMod val="95000"/>
-                    <a:lumOff val="5000"/>
-                  </a:schemeClr>
-                </a:solidFill>
-                <a:latin typeface="나눔고딕" pitchFamily="50" charset="-127"/>
-                <a:ea typeface="나눔고딕" pitchFamily="50" charset="-127"/>
-              </a:rPr>
-              <a:t>AradonNode</a:t>
-            </a:r>
-            <a:endParaRPr lang="en-US" altLang="ko-KR" sz="2000" dirty="0" smtClean="0">
-              <a:solidFill>
-                <a:schemeClr val="tx1">
-                  <a:lumMod val="95000"/>
-                  <a:lumOff val="5000"/>
-                </a:schemeClr>
-              </a:solidFill>
-              <a:latin typeface="나눔고딕" pitchFamily="50" charset="-127"/>
-              <a:ea typeface="나눔고딕" pitchFamily="50" charset="-127"/>
-            </a:endParaRPr>
-          </a:p>
-          <a:p>
-            <a:pPr algn="ctr"/>
-            <a:endParaRPr lang="en-US" altLang="ko-KR" dirty="0" smtClean="0">
-              <a:solidFill>
-                <a:schemeClr val="tx1">
-                  <a:lumMod val="95000"/>
-                  <a:lumOff val="5000"/>
-                </a:schemeClr>
-              </a:solidFill>
-              <a:latin typeface="나눔고딕" pitchFamily="50" charset="-127"/>
-              <a:ea typeface="나눔고딕" pitchFamily="50" charset="-127"/>
-            </a:endParaRPr>
-          </a:p>
-          <a:p>
-            <a:pPr algn="ctr"/>
-            <a:endParaRPr lang="ko-KR" altLang="en-US" dirty="0">
-              <a:solidFill>
-                <a:schemeClr val="tx1">
-                  <a:lumMod val="95000"/>
-                  <a:lumOff val="5000"/>
-                </a:schemeClr>
-              </a:solidFill>
-              <a:latin typeface="나눔고딕" pitchFamily="50" charset="-127"/>
-              <a:ea typeface="나눔고딕" pitchFamily="50" charset="-127"/>
-            </a:endParaRPr>
-          </a:p>
-        </p:txBody>
-      </p:sp>
-      <p:sp>
-        <p:nvSpPr>
-          <p:cNvPr id="24" name="직사각형 23"/>
-          <p:cNvSpPr/>
-          <p:nvPr/>
-        </p:nvSpPr>
-        <p:spPr>
-          <a:xfrm>
-            <a:off x="1331640" y="5589240"/>
-            <a:ext cx="6480720" cy="504056"/>
-          </a:xfrm>
-          <a:prstGeom prst="rect">
-            <a:avLst/>
-          </a:prstGeom>
-          <a:solidFill>
-            <a:schemeClr val="accent3">
-              <a:lumMod val="40000"/>
-              <a:lumOff val="60000"/>
-              <a:alpha val="25000"/>
-            </a:schemeClr>
-          </a:solidFill>
-        </p:spPr>
-        <p:style>
-          <a:lnRef idx="2">
-            <a:schemeClr val="accent1">
-              <a:shade val="50000"/>
-            </a:schemeClr>
-          </a:lnRef>
-          <a:fillRef idx="1">
-            <a:schemeClr val="accent1"/>
-          </a:fillRef>
-          <a:effectRef idx="0">
-            <a:schemeClr val="accent1"/>
-          </a:effectRef>
-          <a:fontRef idx="minor">
-            <a:schemeClr val="lt1"/>
-          </a:fontRef>
-        </p:style>
-        <p:txBody>
-          <a:bodyPr rtlCol="0" anchor="ctr"/>
-          <a:lstStyle/>
-          <a:p>
-            <a:pPr algn="ctr"/>
-            <a:r>
-              <a:rPr lang="en-US" altLang="ko-KR" sz="1200" b="1" dirty="0" smtClean="0">
-                <a:solidFill>
-                  <a:schemeClr val="tx1">
-                    <a:lumMod val="95000"/>
-                    <a:lumOff val="5000"/>
-                  </a:schemeClr>
-                </a:solidFill>
-                <a:latin typeface="나눔고딕" pitchFamily="50" charset="-127"/>
-                <a:ea typeface="나눔고딕" pitchFamily="50" charset="-127"/>
-              </a:rPr>
-              <a:t>State Sharing (</a:t>
-            </a:r>
-            <a:r>
-              <a:rPr lang="en-US" altLang="ko-KR" sz="1200" b="1" dirty="0" err="1" smtClean="0">
-                <a:solidFill>
-                  <a:schemeClr val="tx1">
-                    <a:lumMod val="95000"/>
-                    <a:lumOff val="5000"/>
-                  </a:schemeClr>
-                </a:solidFill>
-                <a:latin typeface="나눔고딕" pitchFamily="50" charset="-127"/>
-                <a:ea typeface="나눔고딕" pitchFamily="50" charset="-127"/>
-              </a:rPr>
-              <a:t>ClusterMode</a:t>
-            </a:r>
-            <a:r>
-              <a:rPr lang="en-US" altLang="ko-KR" sz="1200" b="1" dirty="0" smtClean="0">
-                <a:solidFill>
-                  <a:schemeClr val="tx1">
-                    <a:lumMod val="95000"/>
-                    <a:lumOff val="5000"/>
-                  </a:schemeClr>
-                </a:solidFill>
-                <a:latin typeface="나눔고딕" pitchFamily="50" charset="-127"/>
-                <a:ea typeface="나눔고딕" pitchFamily="50" charset="-127"/>
-              </a:rPr>
-              <a:t> With </a:t>
-            </a:r>
-            <a:r>
-              <a:rPr lang="en-US" altLang="ko-KR" sz="1200" b="1" dirty="0" err="1" smtClean="0">
-                <a:solidFill>
-                  <a:schemeClr val="tx1">
-                    <a:lumMod val="95000"/>
-                    <a:lumOff val="5000"/>
-                  </a:schemeClr>
-                </a:solidFill>
-                <a:latin typeface="나눔고딕" pitchFamily="50" charset="-127"/>
-                <a:ea typeface="나눔고딕" pitchFamily="50" charset="-127"/>
-              </a:rPr>
-              <a:t>Craken</a:t>
-            </a:r>
-            <a:r>
-              <a:rPr lang="en-US" altLang="ko-KR" sz="1200" b="1" dirty="0" smtClean="0">
-                <a:solidFill>
-                  <a:schemeClr val="tx1">
-                    <a:lumMod val="95000"/>
-                    <a:lumOff val="5000"/>
-                  </a:schemeClr>
-                </a:solidFill>
-                <a:latin typeface="나눔고딕" pitchFamily="50" charset="-127"/>
-                <a:ea typeface="나눔고딕" pitchFamily="50" charset="-127"/>
-              </a:rPr>
-              <a:t> – </a:t>
-            </a:r>
-            <a:r>
-              <a:rPr lang="en-US" altLang="ko-KR" sz="1200" b="1" dirty="0" err="1" smtClean="0">
-                <a:solidFill>
-                  <a:schemeClr val="tx1">
-                    <a:lumMod val="95000"/>
-                    <a:lumOff val="5000"/>
-                  </a:schemeClr>
-                </a:solidFill>
-                <a:latin typeface="나눔고딕" pitchFamily="50" charset="-127"/>
-                <a:ea typeface="나눔고딕" pitchFamily="50" charset="-127"/>
-              </a:rPr>
-              <a:t>DataGrid</a:t>
-            </a:r>
-            <a:r>
-              <a:rPr lang="en-US" altLang="ko-KR" sz="1200" b="1" dirty="0" smtClean="0">
-                <a:solidFill>
-                  <a:schemeClr val="tx1">
-                    <a:lumMod val="95000"/>
-                    <a:lumOff val="5000"/>
-                  </a:schemeClr>
-                </a:solidFill>
-                <a:latin typeface="나눔고딕" pitchFamily="50" charset="-127"/>
-                <a:ea typeface="나눔고딕" pitchFamily="50" charset="-127"/>
-              </a:rPr>
-              <a:t>)</a:t>
-            </a:r>
-            <a:endParaRPr lang="ko-KR" altLang="en-US" sz="1200" b="1" dirty="0">
-              <a:solidFill>
-                <a:schemeClr val="tx1">
-                  <a:lumMod val="95000"/>
-                  <a:lumOff val="5000"/>
-                </a:schemeClr>
-              </a:solidFill>
-              <a:latin typeface="나눔고딕" pitchFamily="50" charset="-127"/>
-              <a:ea typeface="나눔고딕" pitchFamily="50" charset="-127"/>
-            </a:endParaRPr>
-          </a:p>
-        </p:txBody>
-      </p:sp>
-      <p:sp>
-        <p:nvSpPr>
-          <p:cNvPr id="25" name="직사각형 24"/>
-          <p:cNvSpPr/>
-          <p:nvPr/>
-        </p:nvSpPr>
-        <p:spPr>
-          <a:xfrm>
-            <a:off x="3635896" y="4653136"/>
-            <a:ext cx="1872208" cy="1440160"/>
-          </a:xfrm>
-          <a:prstGeom prst="rect">
-            <a:avLst/>
-          </a:prstGeom>
-          <a:solidFill>
-            <a:schemeClr val="accent2">
-              <a:lumMod val="40000"/>
-              <a:lumOff val="60000"/>
-              <a:alpha val="25000"/>
-            </a:schemeClr>
-          </a:solidFill>
-        </p:spPr>
-        <p:style>
-          <a:lnRef idx="2">
-            <a:schemeClr val="accent1">
-              <a:shade val="50000"/>
-            </a:schemeClr>
-          </a:lnRef>
-          <a:fillRef idx="1">
-            <a:schemeClr val="accent1"/>
-          </a:fillRef>
-          <a:effectRef idx="0">
-            <a:schemeClr val="accent1"/>
-          </a:effectRef>
-          <a:fontRef idx="minor">
-            <a:schemeClr val="lt1"/>
-          </a:fontRef>
-        </p:style>
-        <p:txBody>
-          <a:bodyPr rtlCol="0" anchor="ctr"/>
-          <a:lstStyle/>
-          <a:p>
-            <a:pPr algn="ctr"/>
-            <a:r>
-              <a:rPr lang="en-US" altLang="ko-KR" sz="2000" dirty="0" err="1" smtClean="0">
-                <a:solidFill>
-                  <a:schemeClr val="tx1">
-                    <a:lumMod val="95000"/>
-                    <a:lumOff val="5000"/>
-                  </a:schemeClr>
-                </a:solidFill>
-                <a:latin typeface="나눔고딕" pitchFamily="50" charset="-127"/>
-                <a:ea typeface="나눔고딕" pitchFamily="50" charset="-127"/>
-              </a:rPr>
-              <a:t>AradonNode</a:t>
-            </a:r>
-            <a:endParaRPr lang="en-US" altLang="ko-KR" sz="2000" dirty="0" smtClean="0">
-              <a:solidFill>
-                <a:schemeClr val="tx1">
-                  <a:lumMod val="95000"/>
-                  <a:lumOff val="5000"/>
-                </a:schemeClr>
-              </a:solidFill>
-              <a:latin typeface="나눔고딕" pitchFamily="50" charset="-127"/>
-              <a:ea typeface="나눔고딕" pitchFamily="50" charset="-127"/>
-            </a:endParaRPr>
-          </a:p>
-          <a:p>
-            <a:pPr algn="ctr"/>
-            <a:endParaRPr lang="en-US" altLang="ko-KR" dirty="0" smtClean="0">
-              <a:solidFill>
-                <a:schemeClr val="tx1">
-                  <a:lumMod val="95000"/>
-                  <a:lumOff val="5000"/>
-                </a:schemeClr>
-              </a:solidFill>
-              <a:latin typeface="나눔고딕" pitchFamily="50" charset="-127"/>
-              <a:ea typeface="나눔고딕" pitchFamily="50" charset="-127"/>
-            </a:endParaRPr>
-          </a:p>
-          <a:p>
-            <a:pPr algn="ctr"/>
-            <a:endParaRPr lang="ko-KR" altLang="en-US" dirty="0">
-              <a:solidFill>
-                <a:schemeClr val="tx1">
-                  <a:lumMod val="95000"/>
-                  <a:lumOff val="5000"/>
-                </a:schemeClr>
-              </a:solidFill>
-              <a:latin typeface="나눔고딕" pitchFamily="50" charset="-127"/>
-              <a:ea typeface="나눔고딕" pitchFamily="50" charset="-127"/>
-            </a:endParaRPr>
-          </a:p>
-        </p:txBody>
-      </p:sp>
-      <p:sp>
-        <p:nvSpPr>
-          <p:cNvPr id="26" name="직사각형 25"/>
-          <p:cNvSpPr/>
-          <p:nvPr/>
-        </p:nvSpPr>
-        <p:spPr>
-          <a:xfrm>
-            <a:off x="5940152" y="4653136"/>
-            <a:ext cx="1872208" cy="1440160"/>
-          </a:xfrm>
-          <a:prstGeom prst="rect">
-            <a:avLst/>
-          </a:prstGeom>
-          <a:solidFill>
-            <a:schemeClr val="accent2">
-              <a:lumMod val="40000"/>
-              <a:lumOff val="60000"/>
-              <a:alpha val="25000"/>
-            </a:schemeClr>
-          </a:solidFill>
-        </p:spPr>
-        <p:style>
-          <a:lnRef idx="2">
-            <a:schemeClr val="accent1">
-              <a:shade val="50000"/>
-            </a:schemeClr>
-          </a:lnRef>
-          <a:fillRef idx="1">
-            <a:schemeClr val="accent1"/>
-          </a:fillRef>
-          <a:effectRef idx="0">
-            <a:schemeClr val="accent1"/>
-          </a:effectRef>
-          <a:fontRef idx="minor">
-            <a:schemeClr val="lt1"/>
-          </a:fontRef>
-        </p:style>
-        <p:txBody>
-          <a:bodyPr rtlCol="0" anchor="ctr"/>
-          <a:lstStyle/>
-          <a:p>
-            <a:pPr algn="ctr"/>
-            <a:r>
-              <a:rPr lang="en-US" altLang="ko-KR" sz="2000" dirty="0" err="1" smtClean="0">
-                <a:solidFill>
-                  <a:schemeClr val="tx1">
-                    <a:lumMod val="95000"/>
-                    <a:lumOff val="5000"/>
-                  </a:schemeClr>
-                </a:solidFill>
-                <a:latin typeface="나눔고딕" pitchFamily="50" charset="-127"/>
-                <a:ea typeface="나눔고딕" pitchFamily="50" charset="-127"/>
-              </a:rPr>
-              <a:t>AradonNode</a:t>
-            </a:r>
-            <a:endParaRPr lang="en-US" altLang="ko-KR" sz="2000" dirty="0" smtClean="0">
-              <a:solidFill>
-                <a:schemeClr val="tx1">
-                  <a:lumMod val="95000"/>
-                  <a:lumOff val="5000"/>
-                </a:schemeClr>
-              </a:solidFill>
-              <a:latin typeface="나눔고딕" pitchFamily="50" charset="-127"/>
-              <a:ea typeface="나눔고딕" pitchFamily="50" charset="-127"/>
-            </a:endParaRPr>
-          </a:p>
-          <a:p>
-            <a:pPr algn="ctr"/>
-            <a:endParaRPr lang="en-US" altLang="ko-KR" dirty="0" smtClean="0">
-              <a:solidFill>
-                <a:schemeClr val="tx1">
-                  <a:lumMod val="95000"/>
-                  <a:lumOff val="5000"/>
-                </a:schemeClr>
-              </a:solidFill>
-              <a:latin typeface="나눔고딕" pitchFamily="50" charset="-127"/>
-              <a:ea typeface="나눔고딕" pitchFamily="50" charset="-127"/>
-            </a:endParaRPr>
-          </a:p>
-          <a:p>
-            <a:pPr algn="ctr"/>
-            <a:endParaRPr lang="ko-KR" altLang="en-US" dirty="0">
-              <a:solidFill>
-                <a:schemeClr val="tx1">
-                  <a:lumMod val="95000"/>
-                  <a:lumOff val="5000"/>
-                </a:schemeClr>
-              </a:solidFill>
-              <a:latin typeface="나눔고딕" pitchFamily="50" charset="-127"/>
-              <a:ea typeface="나눔고딕" pitchFamily="50" charset="-127"/>
-            </a:endParaRPr>
-          </a:p>
-        </p:txBody>
-      </p:sp>
-      <p:sp>
-        <p:nvSpPr>
-          <p:cNvPr id="27" name="왼쪽/오른쪽/위쪽 화살표 26"/>
-          <p:cNvSpPr/>
-          <p:nvPr/>
-        </p:nvSpPr>
-        <p:spPr>
-          <a:xfrm>
-            <a:off x="1331640" y="3717032"/>
-            <a:ext cx="6480720" cy="360040"/>
-          </a:xfrm>
-          <a:prstGeom prst="leftRightUpArrow">
-            <a:avLst/>
-          </a:prstGeom>
-        </p:spPr>
-        <p:style>
-          <a:lnRef idx="2">
-            <a:schemeClr val="accent1">
-              <a:shade val="50000"/>
-            </a:schemeClr>
-          </a:lnRef>
-          <a:fillRef idx="1">
-            <a:schemeClr val="accent1"/>
-          </a:fillRef>
-          <a:effectRef idx="0">
-            <a:schemeClr val="accent1"/>
-          </a:effectRef>
-          <a:fontRef idx="minor">
-            <a:schemeClr val="lt1"/>
-          </a:fontRef>
-        </p:style>
-        <p:txBody>
-          <a:bodyPr rtlCol="0" anchor="ctr"/>
-          <a:lstStyle/>
-          <a:p>
-            <a:pPr algn="ctr"/>
-            <a:endParaRPr lang="ko-KR" altLang="en-US"/>
-          </a:p>
-        </p:txBody>
-      </p:sp>
-      <p:sp>
-        <p:nvSpPr>
-          <p:cNvPr id="28" name="직사각형 27"/>
-          <p:cNvSpPr/>
-          <p:nvPr/>
-        </p:nvSpPr>
-        <p:spPr>
-          <a:xfrm>
-            <a:off x="1763688" y="2132856"/>
-            <a:ext cx="1368152" cy="648072"/>
-          </a:xfrm>
-          <a:prstGeom prst="rect">
-            <a:avLst/>
-          </a:prstGeom>
-          <a:solidFill>
-            <a:schemeClr val="accent2">
-              <a:lumMod val="40000"/>
-              <a:lumOff val="60000"/>
-              <a:alpha val="25000"/>
-            </a:schemeClr>
-          </a:solidFill>
-        </p:spPr>
-        <p:style>
-          <a:lnRef idx="2">
-            <a:schemeClr val="accent1">
-              <a:shade val="50000"/>
-            </a:schemeClr>
-          </a:lnRef>
-          <a:fillRef idx="1">
-            <a:schemeClr val="accent1"/>
-          </a:fillRef>
-          <a:effectRef idx="0">
-            <a:schemeClr val="accent1"/>
-          </a:effectRef>
-          <a:fontRef idx="minor">
-            <a:schemeClr val="lt1"/>
-          </a:fontRef>
-        </p:style>
-        <p:txBody>
-          <a:bodyPr rtlCol="0" anchor="ctr"/>
-          <a:lstStyle/>
-          <a:p>
-            <a:pPr algn="ctr"/>
-            <a:r>
-              <a:rPr lang="en-US" altLang="ko-KR" sz="1200" dirty="0" err="1" smtClean="0">
-                <a:solidFill>
-                  <a:schemeClr val="tx1">
-                    <a:lumMod val="95000"/>
-                    <a:lumOff val="5000"/>
-                  </a:schemeClr>
-                </a:solidFill>
-                <a:latin typeface="나눔고딕" pitchFamily="50" charset="-127"/>
-                <a:ea typeface="나눔고딕" pitchFamily="50" charset="-127"/>
-              </a:rPr>
-              <a:t>AradonClient</a:t>
-            </a:r>
-            <a:endParaRPr lang="ko-KR" altLang="en-US" sz="1200" dirty="0">
-              <a:solidFill>
-                <a:schemeClr val="tx1">
-                  <a:lumMod val="95000"/>
-                  <a:lumOff val="5000"/>
-                </a:schemeClr>
-              </a:solidFill>
-              <a:latin typeface="나눔고딕" pitchFamily="50" charset="-127"/>
-              <a:ea typeface="나눔고딕" pitchFamily="50" charset="-127"/>
-            </a:endParaRPr>
-          </a:p>
-        </p:txBody>
-      </p:sp>
-      <p:sp>
-        <p:nvSpPr>
-          <p:cNvPr id="31" name="직사각형 30"/>
-          <p:cNvSpPr/>
-          <p:nvPr/>
-        </p:nvSpPr>
-        <p:spPr>
-          <a:xfrm>
-            <a:off x="3203848" y="2132856"/>
-            <a:ext cx="1368152" cy="648072"/>
-          </a:xfrm>
-          <a:prstGeom prst="rect">
-            <a:avLst/>
-          </a:prstGeom>
-          <a:solidFill>
-            <a:schemeClr val="accent2">
-              <a:lumMod val="40000"/>
-              <a:lumOff val="60000"/>
-              <a:alpha val="25000"/>
-            </a:schemeClr>
-          </a:solidFill>
-        </p:spPr>
-        <p:style>
-          <a:lnRef idx="2">
-            <a:schemeClr val="accent1">
-              <a:shade val="50000"/>
-            </a:schemeClr>
-          </a:lnRef>
-          <a:fillRef idx="1">
-            <a:schemeClr val="accent1"/>
-          </a:fillRef>
-          <a:effectRef idx="0">
-            <a:schemeClr val="accent1"/>
-          </a:effectRef>
-          <a:fontRef idx="minor">
-            <a:schemeClr val="lt1"/>
-          </a:fontRef>
-        </p:style>
-        <p:txBody>
-          <a:bodyPr rtlCol="0" anchor="ctr"/>
-          <a:lstStyle/>
-          <a:p>
-            <a:pPr algn="ctr"/>
-            <a:r>
-              <a:rPr lang="en-US" altLang="ko-KR" sz="1200" dirty="0" err="1" smtClean="0">
-                <a:solidFill>
-                  <a:schemeClr val="tx1">
-                    <a:lumMod val="95000"/>
-                    <a:lumOff val="5000"/>
-                  </a:schemeClr>
-                </a:solidFill>
-                <a:latin typeface="나눔고딕" pitchFamily="50" charset="-127"/>
-                <a:ea typeface="나눔고딕" pitchFamily="50" charset="-127"/>
-              </a:rPr>
-              <a:t>AradonClient</a:t>
-            </a:r>
-            <a:endParaRPr lang="ko-KR" altLang="en-US" sz="1200" dirty="0">
-              <a:solidFill>
-                <a:schemeClr val="tx1">
-                  <a:lumMod val="95000"/>
-                  <a:lumOff val="5000"/>
-                </a:schemeClr>
-              </a:solidFill>
-              <a:latin typeface="나눔고딕" pitchFamily="50" charset="-127"/>
-              <a:ea typeface="나눔고딕" pitchFamily="50" charset="-127"/>
-            </a:endParaRPr>
-          </a:p>
-        </p:txBody>
-      </p:sp>
-      <p:sp>
-        <p:nvSpPr>
-          <p:cNvPr id="32" name="TextBox 31"/>
-          <p:cNvSpPr txBox="1"/>
-          <p:nvPr/>
-        </p:nvSpPr>
-        <p:spPr>
-          <a:xfrm>
-            <a:off x="3635896" y="4077072"/>
-            <a:ext cx="2374368" cy="369332"/>
-          </a:xfrm>
-          <a:prstGeom prst="rect">
-            <a:avLst/>
-          </a:prstGeom>
-          <a:noFill/>
-        </p:spPr>
-        <p:txBody>
-          <a:bodyPr wrap="none" rtlCol="0">
-            <a:spAutoFit/>
-          </a:bodyPr>
-          <a:lstStyle/>
-          <a:p>
+            <a:ext cx="7467600" cy="2476872"/>
+          </a:xfrm>
+        </p:spPr>
+        <p:txBody>
+          <a:bodyPr/>
+          <a:lstStyle/>
+          <a:p>
+            <a:r>
+              <a:rPr lang="en-US" altLang="ko-KR" dirty="0" err="1" smtClean="0"/>
+              <a:t>Aradon</a:t>
+            </a:r>
             <a:r>
               <a:rPr lang="en-US" altLang="ko-KR" dirty="0" smtClean="0"/>
-              <a:t>Horizontal Scalability</a:t>
-            </a:r>
+              <a:t> </a:t>
+            </a:r>
+            <a:r>
+              <a:rPr lang="en-US" altLang="ko-KR" dirty="0" smtClean="0"/>
+              <a:t>can do</a:t>
+            </a:r>
+            <a:endParaRPr lang="en-US" altLang="ko-KR" dirty="0" smtClean="0"/>
+          </a:p>
+          <a:p>
+            <a:pPr lvl="1"/>
+            <a:r>
+              <a:rPr lang="en-US" altLang="ko-KR" dirty="0" smtClean="0"/>
+              <a:t>Distribute Search/Index Service</a:t>
+            </a:r>
+            <a:endParaRPr lang="en-US" altLang="ko-KR" dirty="0" smtClean="0"/>
+          </a:p>
+          <a:p>
+            <a:pPr lvl="1"/>
+            <a:r>
+              <a:rPr lang="en-US" altLang="ko-KR" dirty="0" smtClean="0"/>
+              <a:t>Distribute Message Service</a:t>
+            </a:r>
+            <a:endParaRPr lang="en-US" altLang="ko-KR" dirty="0" smtClean="0"/>
+          </a:p>
+          <a:p>
+            <a:pPr lvl="1"/>
+            <a:r>
+              <a:rPr lang="en-US" altLang="ko-KR" dirty="0" smtClean="0"/>
+              <a:t>App Game Server</a:t>
+            </a:r>
+            <a:endParaRPr lang="en-US" altLang="ko-KR" dirty="0" smtClean="0"/>
+          </a:p>
+          <a:p>
+            <a:pPr lvl="1"/>
+            <a:r>
+              <a:rPr lang="en-US" altLang="ko-KR" dirty="0" smtClean="0"/>
+              <a:t>Content Repository Service etc</a:t>
+            </a:r>
+            <a:endParaRPr lang="ko-KR" altLang="en-US" dirty="0" smtClean="0"/>
+          </a:p>
+          <a:p>
             <a:endParaRPr lang="ko-KR" altLang="en-US" dirty="0"/>
-          </a:p>
-        </p:txBody>
-      </p:sp>
-      <p:sp>
-        <p:nvSpPr>
-          <p:cNvPr id="33" name="직사각형 32"/>
-          <p:cNvSpPr/>
-          <p:nvPr/>
-        </p:nvSpPr>
-        <p:spPr>
-          <a:xfrm>
-            <a:off x="4644008" y="2132856"/>
-            <a:ext cx="1368152" cy="648072"/>
-          </a:xfrm>
-          <a:prstGeom prst="rect">
-            <a:avLst/>
-          </a:prstGeom>
-          <a:solidFill>
-            <a:schemeClr val="accent2">
-              <a:lumMod val="40000"/>
-              <a:lumOff val="60000"/>
-              <a:alpha val="25000"/>
-            </a:schemeClr>
-          </a:solidFill>
-        </p:spPr>
-        <p:style>
-          <a:lnRef idx="2">
-            <a:schemeClr val="accent1">
-              <a:shade val="50000"/>
-            </a:schemeClr>
-          </a:lnRef>
-          <a:fillRef idx="1">
-            <a:schemeClr val="accent1"/>
-          </a:fillRef>
-          <a:effectRef idx="0">
-            <a:schemeClr val="accent1"/>
-          </a:effectRef>
-          <a:fontRef idx="minor">
-            <a:schemeClr val="lt1"/>
-          </a:fontRef>
-        </p:style>
-        <p:txBody>
-          <a:bodyPr rtlCol="0" anchor="ctr"/>
-          <a:lstStyle/>
-          <a:p>
-            <a:pPr algn="ctr"/>
-            <a:r>
-              <a:rPr lang="en-US" altLang="ko-KR" sz="1200" dirty="0" err="1" smtClean="0">
-                <a:solidFill>
-                  <a:schemeClr val="tx1">
-                    <a:lumMod val="95000"/>
-                    <a:lumOff val="5000"/>
-                  </a:schemeClr>
-                </a:solidFill>
-                <a:latin typeface="나눔고딕" pitchFamily="50" charset="-127"/>
-                <a:ea typeface="나눔고딕" pitchFamily="50" charset="-127"/>
-              </a:rPr>
-              <a:t>AradonClient</a:t>
-            </a:r>
-            <a:endParaRPr lang="ko-KR" altLang="en-US" sz="1200" dirty="0">
-              <a:solidFill>
-                <a:schemeClr val="tx1">
-                  <a:lumMod val="95000"/>
-                  <a:lumOff val="5000"/>
-                </a:schemeClr>
-              </a:solidFill>
-              <a:latin typeface="나눔고딕" pitchFamily="50" charset="-127"/>
-              <a:ea typeface="나눔고딕" pitchFamily="50" charset="-127"/>
-            </a:endParaRPr>
-          </a:p>
-        </p:txBody>
-      </p:sp>
-      <p:sp>
-        <p:nvSpPr>
-          <p:cNvPr id="34" name="위쪽/아래쪽 화살표 33"/>
-          <p:cNvSpPr/>
-          <p:nvPr/>
-        </p:nvSpPr>
-        <p:spPr>
-          <a:xfrm>
-            <a:off x="2627784" y="2924944"/>
-            <a:ext cx="3888432" cy="720080"/>
-          </a:xfrm>
-          <a:prstGeom prst="upDownArrow">
-            <a:avLst>
-              <a:gd name="adj1" fmla="val 37566"/>
-              <a:gd name="adj2" fmla="val 26686"/>
-            </a:avLst>
-          </a:prstGeom>
-        </p:spPr>
-        <p:style>
-          <a:lnRef idx="2">
-            <a:schemeClr val="accent1">
-              <a:shade val="50000"/>
-            </a:schemeClr>
-          </a:lnRef>
-          <a:fillRef idx="1">
-            <a:schemeClr val="accent1"/>
-          </a:fillRef>
-          <a:effectRef idx="0">
-            <a:schemeClr val="accent1"/>
-          </a:effectRef>
-          <a:fontRef idx="minor">
-            <a:schemeClr val="lt1"/>
-          </a:fontRef>
-        </p:style>
-        <p:txBody>
-          <a:bodyPr rtlCol="0" anchor="ctr"/>
-          <a:lstStyle/>
-          <a:p>
-            <a:pPr algn="ctr"/>
-            <a:r>
-              <a:rPr lang="en-US" altLang="ko-KR" dirty="0" smtClean="0"/>
-              <a:t>Request  Response</a:t>
-            </a:r>
-            <a:endParaRPr lang="ko-KR" altLang="en-US" dirty="0"/>
-          </a:p>
-        </p:txBody>
-      </p:sp>
-      <p:sp>
-        <p:nvSpPr>
-          <p:cNvPr id="35" name="직사각형 34"/>
-          <p:cNvSpPr/>
-          <p:nvPr/>
-        </p:nvSpPr>
-        <p:spPr>
-          <a:xfrm>
-            <a:off x="6084168" y="2132856"/>
-            <a:ext cx="1368152" cy="648072"/>
-          </a:xfrm>
-          <a:prstGeom prst="rect">
-            <a:avLst/>
-          </a:prstGeom>
-          <a:solidFill>
-            <a:schemeClr val="accent2">
-              <a:lumMod val="40000"/>
-              <a:lumOff val="60000"/>
-              <a:alpha val="25000"/>
-            </a:schemeClr>
-          </a:solidFill>
-        </p:spPr>
-        <p:style>
-          <a:lnRef idx="2">
-            <a:schemeClr val="accent1">
-              <a:shade val="50000"/>
-            </a:schemeClr>
-          </a:lnRef>
-          <a:fillRef idx="1">
-            <a:schemeClr val="accent1"/>
-          </a:fillRef>
-          <a:effectRef idx="0">
-            <a:schemeClr val="accent1"/>
-          </a:effectRef>
-          <a:fontRef idx="minor">
-            <a:schemeClr val="lt1"/>
-          </a:fontRef>
-        </p:style>
-        <p:txBody>
-          <a:bodyPr rtlCol="0" anchor="ctr"/>
-          <a:lstStyle/>
-          <a:p>
-            <a:pPr algn="ctr"/>
-            <a:r>
-              <a:rPr lang="en-US" altLang="ko-KR" sz="1200" dirty="0" err="1" smtClean="0">
-                <a:solidFill>
-                  <a:schemeClr val="tx1">
-                    <a:lumMod val="95000"/>
-                    <a:lumOff val="5000"/>
-                  </a:schemeClr>
-                </a:solidFill>
-                <a:latin typeface="나눔고딕" pitchFamily="50" charset="-127"/>
-                <a:ea typeface="나눔고딕" pitchFamily="50" charset="-127"/>
-              </a:rPr>
-              <a:t>AradonClient</a:t>
-            </a:r>
-            <a:endParaRPr lang="ko-KR" altLang="en-US" sz="1200" dirty="0">
-              <a:solidFill>
-                <a:schemeClr val="tx1">
-                  <a:lumMod val="95000"/>
-                  <a:lumOff val="5000"/>
-                </a:schemeClr>
-              </a:solidFill>
-              <a:latin typeface="나눔고딕" pitchFamily="50" charset="-127"/>
-              <a:ea typeface="나눔고딕" pitchFamily="50" charset="-127"/>
-            </a:endParaRPr>
           </a:p>
         </p:txBody>
       </p:sp>
@@ -9934,4 +10920,287 @@
   <a:objectDefaults/>
   <a:extraClrSchemeLst/>
 </a:theme>
+</file>
+
+<file path=ppt/theme/theme3.xml><?xml version="1.0" encoding="utf-8"?>
+<a:theme xmlns:a="http://schemas.openxmlformats.org/drawingml/2006/main" name="Office 테마">
+  <a:themeElements>
+    <a:clrScheme name="Office">
+      <a:dk1>
+        <a:sysClr val="windowText" lastClr="000000"/>
+      </a:dk1>
+      <a:lt1>
+        <a:sysClr val="window" lastClr="FFFFFF"/>
+      </a:lt1>
+      <a:dk2>
+        <a:srgbClr val="1F497D"/>
+      </a:dk2>
+      <a:lt2>
+        <a:srgbClr val="EEECE1"/>
+      </a:lt2>
+      <a:accent1>
+        <a:srgbClr val="4F81BD"/>
+      </a:accent1>
+      <a:accent2>
+        <a:srgbClr val="C0504D"/>
+      </a:accent2>
+      <a:accent3>
+        <a:srgbClr val="9BBB59"/>
+      </a:accent3>
+      <a:accent4>
+        <a:srgbClr val="8064A2"/>
+      </a:accent4>
+      <a:accent5>
+        <a:srgbClr val="4BACC6"/>
+      </a:accent5>
+      <a:accent6>
+        <a:srgbClr val="F79646"/>
+      </a:accent6>
+      <a:hlink>
+        <a:srgbClr val="0000FF"/>
+      </a:hlink>
+      <a:folHlink>
+        <a:srgbClr val="800080"/>
+      </a:folHlink>
+    </a:clrScheme>
+    <a:fontScheme name="Office">
+      <a:majorFont>
+        <a:latin typeface="맑은 고딕"/>
+        <a:ea typeface=""/>
+        <a:cs typeface=""/>
+        <a:font script="Jpan" typeface="ＭＳ Ｐゴシック"/>
+        <a:font script="Hang" typeface="맑은 고딕"/>
+        <a:font script="Hans" typeface="宋体"/>
+        <a:font script="Hant" typeface="新細明體"/>
+        <a:font script="Arab" typeface="Times New Roman"/>
+        <a:font script="Hebr" typeface="Times New Roman"/>
+        <a:font script="Thai" typeface="Angsana New"/>
+        <a:font script="Ethi" typeface="Nyala"/>
+        <a:font script="Beng" typeface="Vrinda"/>
+        <a:font script="Gujr" typeface="Shruti"/>
+        <a:font script="Khmr" typeface="MoolBoran"/>
+        <a:font script="Knda" typeface="Tunga"/>
+        <a:font script="Guru" typeface="Raavi"/>
+        <a:font script="Cans" typeface="Euphemia"/>
+        <a:font script="Cher" typeface="Plantagenet Cherokee"/>
+        <a:font script="Yiii" typeface="Microsoft Yi Baiti"/>
+        <a:font script="Tibt" typeface="Microsoft Himalaya"/>
+        <a:font script="Thaa" typeface="MV Boli"/>
+        <a:font script="Deva" typeface="Mangal"/>
+        <a:font script="Telu" typeface="Gautami"/>
+        <a:font script="Taml" typeface="Latha"/>
+        <a:font script="Syrc" typeface="Estrangelo Edessa"/>
+        <a:font script="Orya" typeface="Kalinga"/>
+        <a:font script="Mlym" typeface="Kartika"/>
+        <a:font script="Laoo" typeface="DokChampa"/>
+        <a:font script="Sinh" typeface="Iskoola Pota"/>
+        <a:font script="Mong" typeface="Mongolian Baiti"/>
+        <a:font script="Viet" typeface="Times New Roman"/>
+        <a:font script="Uigh" typeface="Microsoft Uighur"/>
+      </a:majorFont>
+      <a:minorFont>
+        <a:latin typeface="맑은 고딕"/>
+        <a:ea typeface=""/>
+        <a:cs typeface=""/>
+        <a:font script="Jpan" typeface="ＭＳ Ｐゴシック"/>
+        <a:font script="Hang" typeface="맑은 고딕"/>
+        <a:font script="Hans" typeface="宋体"/>
+        <a:font script="Hant" typeface="新細明體"/>
+        <a:font script="Arab" typeface="Arial"/>
+        <a:font script="Hebr" typeface="Arial"/>
+        <a:font script="Thai" typeface="Cordia New"/>
+        <a:font script="Ethi" typeface="Nyala"/>
+        <a:font script="Beng" typeface="Vrinda"/>
+        <a:font script="Gujr" typeface="Shruti"/>
+        <a:font script="Khmr" typeface="DaunPenh"/>
+        <a:font script="Knda" typeface="Tunga"/>
+        <a:font script="Guru" typeface="Raavi"/>
+        <a:font script="Cans" typeface="Euphemia"/>
+        <a:font script="Cher" typeface="Plantagenet Cherokee"/>
+        <a:font script="Yiii" typeface="Microsoft Yi Baiti"/>
+        <a:font script="Tibt" typeface="Microsoft Himalaya"/>
+        <a:font script="Thaa" typeface="MV Boli"/>
+        <a:font script="Deva" typeface="Mangal"/>
+        <a:font script="Telu" typeface="Gautami"/>
+        <a:font script="Taml" typeface="Latha"/>
+        <a:font script="Syrc" typeface="Estrangelo Edessa"/>
+        <a:font script="Orya" typeface="Kalinga"/>
+        <a:font script="Mlym" typeface="Kartika"/>
+        <a:font script="Laoo" typeface="DokChampa"/>
+        <a:font script="Sinh" typeface="Iskoola Pota"/>
+        <a:font script="Mong" typeface="Mongolian Baiti"/>
+        <a:font script="Viet" typeface="Arial"/>
+        <a:font script="Uigh" typeface="Microsoft Uighur"/>
+      </a:minorFont>
+    </a:fontScheme>
+    <a:fmtScheme name="Office">
+      <a:fillStyleLst>
+        <a:solidFill>
+          <a:schemeClr val="phClr"/>
+        </a:solidFill>
+        <a:gradFill rotWithShape="1">
+          <a:gsLst>
+            <a:gs pos="0">
+              <a:schemeClr val="phClr">
+                <a:tint val="50000"/>
+                <a:satMod val="300000"/>
+              </a:schemeClr>
+            </a:gs>
+            <a:gs pos="35000">
+              <a:schemeClr val="phClr">
+                <a:tint val="37000"/>
+                <a:satMod val="300000"/>
+              </a:schemeClr>
+            </a:gs>
+            <a:gs pos="100000">
+              <a:schemeClr val="phClr">
+                <a:tint val="15000"/>
+                <a:satMod val="350000"/>
+              </a:schemeClr>
+            </a:gs>
+          </a:gsLst>
+          <a:lin ang="16200000" scaled="1"/>
+        </a:gradFill>
+        <a:gradFill rotWithShape="1">
+          <a:gsLst>
+            <a:gs pos="0">
+              <a:schemeClr val="phClr">
+                <a:shade val="51000"/>
+                <a:satMod val="130000"/>
+              </a:schemeClr>
+            </a:gs>
+            <a:gs pos="80000">
+              <a:schemeClr val="phClr">
+                <a:shade val="93000"/>
+                <a:satMod val="130000"/>
+              </a:schemeClr>
+            </a:gs>
+            <a:gs pos="100000">
+              <a:schemeClr val="phClr">
+                <a:shade val="94000"/>
+                <a:satMod val="135000"/>
+              </a:schemeClr>
+            </a:gs>
+          </a:gsLst>
+          <a:lin ang="16200000" scaled="0"/>
+        </a:gradFill>
+      </a:fillStyleLst>
+      <a:lnStyleLst>
+        <a:ln w="9525" cap="flat" cmpd="sng" algn="ctr">
+          <a:solidFill>
+            <a:schemeClr val="phClr">
+              <a:shade val="95000"/>
+              <a:satMod val="105000"/>
+            </a:schemeClr>
+          </a:solidFill>
+          <a:prstDash val="solid"/>
+        </a:ln>
+        <a:ln w="25400" cap="flat" cmpd="sng" algn="ctr">
+          <a:solidFill>
+            <a:schemeClr val="phClr"/>
+          </a:solidFill>
+          <a:prstDash val="solid"/>
+        </a:ln>
+        <a:ln w="38100" cap="flat" cmpd="sng" algn="ctr">
+          <a:solidFill>
+            <a:schemeClr val="phClr"/>
+          </a:solidFill>
+          <a:prstDash val="solid"/>
+        </a:ln>
+      </a:lnStyleLst>
+      <a:effectStyleLst>
+        <a:effectStyle>
+          <a:effectLst>
+            <a:outerShdw blurRad="40000" dist="20000" dir="5400000" rotWithShape="0">
+              <a:srgbClr val="000000">
+                <a:alpha val="38000"/>
+              </a:srgbClr>
+            </a:outerShdw>
+          </a:effectLst>
+        </a:effectStyle>
+        <a:effectStyle>
+          <a:effectLst>
+            <a:outerShdw blurRad="40000" dist="23000" dir="5400000" rotWithShape="0">
+              <a:srgbClr val="000000">
+                <a:alpha val="35000"/>
+              </a:srgbClr>
+            </a:outerShdw>
+          </a:effectLst>
+        </a:effectStyle>
+        <a:effectStyle>
+          <a:effectLst>
+            <a:outerShdw blurRad="40000" dist="23000" dir="5400000" rotWithShape="0">
+              <a:srgbClr val="000000">
+                <a:alpha val="35000"/>
+              </a:srgbClr>
+            </a:outerShdw>
+          </a:effectLst>
+          <a:scene3d>
+            <a:camera prst="orthographicFront">
+              <a:rot lat="0" lon="0" rev="0"/>
+            </a:camera>
+            <a:lightRig rig="threePt" dir="t">
+              <a:rot lat="0" lon="0" rev="1200000"/>
+            </a:lightRig>
+          </a:scene3d>
+          <a:sp3d>
+            <a:bevelT w="63500" h="25400"/>
+          </a:sp3d>
+        </a:effectStyle>
+      </a:effectStyleLst>
+      <a:bgFillStyleLst>
+        <a:solidFill>
+          <a:schemeClr val="phClr"/>
+        </a:solidFill>
+        <a:gradFill rotWithShape="1">
+          <a:gsLst>
+            <a:gs pos="0">
+              <a:schemeClr val="phClr">
+                <a:tint val="40000"/>
+                <a:satMod val="350000"/>
+              </a:schemeClr>
+            </a:gs>
+            <a:gs pos="40000">
+              <a:schemeClr val="phClr">
+                <a:tint val="45000"/>
+                <a:shade val="99000"/>
+                <a:satMod val="350000"/>
+              </a:schemeClr>
+            </a:gs>
+            <a:gs pos="100000">
+              <a:schemeClr val="phClr">
+                <a:shade val="20000"/>
+                <a:satMod val="255000"/>
+              </a:schemeClr>
+            </a:gs>
+          </a:gsLst>
+          <a:path path="circle">
+            <a:fillToRect l="50000" t="-80000" r="50000" b="180000"/>
+          </a:path>
+        </a:gradFill>
+        <a:gradFill rotWithShape="1">
+          <a:gsLst>
+            <a:gs pos="0">
+              <a:schemeClr val="phClr">
+                <a:tint val="80000"/>
+                <a:satMod val="300000"/>
+              </a:schemeClr>
+            </a:gs>
+            <a:gs pos="100000">
+              <a:schemeClr val="phClr">
+                <a:shade val="30000"/>
+                <a:satMod val="200000"/>
+              </a:schemeClr>
+            </a:gs>
+          </a:gsLst>
+          <a:path path="circle">
+            <a:fillToRect l="50000" t="50000" r="50000" b="50000"/>
+          </a:path>
+        </a:gradFill>
+      </a:bgFillStyleLst>
+    </a:fmtScheme>
+  </a:themeElements>
+  <a:objectDefaults/>
+  <a:extraClrSchemeLst/>
+</a:theme>
 </file>
--- a/resource/docs/ServicePlatformAradon.pptx
+++ b/resource/docs/ServicePlatformAradon.pptx
@@ -724,16 +724,6 @@
           </a:p>
           <a:p>
             <a:endParaRPr lang="en-US" altLang="ko-KR" dirty="0" smtClean="0"/>
-          </a:p>
-          <a:p>
-            <a:endParaRPr lang="en-US" altLang="ko-KR" dirty="0" smtClean="0"/>
-          </a:p>
-          <a:p>
-            <a:r>
-              <a:rPr lang="en-US" altLang="ko-KR" dirty="0" smtClean="0"/>
-              <a:t>http://timothyfitz.wordpress.com/2009/02/12/why-http/</a:t>
-            </a:r>
-            <a:endParaRPr lang="ko-KR" altLang="en-US" dirty="0"/>
           </a:p>
         </p:txBody>
       </p:sp>
@@ -6905,12 +6895,13 @@
             </a:r>
             <a:r>
               <a:rPr lang="en-US" altLang="ko-KR" dirty="0" err="1" smtClean="0"/>
-              <a:t>aradon</a:t>
+              <a:t>Aradon</a:t>
             </a:r>
             <a:r>
               <a:rPr lang="en-US" altLang="ko-KR" dirty="0" smtClean="0"/>
               <a:t> </a:t>
             </a:r>
+            <a:endParaRPr lang="en-US" altLang="ko-KR" dirty="0" smtClean="0"/>
           </a:p>
           <a:p>
             <a:endParaRPr lang="en-US" altLang="ko-KR" dirty="0" smtClean="0"/>
@@ -9127,7 +9118,58 @@
                 <a:ea typeface="+mn-ea"/>
                 <a:cs typeface="+mn-cs"/>
               </a:rPr>
-              <a:t>Distributed With </a:t>
+              <a:t>Distributed </a:t>
+            </a:r>
+            <a:r>
+              <a:rPr kumimoji="0" lang="en-US" altLang="ko-KR" sz="2000" b="0" i="0" u="none" strike="noStrike" kern="1200" cap="none" spc="0" normalizeH="0" baseline="0" noProof="0" dirty="0" err="1" smtClean="0">
+                <a:ln>
+                  <a:noFill/>
+                </a:ln>
+                <a:solidFill>
+                  <a:schemeClr val="tx1"/>
+                </a:solidFill>
+                <a:effectLst/>
+                <a:uLnTx/>
+                <a:uFillTx/>
+                <a:latin typeface="+mn-lt"/>
+                <a:ea typeface="+mn-ea"/>
+                <a:cs typeface="+mn-cs"/>
+              </a:rPr>
+              <a:t>Aradon</a:t>
+            </a:r>
+            <a:r>
+              <a:rPr kumimoji="0" lang="en-US" altLang="ko-KR" sz="2000" b="0" i="0" u="none" strike="noStrike" kern="1200" cap="none" spc="0" normalizeH="0" baseline="0" noProof="0" dirty="0" smtClean="0">
+                <a:ln>
+                  <a:noFill/>
+                </a:ln>
+                <a:solidFill>
+                  <a:schemeClr val="tx1"/>
+                </a:solidFill>
+                <a:effectLst/>
+                <a:uLnTx/>
+                <a:uFillTx/>
+                <a:latin typeface="+mn-lt"/>
+                <a:ea typeface="+mn-ea"/>
+                <a:cs typeface="+mn-cs"/>
+              </a:rPr>
+              <a:t> </a:t>
+            </a:r>
+            <a:r>
+              <a:rPr kumimoji="0" lang="en-US" altLang="ko-KR" sz="2000" b="0" i="0" u="none" strike="noStrike" kern="1200" cap="none" spc="0" normalizeH="0" baseline="0" noProof="0" dirty="0" smtClean="0">
+                <a:ln>
+                  <a:noFill/>
+                </a:ln>
+                <a:solidFill>
+                  <a:schemeClr val="tx1"/>
+                </a:solidFill>
+                <a:effectLst/>
+                <a:uLnTx/>
+                <a:uFillTx/>
+                <a:latin typeface="+mn-lt"/>
+                <a:ea typeface="+mn-ea"/>
+                <a:cs typeface="+mn-cs"/>
+              </a:rPr>
+              <a:t>With </a:t>
             </a:r>
             <a:r>
               <a:rPr kumimoji="0" lang="en-US" altLang="ko-KR" sz="2000" b="0" i="0" u="none" strike="noStrike" kern="1200" cap="none" spc="0" normalizeH="0" baseline="0" noProof="0" dirty="0" err="1" smtClean="0">

--- a/resource/docs/ServicePlatformAradon.pptx
+++ b/resource/docs/ServicePlatformAradon.pptx
@@ -5,10 +5,10 @@
     <p:sldMasterId id="2147483660" r:id="rId1"/>
   </p:sldMasterIdLst>
   <p:notesMasterIdLst>
-    <p:notesMasterId r:id="rId12"/>
+    <p:notesMasterId r:id="rId13"/>
   </p:notesMasterIdLst>
   <p:handoutMasterIdLst>
-    <p:handoutMasterId r:id="rId13"/>
+    <p:handoutMasterId r:id="rId14"/>
   </p:handoutMasterIdLst>
   <p:sldIdLst>
     <p:sldId id="256" r:id="rId2"/>
@@ -21,6 +21,7 @@
     <p:sldId id="261" r:id="rId9"/>
     <p:sldId id="266" r:id="rId10"/>
     <p:sldId id="268" r:id="rId11"/>
+    <p:sldId id="269" r:id="rId12"/>
   </p:sldIdLst>
   <p:sldSz cx="9144000" cy="6858000" type="screen4x3"/>
   <p:notesSz cx="6858000" cy="9144000"/>
@@ -205,7 +206,7 @@
             <a:fld id="{753888B0-E178-4354-B999-6C6C812A09E4}" type="datetimeFigureOut">
               <a:rPr lang="ko-KR" altLang="en-US" smtClean="0"/>
               <a:pPr/>
-              <a:t>2012-09-10</a:t>
+              <a:t>2012-09-18</a:t>
             </a:fld>
             <a:endParaRPr lang="ko-KR" altLang="en-US"/>
           </a:p>
@@ -367,7 +368,7 @@
             <a:fld id="{52833BFF-905B-4AAD-AFB5-710128F96403}" type="datetimeFigureOut">
               <a:rPr lang="ko-KR" altLang="en-US" smtClean="0"/>
               <a:pPr/>
-              <a:t>2012-09-10</a:t>
+              <a:t>2012-09-18</a:t>
             </a:fld>
             <a:endParaRPr lang="ko-KR" altLang="en-US"/>
           </a:p>
@@ -1745,6 +1746,144 @@
 </p:notes>
 </file>
 
+<file path=ppt/notesSlides/notesSlide9.xml><?xml version="1.0" encoding="utf-8"?>
+<p:notes xmlns:a="http://schemas.openxmlformats.org/drawingml/2006/main" xmlns:r="http://schemas.openxmlformats.org/officeDocument/2006/relationships" xmlns:p="http://schemas.openxmlformats.org/presentationml/2006/main">
+  <p:cSld>
+    <p:spTree>
+      <p:nvGrpSpPr>
+        <p:cNvPr id="1" name=""/>
+        <p:cNvGrpSpPr/>
+        <p:nvPr/>
+      </p:nvGrpSpPr>
+      <p:grpSpPr>
+        <a:xfrm>
+          <a:off x="0" y="0"/>
+          <a:ext cx="0" cy="0"/>
+          <a:chOff x="0" y="0"/>
+          <a:chExt cx="0" cy="0"/>
+        </a:xfrm>
+      </p:grpSpPr>
+      <p:sp>
+        <p:nvSpPr>
+          <p:cNvPr id="2" name="슬라이드 이미지 개체 틀 1"/>
+          <p:cNvSpPr>
+            <a:spLocks noGrp="1" noRot="1" noChangeAspect="1"/>
+          </p:cNvSpPr>
+          <p:nvPr>
+            <p:ph type="sldImg"/>
+          </p:nvPr>
+        </p:nvSpPr>
+        <p:spPr/>
+      </p:sp>
+      <p:sp>
+        <p:nvSpPr>
+          <p:cNvPr id="3" name="슬라이드 노트 개체 틀 2"/>
+          <p:cNvSpPr>
+            <a:spLocks noGrp="1"/>
+          </p:cNvSpPr>
+          <p:nvPr>
+            <p:ph type="body" idx="1"/>
+          </p:nvPr>
+        </p:nvSpPr>
+        <p:spPr/>
+        <p:txBody>
+          <a:bodyPr>
+            <a:normAutofit/>
+          </a:bodyPr>
+          <a:lstStyle/>
+          <a:p>
+            <a:r>
+              <a:rPr lang="en-US" altLang="ko-KR" b="1" dirty="0" err="1" smtClean="0"/>
+              <a:t>Multitenancy</a:t>
+            </a:r>
+            <a:r>
+              <a:rPr lang="en-US" altLang="ko-KR" dirty="0" smtClean="0"/>
+              <a:t> refers to a principle in </a:t>
+            </a:r>
+            <a:r>
+              <a:rPr lang="en-US" altLang="ko-KR" dirty="0" smtClean="0">
+                <a:hlinkClick r:id="rId3" tooltip="Software architecture"/>
+              </a:rPr>
+              <a:t>software architecture</a:t>
+            </a:r>
+            <a:r>
+              <a:rPr lang="en-US" altLang="ko-KR" dirty="0" smtClean="0"/>
+              <a:t> where a single instance of the </a:t>
+            </a:r>
+            <a:r>
+              <a:rPr lang="en-US" altLang="ko-KR" dirty="0" smtClean="0">
+                <a:hlinkClick r:id="rId4" tooltip="Computer software"/>
+              </a:rPr>
+              <a:t>software</a:t>
+            </a:r>
+            <a:r>
+              <a:rPr lang="en-US" altLang="ko-KR" dirty="0" smtClean="0"/>
+              <a:t> runs on a server, serving multiple client organizations (tenants). </a:t>
+            </a:r>
+            <a:r>
+              <a:rPr lang="en-US" altLang="ko-KR" dirty="0" err="1" smtClean="0"/>
+              <a:t>Multitenancy</a:t>
+            </a:r>
+            <a:r>
+              <a:rPr lang="en-US" altLang="ko-KR" dirty="0" smtClean="0"/>
+              <a:t> is contrasted with a multi-instance architecture where separate software instances (or hardware systems) are set up for different client organizations. With a multitenant architecture, a </a:t>
+            </a:r>
+            <a:r>
+              <a:rPr lang="en-US" altLang="ko-KR" dirty="0" smtClean="0">
+                <a:hlinkClick r:id="rId5" tooltip="Application software"/>
+              </a:rPr>
+              <a:t>software application</a:t>
+            </a:r>
+            <a:r>
+              <a:rPr lang="en-US" altLang="ko-KR" dirty="0" smtClean="0"/>
+              <a:t> is designed to virtually </a:t>
+            </a:r>
+            <a:r>
+              <a:rPr lang="en-US" altLang="ko-KR" dirty="0" smtClean="0">
+                <a:hlinkClick r:id="rId6" tooltip="Partition (mainframe)"/>
+              </a:rPr>
+              <a:t>partition</a:t>
+            </a:r>
+            <a:r>
+              <a:rPr lang="en-US" altLang="ko-KR" dirty="0" smtClean="0"/>
+              <a:t> its data and configuration, and each client organization works with a customized virtual application instance.</a:t>
+            </a:r>
+            <a:endParaRPr lang="ko-KR" altLang="en-US" dirty="0"/>
+          </a:p>
+        </p:txBody>
+      </p:sp>
+      <p:sp>
+        <p:nvSpPr>
+          <p:cNvPr id="4" name="슬라이드 번호 개체 틀 3"/>
+          <p:cNvSpPr>
+            <a:spLocks noGrp="1"/>
+          </p:cNvSpPr>
+          <p:nvPr>
+            <p:ph type="sldNum" sz="quarter" idx="10"/>
+          </p:nvPr>
+        </p:nvSpPr>
+        <p:spPr/>
+        <p:txBody>
+          <a:bodyPr/>
+          <a:lstStyle/>
+          <a:p>
+            <a:fld id="{1DC14717-F6B7-44DD-B750-228F6B2EB3C4}" type="slidenum">
+              <a:rPr lang="ko-KR" altLang="en-US" smtClean="0"/>
+              <a:pPr/>
+              <a:t>11</a:t>
+            </a:fld>
+            <a:endParaRPr lang="ko-KR" altLang="en-US"/>
+          </a:p>
+        </p:txBody>
+      </p:sp>
+    </p:spTree>
+  </p:cSld>
+  <p:clrMapOvr>
+    <a:masterClrMapping/>
+  </p:clrMapOvr>
+</p:notes>
+</file>
+
 <file path=ppt/slideLayouts/slideLayout1.xml><?xml version="1.0" encoding="utf-8"?>
 <p:sldLayout xmlns:a="http://schemas.openxmlformats.org/drawingml/2006/main" xmlns:r="http://schemas.openxmlformats.org/officeDocument/2006/relationships" xmlns:p="http://schemas.openxmlformats.org/presentationml/2006/main" showMasterSp="0" type="title" preserve="1">
   <p:cSld name="제목 슬라이드">
@@ -1883,7 +2022,7 @@
             <a:fld id="{0772CA07-ADC5-4316-B40E-D9864AA22A19}" type="datetimeFigureOut">
               <a:rPr lang="ko-KR" altLang="en-US" smtClean="0"/>
               <a:pPr/>
-              <a:t>2012-09-10</a:t>
+              <a:t>2012-09-18</a:t>
             </a:fld>
             <a:endParaRPr lang="ko-KR" altLang="en-US"/>
           </a:p>
@@ -2754,7 +2893,7 @@
             <a:fld id="{0772CA07-ADC5-4316-B40E-D9864AA22A19}" type="datetimeFigureOut">
               <a:rPr lang="ko-KR" altLang="en-US" smtClean="0"/>
               <a:pPr/>
-              <a:t>2012-09-10</a:t>
+              <a:t>2012-09-18</a:t>
             </a:fld>
             <a:endParaRPr lang="ko-KR" altLang="en-US"/>
           </a:p>
@@ -2931,7 +3070,7 @@
             <a:fld id="{0772CA07-ADC5-4316-B40E-D9864AA22A19}" type="datetimeFigureOut">
               <a:rPr lang="ko-KR" altLang="en-US" smtClean="0"/>
               <a:pPr/>
-              <a:t>2012-09-10</a:t>
+              <a:t>2012-09-18</a:t>
             </a:fld>
             <a:endParaRPr lang="ko-KR" altLang="en-US"/>
           </a:p>
@@ -3103,7 +3242,7 @@
             <a:fld id="{0772CA07-ADC5-4316-B40E-D9864AA22A19}" type="datetimeFigureOut">
               <a:rPr lang="ko-KR" altLang="en-US" smtClean="0"/>
               <a:pPr/>
-              <a:t>2012-09-10</a:t>
+              <a:t>2012-09-18</a:t>
             </a:fld>
             <a:endParaRPr lang="ko-KR" altLang="en-US"/>
           </a:p>
@@ -3315,7 +3454,7 @@
             <a:fld id="{0772CA07-ADC5-4316-B40E-D9864AA22A19}" type="datetimeFigureOut">
               <a:rPr lang="ko-KR" altLang="en-US" smtClean="0"/>
               <a:pPr/>
-              <a:t>2012-09-10</a:t>
+              <a:t>2012-09-18</a:t>
             </a:fld>
             <a:endParaRPr lang="ko-KR" altLang="en-US"/>
           </a:p>
@@ -4131,7 +4270,7 @@
             <a:fld id="{0772CA07-ADC5-4316-B40E-D9864AA22A19}" type="datetimeFigureOut">
               <a:rPr lang="ko-KR" altLang="en-US" smtClean="0"/>
               <a:pPr/>
-              <a:t>2012-09-10</a:t>
+              <a:t>2012-09-18</a:t>
             </a:fld>
             <a:endParaRPr lang="ko-KR" altLang="en-US"/>
           </a:p>
@@ -4369,7 +4508,7 @@
             <a:fld id="{0772CA07-ADC5-4316-B40E-D9864AA22A19}" type="datetimeFigureOut">
               <a:rPr lang="ko-KR" altLang="en-US" smtClean="0"/>
               <a:pPr/>
-              <a:t>2012-09-10</a:t>
+              <a:t>2012-09-18</a:t>
             </a:fld>
             <a:endParaRPr lang="ko-KR" altLang="en-US"/>
           </a:p>
@@ -4694,7 +4833,7 @@
             <a:fld id="{0772CA07-ADC5-4316-B40E-D9864AA22A19}" type="datetimeFigureOut">
               <a:rPr lang="ko-KR" altLang="en-US" smtClean="0"/>
               <a:pPr/>
-              <a:t>2012-09-10</a:t>
+              <a:t>2012-09-18</a:t>
             </a:fld>
             <a:endParaRPr lang="ko-KR" altLang="en-US"/>
           </a:p>
@@ -4786,7 +4925,7 @@
             <a:fld id="{0772CA07-ADC5-4316-B40E-D9864AA22A19}" type="datetimeFigureOut">
               <a:rPr lang="ko-KR" altLang="en-US" smtClean="0"/>
               <a:pPr/>
-              <a:t>2012-09-10</a:t>
+              <a:t>2012-09-18</a:t>
             </a:fld>
             <a:endParaRPr lang="ko-KR" altLang="en-US"/>
           </a:p>
@@ -5305,7 +5444,7 @@
             <a:fld id="{0772CA07-ADC5-4316-B40E-D9864AA22A19}" type="datetimeFigureOut">
               <a:rPr lang="ko-KR" altLang="en-US" smtClean="0"/>
               <a:pPr/>
-              <a:t>2012-09-10</a:t>
+              <a:t>2012-09-18</a:t>
             </a:fld>
             <a:endParaRPr lang="ko-KR" altLang="en-US"/>
           </a:p>
@@ -5818,7 +5957,7 @@
             <a:fld id="{0772CA07-ADC5-4316-B40E-D9864AA22A19}" type="datetimeFigureOut">
               <a:rPr lang="ko-KR" altLang="en-US" smtClean="0"/>
               <a:pPr/>
-              <a:t>2012-09-10</a:t>
+              <a:t>2012-09-18</a:t>
             </a:fld>
             <a:endParaRPr lang="ko-KR" altLang="en-US"/>
           </a:p>
@@ -6065,7 +6204,7 @@
             <a:fld id="{0772CA07-ADC5-4316-B40E-D9864AA22A19}" type="datetimeFigureOut">
               <a:rPr lang="ko-KR" altLang="en-US" smtClean="0"/>
               <a:pPr/>
-              <a:t>2012-09-10</a:t>
+              <a:t>2012-09-18</a:t>
             </a:fld>
             <a:endParaRPr lang="ko-KR" altLang="en-US"/>
           </a:p>
@@ -6761,6 +6900,181 @@
           <a:p>
             <a:r>
               <a:rPr lang="en-US" altLang="ko-KR" dirty="0" smtClean="0"/>
+              <a:t>Project</a:t>
+            </a:r>
+            <a:endParaRPr lang="ko-KR" altLang="en-US" dirty="0"/>
+          </a:p>
+        </p:txBody>
+      </p:sp>
+      <p:sp>
+        <p:nvSpPr>
+          <p:cNvPr id="3" name="내용 개체 틀 2"/>
+          <p:cNvSpPr>
+            <a:spLocks noGrp="1"/>
+          </p:cNvSpPr>
+          <p:nvPr>
+            <p:ph sz="quarter" idx="1"/>
+          </p:nvPr>
+        </p:nvSpPr>
+        <p:spPr>
+          <a:xfrm>
+            <a:off x="457200" y="1600200"/>
+            <a:ext cx="7715200" cy="4637112"/>
+          </a:xfrm>
+        </p:spPr>
+        <p:txBody>
+          <a:bodyPr>
+            <a:noAutofit/>
+          </a:bodyPr>
+          <a:lstStyle/>
+          <a:p>
+            <a:endParaRPr lang="ko-KR" altLang="en-US" sz="1400" dirty="0" smtClean="0"/>
+          </a:p>
+          <a:p>
+            <a:r>
+              <a:rPr lang="en-US" altLang="ko-KR" dirty="0" err="1" smtClean="0"/>
+              <a:t>Aradon</a:t>
+            </a:r>
+            <a:endParaRPr lang="en-US" altLang="ko-KR" dirty="0" smtClean="0"/>
+          </a:p>
+          <a:p>
+            <a:pPr lvl="1"/>
+            <a:r>
+              <a:rPr lang="en-US" altLang="ko-KR" sz="1800" dirty="0" smtClean="0"/>
+              <a:t>Server </a:t>
+            </a:r>
+            <a:r>
+              <a:rPr lang="en-US" altLang="ko-KR" sz="1800" dirty="0" smtClean="0"/>
+              <a:t>: https://github.com/bleujin/aradon </a:t>
+            </a:r>
+          </a:p>
+          <a:p>
+            <a:pPr lvl="1"/>
+            <a:r>
+              <a:rPr lang="en-US" altLang="ko-KR" sz="1800" dirty="0" smtClean="0"/>
+              <a:t>Client </a:t>
+            </a:r>
+            <a:r>
+              <a:rPr lang="en-US" altLang="ko-KR" sz="1800" dirty="0" smtClean="0"/>
+              <a:t>: https://github.com/bleujin/aradonClient</a:t>
+            </a:r>
+          </a:p>
+          <a:p>
+            <a:pPr lvl="1"/>
+            <a:r>
+              <a:rPr lang="en-US" altLang="ko-KR" sz="1800" dirty="0" smtClean="0"/>
+              <a:t>Extend </a:t>
+            </a:r>
+            <a:r>
+              <a:rPr lang="en-US" altLang="ko-KR" sz="1800" dirty="0" smtClean="0"/>
+              <a:t>: https://github.com/bleujin/aradonExtend</a:t>
+            </a:r>
+          </a:p>
+          <a:p>
+            <a:pPr lvl="1"/>
+            <a:r>
+              <a:rPr lang="en-US" altLang="ko-KR" sz="1800" dirty="0" smtClean="0"/>
+              <a:t>Agent </a:t>
+            </a:r>
+            <a:r>
+              <a:rPr lang="en-US" altLang="ko-KR" sz="1800" dirty="0" smtClean="0"/>
+              <a:t>: ...</a:t>
+            </a:r>
+          </a:p>
+          <a:p>
+            <a:endParaRPr lang="en-US" altLang="ko-KR" sz="1800" dirty="0" smtClean="0"/>
+          </a:p>
+          <a:p>
+            <a:pPr lvl="1"/>
+            <a:r>
+              <a:rPr lang="en-US" altLang="ko-KR" sz="1800" dirty="0" smtClean="0"/>
+              <a:t>doc : http://bleujin.springnote.com/pages/8011148</a:t>
+            </a:r>
+          </a:p>
+          <a:p>
+            <a:endParaRPr lang="en-US" altLang="ko-KR" dirty="0" smtClean="0"/>
+          </a:p>
+          <a:p>
+            <a:r>
+              <a:rPr lang="en-US" altLang="ko-KR" dirty="0" smtClean="0"/>
+              <a:t>etc..</a:t>
+            </a:r>
+          </a:p>
+          <a:p>
+            <a:pPr lvl="1"/>
+            <a:r>
+              <a:rPr lang="en-US" altLang="ko-KR" sz="1800" dirty="0" err="1" smtClean="0"/>
+              <a:t>Craken</a:t>
+            </a:r>
+            <a:r>
+              <a:rPr lang="en-US" altLang="ko-KR" sz="1800" dirty="0" smtClean="0"/>
+              <a:t> </a:t>
+            </a:r>
+            <a:r>
+              <a:rPr lang="en-US" altLang="ko-KR" sz="1800" dirty="0" smtClean="0"/>
+              <a:t>: https://github.com/bleujin/craken</a:t>
+            </a:r>
+          </a:p>
+          <a:p>
+            <a:pPr lvl="1"/>
+            <a:r>
+              <a:rPr lang="en-US" altLang="ko-KR" sz="1800" dirty="0" err="1" smtClean="0"/>
+              <a:t>ionfw</a:t>
+            </a:r>
+            <a:r>
+              <a:rPr lang="en-US" altLang="ko-KR" sz="1800" dirty="0" smtClean="0"/>
+              <a:t> </a:t>
+            </a:r>
+            <a:r>
+              <a:rPr lang="en-US" altLang="ko-KR" sz="1800" dirty="0" smtClean="0"/>
+              <a:t>:  https://github.com/bleujin/ionframework</a:t>
+            </a:r>
+            <a:endParaRPr lang="ko-KR" altLang="en-US" sz="1800" dirty="0"/>
+          </a:p>
+        </p:txBody>
+      </p:sp>
+    </p:spTree>
+  </p:cSld>
+  <p:clrMapOvr>
+    <a:masterClrMapping/>
+  </p:clrMapOvr>
+</p:sld>
+</file>
+
+<file path=ppt/slides/slide11.xml><?xml version="1.0" encoding="utf-8"?>
+<p:sld xmlns:a="http://schemas.openxmlformats.org/drawingml/2006/main" xmlns:r="http://schemas.openxmlformats.org/officeDocument/2006/relationships" xmlns:p="http://schemas.openxmlformats.org/presentationml/2006/main">
+  <p:cSld>
+    <p:spTree>
+      <p:nvGrpSpPr>
+        <p:cNvPr id="1" name=""/>
+        <p:cNvGrpSpPr/>
+        <p:nvPr/>
+      </p:nvGrpSpPr>
+      <p:grpSpPr>
+        <a:xfrm>
+          <a:off x="0" y="0"/>
+          <a:ext cx="0" cy="0"/>
+          <a:chOff x="0" y="0"/>
+          <a:chExt cx="0" cy="0"/>
+        </a:xfrm>
+      </p:grpSpPr>
+      <p:sp>
+        <p:nvSpPr>
+          <p:cNvPr id="2" name="제목 1"/>
+          <p:cNvSpPr>
+            <a:spLocks noGrp="1"/>
+          </p:cNvSpPr>
+          <p:nvPr>
+            <p:ph type="title"/>
+          </p:nvPr>
+        </p:nvSpPr>
+        <p:spPr/>
+        <p:txBody>
+          <a:bodyPr/>
+          <a:lstStyle/>
+          <a:p>
+            <a:r>
+              <a:rPr lang="en-US" altLang="ko-KR" dirty="0" smtClean="0"/>
               <a:t>Demo</a:t>
             </a:r>
             <a:endParaRPr lang="ko-KR" altLang="en-US" dirty="0"/>
@@ -6901,7 +7215,6 @@
               <a:rPr lang="en-US" altLang="ko-KR" dirty="0" smtClean="0"/>
               <a:t> </a:t>
             </a:r>
-            <a:endParaRPr lang="en-US" altLang="ko-KR" dirty="0" smtClean="0"/>
           </a:p>
           <a:p>
             <a:endParaRPr lang="en-US" altLang="ko-KR" dirty="0" smtClean="0"/>
@@ -7202,11 +7515,7 @@
             <a:pPr lvl="1"/>
             <a:r>
               <a:rPr lang="en-US" altLang="ko-KR" dirty="0" smtClean="0"/>
-              <a:t>quick/easy </a:t>
-            </a:r>
-            <a:r>
-              <a:rPr lang="en-US" altLang="ko-KR" dirty="0" smtClean="0"/>
-              <a:t>deploy &amp; Test</a:t>
+              <a:t>quick/easy deploy &amp; Test</a:t>
             </a:r>
           </a:p>
           <a:p>
@@ -7345,48 +7654,93 @@
           </a:p>
           <a:p>
             <a:r>
+              <a:rPr lang="en-US" altLang="ko-KR" dirty="0" smtClean="0">
+                <a:latin typeface="HY중고딕" pitchFamily="18" charset="-127"/>
+                <a:ea typeface="HY중고딕" pitchFamily="18" charset="-127"/>
+              </a:rPr>
+              <a:t>Why not </a:t>
+            </a:r>
+            <a:r>
+              <a:rPr lang="en-US" altLang="ko-KR" dirty="0" err="1" smtClean="0">
+                <a:latin typeface="HY중고딕" pitchFamily="18" charset="-127"/>
+                <a:ea typeface="HY중고딕" pitchFamily="18" charset="-127"/>
+              </a:rPr>
+              <a:t>Servlet</a:t>
+            </a:r>
+            <a:r>
+              <a:rPr lang="en-US" altLang="ko-KR" dirty="0" smtClean="0">
+                <a:latin typeface="HY중고딕" pitchFamily="18" charset="-127"/>
+                <a:ea typeface="HY중고딕" pitchFamily="18" charset="-127"/>
+              </a:rPr>
+              <a:t> based Platform</a:t>
+            </a:r>
+          </a:p>
+          <a:p>
+            <a:pPr lvl="1"/>
+            <a:r>
+              <a:rPr lang="en-US" altLang="ko-KR" dirty="0" err="1" smtClean="0">
+                <a:latin typeface="HY중고딕" pitchFamily="18" charset="-127"/>
+                <a:ea typeface="HY중고딕" pitchFamily="18" charset="-127"/>
+              </a:rPr>
+              <a:t>Servlet</a:t>
+            </a:r>
+            <a:r>
+              <a:rPr lang="ko-KR" altLang="en-US" dirty="0" smtClean="0">
+                <a:latin typeface="HY중고딕" pitchFamily="18" charset="-127"/>
+                <a:ea typeface="HY중고딕" pitchFamily="18" charset="-127"/>
+              </a:rPr>
+              <a:t>의 한계</a:t>
+            </a:r>
+            <a:r>
+              <a:rPr lang="en-US" altLang="ko-KR" dirty="0" smtClean="0">
+                <a:latin typeface="HY중고딕" pitchFamily="18" charset="-127"/>
+                <a:ea typeface="HY중고딕" pitchFamily="18" charset="-127"/>
+              </a:rPr>
+              <a:t>: </a:t>
+            </a:r>
+            <a:r>
+              <a:rPr lang="en-US" altLang="ko-KR" dirty="0" smtClean="0">
+                <a:latin typeface="HY중고딕" pitchFamily="18" charset="-127"/>
+                <a:ea typeface="HY중고딕" pitchFamily="18" charset="-127"/>
+              </a:rPr>
+              <a:t/>
+            </a:r>
+            <a:br>
+              <a:rPr lang="en-US" altLang="ko-KR" dirty="0" smtClean="0">
+                <a:latin typeface="HY중고딕" pitchFamily="18" charset="-127"/>
+                <a:ea typeface="HY중고딕" pitchFamily="18" charset="-127"/>
+              </a:rPr>
+            </a:br>
+            <a:r>
+              <a:rPr lang="en-US" altLang="ko-KR" dirty="0" smtClean="0">
+                <a:latin typeface="HY중고딕" pitchFamily="18" charset="-127"/>
+                <a:ea typeface="HY중고딕" pitchFamily="18" charset="-127"/>
+              </a:rPr>
+              <a:t>Connected Web, Streaming, Split Service, Data Serialization</a:t>
+            </a:r>
+          </a:p>
+          <a:p>
+            <a:pPr lvl="1"/>
+            <a:r>
+              <a:rPr lang="en-US" altLang="ko-KR" dirty="0" smtClean="0">
+                <a:latin typeface="HY중고딕" pitchFamily="18" charset="-127"/>
+                <a:ea typeface="HY중고딕" pitchFamily="18" charset="-127"/>
+              </a:rPr>
+              <a:t>Required High Scalability</a:t>
+            </a:r>
+          </a:p>
+          <a:p>
+            <a:pPr lvl="1"/>
+            <a:r>
+              <a:rPr lang="en-US" altLang="ko-KR" dirty="0" smtClean="0">
+                <a:latin typeface="HY중고딕" pitchFamily="18" charset="-127"/>
+                <a:ea typeface="HY중고딕" pitchFamily="18" charset="-127"/>
+              </a:rPr>
+              <a:t>Not Fun and Not Productive</a:t>
+            </a:r>
+            <a:r>
               <a:rPr lang="en-US" altLang="ko-KR" dirty="0" smtClean="0"/>
-              <a:t>Why not </a:t>
-            </a:r>
-            <a:r>
-              <a:rPr lang="en-US" altLang="ko-KR" dirty="0" err="1" smtClean="0"/>
-              <a:t>Servlet</a:t>
-            </a:r>
-            <a:r>
-              <a:rPr lang="en-US" altLang="ko-KR" dirty="0" smtClean="0"/>
-              <a:t> based Platform</a:t>
-            </a:r>
-          </a:p>
-          <a:p>
-            <a:pPr lvl="1"/>
-            <a:r>
-              <a:rPr lang="en-US" altLang="ko-KR" dirty="0" err="1" smtClean="0"/>
-              <a:t>Servlet</a:t>
-            </a:r>
-            <a:r>
-              <a:rPr lang="en-US" altLang="ko-KR" dirty="0" smtClean="0"/>
-              <a:t> Arch Limit : </a:t>
-            </a:r>
-            <a:br>
-              <a:rPr lang="en-US" altLang="ko-KR" dirty="0" smtClean="0"/>
-            </a:br>
-            <a:r>
-              <a:rPr lang="en-US" altLang="ko-KR" dirty="0" smtClean="0"/>
-              <a:t>Connected Web, Streaming, Split Service, Data Serialization</a:t>
-            </a:r>
-          </a:p>
-          <a:p>
-            <a:pPr lvl="1"/>
-            <a:r>
-              <a:rPr lang="en-US" altLang="ko-KR" dirty="0" smtClean="0"/>
-              <a:t>Required High Scalability</a:t>
-            </a:r>
-          </a:p>
-          <a:p>
-            <a:pPr lvl="1"/>
-            <a:r>
-              <a:rPr lang="en-US" altLang="ko-KR" dirty="0" smtClean="0"/>
-              <a:t>Not Fun and Not Productive</a:t>
+              <a:t/>
             </a:r>
             <a:br>
               <a:rPr lang="en-US" altLang="ko-KR" dirty="0" smtClean="0"/>
@@ -9152,24 +9506,7 @@
                 <a:ea typeface="+mn-ea"/>
                 <a:cs typeface="+mn-cs"/>
               </a:rPr>
-              <a:t> </a:t>
-            </a:r>
-            <a:r>
-              <a:rPr kumimoji="0" lang="en-US" altLang="ko-KR" sz="2000" b="0" i="0" u="none" strike="noStrike" kern="1200" cap="none" spc="0" normalizeH="0" baseline="0" noProof="0" dirty="0" smtClean="0">
-                <a:ln>
-                  <a:noFill/>
-                </a:ln>
-                <a:solidFill>
-                  <a:schemeClr val="tx1"/>
-                </a:solidFill>
-                <a:effectLst/>
-                <a:uLnTx/>
-                <a:uFillTx/>
-                <a:latin typeface="+mn-lt"/>
-                <a:ea typeface="+mn-ea"/>
-                <a:cs typeface="+mn-cs"/>
-              </a:rPr>
-              <a:t>With </a:t>
+              <a:t> With </a:t>
             </a:r>
             <a:r>
               <a:rPr kumimoji="0" lang="en-US" altLang="ko-KR" sz="2000" b="0" i="0" u="none" strike="noStrike" kern="1200" cap="none" spc="0" normalizeH="0" baseline="0" noProof="0" dirty="0" err="1" smtClean="0">
@@ -10130,11 +10467,7 @@
           <a:p>
             <a:r>
               <a:rPr lang="en-US" altLang="ko-KR" dirty="0" smtClean="0"/>
-              <a:t>Why use HTTP </a:t>
-            </a:r>
-            <a:r>
-              <a:rPr lang="en-US" altLang="ko-KR" dirty="0" smtClean="0"/>
-              <a:t>Protocol in </a:t>
+              <a:t>Why use HTTP Protocol in </a:t>
             </a:r>
             <a:r>
               <a:rPr lang="en-US" altLang="ko-KR" dirty="0" err="1" smtClean="0"/>
@@ -10234,11 +10567,7 @@
             <a:pPr lvl="1"/>
             <a:r>
               <a:rPr lang="en-US" altLang="ko-KR" dirty="0" smtClean="0"/>
-              <a:t>From Software </a:t>
-            </a:r>
-            <a:r>
-              <a:rPr lang="en-US" altLang="ko-KR" dirty="0" smtClean="0"/>
-              <a:t>To Service</a:t>
+              <a:t>From Software To Service</a:t>
             </a:r>
             <a:endParaRPr lang="ko-KR" altLang="en-US" dirty="0" smtClean="0"/>
           </a:p>
@@ -10335,13 +10664,8 @@
             </a:r>
             <a:r>
               <a:rPr lang="en-US" altLang="ko-KR" dirty="0" smtClean="0"/>
-              <a:t> </a:t>
-            </a:r>
-            <a:r>
-              <a:rPr lang="en-US" altLang="ko-KR" dirty="0" smtClean="0"/>
-              <a:t>can do</a:t>
-            </a:r>
-            <a:endParaRPr lang="en-US" altLang="ko-KR" dirty="0" smtClean="0"/>
+              <a:t> can do</a:t>
+            </a:r>
           </a:p>
           <a:p>
             <a:pPr lvl="1"/>
@@ -10349,7 +10673,6 @@
               <a:rPr lang="en-US" altLang="ko-KR" dirty="0" smtClean="0"/>
               <a:t>Distribute Search/Index Service</a:t>
             </a:r>
-            <a:endParaRPr lang="en-US" altLang="ko-KR" dirty="0" smtClean="0"/>
           </a:p>
           <a:p>
             <a:pPr lvl="1"/>
@@ -10357,7 +10680,6 @@
               <a:rPr lang="en-US" altLang="ko-KR" dirty="0" smtClean="0"/>
               <a:t>Distribute Message Service</a:t>
             </a:r>
-            <a:endParaRPr lang="en-US" altLang="ko-KR" dirty="0" smtClean="0"/>
           </a:p>
           <a:p>
             <a:pPr lvl="1"/>
@@ -10365,7 +10687,6 @@
               <a:rPr lang="en-US" altLang="ko-KR" dirty="0" smtClean="0"/>
               <a:t>App Game Server</a:t>
             </a:r>
-            <a:endParaRPr lang="en-US" altLang="ko-KR" dirty="0" smtClean="0"/>
           </a:p>
           <a:p>
             <a:pPr lvl="1"/>

--- a/resource/docs/ServicePlatformAradon.pptx
+++ b/resource/docs/ServicePlatformAradon.pptx
@@ -206,7 +206,7 @@
             <a:fld id="{753888B0-E178-4354-B999-6C6C812A09E4}" type="datetimeFigureOut">
               <a:rPr lang="ko-KR" altLang="en-US" smtClean="0"/>
               <a:pPr/>
-              <a:t>2012-09-18</a:t>
+              <a:t>2012-10-30</a:t>
             </a:fld>
             <a:endParaRPr lang="ko-KR" altLang="en-US"/>
           </a:p>
@@ -368,7 +368,7 @@
             <a:fld id="{52833BFF-905B-4AAD-AFB5-710128F96403}" type="datetimeFigureOut">
               <a:rPr lang="ko-KR" altLang="en-US" smtClean="0"/>
               <a:pPr/>
-              <a:t>2012-09-18</a:t>
+              <a:t>2012-10-30</a:t>
             </a:fld>
             <a:endParaRPr lang="ko-KR" altLang="en-US"/>
           </a:p>
@@ -2022,7 +2022,7 @@
             <a:fld id="{0772CA07-ADC5-4316-B40E-D9864AA22A19}" type="datetimeFigureOut">
               <a:rPr lang="ko-KR" altLang="en-US" smtClean="0"/>
               <a:pPr/>
-              <a:t>2012-09-18</a:t>
+              <a:t>2012-10-30</a:t>
             </a:fld>
             <a:endParaRPr lang="ko-KR" altLang="en-US"/>
           </a:p>
@@ -2893,7 +2893,7 @@
             <a:fld id="{0772CA07-ADC5-4316-B40E-D9864AA22A19}" type="datetimeFigureOut">
               <a:rPr lang="ko-KR" altLang="en-US" smtClean="0"/>
               <a:pPr/>
-              <a:t>2012-09-18</a:t>
+              <a:t>2012-10-30</a:t>
             </a:fld>
             <a:endParaRPr lang="ko-KR" altLang="en-US"/>
           </a:p>
@@ -3070,7 +3070,7 @@
             <a:fld id="{0772CA07-ADC5-4316-B40E-D9864AA22A19}" type="datetimeFigureOut">
               <a:rPr lang="ko-KR" altLang="en-US" smtClean="0"/>
               <a:pPr/>
-              <a:t>2012-09-18</a:t>
+              <a:t>2012-10-30</a:t>
             </a:fld>
             <a:endParaRPr lang="ko-KR" altLang="en-US"/>
           </a:p>
@@ -3242,7 +3242,7 @@
             <a:fld id="{0772CA07-ADC5-4316-B40E-D9864AA22A19}" type="datetimeFigureOut">
               <a:rPr lang="ko-KR" altLang="en-US" smtClean="0"/>
               <a:pPr/>
-              <a:t>2012-09-18</a:t>
+              <a:t>2012-10-30</a:t>
             </a:fld>
             <a:endParaRPr lang="ko-KR" altLang="en-US"/>
           </a:p>
@@ -3454,7 +3454,7 @@
             <a:fld id="{0772CA07-ADC5-4316-B40E-D9864AA22A19}" type="datetimeFigureOut">
               <a:rPr lang="ko-KR" altLang="en-US" smtClean="0"/>
               <a:pPr/>
-              <a:t>2012-09-18</a:t>
+              <a:t>2012-10-30</a:t>
             </a:fld>
             <a:endParaRPr lang="ko-KR" altLang="en-US"/>
           </a:p>
@@ -4270,7 +4270,7 @@
             <a:fld id="{0772CA07-ADC5-4316-B40E-D9864AA22A19}" type="datetimeFigureOut">
               <a:rPr lang="ko-KR" altLang="en-US" smtClean="0"/>
               <a:pPr/>
-              <a:t>2012-09-18</a:t>
+              <a:t>2012-10-30</a:t>
             </a:fld>
             <a:endParaRPr lang="ko-KR" altLang="en-US"/>
           </a:p>
@@ -4508,7 +4508,7 @@
             <a:fld id="{0772CA07-ADC5-4316-B40E-D9864AA22A19}" type="datetimeFigureOut">
               <a:rPr lang="ko-KR" altLang="en-US" smtClean="0"/>
               <a:pPr/>
-              <a:t>2012-09-18</a:t>
+              <a:t>2012-10-30</a:t>
             </a:fld>
             <a:endParaRPr lang="ko-KR" altLang="en-US"/>
           </a:p>
@@ -4833,7 +4833,7 @@
             <a:fld id="{0772CA07-ADC5-4316-B40E-D9864AA22A19}" type="datetimeFigureOut">
               <a:rPr lang="ko-KR" altLang="en-US" smtClean="0"/>
               <a:pPr/>
-              <a:t>2012-09-18</a:t>
+              <a:t>2012-10-30</a:t>
             </a:fld>
             <a:endParaRPr lang="ko-KR" altLang="en-US"/>
           </a:p>
@@ -4925,7 +4925,7 @@
             <a:fld id="{0772CA07-ADC5-4316-B40E-D9864AA22A19}" type="datetimeFigureOut">
               <a:rPr lang="ko-KR" altLang="en-US" smtClean="0"/>
               <a:pPr/>
-              <a:t>2012-09-18</a:t>
+              <a:t>2012-10-30</a:t>
             </a:fld>
             <a:endParaRPr lang="ko-KR" altLang="en-US"/>
           </a:p>
@@ -5444,7 +5444,7 @@
             <a:fld id="{0772CA07-ADC5-4316-B40E-D9864AA22A19}" type="datetimeFigureOut">
               <a:rPr lang="ko-KR" altLang="en-US" smtClean="0"/>
               <a:pPr/>
-              <a:t>2012-09-18</a:t>
+              <a:t>2012-10-30</a:t>
             </a:fld>
             <a:endParaRPr lang="ko-KR" altLang="en-US"/>
           </a:p>
@@ -5957,7 +5957,7 @@
             <a:fld id="{0772CA07-ADC5-4316-B40E-D9864AA22A19}" type="datetimeFigureOut">
               <a:rPr lang="ko-KR" altLang="en-US" smtClean="0"/>
               <a:pPr/>
-              <a:t>2012-09-18</a:t>
+              <a:t>2012-10-30</a:t>
             </a:fld>
             <a:endParaRPr lang="ko-KR" altLang="en-US"/>
           </a:p>
@@ -6204,7 +6204,7 @@
             <a:fld id="{0772CA07-ADC5-4316-B40E-D9864AA22A19}" type="datetimeFigureOut">
               <a:rPr lang="ko-KR" altLang="en-US" smtClean="0"/>
               <a:pPr/>
-              <a:t>2012-09-18</a:t>
+              <a:t>2012-10-30</a:t>
             </a:fld>
             <a:endParaRPr lang="ko-KR" altLang="en-US"/>
           </a:p>
@@ -6941,44 +6941,28 @@
             <a:pPr lvl="1"/>
             <a:r>
               <a:rPr lang="en-US" altLang="ko-KR" sz="1800" dirty="0" smtClean="0"/>
-              <a:t>Server </a:t>
-            </a:r>
+              <a:t>Server : https://github.com/bleujin/aradon </a:t>
+            </a:r>
+          </a:p>
+          <a:p>
+            <a:pPr lvl="1"/>
             <a:r>
               <a:rPr lang="en-US" altLang="ko-KR" sz="1800" dirty="0" smtClean="0"/>
-              <a:t>: https://github.com/bleujin/aradon </a:t>
+              <a:t>Client : https://github.com/bleujin/aradonClient</a:t>
             </a:r>
           </a:p>
           <a:p>
             <a:pPr lvl="1"/>
             <a:r>
               <a:rPr lang="en-US" altLang="ko-KR" sz="1800" dirty="0" smtClean="0"/>
-              <a:t>Client </a:t>
-            </a:r>
+              <a:t>Extend : https://github.com/bleujin/aradonExtend</a:t>
+            </a:r>
+          </a:p>
+          <a:p>
+            <a:pPr lvl="1"/>
             <a:r>
               <a:rPr lang="en-US" altLang="ko-KR" sz="1800" dirty="0" smtClean="0"/>
-              <a:t>: https://github.com/bleujin/aradonClient</a:t>
-            </a:r>
-          </a:p>
-          <a:p>
-            <a:pPr lvl="1"/>
-            <a:r>
-              <a:rPr lang="en-US" altLang="ko-KR" sz="1800" dirty="0" smtClean="0"/>
-              <a:t>Extend </a:t>
-            </a:r>
-            <a:r>
-              <a:rPr lang="en-US" altLang="ko-KR" sz="1800" dirty="0" smtClean="0"/>
-              <a:t>: https://github.com/bleujin/aradonExtend</a:t>
-            </a:r>
-          </a:p>
-          <a:p>
-            <a:pPr lvl="1"/>
-            <a:r>
-              <a:rPr lang="en-US" altLang="ko-KR" sz="1800" dirty="0" smtClean="0"/>
-              <a:t>Agent </a:t>
-            </a:r>
-            <a:r>
-              <a:rPr lang="en-US" altLang="ko-KR" sz="1800" dirty="0" smtClean="0"/>
-              <a:t>: ...</a:t>
+              <a:t>Agent : ...</a:t>
             </a:r>
           </a:p>
           <a:p>
@@ -7008,11 +6992,7 @@
             </a:r>
             <a:r>
               <a:rPr lang="en-US" altLang="ko-KR" sz="1800" dirty="0" smtClean="0"/>
-              <a:t> </a:t>
-            </a:r>
-            <a:r>
-              <a:rPr lang="en-US" altLang="ko-KR" sz="1800" dirty="0" smtClean="0"/>
-              <a:t>: https://github.com/bleujin/craken</a:t>
+              <a:t> : https://github.com/bleujin/craken</a:t>
             </a:r>
           </a:p>
           <a:p>
@@ -7023,11 +7003,7 @@
             </a:r>
             <a:r>
               <a:rPr lang="en-US" altLang="ko-KR" sz="1800" dirty="0" smtClean="0"/>
-              <a:t> </a:t>
-            </a:r>
-            <a:r>
-              <a:rPr lang="en-US" altLang="ko-KR" sz="1800" dirty="0" smtClean="0"/>
-              <a:t>:  https://github.com/bleujin/ionframework</a:t>
+              <a:t> :  https://github.com/bleujin/ionframework</a:t>
             </a:r>
             <a:endParaRPr lang="ko-KR" altLang="en-US" sz="1800" dirty="0"/>
           </a:p>
@@ -7697,13 +7673,6 @@
                 <a:ea typeface="HY중고딕" pitchFamily="18" charset="-127"/>
               </a:rPr>
               <a:t>: </a:t>
-            </a:r>
-            <a:r>
-              <a:rPr lang="en-US" altLang="ko-KR" dirty="0" smtClean="0">
-                <a:latin typeface="HY중고딕" pitchFamily="18" charset="-127"/>
-                <a:ea typeface="HY중고딕" pitchFamily="18" charset="-127"/>
-              </a:rPr>
-              <a:t/>
             </a:r>
             <a:br>
               <a:rPr lang="en-US" altLang="ko-KR" dirty="0" smtClean="0">
